--- a/presentation materials/PresentationPowerpoint.pptx
+++ b/presentation materials/PresentationPowerpoint.pptx
@@ -5,12 +5,16 @@
     <p:sldMasterId id="2147483648" r:id="rId1"/>
   </p:sldMasterIdLst>
   <p:notesMasterIdLst>
-    <p:notesMasterId r:id="rId5"/>
+    <p:notesMasterId r:id="rId9"/>
   </p:notesMasterIdLst>
   <p:sldIdLst>
     <p:sldId id="256" r:id="rId2"/>
     <p:sldId id="257" r:id="rId3"/>
     <p:sldId id="260" r:id="rId4"/>
+    <p:sldId id="261" r:id="rId5"/>
+    <p:sldId id="262" r:id="rId6"/>
+    <p:sldId id="263" r:id="rId7"/>
+    <p:sldId id="264" r:id="rId8"/>
   </p:sldIdLst>
   <p:sldSz cx="12192000" cy="6858000"/>
   <p:notesSz cx="6858000" cy="9144000"/>
@@ -109,6 +113,11 @@
       </a:defRPr>
     </a:lvl9pPr>
   </p:defaultTextStyle>
+  <p:extLst>
+    <p:ext uri="{EFAFB233-063F-42B5-8137-9DF3F51BA10A}">
+      <p15:sldGuideLst xmlns:p15="http://schemas.microsoft.com/office/powerpoint/2012/main"/>
+    </p:ext>
+  </p:extLst>
 </p:presentation>
 </file>
 
@@ -194,7 +203,7 @@
           <a:p>
             <a:fld id="{E2737A28-5715-4514-9EDA-FF51BF978D2E}" type="datetimeFigureOut">
               <a:rPr lang="en-US" smtClean="0"/>
-              <a:t>11/19/2024</a:t>
+              <a:t>11/21/2024</a:t>
             </a:fld>
             <a:endParaRPr lang="en-US"/>
           </a:p>
@@ -505,10 +514,7 @@
           <a:bodyPr/>
           <a:lstStyle/>
           <a:p>
-            <a:r>
-              <a:rPr lang="en-US" dirty="0"/>
-              <a:t>Revise!!!!</a:t>
-            </a:r>
+            <a:endParaRPr lang="en-US" dirty="0"/>
           </a:p>
         </p:txBody>
       </p:sp>
@@ -650,6 +656,450 @@
     <p:extLst>
       <p:ext uri="{BB962C8B-B14F-4D97-AF65-F5344CB8AC3E}">
         <p14:creationId xmlns:p14="http://schemas.microsoft.com/office/powerpoint/2010/main" val="2618761111"/>
+      </p:ext>
+    </p:extLst>
+  </p:cSld>
+  <p:clrMapOvr>
+    <a:masterClrMapping/>
+  </p:clrMapOvr>
+</p:notes>
+</file>
+
+<file path=ppt/notesSlides/notesSlide3.xml><?xml version="1.0" encoding="utf-8"?>
+<p:notes xmlns:a="http://schemas.openxmlformats.org/drawingml/2006/main" xmlns:r="http://schemas.openxmlformats.org/officeDocument/2006/relationships" xmlns:p="http://schemas.openxmlformats.org/presentationml/2006/main">
+  <p:cSld>
+    <p:spTree>
+      <p:nvGrpSpPr>
+        <p:cNvPr id="1" name="">
+          <a:extLst>
+            <a:ext uri="{FF2B5EF4-FFF2-40B4-BE49-F238E27FC236}">
+              <a16:creationId xmlns:a16="http://schemas.microsoft.com/office/drawing/2014/main" id="{D0C49EEE-C805-15CF-2030-362FBF1C6205}"/>
+            </a:ext>
+          </a:extLst>
+        </p:cNvPr>
+        <p:cNvGrpSpPr/>
+        <p:nvPr/>
+      </p:nvGrpSpPr>
+      <p:grpSpPr>
+        <a:xfrm>
+          <a:off x="0" y="0"/>
+          <a:ext cx="0" cy="0"/>
+          <a:chOff x="0" y="0"/>
+          <a:chExt cx="0" cy="0"/>
+        </a:xfrm>
+      </p:grpSpPr>
+      <p:sp>
+        <p:nvSpPr>
+          <p:cNvPr id="2" name="Slide Image Placeholder 1">
+            <a:extLst>
+              <a:ext uri="{FF2B5EF4-FFF2-40B4-BE49-F238E27FC236}">
+                <a16:creationId xmlns:a16="http://schemas.microsoft.com/office/drawing/2014/main" id="{2CADBB2F-00C5-0B1A-E043-1F3CDAC87909}"/>
+              </a:ext>
+            </a:extLst>
+          </p:cNvPr>
+          <p:cNvSpPr>
+            <a:spLocks noGrp="1" noRot="1" noChangeAspect="1"/>
+          </p:cNvSpPr>
+          <p:nvPr>
+            <p:ph type="sldImg"/>
+          </p:nvPr>
+        </p:nvSpPr>
+        <p:spPr/>
+      </p:sp>
+      <p:sp>
+        <p:nvSpPr>
+          <p:cNvPr id="3" name="Notes Placeholder 2">
+            <a:extLst>
+              <a:ext uri="{FF2B5EF4-FFF2-40B4-BE49-F238E27FC236}">
+                <a16:creationId xmlns:a16="http://schemas.microsoft.com/office/drawing/2014/main" id="{B98ECB45-0FDB-D7C7-B931-C75E03B7C68C}"/>
+              </a:ext>
+            </a:extLst>
+          </p:cNvPr>
+          <p:cNvSpPr>
+            <a:spLocks noGrp="1"/>
+          </p:cNvSpPr>
+          <p:nvPr>
+            <p:ph type="body" idx="1"/>
+          </p:nvPr>
+        </p:nvSpPr>
+        <p:spPr/>
+        <p:txBody>
+          <a:bodyPr/>
+          <a:lstStyle/>
+          <a:p>
+            <a:r>
+              <a:rPr lang="en-US" dirty="0"/>
+              <a:t>Revise!!!!</a:t>
+            </a:r>
+          </a:p>
+        </p:txBody>
+      </p:sp>
+      <p:sp>
+        <p:nvSpPr>
+          <p:cNvPr id="4" name="Slide Number Placeholder 3">
+            <a:extLst>
+              <a:ext uri="{FF2B5EF4-FFF2-40B4-BE49-F238E27FC236}">
+                <a16:creationId xmlns:a16="http://schemas.microsoft.com/office/drawing/2014/main" id="{5BD40A48-CD94-0E0B-39A2-842CF29AE9C8}"/>
+              </a:ext>
+            </a:extLst>
+          </p:cNvPr>
+          <p:cNvSpPr>
+            <a:spLocks noGrp="1"/>
+          </p:cNvSpPr>
+          <p:nvPr>
+            <p:ph type="sldNum" sz="quarter" idx="5"/>
+          </p:nvPr>
+        </p:nvSpPr>
+        <p:spPr/>
+        <p:txBody>
+          <a:bodyPr/>
+          <a:lstStyle/>
+          <a:p>
+            <a:fld id="{3382154C-195E-409D-B180-B9427288A4D3}" type="slidenum">
+              <a:rPr lang="en-US" smtClean="0"/>
+              <a:t>4</a:t>
+            </a:fld>
+            <a:endParaRPr lang="en-US"/>
+          </a:p>
+        </p:txBody>
+      </p:sp>
+    </p:spTree>
+    <p:extLst>
+      <p:ext uri="{BB962C8B-B14F-4D97-AF65-F5344CB8AC3E}">
+        <p14:creationId xmlns:p14="http://schemas.microsoft.com/office/powerpoint/2010/main" val="2572047936"/>
+      </p:ext>
+    </p:extLst>
+  </p:cSld>
+  <p:clrMapOvr>
+    <a:masterClrMapping/>
+  </p:clrMapOvr>
+</p:notes>
+</file>
+
+<file path=ppt/notesSlides/notesSlide4.xml><?xml version="1.0" encoding="utf-8"?>
+<p:notes xmlns:a="http://schemas.openxmlformats.org/drawingml/2006/main" xmlns:r="http://schemas.openxmlformats.org/officeDocument/2006/relationships" xmlns:p="http://schemas.openxmlformats.org/presentationml/2006/main">
+  <p:cSld>
+    <p:spTree>
+      <p:nvGrpSpPr>
+        <p:cNvPr id="1" name="">
+          <a:extLst>
+            <a:ext uri="{FF2B5EF4-FFF2-40B4-BE49-F238E27FC236}">
+              <a16:creationId xmlns:a16="http://schemas.microsoft.com/office/drawing/2014/main" id="{D817FC2B-EFFA-5060-6AE4-B5D9B3C67BAE}"/>
+            </a:ext>
+          </a:extLst>
+        </p:cNvPr>
+        <p:cNvGrpSpPr/>
+        <p:nvPr/>
+      </p:nvGrpSpPr>
+      <p:grpSpPr>
+        <a:xfrm>
+          <a:off x="0" y="0"/>
+          <a:ext cx="0" cy="0"/>
+          <a:chOff x="0" y="0"/>
+          <a:chExt cx="0" cy="0"/>
+        </a:xfrm>
+      </p:grpSpPr>
+      <p:sp>
+        <p:nvSpPr>
+          <p:cNvPr id="2" name="Slide Image Placeholder 1">
+            <a:extLst>
+              <a:ext uri="{FF2B5EF4-FFF2-40B4-BE49-F238E27FC236}">
+                <a16:creationId xmlns:a16="http://schemas.microsoft.com/office/drawing/2014/main" id="{21620D48-4F33-0615-EFB5-62B54D74E033}"/>
+              </a:ext>
+            </a:extLst>
+          </p:cNvPr>
+          <p:cNvSpPr>
+            <a:spLocks noGrp="1" noRot="1" noChangeAspect="1"/>
+          </p:cNvSpPr>
+          <p:nvPr>
+            <p:ph type="sldImg"/>
+          </p:nvPr>
+        </p:nvSpPr>
+        <p:spPr/>
+      </p:sp>
+      <p:sp>
+        <p:nvSpPr>
+          <p:cNvPr id="3" name="Notes Placeholder 2">
+            <a:extLst>
+              <a:ext uri="{FF2B5EF4-FFF2-40B4-BE49-F238E27FC236}">
+                <a16:creationId xmlns:a16="http://schemas.microsoft.com/office/drawing/2014/main" id="{6508ED96-A501-A586-C414-F3EC0E6B0BC4}"/>
+              </a:ext>
+            </a:extLst>
+          </p:cNvPr>
+          <p:cNvSpPr>
+            <a:spLocks noGrp="1"/>
+          </p:cNvSpPr>
+          <p:nvPr>
+            <p:ph type="body" idx="1"/>
+          </p:nvPr>
+        </p:nvSpPr>
+        <p:spPr/>
+        <p:txBody>
+          <a:bodyPr/>
+          <a:lstStyle/>
+          <a:p>
+            <a:r>
+              <a:rPr lang="en-US" dirty="0"/>
+              <a:t>Revise!!!!</a:t>
+            </a:r>
+          </a:p>
+        </p:txBody>
+      </p:sp>
+      <p:sp>
+        <p:nvSpPr>
+          <p:cNvPr id="4" name="Slide Number Placeholder 3">
+            <a:extLst>
+              <a:ext uri="{FF2B5EF4-FFF2-40B4-BE49-F238E27FC236}">
+                <a16:creationId xmlns:a16="http://schemas.microsoft.com/office/drawing/2014/main" id="{C6361ABA-1FDB-53DB-B509-4666B4760AD3}"/>
+              </a:ext>
+            </a:extLst>
+          </p:cNvPr>
+          <p:cNvSpPr>
+            <a:spLocks noGrp="1"/>
+          </p:cNvSpPr>
+          <p:nvPr>
+            <p:ph type="sldNum" sz="quarter" idx="5"/>
+          </p:nvPr>
+        </p:nvSpPr>
+        <p:spPr/>
+        <p:txBody>
+          <a:bodyPr/>
+          <a:lstStyle/>
+          <a:p>
+            <a:fld id="{3382154C-195E-409D-B180-B9427288A4D3}" type="slidenum">
+              <a:rPr lang="en-US" smtClean="0"/>
+              <a:t>5</a:t>
+            </a:fld>
+            <a:endParaRPr lang="en-US"/>
+          </a:p>
+        </p:txBody>
+      </p:sp>
+    </p:spTree>
+    <p:extLst>
+      <p:ext uri="{BB962C8B-B14F-4D97-AF65-F5344CB8AC3E}">
+        <p14:creationId xmlns:p14="http://schemas.microsoft.com/office/powerpoint/2010/main" val="2290031757"/>
+      </p:ext>
+    </p:extLst>
+  </p:cSld>
+  <p:clrMapOvr>
+    <a:masterClrMapping/>
+  </p:clrMapOvr>
+</p:notes>
+</file>
+
+<file path=ppt/notesSlides/notesSlide5.xml><?xml version="1.0" encoding="utf-8"?>
+<p:notes xmlns:a="http://schemas.openxmlformats.org/drawingml/2006/main" xmlns:r="http://schemas.openxmlformats.org/officeDocument/2006/relationships" xmlns:p="http://schemas.openxmlformats.org/presentationml/2006/main">
+  <p:cSld>
+    <p:spTree>
+      <p:nvGrpSpPr>
+        <p:cNvPr id="1" name="">
+          <a:extLst>
+            <a:ext uri="{FF2B5EF4-FFF2-40B4-BE49-F238E27FC236}">
+              <a16:creationId xmlns:a16="http://schemas.microsoft.com/office/drawing/2014/main" id="{E789BF9E-694D-E1A5-845E-175D6928302B}"/>
+            </a:ext>
+          </a:extLst>
+        </p:cNvPr>
+        <p:cNvGrpSpPr/>
+        <p:nvPr/>
+      </p:nvGrpSpPr>
+      <p:grpSpPr>
+        <a:xfrm>
+          <a:off x="0" y="0"/>
+          <a:ext cx="0" cy="0"/>
+          <a:chOff x="0" y="0"/>
+          <a:chExt cx="0" cy="0"/>
+        </a:xfrm>
+      </p:grpSpPr>
+      <p:sp>
+        <p:nvSpPr>
+          <p:cNvPr id="2" name="Slide Image Placeholder 1">
+            <a:extLst>
+              <a:ext uri="{FF2B5EF4-FFF2-40B4-BE49-F238E27FC236}">
+                <a16:creationId xmlns:a16="http://schemas.microsoft.com/office/drawing/2014/main" id="{AC0E7F92-1D16-C28B-1E7A-07727ABFF9C6}"/>
+              </a:ext>
+            </a:extLst>
+          </p:cNvPr>
+          <p:cNvSpPr>
+            <a:spLocks noGrp="1" noRot="1" noChangeAspect="1"/>
+          </p:cNvSpPr>
+          <p:nvPr>
+            <p:ph type="sldImg"/>
+          </p:nvPr>
+        </p:nvSpPr>
+        <p:spPr/>
+      </p:sp>
+      <p:sp>
+        <p:nvSpPr>
+          <p:cNvPr id="3" name="Notes Placeholder 2">
+            <a:extLst>
+              <a:ext uri="{FF2B5EF4-FFF2-40B4-BE49-F238E27FC236}">
+                <a16:creationId xmlns:a16="http://schemas.microsoft.com/office/drawing/2014/main" id="{BD5F8426-9C12-6CE8-D63F-47DE476BFB40}"/>
+              </a:ext>
+            </a:extLst>
+          </p:cNvPr>
+          <p:cNvSpPr>
+            <a:spLocks noGrp="1"/>
+          </p:cNvSpPr>
+          <p:nvPr>
+            <p:ph type="body" idx="1"/>
+          </p:nvPr>
+        </p:nvSpPr>
+        <p:spPr/>
+        <p:txBody>
+          <a:bodyPr/>
+          <a:lstStyle/>
+          <a:p>
+            <a:r>
+              <a:rPr lang="en-US" dirty="0"/>
+              <a:t>Revise!!!!</a:t>
+            </a:r>
+          </a:p>
+        </p:txBody>
+      </p:sp>
+      <p:sp>
+        <p:nvSpPr>
+          <p:cNvPr id="4" name="Slide Number Placeholder 3">
+            <a:extLst>
+              <a:ext uri="{FF2B5EF4-FFF2-40B4-BE49-F238E27FC236}">
+                <a16:creationId xmlns:a16="http://schemas.microsoft.com/office/drawing/2014/main" id="{F82C311B-8234-BB69-55F2-893E91D5461E}"/>
+              </a:ext>
+            </a:extLst>
+          </p:cNvPr>
+          <p:cNvSpPr>
+            <a:spLocks noGrp="1"/>
+          </p:cNvSpPr>
+          <p:nvPr>
+            <p:ph type="sldNum" sz="quarter" idx="5"/>
+          </p:nvPr>
+        </p:nvSpPr>
+        <p:spPr/>
+        <p:txBody>
+          <a:bodyPr/>
+          <a:lstStyle/>
+          <a:p>
+            <a:fld id="{3382154C-195E-409D-B180-B9427288A4D3}" type="slidenum">
+              <a:rPr lang="en-US" smtClean="0"/>
+              <a:t>6</a:t>
+            </a:fld>
+            <a:endParaRPr lang="en-US"/>
+          </a:p>
+        </p:txBody>
+      </p:sp>
+    </p:spTree>
+    <p:extLst>
+      <p:ext uri="{BB962C8B-B14F-4D97-AF65-F5344CB8AC3E}">
+        <p14:creationId xmlns:p14="http://schemas.microsoft.com/office/powerpoint/2010/main" val="1882714873"/>
+      </p:ext>
+    </p:extLst>
+  </p:cSld>
+  <p:clrMapOvr>
+    <a:masterClrMapping/>
+  </p:clrMapOvr>
+</p:notes>
+</file>
+
+<file path=ppt/notesSlides/notesSlide6.xml><?xml version="1.0" encoding="utf-8"?>
+<p:notes xmlns:a="http://schemas.openxmlformats.org/drawingml/2006/main" xmlns:r="http://schemas.openxmlformats.org/officeDocument/2006/relationships" xmlns:p="http://schemas.openxmlformats.org/presentationml/2006/main">
+  <p:cSld>
+    <p:spTree>
+      <p:nvGrpSpPr>
+        <p:cNvPr id="1" name="">
+          <a:extLst>
+            <a:ext uri="{FF2B5EF4-FFF2-40B4-BE49-F238E27FC236}">
+              <a16:creationId xmlns:a16="http://schemas.microsoft.com/office/drawing/2014/main" id="{E0A785F8-DE9C-218E-069A-3B795F29F311}"/>
+            </a:ext>
+          </a:extLst>
+        </p:cNvPr>
+        <p:cNvGrpSpPr/>
+        <p:nvPr/>
+      </p:nvGrpSpPr>
+      <p:grpSpPr>
+        <a:xfrm>
+          <a:off x="0" y="0"/>
+          <a:ext cx="0" cy="0"/>
+          <a:chOff x="0" y="0"/>
+          <a:chExt cx="0" cy="0"/>
+        </a:xfrm>
+      </p:grpSpPr>
+      <p:sp>
+        <p:nvSpPr>
+          <p:cNvPr id="2" name="Slide Image Placeholder 1">
+            <a:extLst>
+              <a:ext uri="{FF2B5EF4-FFF2-40B4-BE49-F238E27FC236}">
+                <a16:creationId xmlns:a16="http://schemas.microsoft.com/office/drawing/2014/main" id="{A5FCCC5F-F80D-AEFF-1807-C46E9010048D}"/>
+              </a:ext>
+            </a:extLst>
+          </p:cNvPr>
+          <p:cNvSpPr>
+            <a:spLocks noGrp="1" noRot="1" noChangeAspect="1"/>
+          </p:cNvSpPr>
+          <p:nvPr>
+            <p:ph type="sldImg"/>
+          </p:nvPr>
+        </p:nvSpPr>
+        <p:spPr/>
+      </p:sp>
+      <p:sp>
+        <p:nvSpPr>
+          <p:cNvPr id="3" name="Notes Placeholder 2">
+            <a:extLst>
+              <a:ext uri="{FF2B5EF4-FFF2-40B4-BE49-F238E27FC236}">
+                <a16:creationId xmlns:a16="http://schemas.microsoft.com/office/drawing/2014/main" id="{79E1FB5E-2CBF-4EEA-883E-7871FE03C0B3}"/>
+              </a:ext>
+            </a:extLst>
+          </p:cNvPr>
+          <p:cNvSpPr>
+            <a:spLocks noGrp="1"/>
+          </p:cNvSpPr>
+          <p:nvPr>
+            <p:ph type="body" idx="1"/>
+          </p:nvPr>
+        </p:nvSpPr>
+        <p:spPr/>
+        <p:txBody>
+          <a:bodyPr/>
+          <a:lstStyle/>
+          <a:p>
+            <a:r>
+              <a:rPr lang="en-US" dirty="0"/>
+              <a:t>After 11 minutes</a:t>
+            </a:r>
+          </a:p>
+        </p:txBody>
+      </p:sp>
+      <p:sp>
+        <p:nvSpPr>
+          <p:cNvPr id="4" name="Slide Number Placeholder 3">
+            <a:extLst>
+              <a:ext uri="{FF2B5EF4-FFF2-40B4-BE49-F238E27FC236}">
+                <a16:creationId xmlns:a16="http://schemas.microsoft.com/office/drawing/2014/main" id="{3F289393-5440-595A-4732-13B9EF2E9E17}"/>
+              </a:ext>
+            </a:extLst>
+          </p:cNvPr>
+          <p:cNvSpPr>
+            <a:spLocks noGrp="1"/>
+          </p:cNvSpPr>
+          <p:nvPr>
+            <p:ph type="sldNum" sz="quarter" idx="5"/>
+          </p:nvPr>
+        </p:nvSpPr>
+        <p:spPr/>
+        <p:txBody>
+          <a:bodyPr/>
+          <a:lstStyle/>
+          <a:p>
+            <a:fld id="{3382154C-195E-409D-B180-B9427288A4D3}" type="slidenum">
+              <a:rPr lang="en-US" smtClean="0"/>
+              <a:t>7</a:t>
+            </a:fld>
+            <a:endParaRPr lang="en-US"/>
+          </a:p>
+        </p:txBody>
+      </p:sp>
+    </p:spTree>
+    <p:extLst>
+      <p:ext uri="{BB962C8B-B14F-4D97-AF65-F5344CB8AC3E}">
+        <p14:creationId xmlns:p14="http://schemas.microsoft.com/office/powerpoint/2010/main" val="997580991"/>
       </p:ext>
     </p:extLst>
   </p:cSld>
@@ -806,7 +1256,7 @@
           <a:p>
             <a:fld id="{7BD183E0-3EA4-4155-BA05-F484E6DA90A9}" type="datetimeFigureOut">
               <a:rPr lang="en-US" smtClean="0"/>
-              <a:t>11/19/2024</a:t>
+              <a:t>11/21/2024</a:t>
             </a:fld>
             <a:endParaRPr lang="en-US"/>
           </a:p>
@@ -1004,7 +1454,7 @@
           <a:p>
             <a:fld id="{7BD183E0-3EA4-4155-BA05-F484E6DA90A9}" type="datetimeFigureOut">
               <a:rPr lang="en-US" smtClean="0"/>
-              <a:t>11/19/2024</a:t>
+              <a:t>11/21/2024</a:t>
             </a:fld>
             <a:endParaRPr lang="en-US"/>
           </a:p>
@@ -1212,7 +1662,7 @@
           <a:p>
             <a:fld id="{7BD183E0-3EA4-4155-BA05-F484E6DA90A9}" type="datetimeFigureOut">
               <a:rPr lang="en-US" smtClean="0"/>
-              <a:t>11/19/2024</a:t>
+              <a:t>11/21/2024</a:t>
             </a:fld>
             <a:endParaRPr lang="en-US"/>
           </a:p>
@@ -1410,7 +1860,7 @@
           <a:p>
             <a:fld id="{7BD183E0-3EA4-4155-BA05-F484E6DA90A9}" type="datetimeFigureOut">
               <a:rPr lang="en-US" smtClean="0"/>
-              <a:t>11/19/2024</a:t>
+              <a:t>11/21/2024</a:t>
             </a:fld>
             <a:endParaRPr lang="en-US"/>
           </a:p>
@@ -1685,7 +2135,7 @@
           <a:p>
             <a:fld id="{7BD183E0-3EA4-4155-BA05-F484E6DA90A9}" type="datetimeFigureOut">
               <a:rPr lang="en-US" smtClean="0"/>
-              <a:t>11/19/2024</a:t>
+              <a:t>11/21/2024</a:t>
             </a:fld>
             <a:endParaRPr lang="en-US"/>
           </a:p>
@@ -1950,7 +2400,7 @@
           <a:p>
             <a:fld id="{7BD183E0-3EA4-4155-BA05-F484E6DA90A9}" type="datetimeFigureOut">
               <a:rPr lang="en-US" smtClean="0"/>
-              <a:t>11/19/2024</a:t>
+              <a:t>11/21/2024</a:t>
             </a:fld>
             <a:endParaRPr lang="en-US"/>
           </a:p>
@@ -2362,7 +2812,7 @@
           <a:p>
             <a:fld id="{7BD183E0-3EA4-4155-BA05-F484E6DA90A9}" type="datetimeFigureOut">
               <a:rPr lang="en-US" smtClean="0"/>
-              <a:t>11/19/2024</a:t>
+              <a:t>11/21/2024</a:t>
             </a:fld>
             <a:endParaRPr lang="en-US"/>
           </a:p>
@@ -2503,7 +2953,7 @@
           <a:p>
             <a:fld id="{7BD183E0-3EA4-4155-BA05-F484E6DA90A9}" type="datetimeFigureOut">
               <a:rPr lang="en-US" smtClean="0"/>
-              <a:t>11/19/2024</a:t>
+              <a:t>11/21/2024</a:t>
             </a:fld>
             <a:endParaRPr lang="en-US"/>
           </a:p>
@@ -2616,7 +3066,7 @@
           <a:p>
             <a:fld id="{7BD183E0-3EA4-4155-BA05-F484E6DA90A9}" type="datetimeFigureOut">
               <a:rPr lang="en-US" smtClean="0"/>
-              <a:t>11/19/2024</a:t>
+              <a:t>11/21/2024</a:t>
             </a:fld>
             <a:endParaRPr lang="en-US"/>
           </a:p>
@@ -2927,7 +3377,7 @@
           <a:p>
             <a:fld id="{7BD183E0-3EA4-4155-BA05-F484E6DA90A9}" type="datetimeFigureOut">
               <a:rPr lang="en-US" smtClean="0"/>
-              <a:t>11/19/2024</a:t>
+              <a:t>11/21/2024</a:t>
             </a:fld>
             <a:endParaRPr lang="en-US"/>
           </a:p>
@@ -3215,7 +3665,7 @@
           <a:p>
             <a:fld id="{7BD183E0-3EA4-4155-BA05-F484E6DA90A9}" type="datetimeFigureOut">
               <a:rPr lang="en-US" smtClean="0"/>
-              <a:t>11/19/2024</a:t>
+              <a:t>11/21/2024</a:t>
             </a:fld>
             <a:endParaRPr lang="en-US"/>
           </a:p>
@@ -3456,7 +3906,7 @@
           <a:p>
             <a:fld id="{7BD183E0-3EA4-4155-BA05-F484E6DA90A9}" type="datetimeFigureOut">
               <a:rPr lang="en-US" smtClean="0"/>
-              <a:t>11/19/2024</a:t>
+              <a:t>11/21/2024</a:t>
             </a:fld>
             <a:endParaRPr lang="en-US"/>
           </a:p>
@@ -4702,7 +5152,7 @@
           <a:lstStyle/>
           <a:p>
             <a:r>
-              <a:rPr lang="en-US" kern="1200">
+              <a:rPr lang="en-US" kern="1200" dirty="0">
                 <a:solidFill>
                   <a:schemeClr val="tx1"/>
                 </a:solidFill>
@@ -4710,8 +5160,31 @@
                 <a:ea typeface="+mj-ea"/>
                 <a:cs typeface="+mj-cs"/>
               </a:rPr>
-              <a:t>Team NoGrads</a:t>
-            </a:r>
+              <a:t>Team </a:t>
+            </a:r>
+            <a:r>
+              <a:rPr lang="en-US" kern="1200" dirty="0" err="1">
+                <a:solidFill>
+                  <a:schemeClr val="tx1"/>
+                </a:solidFill>
+                <a:latin typeface="+mj-lt"/>
+                <a:ea typeface="+mj-ea"/>
+                <a:cs typeface="+mj-cs"/>
+              </a:rPr>
+              <a:t>NoGrads</a:t>
+            </a:r>
+            <a:r>
+              <a:rPr lang="en-US" dirty="0"/>
+              <a:t> // Godot Game Project</a:t>
+            </a:r>
+            <a:endParaRPr lang="en-US" kern="1200" dirty="0">
+              <a:solidFill>
+                <a:schemeClr val="tx1"/>
+              </a:solidFill>
+              <a:latin typeface="+mj-lt"/>
+              <a:ea typeface="+mj-ea"/>
+              <a:cs typeface="+mj-cs"/>
+            </a:endParaRPr>
           </a:p>
         </p:txBody>
       </p:sp>
@@ -4774,7 +5247,7 @@
               <a:rPr lang="en-US" sz="2000" b="0" i="0" dirty="0">
                 <a:effectLst/>
               </a:rPr>
-              <a:t>Team Role: Game Engine Designer</a:t>
+              <a:t>Team Role: Gameplay and Mechanics Developer</a:t>
             </a:r>
           </a:p>
           <a:p>
@@ -4800,7 +5273,7 @@
               <a:rPr lang="en-US" sz="2000" b="0" i="0" dirty="0">
                 <a:effectLst/>
               </a:rPr>
-              <a:t>Team Role: Art and Level Designer</a:t>
+              <a:t>Team Role: Systems and Gameplay UI Developer</a:t>
             </a:r>
           </a:p>
           <a:p>
@@ -4820,7 +5293,7 @@
             <a:pPr lvl="1"/>
             <a:r>
               <a:rPr lang="en-US" sz="2000" dirty="0"/>
-              <a:t>Team Role: Story Writer, Sound Designer and Balance Tester</a:t>
+              <a:t>Team Role: Narrative and Music Developer</a:t>
             </a:r>
           </a:p>
           <a:p>
@@ -4845,12 +5318,8 @@
             <a:pPr lvl="1"/>
             <a:r>
               <a:rPr lang="en-US" sz="2000" dirty="0"/>
-              <a:t>Team Role: UI Designer</a:t>
-            </a:r>
-          </a:p>
-          <a:p>
-            <a:pPr lvl="1"/>
-            <a:endParaRPr lang="en-US" sz="2000" dirty="0"/>
+              <a:t>Team Role: Level and Menu UI Developer</a:t>
+            </a:r>
           </a:p>
         </p:txBody>
       </p:sp>
@@ -5216,7 +5685,7 @@
                 <a:ea typeface="+mj-ea"/>
                 <a:cs typeface="+mj-cs"/>
               </a:rPr>
-              <a:t>Our Project</a:t>
+              <a:t>Our Pitch</a:t>
             </a:r>
           </a:p>
         </p:txBody>
@@ -5319,6 +5788,1684 @@
     <p:extLst>
       <p:ext uri="{BB962C8B-B14F-4D97-AF65-F5344CB8AC3E}">
         <p14:creationId xmlns:p14="http://schemas.microsoft.com/office/powerpoint/2010/main" val="4157634952"/>
+      </p:ext>
+    </p:extLst>
+  </p:cSld>
+  <p:clrMapOvr>
+    <a:overrideClrMapping bg1="dk1" tx1="lt1" bg2="dk2" tx2="lt2" accent1="accent1" accent2="accent2" accent3="accent3" accent4="accent4" accent5="accent5" accent6="accent6" hlink="hlink" folHlink="folHlink"/>
+  </p:clrMapOvr>
+</p:sld>
+</file>
+
+<file path=ppt/slides/slide4.xml><?xml version="1.0" encoding="utf-8"?>
+<p:sld xmlns:a="http://schemas.openxmlformats.org/drawingml/2006/main" xmlns:r="http://schemas.openxmlformats.org/officeDocument/2006/relationships" xmlns:p="http://schemas.openxmlformats.org/presentationml/2006/main">
+  <p:cSld>
+    <p:bg>
+      <p:bgPr>
+        <a:solidFill>
+          <a:srgbClr val="404040"/>
+        </a:solidFill>
+        <a:effectLst/>
+      </p:bgPr>
+    </p:bg>
+    <p:spTree>
+      <p:nvGrpSpPr>
+        <p:cNvPr id="1" name="">
+          <a:extLst>
+            <a:ext uri="{FF2B5EF4-FFF2-40B4-BE49-F238E27FC236}">
+              <a16:creationId xmlns:a16="http://schemas.microsoft.com/office/drawing/2014/main" id="{08A73C29-862A-2EC5-748F-4F7AB8892323}"/>
+            </a:ext>
+          </a:extLst>
+        </p:cNvPr>
+        <p:cNvGrpSpPr/>
+        <p:nvPr/>
+      </p:nvGrpSpPr>
+      <p:grpSpPr>
+        <a:xfrm>
+          <a:off x="0" y="0"/>
+          <a:ext cx="0" cy="0"/>
+          <a:chOff x="0" y="0"/>
+          <a:chExt cx="0" cy="0"/>
+        </a:xfrm>
+      </p:grpSpPr>
+      <p:sp>
+        <p:nvSpPr>
+          <p:cNvPr id="23" name="Rectangle 22">
+            <a:extLst>
+              <a:ext uri="{FF2B5EF4-FFF2-40B4-BE49-F238E27FC236}">
+                <a16:creationId xmlns:a16="http://schemas.microsoft.com/office/drawing/2014/main" id="{B6342A37-7FAB-098C-BB51-DBEFC3BCB01B}"/>
+              </a:ext>
+              <a:ext uri="{C183D7F6-B498-43B3-948B-1728B52AA6E4}">
+                <adec:decorative xmlns:adec="http://schemas.microsoft.com/office/drawing/2017/decorative" val="1"/>
+              </a:ext>
+            </a:extLst>
+          </p:cNvPr>
+          <p:cNvSpPr>
+            <a:spLocks noGrp="1" noRot="1" noChangeAspect="1" noMove="1" noResize="1" noEditPoints="1" noAdjustHandles="1" noChangeArrowheads="1" noChangeShapeType="1" noTextEdit="1"/>
+          </p:cNvSpPr>
+          <p:nvPr>
+            <p:extLst>
+              <p:ext uri="{386F3935-93C4-4BCD-93E2-E3B085C9AB24}">
+                <p16:designElem xmlns:p16="http://schemas.microsoft.com/office/powerpoint/2015/main" val="1"/>
+              </p:ext>
+            </p:extLst>
+          </p:nvPr>
+        </p:nvSpPr>
+        <p:spPr>
+          <a:xfrm>
+            <a:off x="0" y="-3324"/>
+            <a:ext cx="12192000" cy="6861324"/>
+          </a:xfrm>
+          <a:prstGeom prst="rect">
+            <a:avLst/>
+          </a:prstGeom>
+          <a:solidFill>
+            <a:srgbClr val="404040"/>
+          </a:solidFill>
+          <a:ln>
+            <a:noFill/>
+          </a:ln>
+        </p:spPr>
+        <p:style>
+          <a:lnRef idx="2">
+            <a:schemeClr val="accent1">
+              <a:shade val="50000"/>
+            </a:schemeClr>
+          </a:lnRef>
+          <a:fillRef idx="1">
+            <a:schemeClr val="accent1"/>
+          </a:fillRef>
+          <a:effectRef idx="0">
+            <a:schemeClr val="accent1"/>
+          </a:effectRef>
+          <a:fontRef idx="minor">
+            <a:schemeClr val="lt1"/>
+          </a:fontRef>
+        </p:style>
+        <p:txBody>
+          <a:bodyPr rtlCol="0" anchor="ctr"/>
+          <a:lstStyle/>
+          <a:p>
+            <a:pPr algn="ctr"/>
+            <a:endParaRPr lang="en-US"/>
+          </a:p>
+        </p:txBody>
+      </p:sp>
+      <p:sp>
+        <p:nvSpPr>
+          <p:cNvPr id="25" name="Freeform 13">
+            <a:extLst>
+              <a:ext uri="{FF2B5EF4-FFF2-40B4-BE49-F238E27FC236}">
+                <a16:creationId xmlns:a16="http://schemas.microsoft.com/office/drawing/2014/main" id="{283B7E47-F7B2-EEF7-9CD5-658254C83C22}"/>
+              </a:ext>
+              <a:ext uri="{C183D7F6-B498-43B3-948B-1728B52AA6E4}">
+                <adec:decorative xmlns:adec="http://schemas.microsoft.com/office/drawing/2017/decorative" val="1"/>
+              </a:ext>
+            </a:extLst>
+          </p:cNvPr>
+          <p:cNvSpPr>
+            <a:spLocks noGrp="1" noRot="1" noChangeAspect="1" noMove="1" noResize="1" noEditPoints="1" noAdjustHandles="1" noChangeArrowheads="1" noChangeShapeType="1" noTextEdit="1"/>
+          </p:cNvSpPr>
+          <p:nvPr>
+            <p:extLst>
+              <p:ext uri="{386F3935-93C4-4BCD-93E2-E3B085C9AB24}">
+                <p16:designElem xmlns:p16="http://schemas.microsoft.com/office/powerpoint/2015/main" val="1"/>
+              </p:ext>
+            </p:extLst>
+          </p:nvPr>
+        </p:nvSpPr>
+        <p:spPr>
+          <a:xfrm>
+            <a:off x="0" y="0"/>
+            <a:ext cx="11786754" cy="6858000"/>
+          </a:xfrm>
+          <a:custGeom>
+            <a:avLst/>
+            <a:gdLst>
+              <a:gd name="connsiteX0" fmla="*/ 0 w 11786754"/>
+              <a:gd name="connsiteY0" fmla="*/ 0 h 6858000"/>
+              <a:gd name="connsiteX1" fmla="*/ 8610600 w 11786754"/>
+              <a:gd name="connsiteY1" fmla="*/ 0 h 6858000"/>
+              <a:gd name="connsiteX2" fmla="*/ 11786754 w 11786754"/>
+              <a:gd name="connsiteY2" fmla="*/ 6858000 h 6858000"/>
+              <a:gd name="connsiteX3" fmla="*/ 0 w 11786754"/>
+              <a:gd name="connsiteY3" fmla="*/ 6858000 h 6858000"/>
+            </a:gdLst>
+            <a:ahLst/>
+            <a:cxnLst>
+              <a:cxn ang="0">
+                <a:pos x="connsiteX0" y="connsiteY0"/>
+              </a:cxn>
+              <a:cxn ang="0">
+                <a:pos x="connsiteX1" y="connsiteY1"/>
+              </a:cxn>
+              <a:cxn ang="0">
+                <a:pos x="connsiteX2" y="connsiteY2"/>
+              </a:cxn>
+              <a:cxn ang="0">
+                <a:pos x="connsiteX3" y="connsiteY3"/>
+              </a:cxn>
+            </a:cxnLst>
+            <a:rect l="l" t="t" r="r" b="b"/>
+            <a:pathLst>
+              <a:path w="11786754" h="6858000">
+                <a:moveTo>
+                  <a:pt x="0" y="0"/>
+                </a:moveTo>
+                <a:lnTo>
+                  <a:pt x="8610600" y="0"/>
+                </a:lnTo>
+                <a:lnTo>
+                  <a:pt x="11786754" y="6858000"/>
+                </a:lnTo>
+                <a:lnTo>
+                  <a:pt x="0" y="6858000"/>
+                </a:lnTo>
+                <a:close/>
+              </a:path>
+            </a:pathLst>
+          </a:custGeom>
+          <a:solidFill>
+            <a:schemeClr val="bg1">
+              <a:alpha val="30000"/>
+            </a:schemeClr>
+          </a:solidFill>
+          <a:ln>
+            <a:noFill/>
+          </a:ln>
+        </p:spPr>
+        <p:style>
+          <a:lnRef idx="2">
+            <a:schemeClr val="accent1">
+              <a:shade val="50000"/>
+            </a:schemeClr>
+          </a:lnRef>
+          <a:fillRef idx="1">
+            <a:schemeClr val="accent1"/>
+          </a:fillRef>
+          <a:effectRef idx="0">
+            <a:schemeClr val="accent1"/>
+          </a:effectRef>
+          <a:fontRef idx="minor">
+            <a:schemeClr val="lt1"/>
+          </a:fontRef>
+        </p:style>
+        <p:txBody>
+          <a:bodyPr rtlCol="0" anchor="ctr"/>
+          <a:lstStyle/>
+          <a:p>
+            <a:pPr algn="ctr"/>
+            <a:endParaRPr lang="en-US"/>
+          </a:p>
+        </p:txBody>
+      </p:sp>
+      <p:sp>
+        <p:nvSpPr>
+          <p:cNvPr id="27" name="Freeform 11">
+            <a:extLst>
+              <a:ext uri="{FF2B5EF4-FFF2-40B4-BE49-F238E27FC236}">
+                <a16:creationId xmlns:a16="http://schemas.microsoft.com/office/drawing/2014/main" id="{AE5AD181-B4EB-9BF7-4CF0-8AEF3E7D73F6}"/>
+              </a:ext>
+              <a:ext uri="{C183D7F6-B498-43B3-948B-1728B52AA6E4}">
+                <adec:decorative xmlns:adec="http://schemas.microsoft.com/office/drawing/2017/decorative" val="1"/>
+              </a:ext>
+            </a:extLst>
+          </p:cNvPr>
+          <p:cNvSpPr>
+            <a:spLocks noGrp="1" noRot="1" noChangeAspect="1" noMove="1" noResize="1" noEditPoints="1" noAdjustHandles="1" noChangeArrowheads="1" noChangeShapeType="1" noTextEdit="1"/>
+          </p:cNvSpPr>
+          <p:nvPr>
+            <p:extLst>
+              <p:ext uri="{386F3935-93C4-4BCD-93E2-E3B085C9AB24}">
+                <p16:designElem xmlns:p16="http://schemas.microsoft.com/office/powerpoint/2015/main" val="1"/>
+              </p:ext>
+            </p:extLst>
+          </p:nvPr>
+        </p:nvSpPr>
+        <p:spPr>
+          <a:xfrm>
+            <a:off x="0" y="0"/>
+            <a:ext cx="3581400" cy="6858000"/>
+          </a:xfrm>
+          <a:custGeom>
+            <a:avLst/>
+            <a:gdLst>
+              <a:gd name="connsiteX0" fmla="*/ 0 w 3581400"/>
+              <a:gd name="connsiteY0" fmla="*/ 0 h 6858000"/>
+              <a:gd name="connsiteX1" fmla="*/ 405246 w 3581400"/>
+              <a:gd name="connsiteY1" fmla="*/ 0 h 6858000"/>
+              <a:gd name="connsiteX2" fmla="*/ 3581400 w 3581400"/>
+              <a:gd name="connsiteY2" fmla="*/ 6858000 h 6858000"/>
+              <a:gd name="connsiteX3" fmla="*/ 0 w 3581400"/>
+              <a:gd name="connsiteY3" fmla="*/ 6858000 h 6858000"/>
+            </a:gdLst>
+            <a:ahLst/>
+            <a:cxnLst>
+              <a:cxn ang="0">
+                <a:pos x="connsiteX0" y="connsiteY0"/>
+              </a:cxn>
+              <a:cxn ang="0">
+                <a:pos x="connsiteX1" y="connsiteY1"/>
+              </a:cxn>
+              <a:cxn ang="0">
+                <a:pos x="connsiteX2" y="connsiteY2"/>
+              </a:cxn>
+              <a:cxn ang="0">
+                <a:pos x="connsiteX3" y="connsiteY3"/>
+              </a:cxn>
+            </a:cxnLst>
+            <a:rect l="l" t="t" r="r" b="b"/>
+            <a:pathLst>
+              <a:path w="3581400" h="6858000">
+                <a:moveTo>
+                  <a:pt x="0" y="0"/>
+                </a:moveTo>
+                <a:lnTo>
+                  <a:pt x="405246" y="0"/>
+                </a:lnTo>
+                <a:lnTo>
+                  <a:pt x="3581400" y="6858000"/>
+                </a:lnTo>
+                <a:lnTo>
+                  <a:pt x="0" y="6858000"/>
+                </a:lnTo>
+                <a:close/>
+              </a:path>
+            </a:pathLst>
+          </a:custGeom>
+          <a:solidFill>
+            <a:schemeClr val="bg1">
+              <a:alpha val="30000"/>
+            </a:schemeClr>
+          </a:solidFill>
+          <a:ln>
+            <a:noFill/>
+          </a:ln>
+        </p:spPr>
+        <p:style>
+          <a:lnRef idx="2">
+            <a:schemeClr val="accent1">
+              <a:shade val="50000"/>
+            </a:schemeClr>
+          </a:lnRef>
+          <a:fillRef idx="1">
+            <a:schemeClr val="accent1"/>
+          </a:fillRef>
+          <a:effectRef idx="0">
+            <a:schemeClr val="accent1"/>
+          </a:effectRef>
+          <a:fontRef idx="minor">
+            <a:schemeClr val="lt1"/>
+          </a:fontRef>
+        </p:style>
+        <p:txBody>
+          <a:bodyPr wrap="square" rtlCol="0" anchor="ctr">
+            <a:noAutofit/>
+          </a:bodyPr>
+          <a:lstStyle/>
+          <a:p>
+            <a:pPr algn="ctr"/>
+            <a:endParaRPr lang="en-US"/>
+          </a:p>
+        </p:txBody>
+      </p:sp>
+      <p:sp>
+        <p:nvSpPr>
+          <p:cNvPr id="6" name="Title 5">
+            <a:extLst>
+              <a:ext uri="{FF2B5EF4-FFF2-40B4-BE49-F238E27FC236}">
+                <a16:creationId xmlns:a16="http://schemas.microsoft.com/office/drawing/2014/main" id="{C875C783-8615-2D19-C8C6-229FF12C6953}"/>
+              </a:ext>
+            </a:extLst>
+          </p:cNvPr>
+          <p:cNvSpPr>
+            <a:spLocks noGrp="1"/>
+          </p:cNvSpPr>
+          <p:nvPr>
+            <p:ph type="title"/>
+          </p:nvPr>
+        </p:nvSpPr>
+        <p:spPr>
+          <a:xfrm>
+            <a:off x="838200" y="365125"/>
+            <a:ext cx="10515600" cy="1325563"/>
+          </a:xfrm>
+        </p:spPr>
+        <p:txBody>
+          <a:bodyPr vert="horz" lIns="91440" tIns="45720" rIns="91440" bIns="45720" rtlCol="0" anchor="ctr">
+            <a:normAutofit/>
+          </a:bodyPr>
+          <a:lstStyle/>
+          <a:p>
+            <a:r>
+              <a:rPr lang="en-US" kern="1200" dirty="0">
+                <a:solidFill>
+                  <a:schemeClr val="tx1"/>
+                </a:solidFill>
+                <a:latin typeface="+mj-lt"/>
+                <a:ea typeface="+mj-ea"/>
+                <a:cs typeface="+mj-cs"/>
+              </a:rPr>
+              <a:t>Overview</a:t>
+            </a:r>
+          </a:p>
+        </p:txBody>
+      </p:sp>
+      <p:sp>
+        <p:nvSpPr>
+          <p:cNvPr id="3" name="Content Placeholder 2">
+            <a:extLst>
+              <a:ext uri="{FF2B5EF4-FFF2-40B4-BE49-F238E27FC236}">
+                <a16:creationId xmlns:a16="http://schemas.microsoft.com/office/drawing/2014/main" id="{FD435138-5F43-5D04-088C-3015C2794A12}"/>
+              </a:ext>
+            </a:extLst>
+          </p:cNvPr>
+          <p:cNvSpPr>
+            <a:spLocks noGrp="1"/>
+          </p:cNvSpPr>
+          <p:nvPr>
+            <p:ph idx="1"/>
+          </p:nvPr>
+        </p:nvSpPr>
+        <p:spPr>
+          <a:xfrm>
+            <a:off x="838200" y="2010833"/>
+            <a:ext cx="10515600" cy="4166130"/>
+          </a:xfrm>
+        </p:spPr>
+        <p:txBody>
+          <a:bodyPr vert="horz" lIns="91440" tIns="45720" rIns="91440" bIns="45720" rtlCol="0">
+            <a:normAutofit/>
+          </a:bodyPr>
+          <a:lstStyle/>
+          <a:p>
+            <a:r>
+              <a:rPr lang="en-US" sz="2000" dirty="0">
+                <a:latin typeface="-apple-system"/>
+              </a:rPr>
+              <a:t>Outline of presentation</a:t>
+            </a:r>
+          </a:p>
+          <a:p>
+            <a:r>
+              <a:rPr lang="en-US" sz="2000" dirty="0">
+                <a:latin typeface="-apple-system"/>
+              </a:rPr>
+              <a:t>Architecture overview figure </a:t>
+            </a:r>
+            <a:endParaRPr lang="en-US" sz="2000" dirty="0"/>
+          </a:p>
+        </p:txBody>
+      </p:sp>
+    </p:spTree>
+    <p:extLst>
+      <p:ext uri="{BB962C8B-B14F-4D97-AF65-F5344CB8AC3E}">
+        <p14:creationId xmlns:p14="http://schemas.microsoft.com/office/powerpoint/2010/main" val="561784491"/>
+      </p:ext>
+    </p:extLst>
+  </p:cSld>
+  <p:clrMapOvr>
+    <a:overrideClrMapping bg1="dk1" tx1="lt1" bg2="dk2" tx2="lt2" accent1="accent1" accent2="accent2" accent3="accent3" accent4="accent4" accent5="accent5" accent6="accent6" hlink="hlink" folHlink="folHlink"/>
+  </p:clrMapOvr>
+</p:sld>
+</file>
+
+<file path=ppt/slides/slide5.xml><?xml version="1.0" encoding="utf-8"?>
+<p:sld xmlns:a="http://schemas.openxmlformats.org/drawingml/2006/main" xmlns:r="http://schemas.openxmlformats.org/officeDocument/2006/relationships" xmlns:p="http://schemas.openxmlformats.org/presentationml/2006/main">
+  <p:cSld>
+    <p:bg>
+      <p:bgPr>
+        <a:solidFill>
+          <a:srgbClr val="404040"/>
+        </a:solidFill>
+        <a:effectLst/>
+      </p:bgPr>
+    </p:bg>
+    <p:spTree>
+      <p:nvGrpSpPr>
+        <p:cNvPr id="1" name="">
+          <a:extLst>
+            <a:ext uri="{FF2B5EF4-FFF2-40B4-BE49-F238E27FC236}">
+              <a16:creationId xmlns:a16="http://schemas.microsoft.com/office/drawing/2014/main" id="{C21CB6DF-5250-5059-E5CF-B1B545E207F8}"/>
+            </a:ext>
+          </a:extLst>
+        </p:cNvPr>
+        <p:cNvGrpSpPr/>
+        <p:nvPr/>
+      </p:nvGrpSpPr>
+      <p:grpSpPr>
+        <a:xfrm>
+          <a:off x="0" y="0"/>
+          <a:ext cx="0" cy="0"/>
+          <a:chOff x="0" y="0"/>
+          <a:chExt cx="0" cy="0"/>
+        </a:xfrm>
+      </p:grpSpPr>
+      <p:sp>
+        <p:nvSpPr>
+          <p:cNvPr id="23" name="Rectangle 22">
+            <a:extLst>
+              <a:ext uri="{FF2B5EF4-FFF2-40B4-BE49-F238E27FC236}">
+                <a16:creationId xmlns:a16="http://schemas.microsoft.com/office/drawing/2014/main" id="{2CEF39E9-3B16-96BC-8C99-2CB0C7FA02DC}"/>
+              </a:ext>
+              <a:ext uri="{C183D7F6-B498-43B3-948B-1728B52AA6E4}">
+                <adec:decorative xmlns:adec="http://schemas.microsoft.com/office/drawing/2017/decorative" val="1"/>
+              </a:ext>
+            </a:extLst>
+          </p:cNvPr>
+          <p:cNvSpPr>
+            <a:spLocks noGrp="1" noRot="1" noChangeAspect="1" noMove="1" noResize="1" noEditPoints="1" noAdjustHandles="1" noChangeArrowheads="1" noChangeShapeType="1" noTextEdit="1"/>
+          </p:cNvSpPr>
+          <p:nvPr>
+            <p:extLst>
+              <p:ext uri="{386F3935-93C4-4BCD-93E2-E3B085C9AB24}">
+                <p16:designElem xmlns:p16="http://schemas.microsoft.com/office/powerpoint/2015/main" val="1"/>
+              </p:ext>
+            </p:extLst>
+          </p:nvPr>
+        </p:nvSpPr>
+        <p:spPr>
+          <a:xfrm>
+            <a:off x="0" y="-3324"/>
+            <a:ext cx="12192000" cy="6861324"/>
+          </a:xfrm>
+          <a:prstGeom prst="rect">
+            <a:avLst/>
+          </a:prstGeom>
+          <a:solidFill>
+            <a:srgbClr val="404040"/>
+          </a:solidFill>
+          <a:ln>
+            <a:noFill/>
+          </a:ln>
+        </p:spPr>
+        <p:style>
+          <a:lnRef idx="2">
+            <a:schemeClr val="accent1">
+              <a:shade val="50000"/>
+            </a:schemeClr>
+          </a:lnRef>
+          <a:fillRef idx="1">
+            <a:schemeClr val="accent1"/>
+          </a:fillRef>
+          <a:effectRef idx="0">
+            <a:schemeClr val="accent1"/>
+          </a:effectRef>
+          <a:fontRef idx="minor">
+            <a:schemeClr val="lt1"/>
+          </a:fontRef>
+        </p:style>
+        <p:txBody>
+          <a:bodyPr rtlCol="0" anchor="ctr"/>
+          <a:lstStyle/>
+          <a:p>
+            <a:pPr algn="ctr"/>
+            <a:endParaRPr lang="en-US"/>
+          </a:p>
+        </p:txBody>
+      </p:sp>
+      <p:sp>
+        <p:nvSpPr>
+          <p:cNvPr id="25" name="Freeform 13">
+            <a:extLst>
+              <a:ext uri="{FF2B5EF4-FFF2-40B4-BE49-F238E27FC236}">
+                <a16:creationId xmlns:a16="http://schemas.microsoft.com/office/drawing/2014/main" id="{28FACFF9-8453-083B-9058-8F0FA176B3F6}"/>
+              </a:ext>
+              <a:ext uri="{C183D7F6-B498-43B3-948B-1728B52AA6E4}">
+                <adec:decorative xmlns:adec="http://schemas.microsoft.com/office/drawing/2017/decorative" val="1"/>
+              </a:ext>
+            </a:extLst>
+          </p:cNvPr>
+          <p:cNvSpPr>
+            <a:spLocks noGrp="1" noRot="1" noChangeAspect="1" noMove="1" noResize="1" noEditPoints="1" noAdjustHandles="1" noChangeArrowheads="1" noChangeShapeType="1" noTextEdit="1"/>
+          </p:cNvSpPr>
+          <p:nvPr>
+            <p:extLst>
+              <p:ext uri="{386F3935-93C4-4BCD-93E2-E3B085C9AB24}">
+                <p16:designElem xmlns:p16="http://schemas.microsoft.com/office/powerpoint/2015/main" val="1"/>
+              </p:ext>
+            </p:extLst>
+          </p:nvPr>
+        </p:nvSpPr>
+        <p:spPr>
+          <a:xfrm>
+            <a:off x="0" y="0"/>
+            <a:ext cx="11786754" cy="6858000"/>
+          </a:xfrm>
+          <a:custGeom>
+            <a:avLst/>
+            <a:gdLst>
+              <a:gd name="connsiteX0" fmla="*/ 0 w 11786754"/>
+              <a:gd name="connsiteY0" fmla="*/ 0 h 6858000"/>
+              <a:gd name="connsiteX1" fmla="*/ 8610600 w 11786754"/>
+              <a:gd name="connsiteY1" fmla="*/ 0 h 6858000"/>
+              <a:gd name="connsiteX2" fmla="*/ 11786754 w 11786754"/>
+              <a:gd name="connsiteY2" fmla="*/ 6858000 h 6858000"/>
+              <a:gd name="connsiteX3" fmla="*/ 0 w 11786754"/>
+              <a:gd name="connsiteY3" fmla="*/ 6858000 h 6858000"/>
+            </a:gdLst>
+            <a:ahLst/>
+            <a:cxnLst>
+              <a:cxn ang="0">
+                <a:pos x="connsiteX0" y="connsiteY0"/>
+              </a:cxn>
+              <a:cxn ang="0">
+                <a:pos x="connsiteX1" y="connsiteY1"/>
+              </a:cxn>
+              <a:cxn ang="0">
+                <a:pos x="connsiteX2" y="connsiteY2"/>
+              </a:cxn>
+              <a:cxn ang="0">
+                <a:pos x="connsiteX3" y="connsiteY3"/>
+              </a:cxn>
+            </a:cxnLst>
+            <a:rect l="l" t="t" r="r" b="b"/>
+            <a:pathLst>
+              <a:path w="11786754" h="6858000">
+                <a:moveTo>
+                  <a:pt x="0" y="0"/>
+                </a:moveTo>
+                <a:lnTo>
+                  <a:pt x="8610600" y="0"/>
+                </a:lnTo>
+                <a:lnTo>
+                  <a:pt x="11786754" y="6858000"/>
+                </a:lnTo>
+                <a:lnTo>
+                  <a:pt x="0" y="6858000"/>
+                </a:lnTo>
+                <a:close/>
+              </a:path>
+            </a:pathLst>
+          </a:custGeom>
+          <a:solidFill>
+            <a:schemeClr val="bg1">
+              <a:alpha val="30000"/>
+            </a:schemeClr>
+          </a:solidFill>
+          <a:ln>
+            <a:noFill/>
+          </a:ln>
+        </p:spPr>
+        <p:style>
+          <a:lnRef idx="2">
+            <a:schemeClr val="accent1">
+              <a:shade val="50000"/>
+            </a:schemeClr>
+          </a:lnRef>
+          <a:fillRef idx="1">
+            <a:schemeClr val="accent1"/>
+          </a:fillRef>
+          <a:effectRef idx="0">
+            <a:schemeClr val="accent1"/>
+          </a:effectRef>
+          <a:fontRef idx="minor">
+            <a:schemeClr val="lt1"/>
+          </a:fontRef>
+        </p:style>
+        <p:txBody>
+          <a:bodyPr rtlCol="0" anchor="ctr"/>
+          <a:lstStyle/>
+          <a:p>
+            <a:pPr algn="ctr"/>
+            <a:endParaRPr lang="en-US"/>
+          </a:p>
+        </p:txBody>
+      </p:sp>
+      <p:sp>
+        <p:nvSpPr>
+          <p:cNvPr id="27" name="Freeform 11">
+            <a:extLst>
+              <a:ext uri="{FF2B5EF4-FFF2-40B4-BE49-F238E27FC236}">
+                <a16:creationId xmlns:a16="http://schemas.microsoft.com/office/drawing/2014/main" id="{734FA923-F646-8361-F2C0-845BD0DF35B1}"/>
+              </a:ext>
+              <a:ext uri="{C183D7F6-B498-43B3-948B-1728B52AA6E4}">
+                <adec:decorative xmlns:adec="http://schemas.microsoft.com/office/drawing/2017/decorative" val="1"/>
+              </a:ext>
+            </a:extLst>
+          </p:cNvPr>
+          <p:cNvSpPr>
+            <a:spLocks noGrp="1" noRot="1" noChangeAspect="1" noMove="1" noResize="1" noEditPoints="1" noAdjustHandles="1" noChangeArrowheads="1" noChangeShapeType="1" noTextEdit="1"/>
+          </p:cNvSpPr>
+          <p:nvPr>
+            <p:extLst>
+              <p:ext uri="{386F3935-93C4-4BCD-93E2-E3B085C9AB24}">
+                <p16:designElem xmlns:p16="http://schemas.microsoft.com/office/powerpoint/2015/main" val="1"/>
+              </p:ext>
+            </p:extLst>
+          </p:nvPr>
+        </p:nvSpPr>
+        <p:spPr>
+          <a:xfrm>
+            <a:off x="0" y="0"/>
+            <a:ext cx="3581400" cy="6858000"/>
+          </a:xfrm>
+          <a:custGeom>
+            <a:avLst/>
+            <a:gdLst>
+              <a:gd name="connsiteX0" fmla="*/ 0 w 3581400"/>
+              <a:gd name="connsiteY0" fmla="*/ 0 h 6858000"/>
+              <a:gd name="connsiteX1" fmla="*/ 405246 w 3581400"/>
+              <a:gd name="connsiteY1" fmla="*/ 0 h 6858000"/>
+              <a:gd name="connsiteX2" fmla="*/ 3581400 w 3581400"/>
+              <a:gd name="connsiteY2" fmla="*/ 6858000 h 6858000"/>
+              <a:gd name="connsiteX3" fmla="*/ 0 w 3581400"/>
+              <a:gd name="connsiteY3" fmla="*/ 6858000 h 6858000"/>
+            </a:gdLst>
+            <a:ahLst/>
+            <a:cxnLst>
+              <a:cxn ang="0">
+                <a:pos x="connsiteX0" y="connsiteY0"/>
+              </a:cxn>
+              <a:cxn ang="0">
+                <a:pos x="connsiteX1" y="connsiteY1"/>
+              </a:cxn>
+              <a:cxn ang="0">
+                <a:pos x="connsiteX2" y="connsiteY2"/>
+              </a:cxn>
+              <a:cxn ang="0">
+                <a:pos x="connsiteX3" y="connsiteY3"/>
+              </a:cxn>
+            </a:cxnLst>
+            <a:rect l="l" t="t" r="r" b="b"/>
+            <a:pathLst>
+              <a:path w="3581400" h="6858000">
+                <a:moveTo>
+                  <a:pt x="0" y="0"/>
+                </a:moveTo>
+                <a:lnTo>
+                  <a:pt x="405246" y="0"/>
+                </a:lnTo>
+                <a:lnTo>
+                  <a:pt x="3581400" y="6858000"/>
+                </a:lnTo>
+                <a:lnTo>
+                  <a:pt x="0" y="6858000"/>
+                </a:lnTo>
+                <a:close/>
+              </a:path>
+            </a:pathLst>
+          </a:custGeom>
+          <a:solidFill>
+            <a:schemeClr val="bg1">
+              <a:alpha val="30000"/>
+            </a:schemeClr>
+          </a:solidFill>
+          <a:ln>
+            <a:noFill/>
+          </a:ln>
+        </p:spPr>
+        <p:style>
+          <a:lnRef idx="2">
+            <a:schemeClr val="accent1">
+              <a:shade val="50000"/>
+            </a:schemeClr>
+          </a:lnRef>
+          <a:fillRef idx="1">
+            <a:schemeClr val="accent1"/>
+          </a:fillRef>
+          <a:effectRef idx="0">
+            <a:schemeClr val="accent1"/>
+          </a:effectRef>
+          <a:fontRef idx="minor">
+            <a:schemeClr val="lt1"/>
+          </a:fontRef>
+        </p:style>
+        <p:txBody>
+          <a:bodyPr wrap="square" rtlCol="0" anchor="ctr">
+            <a:noAutofit/>
+          </a:bodyPr>
+          <a:lstStyle/>
+          <a:p>
+            <a:pPr algn="ctr"/>
+            <a:endParaRPr lang="en-US"/>
+          </a:p>
+        </p:txBody>
+      </p:sp>
+      <p:sp>
+        <p:nvSpPr>
+          <p:cNvPr id="6" name="Title 5">
+            <a:extLst>
+              <a:ext uri="{FF2B5EF4-FFF2-40B4-BE49-F238E27FC236}">
+                <a16:creationId xmlns:a16="http://schemas.microsoft.com/office/drawing/2014/main" id="{1B3CA0E3-7EA6-C8EC-16A1-B1E0ADDA591A}"/>
+              </a:ext>
+            </a:extLst>
+          </p:cNvPr>
+          <p:cNvSpPr>
+            <a:spLocks noGrp="1"/>
+          </p:cNvSpPr>
+          <p:nvPr>
+            <p:ph type="title"/>
+          </p:nvPr>
+        </p:nvSpPr>
+        <p:spPr>
+          <a:xfrm>
+            <a:off x="838200" y="365125"/>
+            <a:ext cx="10515600" cy="1325563"/>
+          </a:xfrm>
+        </p:spPr>
+        <p:txBody>
+          <a:bodyPr vert="horz" lIns="91440" tIns="45720" rIns="91440" bIns="45720" rtlCol="0" anchor="ctr">
+            <a:normAutofit/>
+          </a:bodyPr>
+          <a:lstStyle/>
+          <a:p>
+            <a:r>
+              <a:rPr lang="en-US" kern="1200" dirty="0">
+                <a:solidFill>
+                  <a:schemeClr val="tx1"/>
+                </a:solidFill>
+                <a:latin typeface="+mj-lt"/>
+                <a:ea typeface="+mj-ea"/>
+                <a:cs typeface="+mj-cs"/>
+              </a:rPr>
+              <a:t>Piece of Complexity (Dupe this)</a:t>
+            </a:r>
+          </a:p>
+        </p:txBody>
+      </p:sp>
+      <p:sp>
+        <p:nvSpPr>
+          <p:cNvPr id="3" name="Content Placeholder 2">
+            <a:extLst>
+              <a:ext uri="{FF2B5EF4-FFF2-40B4-BE49-F238E27FC236}">
+                <a16:creationId xmlns:a16="http://schemas.microsoft.com/office/drawing/2014/main" id="{D0110786-541E-AA68-47C0-B4F585DADDB4}"/>
+              </a:ext>
+            </a:extLst>
+          </p:cNvPr>
+          <p:cNvSpPr>
+            <a:spLocks noGrp="1"/>
+          </p:cNvSpPr>
+          <p:nvPr>
+            <p:ph idx="1"/>
+          </p:nvPr>
+        </p:nvSpPr>
+        <p:spPr>
+          <a:xfrm>
+            <a:off x="838200" y="2010833"/>
+            <a:ext cx="10515600" cy="4166130"/>
+          </a:xfrm>
+        </p:spPr>
+        <p:txBody>
+          <a:bodyPr vert="horz" lIns="91440" tIns="45720" rIns="91440" bIns="45720" rtlCol="0">
+            <a:normAutofit/>
+          </a:bodyPr>
+          <a:lstStyle/>
+          <a:p>
+            <a:r>
+              <a:rPr lang="en-US" sz="2000" dirty="0">
+                <a:latin typeface="-apple-system"/>
+              </a:rPr>
+              <a:t>pieces of complexity from SDP</a:t>
+            </a:r>
+          </a:p>
+          <a:p>
+            <a:r>
+              <a:rPr lang="en-US" sz="2000" dirty="0">
+                <a:latin typeface="-apple-system"/>
+              </a:rPr>
+              <a:t>for each piece:</a:t>
+            </a:r>
+          </a:p>
+          <a:p>
+            <a:r>
+              <a:rPr lang="en-US" sz="2000" dirty="0">
+                <a:latin typeface="-apple-system"/>
+              </a:rPr>
+              <a:t>intro at least one user store</a:t>
+            </a:r>
+          </a:p>
+          <a:p>
+            <a:r>
+              <a:rPr lang="en-US" sz="2000" dirty="0">
+                <a:latin typeface="-apple-system"/>
+              </a:rPr>
+              <a:t>one requirement</a:t>
+            </a:r>
+          </a:p>
+          <a:p>
+            <a:r>
+              <a:rPr lang="en-US" sz="2000" dirty="0">
+                <a:latin typeface="-apple-system"/>
+              </a:rPr>
+              <a:t>one design</a:t>
+            </a:r>
+          </a:p>
+          <a:p>
+            <a:r>
+              <a:rPr lang="en-US" sz="2000" dirty="0">
+                <a:latin typeface="-apple-system"/>
+              </a:rPr>
+              <a:t>implementation gif or figure</a:t>
+            </a:r>
+          </a:p>
+          <a:p>
+            <a:r>
+              <a:rPr lang="en-US" sz="2000" dirty="0">
+                <a:latin typeface="-apple-system"/>
+              </a:rPr>
+              <a:t>brief conclusion</a:t>
+            </a:r>
+          </a:p>
+          <a:p>
+            <a:r>
+              <a:rPr lang="en-US" sz="2000" dirty="0">
+                <a:latin typeface="-apple-system"/>
+              </a:rPr>
+              <a:t>each person should contribute to the presentation</a:t>
+            </a:r>
+            <a:endParaRPr lang="en-US" sz="2000" dirty="0"/>
+          </a:p>
+        </p:txBody>
+      </p:sp>
+    </p:spTree>
+    <p:extLst>
+      <p:ext uri="{BB962C8B-B14F-4D97-AF65-F5344CB8AC3E}">
+        <p14:creationId xmlns:p14="http://schemas.microsoft.com/office/powerpoint/2010/main" val="3506432024"/>
+      </p:ext>
+    </p:extLst>
+  </p:cSld>
+  <p:clrMapOvr>
+    <a:overrideClrMapping bg1="dk1" tx1="lt1" bg2="dk2" tx2="lt2" accent1="accent1" accent2="accent2" accent3="accent3" accent4="accent4" accent5="accent5" accent6="accent6" hlink="hlink" folHlink="folHlink"/>
+  </p:clrMapOvr>
+</p:sld>
+</file>
+
+<file path=ppt/slides/slide6.xml><?xml version="1.0" encoding="utf-8"?>
+<p:sld xmlns:a="http://schemas.openxmlformats.org/drawingml/2006/main" xmlns:r="http://schemas.openxmlformats.org/officeDocument/2006/relationships" xmlns:p="http://schemas.openxmlformats.org/presentationml/2006/main">
+  <p:cSld>
+    <p:bg>
+      <p:bgPr>
+        <a:solidFill>
+          <a:srgbClr val="404040"/>
+        </a:solidFill>
+        <a:effectLst/>
+      </p:bgPr>
+    </p:bg>
+    <p:spTree>
+      <p:nvGrpSpPr>
+        <p:cNvPr id="1" name="">
+          <a:extLst>
+            <a:ext uri="{FF2B5EF4-FFF2-40B4-BE49-F238E27FC236}">
+              <a16:creationId xmlns:a16="http://schemas.microsoft.com/office/drawing/2014/main" id="{BCCA39DA-69AD-1AFD-9262-06791C76125B}"/>
+            </a:ext>
+          </a:extLst>
+        </p:cNvPr>
+        <p:cNvGrpSpPr/>
+        <p:nvPr/>
+      </p:nvGrpSpPr>
+      <p:grpSpPr>
+        <a:xfrm>
+          <a:off x="0" y="0"/>
+          <a:ext cx="0" cy="0"/>
+          <a:chOff x="0" y="0"/>
+          <a:chExt cx="0" cy="0"/>
+        </a:xfrm>
+      </p:grpSpPr>
+      <p:sp>
+        <p:nvSpPr>
+          <p:cNvPr id="23" name="Rectangle 22">
+            <a:extLst>
+              <a:ext uri="{FF2B5EF4-FFF2-40B4-BE49-F238E27FC236}">
+                <a16:creationId xmlns:a16="http://schemas.microsoft.com/office/drawing/2014/main" id="{B2117CC0-99A4-E26F-6F2F-6E85016C47CD}"/>
+              </a:ext>
+              <a:ext uri="{C183D7F6-B498-43B3-948B-1728B52AA6E4}">
+                <adec:decorative xmlns:adec="http://schemas.microsoft.com/office/drawing/2017/decorative" val="1"/>
+              </a:ext>
+            </a:extLst>
+          </p:cNvPr>
+          <p:cNvSpPr>
+            <a:spLocks noGrp="1" noRot="1" noChangeAspect="1" noMove="1" noResize="1" noEditPoints="1" noAdjustHandles="1" noChangeArrowheads="1" noChangeShapeType="1" noTextEdit="1"/>
+          </p:cNvSpPr>
+          <p:nvPr>
+            <p:extLst>
+              <p:ext uri="{386F3935-93C4-4BCD-93E2-E3B085C9AB24}">
+                <p16:designElem xmlns:p16="http://schemas.microsoft.com/office/powerpoint/2015/main" val="1"/>
+              </p:ext>
+            </p:extLst>
+          </p:nvPr>
+        </p:nvSpPr>
+        <p:spPr>
+          <a:xfrm>
+            <a:off x="0" y="-3324"/>
+            <a:ext cx="12192000" cy="6861324"/>
+          </a:xfrm>
+          <a:prstGeom prst="rect">
+            <a:avLst/>
+          </a:prstGeom>
+          <a:solidFill>
+            <a:srgbClr val="404040"/>
+          </a:solidFill>
+          <a:ln>
+            <a:noFill/>
+          </a:ln>
+        </p:spPr>
+        <p:style>
+          <a:lnRef idx="2">
+            <a:schemeClr val="accent1">
+              <a:shade val="50000"/>
+            </a:schemeClr>
+          </a:lnRef>
+          <a:fillRef idx="1">
+            <a:schemeClr val="accent1"/>
+          </a:fillRef>
+          <a:effectRef idx="0">
+            <a:schemeClr val="accent1"/>
+          </a:effectRef>
+          <a:fontRef idx="minor">
+            <a:schemeClr val="lt1"/>
+          </a:fontRef>
+        </p:style>
+        <p:txBody>
+          <a:bodyPr rtlCol="0" anchor="ctr"/>
+          <a:lstStyle/>
+          <a:p>
+            <a:pPr algn="ctr"/>
+            <a:endParaRPr lang="en-US"/>
+          </a:p>
+        </p:txBody>
+      </p:sp>
+      <p:sp>
+        <p:nvSpPr>
+          <p:cNvPr id="25" name="Freeform 13">
+            <a:extLst>
+              <a:ext uri="{FF2B5EF4-FFF2-40B4-BE49-F238E27FC236}">
+                <a16:creationId xmlns:a16="http://schemas.microsoft.com/office/drawing/2014/main" id="{83F124B6-AC93-1F33-6E8B-FC3C341A2564}"/>
+              </a:ext>
+              <a:ext uri="{C183D7F6-B498-43B3-948B-1728B52AA6E4}">
+                <adec:decorative xmlns:adec="http://schemas.microsoft.com/office/drawing/2017/decorative" val="1"/>
+              </a:ext>
+            </a:extLst>
+          </p:cNvPr>
+          <p:cNvSpPr>
+            <a:spLocks noGrp="1" noRot="1" noChangeAspect="1" noMove="1" noResize="1" noEditPoints="1" noAdjustHandles="1" noChangeArrowheads="1" noChangeShapeType="1" noTextEdit="1"/>
+          </p:cNvSpPr>
+          <p:nvPr>
+            <p:extLst>
+              <p:ext uri="{386F3935-93C4-4BCD-93E2-E3B085C9AB24}">
+                <p16:designElem xmlns:p16="http://schemas.microsoft.com/office/powerpoint/2015/main" val="1"/>
+              </p:ext>
+            </p:extLst>
+          </p:nvPr>
+        </p:nvSpPr>
+        <p:spPr>
+          <a:xfrm>
+            <a:off x="0" y="0"/>
+            <a:ext cx="11786754" cy="6858000"/>
+          </a:xfrm>
+          <a:custGeom>
+            <a:avLst/>
+            <a:gdLst>
+              <a:gd name="connsiteX0" fmla="*/ 0 w 11786754"/>
+              <a:gd name="connsiteY0" fmla="*/ 0 h 6858000"/>
+              <a:gd name="connsiteX1" fmla="*/ 8610600 w 11786754"/>
+              <a:gd name="connsiteY1" fmla="*/ 0 h 6858000"/>
+              <a:gd name="connsiteX2" fmla="*/ 11786754 w 11786754"/>
+              <a:gd name="connsiteY2" fmla="*/ 6858000 h 6858000"/>
+              <a:gd name="connsiteX3" fmla="*/ 0 w 11786754"/>
+              <a:gd name="connsiteY3" fmla="*/ 6858000 h 6858000"/>
+            </a:gdLst>
+            <a:ahLst/>
+            <a:cxnLst>
+              <a:cxn ang="0">
+                <a:pos x="connsiteX0" y="connsiteY0"/>
+              </a:cxn>
+              <a:cxn ang="0">
+                <a:pos x="connsiteX1" y="connsiteY1"/>
+              </a:cxn>
+              <a:cxn ang="0">
+                <a:pos x="connsiteX2" y="connsiteY2"/>
+              </a:cxn>
+              <a:cxn ang="0">
+                <a:pos x="connsiteX3" y="connsiteY3"/>
+              </a:cxn>
+            </a:cxnLst>
+            <a:rect l="l" t="t" r="r" b="b"/>
+            <a:pathLst>
+              <a:path w="11786754" h="6858000">
+                <a:moveTo>
+                  <a:pt x="0" y="0"/>
+                </a:moveTo>
+                <a:lnTo>
+                  <a:pt x="8610600" y="0"/>
+                </a:lnTo>
+                <a:lnTo>
+                  <a:pt x="11786754" y="6858000"/>
+                </a:lnTo>
+                <a:lnTo>
+                  <a:pt x="0" y="6858000"/>
+                </a:lnTo>
+                <a:close/>
+              </a:path>
+            </a:pathLst>
+          </a:custGeom>
+          <a:solidFill>
+            <a:schemeClr val="bg1">
+              <a:alpha val="30000"/>
+            </a:schemeClr>
+          </a:solidFill>
+          <a:ln>
+            <a:noFill/>
+          </a:ln>
+        </p:spPr>
+        <p:style>
+          <a:lnRef idx="2">
+            <a:schemeClr val="accent1">
+              <a:shade val="50000"/>
+            </a:schemeClr>
+          </a:lnRef>
+          <a:fillRef idx="1">
+            <a:schemeClr val="accent1"/>
+          </a:fillRef>
+          <a:effectRef idx="0">
+            <a:schemeClr val="accent1"/>
+          </a:effectRef>
+          <a:fontRef idx="minor">
+            <a:schemeClr val="lt1"/>
+          </a:fontRef>
+        </p:style>
+        <p:txBody>
+          <a:bodyPr rtlCol="0" anchor="ctr"/>
+          <a:lstStyle/>
+          <a:p>
+            <a:pPr algn="ctr"/>
+            <a:endParaRPr lang="en-US"/>
+          </a:p>
+        </p:txBody>
+      </p:sp>
+      <p:sp>
+        <p:nvSpPr>
+          <p:cNvPr id="27" name="Freeform 11">
+            <a:extLst>
+              <a:ext uri="{FF2B5EF4-FFF2-40B4-BE49-F238E27FC236}">
+                <a16:creationId xmlns:a16="http://schemas.microsoft.com/office/drawing/2014/main" id="{392E3A14-FD5C-1F58-164F-D09083BAA988}"/>
+              </a:ext>
+              <a:ext uri="{C183D7F6-B498-43B3-948B-1728B52AA6E4}">
+                <adec:decorative xmlns:adec="http://schemas.microsoft.com/office/drawing/2017/decorative" val="1"/>
+              </a:ext>
+            </a:extLst>
+          </p:cNvPr>
+          <p:cNvSpPr>
+            <a:spLocks noGrp="1" noRot="1" noChangeAspect="1" noMove="1" noResize="1" noEditPoints="1" noAdjustHandles="1" noChangeArrowheads="1" noChangeShapeType="1" noTextEdit="1"/>
+          </p:cNvSpPr>
+          <p:nvPr>
+            <p:extLst>
+              <p:ext uri="{386F3935-93C4-4BCD-93E2-E3B085C9AB24}">
+                <p16:designElem xmlns:p16="http://schemas.microsoft.com/office/powerpoint/2015/main" val="1"/>
+              </p:ext>
+            </p:extLst>
+          </p:nvPr>
+        </p:nvSpPr>
+        <p:spPr>
+          <a:xfrm>
+            <a:off x="0" y="0"/>
+            <a:ext cx="3581400" cy="6858000"/>
+          </a:xfrm>
+          <a:custGeom>
+            <a:avLst/>
+            <a:gdLst>
+              <a:gd name="connsiteX0" fmla="*/ 0 w 3581400"/>
+              <a:gd name="connsiteY0" fmla="*/ 0 h 6858000"/>
+              <a:gd name="connsiteX1" fmla="*/ 405246 w 3581400"/>
+              <a:gd name="connsiteY1" fmla="*/ 0 h 6858000"/>
+              <a:gd name="connsiteX2" fmla="*/ 3581400 w 3581400"/>
+              <a:gd name="connsiteY2" fmla="*/ 6858000 h 6858000"/>
+              <a:gd name="connsiteX3" fmla="*/ 0 w 3581400"/>
+              <a:gd name="connsiteY3" fmla="*/ 6858000 h 6858000"/>
+            </a:gdLst>
+            <a:ahLst/>
+            <a:cxnLst>
+              <a:cxn ang="0">
+                <a:pos x="connsiteX0" y="connsiteY0"/>
+              </a:cxn>
+              <a:cxn ang="0">
+                <a:pos x="connsiteX1" y="connsiteY1"/>
+              </a:cxn>
+              <a:cxn ang="0">
+                <a:pos x="connsiteX2" y="connsiteY2"/>
+              </a:cxn>
+              <a:cxn ang="0">
+                <a:pos x="connsiteX3" y="connsiteY3"/>
+              </a:cxn>
+            </a:cxnLst>
+            <a:rect l="l" t="t" r="r" b="b"/>
+            <a:pathLst>
+              <a:path w="3581400" h="6858000">
+                <a:moveTo>
+                  <a:pt x="0" y="0"/>
+                </a:moveTo>
+                <a:lnTo>
+                  <a:pt x="405246" y="0"/>
+                </a:lnTo>
+                <a:lnTo>
+                  <a:pt x="3581400" y="6858000"/>
+                </a:lnTo>
+                <a:lnTo>
+                  <a:pt x="0" y="6858000"/>
+                </a:lnTo>
+                <a:close/>
+              </a:path>
+            </a:pathLst>
+          </a:custGeom>
+          <a:solidFill>
+            <a:schemeClr val="bg1">
+              <a:alpha val="30000"/>
+            </a:schemeClr>
+          </a:solidFill>
+          <a:ln>
+            <a:noFill/>
+          </a:ln>
+        </p:spPr>
+        <p:style>
+          <a:lnRef idx="2">
+            <a:schemeClr val="accent1">
+              <a:shade val="50000"/>
+            </a:schemeClr>
+          </a:lnRef>
+          <a:fillRef idx="1">
+            <a:schemeClr val="accent1"/>
+          </a:fillRef>
+          <a:effectRef idx="0">
+            <a:schemeClr val="accent1"/>
+          </a:effectRef>
+          <a:fontRef idx="minor">
+            <a:schemeClr val="lt1"/>
+          </a:fontRef>
+        </p:style>
+        <p:txBody>
+          <a:bodyPr wrap="square" rtlCol="0" anchor="ctr">
+            <a:noAutofit/>
+          </a:bodyPr>
+          <a:lstStyle/>
+          <a:p>
+            <a:pPr algn="ctr"/>
+            <a:endParaRPr lang="en-US"/>
+          </a:p>
+        </p:txBody>
+      </p:sp>
+      <p:sp>
+        <p:nvSpPr>
+          <p:cNvPr id="6" name="Title 5">
+            <a:extLst>
+              <a:ext uri="{FF2B5EF4-FFF2-40B4-BE49-F238E27FC236}">
+                <a16:creationId xmlns:a16="http://schemas.microsoft.com/office/drawing/2014/main" id="{5F695E5B-814C-5BAD-5CA6-609F4EAA2295}"/>
+              </a:ext>
+            </a:extLst>
+          </p:cNvPr>
+          <p:cNvSpPr>
+            <a:spLocks noGrp="1"/>
+          </p:cNvSpPr>
+          <p:nvPr>
+            <p:ph type="title"/>
+          </p:nvPr>
+        </p:nvSpPr>
+        <p:spPr>
+          <a:xfrm>
+            <a:off x="838200" y="365125"/>
+            <a:ext cx="10515600" cy="1325563"/>
+          </a:xfrm>
+        </p:spPr>
+        <p:txBody>
+          <a:bodyPr vert="horz" lIns="91440" tIns="45720" rIns="91440" bIns="45720" rtlCol="0" anchor="ctr">
+            <a:normAutofit/>
+          </a:bodyPr>
+          <a:lstStyle/>
+          <a:p>
+            <a:r>
+              <a:rPr lang="en-US" kern="1200" dirty="0">
+                <a:solidFill>
+                  <a:schemeClr val="tx1"/>
+                </a:solidFill>
+                <a:latin typeface="+mj-lt"/>
+                <a:ea typeface="+mj-ea"/>
+                <a:cs typeface="+mj-cs"/>
+              </a:rPr>
+              <a:t>Conclusion</a:t>
+            </a:r>
+          </a:p>
+        </p:txBody>
+      </p:sp>
+      <p:sp>
+        <p:nvSpPr>
+          <p:cNvPr id="3" name="Content Placeholder 2">
+            <a:extLst>
+              <a:ext uri="{FF2B5EF4-FFF2-40B4-BE49-F238E27FC236}">
+                <a16:creationId xmlns:a16="http://schemas.microsoft.com/office/drawing/2014/main" id="{D33EEBC7-B44E-43EF-EF0D-1639C8DA2B94}"/>
+              </a:ext>
+            </a:extLst>
+          </p:cNvPr>
+          <p:cNvSpPr>
+            <a:spLocks noGrp="1"/>
+          </p:cNvSpPr>
+          <p:nvPr>
+            <p:ph idx="1"/>
+          </p:nvPr>
+        </p:nvSpPr>
+        <p:spPr>
+          <a:xfrm>
+            <a:off x="838200" y="2010833"/>
+            <a:ext cx="10515600" cy="4166130"/>
+          </a:xfrm>
+        </p:spPr>
+        <p:txBody>
+          <a:bodyPr vert="horz" lIns="91440" tIns="45720" rIns="91440" bIns="45720" rtlCol="0">
+            <a:normAutofit/>
+          </a:bodyPr>
+          <a:lstStyle/>
+          <a:p>
+            <a:r>
+              <a:rPr lang="en-US" sz="2000" dirty="0">
+                <a:latin typeface="-apple-system"/>
+              </a:rPr>
+              <a:t>conclusion slide for how we thought the class as a whole (not group) went</a:t>
+            </a:r>
+            <a:endParaRPr lang="en-US" sz="2000" dirty="0"/>
+          </a:p>
+        </p:txBody>
+      </p:sp>
+    </p:spTree>
+    <p:extLst>
+      <p:ext uri="{BB962C8B-B14F-4D97-AF65-F5344CB8AC3E}">
+        <p14:creationId xmlns:p14="http://schemas.microsoft.com/office/powerpoint/2010/main" val="4093256627"/>
+      </p:ext>
+    </p:extLst>
+  </p:cSld>
+  <p:clrMapOvr>
+    <a:overrideClrMapping bg1="dk1" tx1="lt1" bg2="dk2" tx2="lt2" accent1="accent1" accent2="accent2" accent3="accent3" accent4="accent4" accent5="accent5" accent6="accent6" hlink="hlink" folHlink="folHlink"/>
+  </p:clrMapOvr>
+</p:sld>
+</file>
+
+<file path=ppt/slides/slide7.xml><?xml version="1.0" encoding="utf-8"?>
+<p:sld xmlns:a="http://schemas.openxmlformats.org/drawingml/2006/main" xmlns:r="http://schemas.openxmlformats.org/officeDocument/2006/relationships" xmlns:p="http://schemas.openxmlformats.org/presentationml/2006/main">
+  <p:cSld>
+    <p:bg>
+      <p:bgPr>
+        <a:solidFill>
+          <a:srgbClr val="404040"/>
+        </a:solidFill>
+        <a:effectLst/>
+      </p:bgPr>
+    </p:bg>
+    <p:spTree>
+      <p:nvGrpSpPr>
+        <p:cNvPr id="1" name="">
+          <a:extLst>
+            <a:ext uri="{FF2B5EF4-FFF2-40B4-BE49-F238E27FC236}">
+              <a16:creationId xmlns:a16="http://schemas.microsoft.com/office/drawing/2014/main" id="{379185B5-787B-BA41-30C4-789441207D2D}"/>
+            </a:ext>
+          </a:extLst>
+        </p:cNvPr>
+        <p:cNvGrpSpPr/>
+        <p:nvPr/>
+      </p:nvGrpSpPr>
+      <p:grpSpPr>
+        <a:xfrm>
+          <a:off x="0" y="0"/>
+          <a:ext cx="0" cy="0"/>
+          <a:chOff x="0" y="0"/>
+          <a:chExt cx="0" cy="0"/>
+        </a:xfrm>
+      </p:grpSpPr>
+      <p:sp>
+        <p:nvSpPr>
+          <p:cNvPr id="23" name="Rectangle 22">
+            <a:extLst>
+              <a:ext uri="{FF2B5EF4-FFF2-40B4-BE49-F238E27FC236}">
+                <a16:creationId xmlns:a16="http://schemas.microsoft.com/office/drawing/2014/main" id="{6EAC89B1-32D8-83B8-3860-54AC96953C86}"/>
+              </a:ext>
+              <a:ext uri="{C183D7F6-B498-43B3-948B-1728B52AA6E4}">
+                <adec:decorative xmlns:adec="http://schemas.microsoft.com/office/drawing/2017/decorative" val="1"/>
+              </a:ext>
+            </a:extLst>
+          </p:cNvPr>
+          <p:cNvSpPr>
+            <a:spLocks noGrp="1" noRot="1" noChangeAspect="1" noMove="1" noResize="1" noEditPoints="1" noAdjustHandles="1" noChangeArrowheads="1" noChangeShapeType="1" noTextEdit="1"/>
+          </p:cNvSpPr>
+          <p:nvPr>
+            <p:extLst>
+              <p:ext uri="{386F3935-93C4-4BCD-93E2-E3B085C9AB24}">
+                <p16:designElem xmlns:p16="http://schemas.microsoft.com/office/powerpoint/2015/main" val="1"/>
+              </p:ext>
+            </p:extLst>
+          </p:nvPr>
+        </p:nvSpPr>
+        <p:spPr>
+          <a:xfrm>
+            <a:off x="0" y="-3324"/>
+            <a:ext cx="12192000" cy="6861324"/>
+          </a:xfrm>
+          <a:prstGeom prst="rect">
+            <a:avLst/>
+          </a:prstGeom>
+          <a:solidFill>
+            <a:srgbClr val="404040"/>
+          </a:solidFill>
+          <a:ln>
+            <a:noFill/>
+          </a:ln>
+        </p:spPr>
+        <p:style>
+          <a:lnRef idx="2">
+            <a:schemeClr val="accent1">
+              <a:shade val="50000"/>
+            </a:schemeClr>
+          </a:lnRef>
+          <a:fillRef idx="1">
+            <a:schemeClr val="accent1"/>
+          </a:fillRef>
+          <a:effectRef idx="0">
+            <a:schemeClr val="accent1"/>
+          </a:effectRef>
+          <a:fontRef idx="minor">
+            <a:schemeClr val="lt1"/>
+          </a:fontRef>
+        </p:style>
+        <p:txBody>
+          <a:bodyPr rtlCol="0" anchor="ctr"/>
+          <a:lstStyle/>
+          <a:p>
+            <a:pPr algn="ctr"/>
+            <a:endParaRPr lang="en-US"/>
+          </a:p>
+        </p:txBody>
+      </p:sp>
+      <p:sp>
+        <p:nvSpPr>
+          <p:cNvPr id="25" name="Freeform 13">
+            <a:extLst>
+              <a:ext uri="{FF2B5EF4-FFF2-40B4-BE49-F238E27FC236}">
+                <a16:creationId xmlns:a16="http://schemas.microsoft.com/office/drawing/2014/main" id="{AB8B7B51-DAA2-AB5C-C75C-5FC543FC0C35}"/>
+              </a:ext>
+              <a:ext uri="{C183D7F6-B498-43B3-948B-1728B52AA6E4}">
+                <adec:decorative xmlns:adec="http://schemas.microsoft.com/office/drawing/2017/decorative" val="1"/>
+              </a:ext>
+            </a:extLst>
+          </p:cNvPr>
+          <p:cNvSpPr>
+            <a:spLocks noGrp="1" noRot="1" noChangeAspect="1" noMove="1" noResize="1" noEditPoints="1" noAdjustHandles="1" noChangeArrowheads="1" noChangeShapeType="1" noTextEdit="1"/>
+          </p:cNvSpPr>
+          <p:nvPr>
+            <p:extLst>
+              <p:ext uri="{386F3935-93C4-4BCD-93E2-E3B085C9AB24}">
+                <p16:designElem xmlns:p16="http://schemas.microsoft.com/office/powerpoint/2015/main" val="1"/>
+              </p:ext>
+            </p:extLst>
+          </p:nvPr>
+        </p:nvSpPr>
+        <p:spPr>
+          <a:xfrm>
+            <a:off x="0" y="0"/>
+            <a:ext cx="11786754" cy="6858000"/>
+          </a:xfrm>
+          <a:custGeom>
+            <a:avLst/>
+            <a:gdLst>
+              <a:gd name="connsiteX0" fmla="*/ 0 w 11786754"/>
+              <a:gd name="connsiteY0" fmla="*/ 0 h 6858000"/>
+              <a:gd name="connsiteX1" fmla="*/ 8610600 w 11786754"/>
+              <a:gd name="connsiteY1" fmla="*/ 0 h 6858000"/>
+              <a:gd name="connsiteX2" fmla="*/ 11786754 w 11786754"/>
+              <a:gd name="connsiteY2" fmla="*/ 6858000 h 6858000"/>
+              <a:gd name="connsiteX3" fmla="*/ 0 w 11786754"/>
+              <a:gd name="connsiteY3" fmla="*/ 6858000 h 6858000"/>
+            </a:gdLst>
+            <a:ahLst/>
+            <a:cxnLst>
+              <a:cxn ang="0">
+                <a:pos x="connsiteX0" y="connsiteY0"/>
+              </a:cxn>
+              <a:cxn ang="0">
+                <a:pos x="connsiteX1" y="connsiteY1"/>
+              </a:cxn>
+              <a:cxn ang="0">
+                <a:pos x="connsiteX2" y="connsiteY2"/>
+              </a:cxn>
+              <a:cxn ang="0">
+                <a:pos x="connsiteX3" y="connsiteY3"/>
+              </a:cxn>
+            </a:cxnLst>
+            <a:rect l="l" t="t" r="r" b="b"/>
+            <a:pathLst>
+              <a:path w="11786754" h="6858000">
+                <a:moveTo>
+                  <a:pt x="0" y="0"/>
+                </a:moveTo>
+                <a:lnTo>
+                  <a:pt x="8610600" y="0"/>
+                </a:lnTo>
+                <a:lnTo>
+                  <a:pt x="11786754" y="6858000"/>
+                </a:lnTo>
+                <a:lnTo>
+                  <a:pt x="0" y="6858000"/>
+                </a:lnTo>
+                <a:close/>
+              </a:path>
+            </a:pathLst>
+          </a:custGeom>
+          <a:solidFill>
+            <a:schemeClr val="bg1">
+              <a:alpha val="30000"/>
+            </a:schemeClr>
+          </a:solidFill>
+          <a:ln>
+            <a:noFill/>
+          </a:ln>
+        </p:spPr>
+        <p:style>
+          <a:lnRef idx="2">
+            <a:schemeClr val="accent1">
+              <a:shade val="50000"/>
+            </a:schemeClr>
+          </a:lnRef>
+          <a:fillRef idx="1">
+            <a:schemeClr val="accent1"/>
+          </a:fillRef>
+          <a:effectRef idx="0">
+            <a:schemeClr val="accent1"/>
+          </a:effectRef>
+          <a:fontRef idx="minor">
+            <a:schemeClr val="lt1"/>
+          </a:fontRef>
+        </p:style>
+        <p:txBody>
+          <a:bodyPr rtlCol="0" anchor="ctr"/>
+          <a:lstStyle/>
+          <a:p>
+            <a:pPr algn="ctr"/>
+            <a:endParaRPr lang="en-US"/>
+          </a:p>
+        </p:txBody>
+      </p:sp>
+      <p:sp>
+        <p:nvSpPr>
+          <p:cNvPr id="27" name="Freeform 11">
+            <a:extLst>
+              <a:ext uri="{FF2B5EF4-FFF2-40B4-BE49-F238E27FC236}">
+                <a16:creationId xmlns:a16="http://schemas.microsoft.com/office/drawing/2014/main" id="{706DFD6B-186D-4ADB-7C79-725A5D0EA9D2}"/>
+              </a:ext>
+              <a:ext uri="{C183D7F6-B498-43B3-948B-1728B52AA6E4}">
+                <adec:decorative xmlns:adec="http://schemas.microsoft.com/office/drawing/2017/decorative" val="1"/>
+              </a:ext>
+            </a:extLst>
+          </p:cNvPr>
+          <p:cNvSpPr>
+            <a:spLocks noGrp="1" noRot="1" noChangeAspect="1" noMove="1" noResize="1" noEditPoints="1" noAdjustHandles="1" noChangeArrowheads="1" noChangeShapeType="1" noTextEdit="1"/>
+          </p:cNvSpPr>
+          <p:nvPr>
+            <p:extLst>
+              <p:ext uri="{386F3935-93C4-4BCD-93E2-E3B085C9AB24}">
+                <p16:designElem xmlns:p16="http://schemas.microsoft.com/office/powerpoint/2015/main" val="1"/>
+              </p:ext>
+            </p:extLst>
+          </p:nvPr>
+        </p:nvSpPr>
+        <p:spPr>
+          <a:xfrm>
+            <a:off x="0" y="0"/>
+            <a:ext cx="3581400" cy="6858000"/>
+          </a:xfrm>
+          <a:custGeom>
+            <a:avLst/>
+            <a:gdLst>
+              <a:gd name="connsiteX0" fmla="*/ 0 w 3581400"/>
+              <a:gd name="connsiteY0" fmla="*/ 0 h 6858000"/>
+              <a:gd name="connsiteX1" fmla="*/ 405246 w 3581400"/>
+              <a:gd name="connsiteY1" fmla="*/ 0 h 6858000"/>
+              <a:gd name="connsiteX2" fmla="*/ 3581400 w 3581400"/>
+              <a:gd name="connsiteY2" fmla="*/ 6858000 h 6858000"/>
+              <a:gd name="connsiteX3" fmla="*/ 0 w 3581400"/>
+              <a:gd name="connsiteY3" fmla="*/ 6858000 h 6858000"/>
+            </a:gdLst>
+            <a:ahLst/>
+            <a:cxnLst>
+              <a:cxn ang="0">
+                <a:pos x="connsiteX0" y="connsiteY0"/>
+              </a:cxn>
+              <a:cxn ang="0">
+                <a:pos x="connsiteX1" y="connsiteY1"/>
+              </a:cxn>
+              <a:cxn ang="0">
+                <a:pos x="connsiteX2" y="connsiteY2"/>
+              </a:cxn>
+              <a:cxn ang="0">
+                <a:pos x="connsiteX3" y="connsiteY3"/>
+              </a:cxn>
+            </a:cxnLst>
+            <a:rect l="l" t="t" r="r" b="b"/>
+            <a:pathLst>
+              <a:path w="3581400" h="6858000">
+                <a:moveTo>
+                  <a:pt x="0" y="0"/>
+                </a:moveTo>
+                <a:lnTo>
+                  <a:pt x="405246" y="0"/>
+                </a:lnTo>
+                <a:lnTo>
+                  <a:pt x="3581400" y="6858000"/>
+                </a:lnTo>
+                <a:lnTo>
+                  <a:pt x="0" y="6858000"/>
+                </a:lnTo>
+                <a:close/>
+              </a:path>
+            </a:pathLst>
+          </a:custGeom>
+          <a:solidFill>
+            <a:schemeClr val="bg1">
+              <a:alpha val="30000"/>
+            </a:schemeClr>
+          </a:solidFill>
+          <a:ln>
+            <a:noFill/>
+          </a:ln>
+        </p:spPr>
+        <p:style>
+          <a:lnRef idx="2">
+            <a:schemeClr val="accent1">
+              <a:shade val="50000"/>
+            </a:schemeClr>
+          </a:lnRef>
+          <a:fillRef idx="1">
+            <a:schemeClr val="accent1"/>
+          </a:fillRef>
+          <a:effectRef idx="0">
+            <a:schemeClr val="accent1"/>
+          </a:effectRef>
+          <a:fontRef idx="minor">
+            <a:schemeClr val="lt1"/>
+          </a:fontRef>
+        </p:style>
+        <p:txBody>
+          <a:bodyPr wrap="square" rtlCol="0" anchor="ctr">
+            <a:noAutofit/>
+          </a:bodyPr>
+          <a:lstStyle/>
+          <a:p>
+            <a:pPr algn="ctr"/>
+            <a:endParaRPr lang="en-US"/>
+          </a:p>
+        </p:txBody>
+      </p:sp>
+      <p:sp>
+        <p:nvSpPr>
+          <p:cNvPr id="6" name="Title 5">
+            <a:extLst>
+              <a:ext uri="{FF2B5EF4-FFF2-40B4-BE49-F238E27FC236}">
+                <a16:creationId xmlns:a16="http://schemas.microsoft.com/office/drawing/2014/main" id="{DBCE6311-72B6-1F49-ABF5-B21F66F6D2D0}"/>
+              </a:ext>
+            </a:extLst>
+          </p:cNvPr>
+          <p:cNvSpPr>
+            <a:spLocks noGrp="1"/>
+          </p:cNvSpPr>
+          <p:nvPr>
+            <p:ph type="title"/>
+          </p:nvPr>
+        </p:nvSpPr>
+        <p:spPr>
+          <a:xfrm>
+            <a:off x="838200" y="365125"/>
+            <a:ext cx="10515600" cy="1325563"/>
+          </a:xfrm>
+        </p:spPr>
+        <p:txBody>
+          <a:bodyPr vert="horz" lIns="91440" tIns="45720" rIns="91440" bIns="45720" rtlCol="0" anchor="ctr">
+            <a:normAutofit/>
+          </a:bodyPr>
+          <a:lstStyle/>
+          <a:p>
+            <a:r>
+              <a:rPr lang="en-US" kern="1200" dirty="0">
+                <a:solidFill>
+                  <a:schemeClr val="tx1"/>
+                </a:solidFill>
+                <a:latin typeface="+mj-lt"/>
+                <a:ea typeface="+mj-ea"/>
+                <a:cs typeface="+mj-cs"/>
+              </a:rPr>
+              <a:t>Questions?</a:t>
+            </a:r>
+          </a:p>
+        </p:txBody>
+      </p:sp>
+      <p:sp>
+        <p:nvSpPr>
+          <p:cNvPr id="3" name="Content Placeholder 2">
+            <a:extLst>
+              <a:ext uri="{FF2B5EF4-FFF2-40B4-BE49-F238E27FC236}">
+                <a16:creationId xmlns:a16="http://schemas.microsoft.com/office/drawing/2014/main" id="{54D69CF9-08FE-85A5-8AA1-63F06749C141}"/>
+              </a:ext>
+            </a:extLst>
+          </p:cNvPr>
+          <p:cNvSpPr>
+            <a:spLocks noGrp="1"/>
+          </p:cNvSpPr>
+          <p:nvPr>
+            <p:ph idx="1"/>
+          </p:nvPr>
+        </p:nvSpPr>
+        <p:spPr>
+          <a:xfrm>
+            <a:off x="838200" y="2010833"/>
+            <a:ext cx="10515600" cy="4166130"/>
+          </a:xfrm>
+        </p:spPr>
+        <p:txBody>
+          <a:bodyPr vert="horz" lIns="91440" tIns="45720" rIns="91440" bIns="45720" rtlCol="0">
+            <a:normAutofit/>
+          </a:bodyPr>
+          <a:lstStyle/>
+          <a:p>
+            <a:endParaRPr lang="en-US" sz="2000" dirty="0"/>
+          </a:p>
+        </p:txBody>
+      </p:sp>
+    </p:spTree>
+    <p:extLst>
+      <p:ext uri="{BB962C8B-B14F-4D97-AF65-F5344CB8AC3E}">
+        <p14:creationId xmlns:p14="http://schemas.microsoft.com/office/powerpoint/2010/main" val="3870322832"/>
       </p:ext>
     </p:extLst>
   </p:cSld>

--- a/presentation materials/PresentationPowerpoint.pptx
+++ b/presentation materials/PresentationPowerpoint.pptx
@@ -358,7 +358,7 @@
             <a:pPr indent="0" algn="r">
               <a:buNone/>
             </a:pPr>
-            <a:fld id="{F635596D-0B04-417D-A508-AA4FA4B40376}" type="slidenum">
+            <a:fld id="{0A0CB7D8-B564-4CFE-8337-78AC9CF22AD0}" type="slidenum">
               <a:rPr b="0" lang="en-US" sz="1400" spc="-1" strike="noStrike">
                 <a:solidFill>
                   <a:srgbClr val="000000"/>
@@ -531,7 +531,7 @@
                 <a:tab algn="l" pos="0"/>
               </a:tabLst>
             </a:pPr>
-            <a:fld id="{E72FC7CF-13FB-4487-B813-D15671997823}" type="slidenum">
+            <a:fld id="{4BF79849-DFAB-4997-8FAC-261CF35FC0B8}" type="slidenum">
               <a:rPr b="0" lang="en-US" sz="1200" spc="-1" strike="noStrike">
                 <a:solidFill>
                   <a:srgbClr val="000000"/>
@@ -688,7 +688,7 @@
                 <a:tab algn="l" pos="0"/>
               </a:tabLst>
             </a:pPr>
-            <a:fld id="{6691E713-F5A7-4890-B11E-CCC8D39159EF}" type="slidenum">
+            <a:fld id="{6A4C59A6-4D0A-44BB-B6B1-DE7B42192B02}" type="slidenum">
               <a:rPr b="0" lang="en-US" sz="1200" spc="-1" strike="noStrike">
                 <a:solidFill>
                   <a:srgbClr val="000000"/>
@@ -860,7 +860,7 @@
                 <a:tab algn="l" pos="0"/>
               </a:tabLst>
             </a:pPr>
-            <a:fld id="{92C10A6E-3220-4F63-ADEC-FCD2144EF7CE}" type="slidenum">
+            <a:fld id="{27A2DA0C-801A-42CD-8E7F-2AF2F727D6D4}" type="slidenum">
               <a:rPr b="0" lang="en-US" sz="1200" spc="-1" strike="noStrike">
                 <a:solidFill>
                   <a:srgbClr val="000000"/>
@@ -1032,7 +1032,7 @@
                 <a:tab algn="l" pos="0"/>
               </a:tabLst>
             </a:pPr>
-            <a:fld id="{5E6152CE-EA1B-4485-898E-C0D8D2E6EA50}" type="slidenum">
+            <a:fld id="{308E202E-A233-4C99-86A8-AA33359E396D}" type="slidenum">
               <a:rPr b="0" lang="en-US" sz="1200" spc="-1" strike="noStrike">
                 <a:solidFill>
                   <a:srgbClr val="000000"/>
@@ -1204,7 +1204,7 @@
                 <a:tab algn="l" pos="0"/>
               </a:tabLst>
             </a:pPr>
-            <a:fld id="{E2F420EF-A724-4F21-8DA8-1DF359975C12}" type="slidenum">
+            <a:fld id="{43D950C1-1B30-4840-BB26-FDDDB27949BC}" type="slidenum">
               <a:rPr b="0" lang="en-US" sz="1200" spc="-1" strike="noStrike">
                 <a:solidFill>
                   <a:srgbClr val="000000"/>
@@ -1376,7 +1376,7 @@
                 <a:tab algn="l" pos="0"/>
               </a:tabLst>
             </a:pPr>
-            <a:fld id="{C2F2A5A3-4D53-4AE5-9A1E-816913C494EA}" type="slidenum">
+            <a:fld id="{7898F6D0-8A9D-4401-B08B-A795D21CAE4D}" type="slidenum">
               <a:rPr b="0" lang="en-US" sz="1200" spc="-1" strike="noStrike">
                 <a:solidFill>
                   <a:srgbClr val="000000"/>
@@ -1548,7 +1548,7 @@
                 <a:tab algn="l" pos="0"/>
               </a:tabLst>
             </a:pPr>
-            <a:fld id="{7967F331-7201-4298-9D41-B55A650CE8BD}" type="slidenum">
+            <a:fld id="{3855D289-B33D-463E-8496-5702B8153922}" type="slidenum">
               <a:rPr b="0" lang="en-US" sz="1200" spc="-1" strike="noStrike">
                 <a:solidFill>
                   <a:srgbClr val="000000"/>
@@ -1720,7 +1720,7 @@
                 <a:tab algn="l" pos="0"/>
               </a:tabLst>
             </a:pPr>
-            <a:fld id="{2E926C02-7379-4E34-9FB7-D929EC0E10B1}" type="slidenum">
+            <a:fld id="{95BA2681-AA4B-435B-843C-588AFDB25C8F}" type="slidenum">
               <a:rPr b="0" lang="en-US" sz="1200" spc="-1" strike="noStrike">
                 <a:solidFill>
                   <a:srgbClr val="000000"/>
@@ -1892,7 +1892,7 @@
                 <a:tab algn="l" pos="0"/>
               </a:tabLst>
             </a:pPr>
-            <a:fld id="{70A7D878-7B32-47D9-BDE5-86ABD260177C}" type="slidenum">
+            <a:fld id="{EE868C33-2F6B-4033-ADA2-E8F3B0ACD9C2}" type="slidenum">
               <a:rPr b="0" lang="en-US" sz="1200" spc="-1" strike="noStrike">
                 <a:solidFill>
                   <a:srgbClr val="000000"/>
@@ -2046,7 +2046,7 @@
         <p:txBody>
           <a:bodyPr/>
           <a:p>
-            <a:fld id="{9F991D52-9B48-41B3-A139-4C937D37FF03}" type="slidenum">
+            <a:fld id="{0F6A2EA9-2157-4D85-B232-FF22345F6C90}" type="slidenum">
               <a:t>&lt;#&gt;</a:t>
             </a:fld>
           </a:p>
@@ -2129,7 +2129,7 @@
         <p:txBody>
           <a:bodyPr/>
           <a:p>
-            <a:fld id="{BB6648B5-A0FF-41EE-84D5-188796199DE1}" type="slidenum">
+            <a:fld id="{0254CB18-0532-4C72-8658-B16DA1BE1572}" type="slidenum">
               <a:t>&lt;#&gt;</a:t>
             </a:fld>
           </a:p>
@@ -2212,7 +2212,7 @@
         <p:txBody>
           <a:bodyPr/>
           <a:p>
-            <a:fld id="{E7691172-A93B-4F74-8C18-740A7BA98EDA}" type="slidenum">
+            <a:fld id="{083A611A-9526-4FC2-AB88-DF236856FEA4}" type="slidenum">
               <a:t>&lt;#&gt;</a:t>
             </a:fld>
           </a:p>
@@ -2295,7 +2295,7 @@
         <p:txBody>
           <a:bodyPr/>
           <a:p>
-            <a:fld id="{A96E2F22-AB11-4840-8733-49909E3D3F76}" type="slidenum">
+            <a:fld id="{BEB94523-BE19-433F-A9EA-339C77DE64C3}" type="slidenum">
               <a:t>&lt;#&gt;</a:t>
             </a:fld>
           </a:p>
@@ -2378,7 +2378,7 @@
         <p:txBody>
           <a:bodyPr/>
           <a:p>
-            <a:fld id="{12CC1A2C-5E47-43CE-9AFB-D4F47A80D9A8}" type="slidenum">
+            <a:fld id="{039CF617-E4D9-415B-8B1F-6A424BC5C308}" type="slidenum">
               <a:t>&lt;#&gt;</a:t>
             </a:fld>
           </a:p>
@@ -2544,7 +2544,7 @@
         <p:txBody>
           <a:bodyPr/>
           <a:p>
-            <a:fld id="{611E96A1-1D5D-47B7-96A0-F8EEC3B61D05}" type="slidenum">
+            <a:fld id="{19C86002-9478-41E0-9508-98B1FF55B521}" type="slidenum">
               <a:t>&lt;#&gt;</a:t>
             </a:fld>
           </a:p>
@@ -2627,7 +2627,7 @@
         <p:txBody>
           <a:bodyPr/>
           <a:p>
-            <a:fld id="{CA96D07E-8AD6-461F-8F69-1B83041FE559}" type="slidenum">
+            <a:fld id="{3857233A-43FB-4286-861C-94C13D4E77BC}" type="slidenum">
               <a:t>&lt;#&gt;</a:t>
             </a:fld>
           </a:p>
@@ -2836,7 +2836,7 @@
         <p:txBody>
           <a:bodyPr/>
           <a:p>
-            <a:fld id="{DD8ED8FD-DBF6-4A3D-A7B0-1C5F12C64F89}" type="slidenum">
+            <a:fld id="{1060ED61-A6CB-4B99-9506-A88A41DEB80B}" type="slidenum">
               <a:t>&lt;#&gt;</a:t>
             </a:fld>
           </a:p>
@@ -2919,7 +2919,7 @@
         <p:txBody>
           <a:bodyPr/>
           <a:p>
-            <a:fld id="{274B8538-7F8D-4841-A0AD-A99EFD7F83FE}" type="slidenum">
+            <a:fld id="{E2C556FF-0B0D-4B17-B95D-B3462B5EF5EE}" type="slidenum">
               <a:t>&lt;#&gt;</a:t>
             </a:fld>
           </a:p>
@@ -3042,7 +3042,7 @@
         <p:txBody>
           <a:bodyPr/>
           <a:p>
-            <a:fld id="{7BD74C98-E24D-478F-983F-EAC2ED92378E}" type="slidenum">
+            <a:fld id="{F22C9C3F-6780-454A-9494-3727D6BD2E7D}" type="slidenum">
               <a:t>&lt;#&gt;</a:t>
             </a:fld>
           </a:p>
@@ -3125,7 +3125,7 @@
         <p:txBody>
           <a:bodyPr/>
           <a:p>
-            <a:fld id="{8B201733-35C0-401A-A8C2-57B57F805A81}" type="slidenum">
+            <a:fld id="{654FC232-EF6B-4151-A3AA-E0EED20E6F65}" type="slidenum">
               <a:t>&lt;#&gt;</a:t>
             </a:fld>
           </a:p>
@@ -3291,7 +3291,7 @@
                 </a:solidFill>
                 <a:latin typeface="Times New Roman"/>
               </a:rPr>
-              <a:t> </a:t>
+              <a:t>&lt;footer&gt;</a:t>
             </a:r>
             <a:endParaRPr b="0" lang="en-US" sz="1400" spc="-1" strike="noStrike">
               <a:solidFill>
@@ -3358,7 +3358,7 @@
                 <a:tab algn="l" pos="0"/>
               </a:tabLst>
             </a:pPr>
-            <a:fld id="{E8BC22A7-F208-4971-AC3B-B782F94D9F3C}" type="slidenum">
+            <a:fld id="{1BA65285-7863-442E-A057-45C1B587BEE5}" type="slidenum">
               <a:rPr b="0" lang="en-US" sz="1200" spc="-1" strike="noStrike">
                 <a:solidFill>
                   <a:schemeClr val="dk1">
@@ -3367,7 +3367,7 @@
                 </a:solidFill>
                 <a:latin typeface="Aptos"/>
               </a:rPr>
-              <a:t>9</a:t>
+              <a:t>&lt;number&gt;</a:t>
             </a:fld>
             <a:endParaRPr b="0" lang="en-US" sz="1200" spc="-1" strike="noStrike">
               <a:solidFill>
@@ -3427,7 +3427,7 @@
                 </a:solidFill>
                 <a:latin typeface="Times New Roman"/>
               </a:rPr>
-              <a:t> </a:t>
+              <a:t>&lt;date/time&gt;</a:t>
             </a:r>
             <a:endParaRPr b="0" lang="en-US" sz="1400" spc="-1" strike="noStrike">
               <a:solidFill>
@@ -3824,7 +3824,7 @@
                 <a:tab algn="l" pos="0"/>
               </a:tabLst>
             </a:pPr>
-            <a:fld id="{B6F3404C-5230-4514-B5D7-4E6908486323}" type="slidenum">
+            <a:fld id="{CEB88E63-3285-4EF5-AEA1-182A1B705D81}" type="slidenum">
               <a:rPr b="0" lang="en-US" sz="1200" spc="-1" strike="noStrike">
                 <a:solidFill>
                   <a:schemeClr val="dk1">
@@ -4065,7 +4065,7 @@
                 <a:tab algn="l" pos="0"/>
               </a:tabLst>
             </a:pPr>
-            <a:fld id="{6C284896-48AA-494E-AA9E-8F19F96E1F7F}" type="slidenum">
+            <a:fld id="{EBF6EC9B-8CD1-4FCC-95A2-14049FF27979}" type="slidenum">
               <a:rPr b="0" lang="en-US" sz="1200" spc="-1" strike="noStrike">
                 <a:solidFill>
                   <a:schemeClr val="dk1">
@@ -4306,7 +4306,7 @@
                 <a:tab algn="l" pos="0"/>
               </a:tabLst>
             </a:pPr>
-            <a:fld id="{948D50DB-C5F7-4787-B4E4-1DC7EDAD4464}" type="slidenum">
+            <a:fld id="{A0BA918E-81BA-4995-8412-231AF7E99290}" type="slidenum">
               <a:rPr b="0" lang="en-US" sz="1200" spc="-1" strike="noStrike">
                 <a:solidFill>
                   <a:schemeClr val="dk1">
@@ -4547,7 +4547,7 @@
                 <a:tab algn="l" pos="0"/>
               </a:tabLst>
             </a:pPr>
-            <a:fld id="{4AE4D19B-EA2B-4E9B-A042-64998AAA5CF9}" type="slidenum">
+            <a:fld id="{9094B65E-5F42-4E07-8B48-1CFB406C5C20}" type="slidenum">
               <a:rPr b="0" lang="en-US" sz="1200" spc="-1" strike="noStrike">
                 <a:solidFill>
                   <a:schemeClr val="dk1">
@@ -5062,7 +5062,7 @@
                 <a:tab algn="l" pos="0"/>
               </a:tabLst>
             </a:pPr>
-            <a:fld id="{236D567E-4741-447A-A685-0C2CCC679842}" type="slidenum">
+            <a:fld id="{7B7B2018-4F89-4EF5-9634-A65679331408}" type="slidenum">
               <a:rPr b="0" lang="en-US" sz="1200" spc="-1" strike="noStrike">
                 <a:solidFill>
                   <a:schemeClr val="dk1">
@@ -5303,7 +5303,7 @@
                 <a:tab algn="l" pos="0"/>
               </a:tabLst>
             </a:pPr>
-            <a:fld id="{8D12F9DC-4335-4C90-9D52-53F0FD9233B4}" type="slidenum">
+            <a:fld id="{C2C382F3-EBCA-4CB9-AC7C-19B3E66B6078}" type="slidenum">
               <a:rPr b="0" lang="en-US" sz="1200" spc="-1" strike="noStrike">
                 <a:solidFill>
                   <a:schemeClr val="dk1">
@@ -6043,7 +6043,7 @@
                 <a:tab algn="l" pos="0"/>
               </a:tabLst>
             </a:pPr>
-            <a:fld id="{13867B67-C5D1-46F1-8A0D-D1CA82BB1B41}" type="slidenum">
+            <a:fld id="{DA0EAA45-8FC5-437D-AED3-4D67E6B222EE}" type="slidenum">
               <a:rPr b="0" lang="en-US" sz="1200" spc="-1" strike="noStrike">
                 <a:solidFill>
                   <a:schemeClr val="dk1">
@@ -6284,7 +6284,7 @@
                 <a:tab algn="l" pos="0"/>
               </a:tabLst>
             </a:pPr>
-            <a:fld id="{1CE26AB6-E374-4275-8FA0-A819FDF8D9F1}" type="slidenum">
+            <a:fld id="{35BC5641-130E-47CB-8C6F-EB8B400BBC35}" type="slidenum">
               <a:rPr b="0" lang="en-US" sz="1200" spc="-1" strike="noStrike">
                 <a:solidFill>
                   <a:schemeClr val="dk1">
@@ -6574,7 +6574,7 @@
                 <a:tab algn="l" pos="0"/>
               </a:tabLst>
             </a:pPr>
-            <a:fld id="{D1B7D6F9-05A4-40B5-8FDC-E197134CC32D}" type="slidenum">
+            <a:fld id="{CEC3FCFF-538A-4E1A-93BF-835D78A733C9}" type="slidenum">
               <a:rPr b="0" lang="en-US" sz="1200" spc="-1" strike="noStrike">
                 <a:solidFill>
                   <a:schemeClr val="dk1">
@@ -6815,7 +6815,7 @@
                 <a:tab algn="l" pos="0"/>
               </a:tabLst>
             </a:pPr>
-            <a:fld id="{FDC522DA-D722-4C16-AD8F-536867D706EE}" type="slidenum">
+            <a:fld id="{274D1A93-B62A-422F-9208-808F6FA6433C}" type="slidenum">
               <a:rPr b="0" lang="en-US" sz="1200" spc="-1" strike="noStrike">
                 <a:solidFill>
                   <a:schemeClr val="dk1">
@@ -8867,7 +8867,16 @@
                 </a:solidFill>
                 <a:latin typeface="-apple-system"/>
               </a:rPr>
-              <a:t>Godot programmed videogame named Matthew's Journey </a:t>
+              <a:t>Godot programmed videogame named </a:t>
+            </a:r>
+            <a:r>
+              <a:rPr b="0" lang="en-US" sz="2800" spc="-1" strike="noStrike">
+                <a:solidFill>
+                  <a:schemeClr val="dk1"/>
+                </a:solidFill>
+                <a:latin typeface="-apple-system"/>
+              </a:rPr>
+              <a:t>Matthew's Journey </a:t>
             </a:r>
             <a:endParaRPr b="0" lang="en-US" sz="2800" spc="-1" strike="noStrike">
               <a:solidFill>
@@ -8957,7 +8966,16 @@
                 </a:solidFill>
                 <a:latin typeface="-apple-system"/>
               </a:rPr>
-              <a:t>2D pixel art, sound, &amp; music will be outsourced</a:t>
+              <a:t>2D pixel art, sound, &amp; music will be </a:t>
+            </a:r>
+            <a:r>
+              <a:rPr b="0" lang="en-US" sz="2800" spc="-1" strike="noStrike">
+                <a:solidFill>
+                  <a:schemeClr val="dk1"/>
+                </a:solidFill>
+                <a:latin typeface="-apple-system"/>
+              </a:rPr>
+              <a:t>outsourced</a:t>
             </a:r>
             <a:endParaRPr b="0" lang="en-US" sz="2800" spc="-1" strike="noStrike">
               <a:solidFill>
@@ -8987,7 +9005,16 @@
                 </a:solidFill>
                 <a:latin typeface="-apple-system"/>
               </a:rPr>
-              <a:t>None of the team has made a game of this scope before</a:t>
+              <a:t>None of the team has made a game of </a:t>
+            </a:r>
+            <a:r>
+              <a:rPr b="0" lang="en-US" sz="2800" spc="-1" strike="noStrike">
+                <a:solidFill>
+                  <a:schemeClr val="dk1"/>
+                </a:solidFill>
+                <a:latin typeface="-apple-system"/>
+              </a:rPr>
+              <a:t>this scope before</a:t>
             </a:r>
             <a:endParaRPr b="0" lang="en-US" sz="2800" spc="-1" strike="noStrike">
               <a:solidFill>
@@ -9986,29 +10013,18 @@
       </p:sp>
       <p:pic>
         <p:nvPicPr>
-          <p:cNvPr id="81" name="" descr="">
-            <a:hlinkClick r:id="" action="ppaction://media"/>
-          </p:cNvPr>
+          <p:cNvPr id="81" name="" descr=""/>
           <p:cNvPicPr/>
-          <p:nvPr>
-            <a:videoFile r:link="rId1"/>
-            <p:extLst>
-              <p:ext uri="{DAA4B4D4-6D71-4841-9C94-3DE7FCFB9230}">
-                <p14:media r:link="rId2"/>
-              </p:ext>
-            </p:extLst>
-          </p:nvPr>
+          <p:nvPr/>
         </p:nvPicPr>
         <p:blipFill>
-          <a:blip r:embed="rId3"/>
-          <a:stretch>
-            <a:fillRect/>
-          </a:stretch>
+          <a:blip r:embed="rId1"/>
+          <a:stretch/>
         </p:blipFill>
         <p:spPr>
           <a:xfrm>
-            <a:off x="5486760" y="365040"/>
-            <a:ext cx="6259680" cy="3520800"/>
+            <a:off x="6058440" y="3712320"/>
+            <a:ext cx="5142960" cy="2746800"/>
           </a:xfrm>
           <a:prstGeom prst="rect">
             <a:avLst/>
@@ -10020,18 +10036,29 @@
       </p:pic>
       <p:pic>
         <p:nvPicPr>
-          <p:cNvPr id="82" name="" descr=""/>
+          <p:cNvPr id="82" name="" descr="Combat Clip">
+            <a:hlinkClick r:id="" action="ppaction://media"/>
+          </p:cNvPr>
           <p:cNvPicPr/>
-          <p:nvPr/>
+          <p:nvPr>
+            <a:videoFile r:link="rId2"/>
+            <p:extLst>
+              <p:ext uri="{DAA4B4D4-6D71-4841-9C94-3DE7FCFB9230}">
+                <p14:media r:link="rId3"/>
+              </p:ext>
+            </p:extLst>
+          </p:nvPr>
         </p:nvPicPr>
         <p:blipFill>
           <a:blip r:embed="rId4"/>
-          <a:stretch/>
+          <a:stretch>
+            <a:fillRect/>
+          </a:stretch>
         </p:blipFill>
         <p:spPr>
           <a:xfrm>
-            <a:off x="6058440" y="3712320"/>
-            <a:ext cx="5142960" cy="2746800"/>
+            <a:off x="5715000" y="365040"/>
+            <a:ext cx="5715000" cy="3214440"/>
           </a:xfrm>
           <a:prstGeom prst="rect">
             <a:avLst/>

--- a/presentation materials/PresentationPowerpoint.pptx
+++ b/presentation materials/PresentationPowerpoint.pptx
@@ -358,7 +358,7 @@
             <a:pPr indent="0" algn="r">
               <a:buNone/>
             </a:pPr>
-            <a:fld id="{0A0CB7D8-B564-4CFE-8337-78AC9CF22AD0}" type="slidenum">
+            <a:fld id="{321C0F93-A7E4-498C-8869-B325C71C0389}" type="slidenum">
               <a:rPr b="0" lang="en-US" sz="1400" spc="-1" strike="noStrike">
                 <a:solidFill>
                   <a:srgbClr val="000000"/>
@@ -401,7 +401,7 @@
       </p:grpSpPr>
       <p:sp>
         <p:nvSpPr>
-          <p:cNvPr id="132" name="PlaceHolder 1"/>
+          <p:cNvPr id="133" name="PlaceHolder 1"/>
           <p:cNvSpPr>
             <a:spLocks noGrp="1"/>
           </p:cNvSpPr>
@@ -424,7 +424,7 @@
       </p:sp>
       <p:sp>
         <p:nvSpPr>
-          <p:cNvPr id="133" name="PlaceHolder 2"/>
+          <p:cNvPr id="134" name="PlaceHolder 2"/>
           <p:cNvSpPr>
             <a:spLocks noGrp="1"/>
           </p:cNvSpPr>
@@ -479,7 +479,7 @@
       </p:sp>
       <p:sp>
         <p:nvSpPr>
-          <p:cNvPr id="134" name="PlaceHolder 3"/>
+          <p:cNvPr id="135" name="PlaceHolder 3"/>
           <p:cNvSpPr>
             <a:spLocks noGrp="1"/>
           </p:cNvSpPr>
@@ -531,7 +531,7 @@
                 <a:tab algn="l" pos="0"/>
               </a:tabLst>
             </a:pPr>
-            <a:fld id="{4BF79849-DFAB-4997-8FAC-261CF35FC0B8}" type="slidenum">
+            <a:fld id="{4867627D-C412-4223-BEA6-C1E474019C7E}" type="slidenum">
               <a:rPr b="0" lang="en-US" sz="1200" spc="-1" strike="noStrike">
                 <a:solidFill>
                   <a:srgbClr val="000000"/>
@@ -573,7 +573,7 @@
       </p:grpSpPr>
       <p:sp>
         <p:nvSpPr>
-          <p:cNvPr id="108" name="PlaceHolder 1"/>
+          <p:cNvPr id="109" name="PlaceHolder 1"/>
           <p:cNvSpPr>
             <a:spLocks noGrp="1"/>
           </p:cNvSpPr>
@@ -596,7 +596,7 @@
       </p:sp>
       <p:sp>
         <p:nvSpPr>
-          <p:cNvPr id="109" name="PlaceHolder 2"/>
+          <p:cNvPr id="110" name="PlaceHolder 2"/>
           <p:cNvSpPr>
             <a:spLocks noGrp="1"/>
           </p:cNvSpPr>
@@ -636,7 +636,7 @@
       </p:sp>
       <p:sp>
         <p:nvSpPr>
-          <p:cNvPr id="110" name="PlaceHolder 3"/>
+          <p:cNvPr id="111" name="PlaceHolder 3"/>
           <p:cNvSpPr>
             <a:spLocks noGrp="1"/>
           </p:cNvSpPr>
@@ -688,7 +688,7 @@
                 <a:tab algn="l" pos="0"/>
               </a:tabLst>
             </a:pPr>
-            <a:fld id="{6A4C59A6-4D0A-44BB-B6B1-DE7B42192B02}" type="slidenum">
+            <a:fld id="{E9345B9C-9545-4E15-8799-C7111B3CFA38}" type="slidenum">
               <a:rPr b="0" lang="en-US" sz="1200" spc="-1" strike="noStrike">
                 <a:solidFill>
                   <a:srgbClr val="000000"/>
@@ -730,7 +730,7 @@
       </p:grpSpPr>
       <p:sp>
         <p:nvSpPr>
-          <p:cNvPr id="111" name="PlaceHolder 1"/>
+          <p:cNvPr id="112" name="PlaceHolder 1"/>
           <p:cNvSpPr>
             <a:spLocks noGrp="1"/>
           </p:cNvSpPr>
@@ -753,7 +753,7 @@
       </p:sp>
       <p:sp>
         <p:nvSpPr>
-          <p:cNvPr id="112" name="PlaceHolder 2"/>
+          <p:cNvPr id="113" name="PlaceHolder 2"/>
           <p:cNvSpPr>
             <a:spLocks noGrp="1"/>
           </p:cNvSpPr>
@@ -808,7 +808,7 @@
       </p:sp>
       <p:sp>
         <p:nvSpPr>
-          <p:cNvPr id="113" name="PlaceHolder 3"/>
+          <p:cNvPr id="114" name="PlaceHolder 3"/>
           <p:cNvSpPr>
             <a:spLocks noGrp="1"/>
           </p:cNvSpPr>
@@ -860,7 +860,7 @@
                 <a:tab algn="l" pos="0"/>
               </a:tabLst>
             </a:pPr>
-            <a:fld id="{27A2DA0C-801A-42CD-8E7F-2AF2F727D6D4}" type="slidenum">
+            <a:fld id="{71FD9D5A-8668-431C-93A5-743C5AF54F54}" type="slidenum">
               <a:rPr b="0" lang="en-US" sz="1200" spc="-1" strike="noStrike">
                 <a:solidFill>
                   <a:srgbClr val="000000"/>
@@ -902,7 +902,7 @@
       </p:grpSpPr>
       <p:sp>
         <p:nvSpPr>
-          <p:cNvPr id="114" name="PlaceHolder 1"/>
+          <p:cNvPr id="115" name="PlaceHolder 1"/>
           <p:cNvSpPr>
             <a:spLocks noGrp="1"/>
           </p:cNvSpPr>
@@ -925,7 +925,7 @@
       </p:sp>
       <p:sp>
         <p:nvSpPr>
-          <p:cNvPr id="115" name="PlaceHolder 2"/>
+          <p:cNvPr id="116" name="PlaceHolder 2"/>
           <p:cNvSpPr>
             <a:spLocks noGrp="1"/>
           </p:cNvSpPr>
@@ -980,7 +980,7 @@
       </p:sp>
       <p:sp>
         <p:nvSpPr>
-          <p:cNvPr id="116" name="PlaceHolder 3"/>
+          <p:cNvPr id="117" name="PlaceHolder 3"/>
           <p:cNvSpPr>
             <a:spLocks noGrp="1"/>
           </p:cNvSpPr>
@@ -1032,7 +1032,7 @@
                 <a:tab algn="l" pos="0"/>
               </a:tabLst>
             </a:pPr>
-            <a:fld id="{308E202E-A233-4C99-86A8-AA33359E396D}" type="slidenum">
+            <a:fld id="{86C0AD9D-0289-4AA0-8F9A-ED23EB9FCFF8}" type="slidenum">
               <a:rPr b="0" lang="en-US" sz="1200" spc="-1" strike="noStrike">
                 <a:solidFill>
                   <a:srgbClr val="000000"/>
@@ -1074,7 +1074,7 @@
       </p:grpSpPr>
       <p:sp>
         <p:nvSpPr>
-          <p:cNvPr id="117" name="PlaceHolder 1"/>
+          <p:cNvPr id="118" name="PlaceHolder 1"/>
           <p:cNvSpPr>
             <a:spLocks noGrp="1"/>
           </p:cNvSpPr>
@@ -1097,7 +1097,7 @@
       </p:sp>
       <p:sp>
         <p:nvSpPr>
-          <p:cNvPr id="118" name="PlaceHolder 2"/>
+          <p:cNvPr id="119" name="PlaceHolder 2"/>
           <p:cNvSpPr>
             <a:spLocks noGrp="1"/>
           </p:cNvSpPr>
@@ -1152,7 +1152,7 @@
       </p:sp>
       <p:sp>
         <p:nvSpPr>
-          <p:cNvPr id="119" name="PlaceHolder 3"/>
+          <p:cNvPr id="120" name="PlaceHolder 3"/>
           <p:cNvSpPr>
             <a:spLocks noGrp="1"/>
           </p:cNvSpPr>
@@ -1204,7 +1204,7 @@
                 <a:tab algn="l" pos="0"/>
               </a:tabLst>
             </a:pPr>
-            <a:fld id="{43D950C1-1B30-4840-BB26-FDDDB27949BC}" type="slidenum">
+            <a:fld id="{3C103B45-83B4-4A7E-B2F7-D757C763FA88}" type="slidenum">
               <a:rPr b="0" lang="en-US" sz="1200" spc="-1" strike="noStrike">
                 <a:solidFill>
                   <a:srgbClr val="000000"/>
@@ -1246,7 +1246,7 @@
       </p:grpSpPr>
       <p:sp>
         <p:nvSpPr>
-          <p:cNvPr id="120" name="PlaceHolder 1"/>
+          <p:cNvPr id="121" name="PlaceHolder 1"/>
           <p:cNvSpPr>
             <a:spLocks noGrp="1"/>
           </p:cNvSpPr>
@@ -1269,7 +1269,7 @@
       </p:sp>
       <p:sp>
         <p:nvSpPr>
-          <p:cNvPr id="121" name="PlaceHolder 2"/>
+          <p:cNvPr id="122" name="PlaceHolder 2"/>
           <p:cNvSpPr>
             <a:spLocks noGrp="1"/>
           </p:cNvSpPr>
@@ -1324,7 +1324,7 @@
       </p:sp>
       <p:sp>
         <p:nvSpPr>
-          <p:cNvPr id="122" name="PlaceHolder 3"/>
+          <p:cNvPr id="123" name="PlaceHolder 3"/>
           <p:cNvSpPr>
             <a:spLocks noGrp="1"/>
           </p:cNvSpPr>
@@ -1376,7 +1376,7 @@
                 <a:tab algn="l" pos="0"/>
               </a:tabLst>
             </a:pPr>
-            <a:fld id="{7898F6D0-8A9D-4401-B08B-A795D21CAE4D}" type="slidenum">
+            <a:fld id="{85D83534-B517-47BB-9DAF-CF5E55A21B01}" type="slidenum">
               <a:rPr b="0" lang="en-US" sz="1200" spc="-1" strike="noStrike">
                 <a:solidFill>
                   <a:srgbClr val="000000"/>
@@ -1418,7 +1418,7 @@
       </p:grpSpPr>
       <p:sp>
         <p:nvSpPr>
-          <p:cNvPr id="123" name="PlaceHolder 1"/>
+          <p:cNvPr id="124" name="PlaceHolder 1"/>
           <p:cNvSpPr>
             <a:spLocks noGrp="1"/>
           </p:cNvSpPr>
@@ -1441,7 +1441,7 @@
       </p:sp>
       <p:sp>
         <p:nvSpPr>
-          <p:cNvPr id="124" name="PlaceHolder 2"/>
+          <p:cNvPr id="125" name="PlaceHolder 2"/>
           <p:cNvSpPr>
             <a:spLocks noGrp="1"/>
           </p:cNvSpPr>
@@ -1496,7 +1496,7 @@
       </p:sp>
       <p:sp>
         <p:nvSpPr>
-          <p:cNvPr id="125" name="PlaceHolder 3"/>
+          <p:cNvPr id="126" name="PlaceHolder 3"/>
           <p:cNvSpPr>
             <a:spLocks noGrp="1"/>
           </p:cNvSpPr>
@@ -1548,7 +1548,7 @@
                 <a:tab algn="l" pos="0"/>
               </a:tabLst>
             </a:pPr>
-            <a:fld id="{3855D289-B33D-463E-8496-5702B8153922}" type="slidenum">
+            <a:fld id="{81723A4F-400B-436C-95C9-958946DBE473}" type="slidenum">
               <a:rPr b="0" lang="en-US" sz="1200" spc="-1" strike="noStrike">
                 <a:solidFill>
                   <a:srgbClr val="000000"/>
@@ -1590,7 +1590,7 @@
       </p:grpSpPr>
       <p:sp>
         <p:nvSpPr>
-          <p:cNvPr id="126" name="PlaceHolder 1"/>
+          <p:cNvPr id="127" name="PlaceHolder 1"/>
           <p:cNvSpPr>
             <a:spLocks noGrp="1"/>
           </p:cNvSpPr>
@@ -1613,7 +1613,7 @@
       </p:sp>
       <p:sp>
         <p:nvSpPr>
-          <p:cNvPr id="127" name="PlaceHolder 2"/>
+          <p:cNvPr id="128" name="PlaceHolder 2"/>
           <p:cNvSpPr>
             <a:spLocks noGrp="1"/>
           </p:cNvSpPr>
@@ -1668,7 +1668,7 @@
       </p:sp>
       <p:sp>
         <p:nvSpPr>
-          <p:cNvPr id="128" name="PlaceHolder 3"/>
+          <p:cNvPr id="129" name="PlaceHolder 3"/>
           <p:cNvSpPr>
             <a:spLocks noGrp="1"/>
           </p:cNvSpPr>
@@ -1720,7 +1720,7 @@
                 <a:tab algn="l" pos="0"/>
               </a:tabLst>
             </a:pPr>
-            <a:fld id="{95BA2681-AA4B-435B-843C-588AFDB25C8F}" type="slidenum">
+            <a:fld id="{E1FBA53C-3401-48B8-8D01-7AD3DF855C04}" type="slidenum">
               <a:rPr b="0" lang="en-US" sz="1200" spc="-1" strike="noStrike">
                 <a:solidFill>
                   <a:srgbClr val="000000"/>
@@ -1762,7 +1762,7 @@
       </p:grpSpPr>
       <p:sp>
         <p:nvSpPr>
-          <p:cNvPr id="129" name="PlaceHolder 1"/>
+          <p:cNvPr id="130" name="PlaceHolder 1"/>
           <p:cNvSpPr>
             <a:spLocks noGrp="1"/>
           </p:cNvSpPr>
@@ -1785,7 +1785,7 @@
       </p:sp>
       <p:sp>
         <p:nvSpPr>
-          <p:cNvPr id="130" name="PlaceHolder 2"/>
+          <p:cNvPr id="131" name="PlaceHolder 2"/>
           <p:cNvSpPr>
             <a:spLocks noGrp="1"/>
           </p:cNvSpPr>
@@ -1840,7 +1840,7 @@
       </p:sp>
       <p:sp>
         <p:nvSpPr>
-          <p:cNvPr id="131" name="PlaceHolder 3"/>
+          <p:cNvPr id="132" name="PlaceHolder 3"/>
           <p:cNvSpPr>
             <a:spLocks noGrp="1"/>
           </p:cNvSpPr>
@@ -1892,7 +1892,7 @@
                 <a:tab algn="l" pos="0"/>
               </a:tabLst>
             </a:pPr>
-            <a:fld id="{EE868C33-2F6B-4033-ADA2-E8F3B0ACD9C2}" type="slidenum">
+            <a:fld id="{680BC11F-6B86-422E-8D48-0E819796F649}" type="slidenum">
               <a:rPr b="0" lang="en-US" sz="1200" spc="-1" strike="noStrike">
                 <a:solidFill>
                   <a:srgbClr val="000000"/>
@@ -2046,7 +2046,7 @@
         <p:txBody>
           <a:bodyPr/>
           <a:p>
-            <a:fld id="{0F6A2EA9-2157-4D85-B232-FF22345F6C90}" type="slidenum">
+            <a:fld id="{10E999CA-206B-47E4-A31C-9CDE78946E44}" type="slidenum">
               <a:t>&lt;#&gt;</a:t>
             </a:fld>
           </a:p>
@@ -2129,7 +2129,7 @@
         <p:txBody>
           <a:bodyPr/>
           <a:p>
-            <a:fld id="{0254CB18-0532-4C72-8658-B16DA1BE1572}" type="slidenum">
+            <a:fld id="{B70F110F-4D60-43D5-8642-17EB1550BBF4}" type="slidenum">
               <a:t>&lt;#&gt;</a:t>
             </a:fld>
           </a:p>
@@ -2212,7 +2212,7 @@
         <p:txBody>
           <a:bodyPr/>
           <a:p>
-            <a:fld id="{083A611A-9526-4FC2-AB88-DF236856FEA4}" type="slidenum">
+            <a:fld id="{D9B78E15-967D-46E2-BA73-771748358E67}" type="slidenum">
               <a:t>&lt;#&gt;</a:t>
             </a:fld>
           </a:p>
@@ -2295,7 +2295,7 @@
         <p:txBody>
           <a:bodyPr/>
           <a:p>
-            <a:fld id="{BEB94523-BE19-433F-A9EA-339C77DE64C3}" type="slidenum">
+            <a:fld id="{08CE682D-71E2-4ABC-8ADD-8994E7A888CE}" type="slidenum">
               <a:t>&lt;#&gt;</a:t>
             </a:fld>
           </a:p>
@@ -2378,7 +2378,7 @@
         <p:txBody>
           <a:bodyPr/>
           <a:p>
-            <a:fld id="{039CF617-E4D9-415B-8B1F-6A424BC5C308}" type="slidenum">
+            <a:fld id="{6E027402-9821-4BA1-A02D-5806630CB395}" type="slidenum">
               <a:t>&lt;#&gt;</a:t>
             </a:fld>
           </a:p>
@@ -2544,7 +2544,7 @@
         <p:txBody>
           <a:bodyPr/>
           <a:p>
-            <a:fld id="{19C86002-9478-41E0-9508-98B1FF55B521}" type="slidenum">
+            <a:fld id="{1E71F6FC-45E5-4CB3-B685-C1D533F1DC42}" type="slidenum">
               <a:t>&lt;#&gt;</a:t>
             </a:fld>
           </a:p>
@@ -2627,7 +2627,7 @@
         <p:txBody>
           <a:bodyPr/>
           <a:p>
-            <a:fld id="{3857233A-43FB-4286-861C-94C13D4E77BC}" type="slidenum">
+            <a:fld id="{7DA89B3B-9660-40B8-9DC5-AF20AF1DF9F9}" type="slidenum">
               <a:t>&lt;#&gt;</a:t>
             </a:fld>
           </a:p>
@@ -2836,7 +2836,7 @@
         <p:txBody>
           <a:bodyPr/>
           <a:p>
-            <a:fld id="{1060ED61-A6CB-4B99-9506-A88A41DEB80B}" type="slidenum">
+            <a:fld id="{8C411D97-37CF-4CC4-9117-1FE59BA9DCD3}" type="slidenum">
               <a:t>&lt;#&gt;</a:t>
             </a:fld>
           </a:p>
@@ -2919,7 +2919,7 @@
         <p:txBody>
           <a:bodyPr/>
           <a:p>
-            <a:fld id="{E2C556FF-0B0D-4B17-B95D-B3462B5EF5EE}" type="slidenum">
+            <a:fld id="{435D2CFC-E20D-45FB-A2A5-E29FA78788E3}" type="slidenum">
               <a:t>&lt;#&gt;</a:t>
             </a:fld>
           </a:p>
@@ -3042,7 +3042,7 @@
         <p:txBody>
           <a:bodyPr/>
           <a:p>
-            <a:fld id="{F22C9C3F-6780-454A-9494-3727D6BD2E7D}" type="slidenum">
+            <a:fld id="{B0280A16-0FB8-4D58-A37D-949AA7F97305}" type="slidenum">
               <a:t>&lt;#&gt;</a:t>
             </a:fld>
           </a:p>
@@ -3125,7 +3125,7 @@
         <p:txBody>
           <a:bodyPr/>
           <a:p>
-            <a:fld id="{654FC232-EF6B-4151-A3AA-E0EED20E6F65}" type="slidenum">
+            <a:fld id="{73E4E5BD-3708-4EEA-AB7E-FBFB0DCA596A}" type="slidenum">
               <a:t>&lt;#&gt;</a:t>
             </a:fld>
           </a:p>
@@ -3291,7 +3291,7 @@
                 </a:solidFill>
                 <a:latin typeface="Times New Roman"/>
               </a:rPr>
-              <a:t>&lt;footer&gt;</a:t>
+              <a:t> </a:t>
             </a:r>
             <a:endParaRPr b="0" lang="en-US" sz="1400" spc="-1" strike="noStrike">
               <a:solidFill>
@@ -3358,7 +3358,7 @@
                 <a:tab algn="l" pos="0"/>
               </a:tabLst>
             </a:pPr>
-            <a:fld id="{1BA65285-7863-442E-A057-45C1B587BEE5}" type="slidenum">
+            <a:fld id="{3FF15C4B-DF35-4660-B07B-57C88165F3E7}" type="slidenum">
               <a:rPr b="0" lang="en-US" sz="1200" spc="-1" strike="noStrike">
                 <a:solidFill>
                   <a:schemeClr val="dk1">
@@ -3367,7 +3367,7 @@
                 </a:solidFill>
                 <a:latin typeface="Aptos"/>
               </a:rPr>
-              <a:t>&lt;number&gt;</a:t>
+              <a:t>6</a:t>
             </a:fld>
             <a:endParaRPr b="0" lang="en-US" sz="1200" spc="-1" strike="noStrike">
               <a:solidFill>
@@ -3427,7 +3427,7 @@
                 </a:solidFill>
                 <a:latin typeface="Times New Roman"/>
               </a:rPr>
-              <a:t>&lt;date/time&gt;</a:t>
+              <a:t> </a:t>
             </a:r>
             <a:endParaRPr b="0" lang="en-US" sz="1400" spc="-1" strike="noStrike">
               <a:solidFill>
@@ -3484,7 +3484,16 @@
                 </a:solidFill>
                 <a:latin typeface="Arial"/>
               </a:rPr>
-              <a:t>Click to edit the outline text format</a:t>
+              <a:t>Click to edit the outline text </a:t>
+            </a:r>
+            <a:r>
+              <a:rPr b="0" lang="en-US" sz="3200" spc="-1" strike="noStrike">
+                <a:solidFill>
+                  <a:srgbClr val="000000"/>
+                </a:solidFill>
+                <a:latin typeface="Arial"/>
+              </a:rPr>
+              <a:t>format</a:t>
             </a:r>
             <a:endParaRPr b="0" lang="en-US" sz="3200" spc="-1" strike="noStrike">
               <a:solidFill>
@@ -3652,7 +3661,16 @@
                 </a:solidFill>
                 <a:latin typeface="Arial"/>
               </a:rPr>
-              <a:t>Seventh Outline Level</a:t>
+              <a:t>Seventh Outline </a:t>
+            </a:r>
+            <a:r>
+              <a:rPr b="0" lang="en-US" sz="2000" spc="-1" strike="noStrike">
+                <a:solidFill>
+                  <a:srgbClr val="000000"/>
+                </a:solidFill>
+                <a:latin typeface="Arial"/>
+              </a:rPr>
+              <a:t>Level</a:t>
             </a:r>
             <a:endParaRPr b="0" lang="en-US" sz="2000" spc="-1" strike="noStrike">
               <a:solidFill>
@@ -3824,7 +3842,7 @@
                 <a:tab algn="l" pos="0"/>
               </a:tabLst>
             </a:pPr>
-            <a:fld id="{CEB88E63-3285-4EF5-AEA1-182A1B705D81}" type="slidenum">
+            <a:fld id="{EDE4F171-CF65-4415-946D-DDA918E1D81C}" type="slidenum">
               <a:rPr b="0" lang="en-US" sz="1200" spc="-1" strike="noStrike">
                 <a:solidFill>
                   <a:schemeClr val="dk1">
@@ -4065,7 +4083,7 @@
                 <a:tab algn="l" pos="0"/>
               </a:tabLst>
             </a:pPr>
-            <a:fld id="{EBF6EC9B-8CD1-4FCC-95A2-14049FF27979}" type="slidenum">
+            <a:fld id="{99035B64-1F69-41A6-ADB7-A68C807F211C}" type="slidenum">
               <a:rPr b="0" lang="en-US" sz="1200" spc="-1" strike="noStrike">
                 <a:solidFill>
                   <a:schemeClr val="dk1">
@@ -4306,7 +4324,7 @@
                 <a:tab algn="l" pos="0"/>
               </a:tabLst>
             </a:pPr>
-            <a:fld id="{A0BA918E-81BA-4995-8412-231AF7E99290}" type="slidenum">
+            <a:fld id="{A02A3B1A-2E76-4297-9C70-7979D3970E65}" type="slidenum">
               <a:rPr b="0" lang="en-US" sz="1200" spc="-1" strike="noStrike">
                 <a:solidFill>
                   <a:schemeClr val="dk1">
@@ -4547,7 +4565,7 @@
                 <a:tab algn="l" pos="0"/>
               </a:tabLst>
             </a:pPr>
-            <a:fld id="{9094B65E-5F42-4E07-8B48-1CFB406C5C20}" type="slidenum">
+            <a:fld id="{C9837534-D993-418C-B998-2643E28E7BB7}" type="slidenum">
               <a:rPr b="0" lang="en-US" sz="1200" spc="-1" strike="noStrike">
                 <a:solidFill>
                   <a:schemeClr val="dk1">
@@ -5062,7 +5080,7 @@
                 <a:tab algn="l" pos="0"/>
               </a:tabLst>
             </a:pPr>
-            <a:fld id="{7B7B2018-4F89-4EF5-9634-A65679331408}" type="slidenum">
+            <a:fld id="{CF9BFF80-48F1-453D-8395-3B949A98AECC}" type="slidenum">
               <a:rPr b="0" lang="en-US" sz="1200" spc="-1" strike="noStrike">
                 <a:solidFill>
                   <a:schemeClr val="dk1">
@@ -5303,7 +5321,7 @@
                 <a:tab algn="l" pos="0"/>
               </a:tabLst>
             </a:pPr>
-            <a:fld id="{C2C382F3-EBCA-4CB9-AC7C-19B3E66B6078}" type="slidenum">
+            <a:fld id="{91FDE19E-2F0A-48EB-A670-DFDC8EB84093}" type="slidenum">
               <a:rPr b="0" lang="en-US" sz="1200" spc="-1" strike="noStrike">
                 <a:solidFill>
                   <a:schemeClr val="dk1">
@@ -6043,7 +6061,7 @@
                 <a:tab algn="l" pos="0"/>
               </a:tabLst>
             </a:pPr>
-            <a:fld id="{DA0EAA45-8FC5-437D-AED3-4D67E6B222EE}" type="slidenum">
+            <a:fld id="{A51E50AB-04FD-4F0E-9A55-4CDA6F0AD649}" type="slidenum">
               <a:rPr b="0" lang="en-US" sz="1200" spc="-1" strike="noStrike">
                 <a:solidFill>
                   <a:schemeClr val="dk1">
@@ -6284,7 +6302,7 @@
                 <a:tab algn="l" pos="0"/>
               </a:tabLst>
             </a:pPr>
-            <a:fld id="{35BC5641-130E-47CB-8C6F-EB8B400BBC35}" type="slidenum">
+            <a:fld id="{BC00BAE2-D931-488F-B695-6FBD2852F53D}" type="slidenum">
               <a:rPr b="0" lang="en-US" sz="1200" spc="-1" strike="noStrike">
                 <a:solidFill>
                   <a:schemeClr val="dk1">
@@ -6574,7 +6592,7 @@
                 <a:tab algn="l" pos="0"/>
               </a:tabLst>
             </a:pPr>
-            <a:fld id="{CEC3FCFF-538A-4E1A-93BF-835D78A733C9}" type="slidenum">
+            <a:fld id="{AAB9BA93-3482-4CBE-9535-F8A9AD512CD5}" type="slidenum">
               <a:rPr b="0" lang="en-US" sz="1200" spc="-1" strike="noStrike">
                 <a:solidFill>
                   <a:schemeClr val="dk1">
@@ -6815,7 +6833,7 @@
                 <a:tab algn="l" pos="0"/>
               </a:tabLst>
             </a:pPr>
-            <a:fld id="{274D1A93-B62A-422F-9208-808F6FA6433C}" type="slidenum">
+            <a:fld id="{530881B0-2890-4F76-B6AE-D2AF47C43F87}" type="slidenum">
               <a:rPr b="0" lang="en-US" sz="1200" spc="-1" strike="noStrike">
                 <a:solidFill>
                   <a:schemeClr val="dk1">
@@ -7448,7 +7466,7 @@
       </p:grpSpPr>
       <p:sp>
         <p:nvSpPr>
-          <p:cNvPr id="103" name="Rectangle 22">
+          <p:cNvPr id="104" name="Rectangle 22">
             <a:extLst>
               <a:ext uri="{C183D7F6-B498-43B3-948B-1728B52AA6E4}">
                 <adec:decorative xmlns:adec="http://schemas.microsoft.com/office/drawing/2017/decorative" val="1"/>
@@ -7508,7 +7526,7 @@
       </p:sp>
       <p:sp>
         <p:nvSpPr>
-          <p:cNvPr id="104" name="Freeform 13">
+          <p:cNvPr id="105" name="Freeform 13">
             <a:extLst>
               <a:ext uri="{C183D7F6-B498-43B3-948B-1728B52AA6E4}">
                 <adec:decorative xmlns:adec="http://schemas.microsoft.com/office/drawing/2017/decorative" val="1"/>
@@ -7595,7 +7613,7 @@
       </p:sp>
       <p:sp>
         <p:nvSpPr>
-          <p:cNvPr id="105" name="Freeform 11">
+          <p:cNvPr id="106" name="Freeform 11">
             <a:extLst>
               <a:ext uri="{C183D7F6-B498-43B3-948B-1728B52AA6E4}">
                 <adec:decorative xmlns:adec="http://schemas.microsoft.com/office/drawing/2017/decorative" val="1"/>
@@ -7682,7 +7700,7 @@
       </p:sp>
       <p:sp>
         <p:nvSpPr>
-          <p:cNvPr id="106" name="PlaceHolder 1"/>
+          <p:cNvPr id="107" name="PlaceHolder 1"/>
           <p:cNvSpPr>
             <a:spLocks noGrp="1"/>
           </p:cNvSpPr>
@@ -7737,7 +7755,7 @@
       </p:sp>
       <p:sp>
         <p:nvSpPr>
-          <p:cNvPr id="107" name="PlaceHolder 2"/>
+          <p:cNvPr id="108" name="PlaceHolder 2"/>
           <p:cNvSpPr>
             <a:spLocks noGrp="1"/>
           </p:cNvSpPr>
@@ -8867,16 +8885,7 @@
                 </a:solidFill>
                 <a:latin typeface="-apple-system"/>
               </a:rPr>
-              <a:t>Godot programmed videogame named </a:t>
-            </a:r>
-            <a:r>
-              <a:rPr b="0" lang="en-US" sz="2800" spc="-1" strike="noStrike">
-                <a:solidFill>
-                  <a:schemeClr val="dk1"/>
-                </a:solidFill>
-                <a:latin typeface="-apple-system"/>
-              </a:rPr>
-              <a:t>Matthew's Journey </a:t>
+              <a:t>Godot programmed videogame named Matthew's Journey </a:t>
             </a:r>
             <a:endParaRPr b="0" lang="en-US" sz="2800" spc="-1" strike="noStrike">
               <a:solidFill>
@@ -8966,16 +8975,7 @@
                 </a:solidFill>
                 <a:latin typeface="-apple-system"/>
               </a:rPr>
-              <a:t>2D pixel art, sound, &amp; music will be </a:t>
-            </a:r>
-            <a:r>
-              <a:rPr b="0" lang="en-US" sz="2800" spc="-1" strike="noStrike">
-                <a:solidFill>
-                  <a:schemeClr val="dk1"/>
-                </a:solidFill>
-                <a:latin typeface="-apple-system"/>
-              </a:rPr>
-              <a:t>outsourced</a:t>
+              <a:t>2D pixel art, sound, &amp; music will be outsourced</a:t>
             </a:r>
             <a:endParaRPr b="0" lang="en-US" sz="2800" spc="-1" strike="noStrike">
               <a:solidFill>
@@ -9005,16 +9005,7 @@
                 </a:solidFill>
                 <a:latin typeface="-apple-system"/>
               </a:rPr>
-              <a:t>None of the team has made a game of </a:t>
-            </a:r>
-            <a:r>
-              <a:rPr b="0" lang="en-US" sz="2800" spc="-1" strike="noStrike">
-                <a:solidFill>
-                  <a:schemeClr val="dk1"/>
-                </a:solidFill>
-                <a:latin typeface="-apple-system"/>
-              </a:rPr>
-              <a:t>this scope before</a:t>
+              <a:t>None of the team has made a game of this scope before</a:t>
             </a:r>
             <a:endParaRPr b="0" lang="en-US" sz="2800" spc="-1" strike="noStrike">
               <a:solidFill>
@@ -10406,8 +10397,8 @@
         </p:nvSpPr>
         <p:spPr>
           <a:xfrm>
-            <a:off x="838080" y="2010960"/>
-            <a:ext cx="5334120" cy="4165560"/>
+            <a:off x="508680" y="1143000"/>
+            <a:ext cx="5334120" cy="5257800"/>
           </a:xfrm>
           <a:prstGeom prst="rect">
             <a:avLst/>
@@ -10419,7 +10410,7 @@
         </p:spPr>
         <p:txBody>
           <a:bodyPr lIns="91440" rIns="91440" tIns="45720" bIns="45720" anchor="t">
-            <a:normAutofit/>
+            <a:normAutofit fontScale="93333"/>
           </a:bodyPr>
           <a:p>
             <a:pPr marL="228600" indent="0" defTabSz="914400">
@@ -10444,8 +10435,11 @@
                 <a:spcPct val="90000"/>
               </a:lnSpc>
               <a:spcBef>
-                <a:spcPts val="1001"/>
+                <a:spcPts val="1191"/>
               </a:spcBef>
+              <a:spcAft>
+                <a:spcPts val="992"/>
+              </a:spcAft>
               <a:buClr>
                 <a:srgbClr val="ffffff"/>
               </a:buClr>
@@ -10459,7 +10453,34 @@
                 </a:solidFill>
                 <a:latin typeface="-apple-system"/>
               </a:rPr>
-              <a:t>intro at least one user store</a:t>
+              <a:t>User Story: As a player developer, </a:t>
+            </a:r>
+            <a:r>
+              <a:rPr b="0" lang="en-US" sz="2000" spc="-1" strike="noStrike">
+                <a:solidFill>
+                  <a:schemeClr val="dk1"/>
+                </a:solidFill>
+                <a:latin typeface="-apple-system"/>
+              </a:rPr>
+              <a:t>I want elements in the </a:t>
+            </a:r>
+            <a:r>
+              <a:rPr b="0" lang="en-US" sz="2000" spc="-1" strike="noStrike">
+                <a:solidFill>
+                  <a:schemeClr val="dk1"/>
+                </a:solidFill>
+                <a:latin typeface="-apple-system"/>
+              </a:rPr>
+              <a:t>environment for the player to </a:t>
+            </a:r>
+            <a:r>
+              <a:rPr b="0" lang="en-US" sz="2000" spc="-1" strike="noStrike">
+                <a:solidFill>
+                  <a:schemeClr val="dk1"/>
+                </a:solidFill>
+                <a:latin typeface="-apple-system"/>
+              </a:rPr>
+              <a:t>interact with.</a:t>
             </a:r>
             <a:endParaRPr b="0" lang="en-US" sz="2000" spc="-1" strike="noStrike">
               <a:solidFill>
@@ -10474,8 +10495,11 @@
                 <a:spcPct val="90000"/>
               </a:lnSpc>
               <a:spcBef>
-                <a:spcPts val="1001"/>
+                <a:spcPts val="1191"/>
               </a:spcBef>
+              <a:spcAft>
+                <a:spcPts val="992"/>
+              </a:spcAft>
               <a:buClr>
                 <a:srgbClr val="ffffff"/>
               </a:buClr>
@@ -10489,7 +10513,25 @@
                 </a:solidFill>
                 <a:latin typeface="-apple-system"/>
               </a:rPr>
-              <a:t>one requirement</a:t>
+              <a:t>Requirement: There shall be </a:t>
+            </a:r>
+            <a:r>
+              <a:rPr b="0" lang="en-US" sz="2000" spc="-1" strike="noStrike">
+                <a:solidFill>
+                  <a:schemeClr val="dk1"/>
+                </a:solidFill>
+                <a:latin typeface="-apple-system"/>
+              </a:rPr>
+              <a:t>items in the environment for the </a:t>
+            </a:r>
+            <a:r>
+              <a:rPr b="0" lang="en-US" sz="2000" spc="-1" strike="noStrike">
+                <a:solidFill>
+                  <a:schemeClr val="dk1"/>
+                </a:solidFill>
+                <a:latin typeface="-apple-system"/>
+              </a:rPr>
+              <a:t>player to pickup</a:t>
             </a:r>
             <a:endParaRPr b="0" lang="en-US" sz="2000" spc="-1" strike="noStrike">
               <a:solidFill>
@@ -10499,18 +10541,19 @@
             </a:endParaRPr>
           </a:p>
           <a:p>
-            <a:pPr marL="228600" indent="-228600" defTabSz="914400">
+            <a:pPr lvl="1" marL="864000" indent="-324000" defTabSz="914400">
               <a:lnSpc>
                 <a:spcPct val="90000"/>
               </a:lnSpc>
               <a:spcBef>
-                <a:spcPts val="1001"/>
+                <a:spcPts val="1134"/>
               </a:spcBef>
               <a:buClr>
                 <a:srgbClr val="ffffff"/>
               </a:buClr>
-              <a:buFont typeface="Arial"/>
-              <a:buChar char="•"/>
+              <a:buSzPct val="75000"/>
+              <a:buFont typeface="Symbol" charset="2"/>
+              <a:buChar char=""/>
             </a:pPr>
             <a:r>
               <a:rPr b="0" lang="en-US" sz="2000" spc="-1" strike="noStrike">
@@ -10519,7 +10562,25 @@
                 </a:solidFill>
                 <a:latin typeface="-apple-system"/>
               </a:rPr>
-              <a:t>one design</a:t>
+              <a:t>There shall be health </a:t>
+            </a:r>
+            <a:r>
+              <a:rPr b="0" lang="en-US" sz="2000" spc="-1" strike="noStrike">
+                <a:solidFill>
+                  <a:schemeClr val="dk1"/>
+                </a:solidFill>
+                <a:latin typeface="-apple-system"/>
+              </a:rPr>
+              <a:t>pickups that will heal the </a:t>
+            </a:r>
+            <a:r>
+              <a:rPr b="0" lang="en-US" sz="2000" spc="-1" strike="noStrike">
+                <a:solidFill>
+                  <a:schemeClr val="dk1"/>
+                </a:solidFill>
+                <a:latin typeface="-apple-system"/>
+              </a:rPr>
+              <a:t>players health</a:t>
             </a:r>
             <a:endParaRPr b="0" lang="en-US" sz="2000" spc="-1" strike="noStrike">
               <a:solidFill>
@@ -10529,18 +10590,19 @@
             </a:endParaRPr>
           </a:p>
           <a:p>
-            <a:pPr marL="228600" indent="-228600" defTabSz="914400">
+            <a:pPr lvl="1" marL="864000" indent="-324000" defTabSz="914400">
               <a:lnSpc>
                 <a:spcPct val="90000"/>
               </a:lnSpc>
               <a:spcBef>
-                <a:spcPts val="1001"/>
+                <a:spcPts val="1134"/>
               </a:spcBef>
               <a:buClr>
                 <a:srgbClr val="ffffff"/>
               </a:buClr>
-              <a:buFont typeface="Arial"/>
-              <a:buChar char="•"/>
+              <a:buSzPct val="75000"/>
+              <a:buFont typeface="Symbol" charset="2"/>
+              <a:buChar char=""/>
             </a:pPr>
             <a:r>
               <a:rPr b="0" lang="en-US" sz="2000" spc="-1" strike="noStrike">
@@ -10549,7 +10611,7 @@
                 </a:solidFill>
                 <a:latin typeface="-apple-system"/>
               </a:rPr>
-              <a:t>implementation gif or figure</a:t>
+              <a:t>There shall</a:t>
             </a:r>
             <a:endParaRPr b="0" lang="en-US" sz="2000" spc="-1" strike="noStrike">
               <a:solidFill>
@@ -10558,38 +10620,42 @@
               <a:latin typeface="Arial"/>
             </a:endParaRPr>
           </a:p>
-          <a:p>
-            <a:pPr marL="228600" indent="-228600" defTabSz="914400">
-              <a:lnSpc>
-                <a:spcPct val="90000"/>
-              </a:lnSpc>
-              <a:spcBef>
-                <a:spcPts val="1001"/>
-              </a:spcBef>
-              <a:buClr>
-                <a:srgbClr val="ffffff"/>
-              </a:buClr>
-              <a:buFont typeface="Arial"/>
-              <a:buChar char="•"/>
-            </a:pPr>
-            <a:r>
-              <a:rPr b="0" lang="en-US" sz="2000" spc="-1" strike="noStrike">
-                <a:solidFill>
-                  <a:schemeClr val="dk1"/>
-                </a:solidFill>
-                <a:latin typeface="-apple-system"/>
-              </a:rPr>
-              <a:t>brief conclusion</a:t>
-            </a:r>
-            <a:endParaRPr b="0" lang="en-US" sz="2000" spc="-1" strike="noStrike">
-              <a:solidFill>
-                <a:srgbClr val="ffffff"/>
-              </a:solidFill>
-              <a:latin typeface="Arial"/>
-            </a:endParaRPr>
-          </a:p>
-        </p:txBody>
-      </p:sp>
+        </p:txBody>
+      </p:sp>
+      <p:pic>
+        <p:nvPicPr>
+          <p:cNvPr id="88" name="" descr="">
+            <a:hlinkClick r:id="" action="ppaction://media"/>
+          </p:cNvPr>
+          <p:cNvPicPr/>
+          <p:nvPr>
+            <a:videoFile r:link="rId1"/>
+            <p:extLst>
+              <p:ext uri="{DAA4B4D4-6D71-4841-9C94-3DE7FCFB9230}">
+                <p14:media r:link="rId2"/>
+              </p:ext>
+            </p:extLst>
+          </p:nvPr>
+        </p:nvPicPr>
+        <p:blipFill>
+          <a:blip r:embed="rId3"/>
+          <a:stretch>
+            <a:fillRect/>
+          </a:stretch>
+        </p:blipFill>
+        <p:spPr>
+          <a:xfrm>
+            <a:off x="5842800" y="365040"/>
+            <a:ext cx="5943240" cy="3342960"/>
+          </a:xfrm>
+          <a:prstGeom prst="rect">
+            <a:avLst/>
+          </a:prstGeom>
+          <a:ln w="0">
+            <a:noFill/>
+          </a:ln>
+        </p:spPr>
+      </p:pic>
     </p:spTree>
   </p:cSld>
   <mc:AlternateContent>
@@ -10629,7 +10695,7 @@
       </p:grpSpPr>
       <p:sp>
         <p:nvSpPr>
-          <p:cNvPr id="88" name="Rectangle 3">
+          <p:cNvPr id="89" name="Rectangle 3">
             <a:extLst>
               <a:ext uri="{C183D7F6-B498-43B3-948B-1728B52AA6E4}">
                 <adec:decorative xmlns:adec="http://schemas.microsoft.com/office/drawing/2017/decorative" val="1"/>
@@ -10684,7 +10750,7 @@
       </p:sp>
       <p:sp>
         <p:nvSpPr>
-          <p:cNvPr id="89" name="Freeform 5">
+          <p:cNvPr id="90" name="Freeform 5">
             <a:extLst>
               <a:ext uri="{C183D7F6-B498-43B3-948B-1728B52AA6E4}">
                 <adec:decorative xmlns:adec="http://schemas.microsoft.com/office/drawing/2017/decorative" val="1"/>
@@ -10766,7 +10832,7 @@
       </p:sp>
       <p:sp>
         <p:nvSpPr>
-          <p:cNvPr id="90" name="Freeform 6">
+          <p:cNvPr id="91" name="Freeform 6">
             <a:extLst>
               <a:ext uri="{C183D7F6-B498-43B3-948B-1728B52AA6E4}">
                 <adec:decorative xmlns:adec="http://schemas.microsoft.com/office/drawing/2017/decorative" val="1"/>
@@ -10848,7 +10914,7 @@
       </p:sp>
       <p:sp>
         <p:nvSpPr>
-          <p:cNvPr id="91" name="PlaceHolder 1"/>
+          <p:cNvPr id="92" name="PlaceHolder 1"/>
           <p:cNvSpPr>
             <a:spLocks noGrp="1"/>
           </p:cNvSpPr>
@@ -10903,7 +10969,7 @@
       </p:sp>
       <p:sp>
         <p:nvSpPr>
-          <p:cNvPr id="92" name="PlaceHolder 2"/>
+          <p:cNvPr id="93" name="PlaceHolder 2"/>
           <p:cNvSpPr>
             <a:spLocks noGrp="1"/>
           </p:cNvSpPr>
@@ -11136,7 +11202,7 @@
       </p:grpSpPr>
       <p:sp>
         <p:nvSpPr>
-          <p:cNvPr id="93" name="Rectangle 2">
+          <p:cNvPr id="94" name="Rectangle 2">
             <a:extLst>
               <a:ext uri="{C183D7F6-B498-43B3-948B-1728B52AA6E4}">
                 <adec:decorative xmlns:adec="http://schemas.microsoft.com/office/drawing/2017/decorative" val="1"/>
@@ -11191,7 +11257,7 @@
       </p:sp>
       <p:sp>
         <p:nvSpPr>
-          <p:cNvPr id="94" name="Freeform 3">
+          <p:cNvPr id="95" name="Freeform 3">
             <a:extLst>
               <a:ext uri="{C183D7F6-B498-43B3-948B-1728B52AA6E4}">
                 <adec:decorative xmlns:adec="http://schemas.microsoft.com/office/drawing/2017/decorative" val="1"/>
@@ -11273,7 +11339,7 @@
       </p:sp>
       <p:sp>
         <p:nvSpPr>
-          <p:cNvPr id="95" name="Freeform 4">
+          <p:cNvPr id="96" name="Freeform 4">
             <a:extLst>
               <a:ext uri="{C183D7F6-B498-43B3-948B-1728B52AA6E4}">
                 <adec:decorative xmlns:adec="http://schemas.microsoft.com/office/drawing/2017/decorative" val="1"/>
@@ -11355,7 +11421,7 @@
       </p:sp>
       <p:sp>
         <p:nvSpPr>
-          <p:cNvPr id="96" name="PlaceHolder 1"/>
+          <p:cNvPr id="97" name="PlaceHolder 1"/>
           <p:cNvSpPr>
             <a:spLocks noGrp="1"/>
           </p:cNvSpPr>
@@ -11410,7 +11476,7 @@
       </p:sp>
       <p:sp>
         <p:nvSpPr>
-          <p:cNvPr id="97" name="PlaceHolder 2"/>
+          <p:cNvPr id="98" name="PlaceHolder 2"/>
           <p:cNvSpPr>
             <a:spLocks noGrp="1"/>
           </p:cNvSpPr>
@@ -11643,7 +11709,7 @@
       </p:grpSpPr>
       <p:sp>
         <p:nvSpPr>
-          <p:cNvPr id="98" name="Rectangle 22">
+          <p:cNvPr id="99" name="Rectangle 22">
             <a:extLst>
               <a:ext uri="{C183D7F6-B498-43B3-948B-1728B52AA6E4}">
                 <adec:decorative xmlns:adec="http://schemas.microsoft.com/office/drawing/2017/decorative" val="1"/>
@@ -11703,7 +11769,7 @@
       </p:sp>
       <p:sp>
         <p:nvSpPr>
-          <p:cNvPr id="99" name="Freeform 13">
+          <p:cNvPr id="100" name="Freeform 13">
             <a:extLst>
               <a:ext uri="{C183D7F6-B498-43B3-948B-1728B52AA6E4}">
                 <adec:decorative xmlns:adec="http://schemas.microsoft.com/office/drawing/2017/decorative" val="1"/>
@@ -11790,7 +11856,7 @@
       </p:sp>
       <p:sp>
         <p:nvSpPr>
-          <p:cNvPr id="100" name="Freeform 11">
+          <p:cNvPr id="101" name="Freeform 11">
             <a:extLst>
               <a:ext uri="{C183D7F6-B498-43B3-948B-1728B52AA6E4}">
                 <adec:decorative xmlns:adec="http://schemas.microsoft.com/office/drawing/2017/decorative" val="1"/>
@@ -11877,7 +11943,7 @@
       </p:sp>
       <p:sp>
         <p:nvSpPr>
-          <p:cNvPr id="101" name="PlaceHolder 1"/>
+          <p:cNvPr id="102" name="PlaceHolder 1"/>
           <p:cNvSpPr>
             <a:spLocks noGrp="1"/>
           </p:cNvSpPr>
@@ -11932,7 +11998,7 @@
       </p:sp>
       <p:sp>
         <p:nvSpPr>
-          <p:cNvPr id="102" name="PlaceHolder 2"/>
+          <p:cNvPr id="103" name="PlaceHolder 2"/>
           <p:cNvSpPr>
             <a:spLocks noGrp="1"/>
           </p:cNvSpPr>

--- a/presentation materials/PresentationPowerpoint.pptx
+++ b/presentation materials/PresentationPowerpoint.pptx
@@ -358,7 +358,7 @@
             <a:pPr indent="0" algn="r">
               <a:buNone/>
             </a:pPr>
-            <a:fld id="{321C0F93-A7E4-498C-8869-B325C71C0389}" type="slidenum">
+            <a:fld id="{EAF3072E-B119-438F-A73C-1367F049F475}" type="slidenum">
               <a:rPr b="0" lang="en-US" sz="1400" spc="-1" strike="noStrike">
                 <a:solidFill>
                   <a:srgbClr val="000000"/>
@@ -401,7 +401,7 @@
       </p:grpSpPr>
       <p:sp>
         <p:nvSpPr>
-          <p:cNvPr id="133" name="PlaceHolder 1"/>
+          <p:cNvPr id="135" name="PlaceHolder 1"/>
           <p:cNvSpPr>
             <a:spLocks noGrp="1"/>
           </p:cNvSpPr>
@@ -424,7 +424,7 @@
       </p:sp>
       <p:sp>
         <p:nvSpPr>
-          <p:cNvPr id="134" name="PlaceHolder 2"/>
+          <p:cNvPr id="136" name="PlaceHolder 2"/>
           <p:cNvSpPr>
             <a:spLocks noGrp="1"/>
           </p:cNvSpPr>
@@ -479,7 +479,7 @@
       </p:sp>
       <p:sp>
         <p:nvSpPr>
-          <p:cNvPr id="135" name="PlaceHolder 3"/>
+          <p:cNvPr id="137" name="PlaceHolder 3"/>
           <p:cNvSpPr>
             <a:spLocks noGrp="1"/>
           </p:cNvSpPr>
@@ -531,7 +531,7 @@
                 <a:tab algn="l" pos="0"/>
               </a:tabLst>
             </a:pPr>
-            <a:fld id="{4867627D-C412-4223-BEA6-C1E474019C7E}" type="slidenum">
+            <a:fld id="{8A6BC161-565D-4464-82E9-31BEA0A3465E}" type="slidenum">
               <a:rPr b="0" lang="en-US" sz="1200" spc="-1" strike="noStrike">
                 <a:solidFill>
                   <a:srgbClr val="000000"/>
@@ -573,7 +573,7 @@
       </p:grpSpPr>
       <p:sp>
         <p:nvSpPr>
-          <p:cNvPr id="109" name="PlaceHolder 1"/>
+          <p:cNvPr id="111" name="PlaceHolder 1"/>
           <p:cNvSpPr>
             <a:spLocks noGrp="1"/>
           </p:cNvSpPr>
@@ -596,7 +596,7 @@
       </p:sp>
       <p:sp>
         <p:nvSpPr>
-          <p:cNvPr id="110" name="PlaceHolder 2"/>
+          <p:cNvPr id="112" name="PlaceHolder 2"/>
           <p:cNvSpPr>
             <a:spLocks noGrp="1"/>
           </p:cNvSpPr>
@@ -636,7 +636,7 @@
       </p:sp>
       <p:sp>
         <p:nvSpPr>
-          <p:cNvPr id="111" name="PlaceHolder 3"/>
+          <p:cNvPr id="113" name="PlaceHolder 3"/>
           <p:cNvSpPr>
             <a:spLocks noGrp="1"/>
           </p:cNvSpPr>
@@ -688,7 +688,7 @@
                 <a:tab algn="l" pos="0"/>
               </a:tabLst>
             </a:pPr>
-            <a:fld id="{E9345B9C-9545-4E15-8799-C7111B3CFA38}" type="slidenum">
+            <a:fld id="{3BC0660B-E385-413D-AFDD-D9691323E19A}" type="slidenum">
               <a:rPr b="0" lang="en-US" sz="1200" spc="-1" strike="noStrike">
                 <a:solidFill>
                   <a:srgbClr val="000000"/>
@@ -730,7 +730,7 @@
       </p:grpSpPr>
       <p:sp>
         <p:nvSpPr>
-          <p:cNvPr id="112" name="PlaceHolder 1"/>
+          <p:cNvPr id="114" name="PlaceHolder 1"/>
           <p:cNvSpPr>
             <a:spLocks noGrp="1"/>
           </p:cNvSpPr>
@@ -753,7 +753,7 @@
       </p:sp>
       <p:sp>
         <p:nvSpPr>
-          <p:cNvPr id="113" name="PlaceHolder 2"/>
+          <p:cNvPr id="115" name="PlaceHolder 2"/>
           <p:cNvSpPr>
             <a:spLocks noGrp="1"/>
           </p:cNvSpPr>
@@ -808,7 +808,7 @@
       </p:sp>
       <p:sp>
         <p:nvSpPr>
-          <p:cNvPr id="114" name="PlaceHolder 3"/>
+          <p:cNvPr id="116" name="PlaceHolder 3"/>
           <p:cNvSpPr>
             <a:spLocks noGrp="1"/>
           </p:cNvSpPr>
@@ -860,7 +860,7 @@
                 <a:tab algn="l" pos="0"/>
               </a:tabLst>
             </a:pPr>
-            <a:fld id="{71FD9D5A-8668-431C-93A5-743C5AF54F54}" type="slidenum">
+            <a:fld id="{5AD2A47F-D947-4D39-B5E6-CD4744C7C905}" type="slidenum">
               <a:rPr b="0" lang="en-US" sz="1200" spc="-1" strike="noStrike">
                 <a:solidFill>
                   <a:srgbClr val="000000"/>
@@ -902,7 +902,7 @@
       </p:grpSpPr>
       <p:sp>
         <p:nvSpPr>
-          <p:cNvPr id="115" name="PlaceHolder 1"/>
+          <p:cNvPr id="117" name="PlaceHolder 1"/>
           <p:cNvSpPr>
             <a:spLocks noGrp="1"/>
           </p:cNvSpPr>
@@ -925,7 +925,7 @@
       </p:sp>
       <p:sp>
         <p:nvSpPr>
-          <p:cNvPr id="116" name="PlaceHolder 2"/>
+          <p:cNvPr id="118" name="PlaceHolder 2"/>
           <p:cNvSpPr>
             <a:spLocks noGrp="1"/>
           </p:cNvSpPr>
@@ -980,7 +980,7 @@
       </p:sp>
       <p:sp>
         <p:nvSpPr>
-          <p:cNvPr id="117" name="PlaceHolder 3"/>
+          <p:cNvPr id="119" name="PlaceHolder 3"/>
           <p:cNvSpPr>
             <a:spLocks noGrp="1"/>
           </p:cNvSpPr>
@@ -1032,7 +1032,7 @@
                 <a:tab algn="l" pos="0"/>
               </a:tabLst>
             </a:pPr>
-            <a:fld id="{86C0AD9D-0289-4AA0-8F9A-ED23EB9FCFF8}" type="slidenum">
+            <a:fld id="{8A1B33B1-916C-431A-99C5-CEBC2030ECD8}" type="slidenum">
               <a:rPr b="0" lang="en-US" sz="1200" spc="-1" strike="noStrike">
                 <a:solidFill>
                   <a:srgbClr val="000000"/>
@@ -1074,7 +1074,7 @@
       </p:grpSpPr>
       <p:sp>
         <p:nvSpPr>
-          <p:cNvPr id="118" name="PlaceHolder 1"/>
+          <p:cNvPr id="120" name="PlaceHolder 1"/>
           <p:cNvSpPr>
             <a:spLocks noGrp="1"/>
           </p:cNvSpPr>
@@ -1097,7 +1097,7 @@
       </p:sp>
       <p:sp>
         <p:nvSpPr>
-          <p:cNvPr id="119" name="PlaceHolder 2"/>
+          <p:cNvPr id="121" name="PlaceHolder 2"/>
           <p:cNvSpPr>
             <a:spLocks noGrp="1"/>
           </p:cNvSpPr>
@@ -1152,7 +1152,7 @@
       </p:sp>
       <p:sp>
         <p:nvSpPr>
-          <p:cNvPr id="120" name="PlaceHolder 3"/>
+          <p:cNvPr id="122" name="PlaceHolder 3"/>
           <p:cNvSpPr>
             <a:spLocks noGrp="1"/>
           </p:cNvSpPr>
@@ -1204,7 +1204,7 @@
                 <a:tab algn="l" pos="0"/>
               </a:tabLst>
             </a:pPr>
-            <a:fld id="{3C103B45-83B4-4A7E-B2F7-D757C763FA88}" type="slidenum">
+            <a:fld id="{AFC1CB0F-E697-4F3A-AFE3-21648E5C7F87}" type="slidenum">
               <a:rPr b="0" lang="en-US" sz="1200" spc="-1" strike="noStrike">
                 <a:solidFill>
                   <a:srgbClr val="000000"/>
@@ -1246,7 +1246,7 @@
       </p:grpSpPr>
       <p:sp>
         <p:nvSpPr>
-          <p:cNvPr id="121" name="PlaceHolder 1"/>
+          <p:cNvPr id="123" name="PlaceHolder 1"/>
           <p:cNvSpPr>
             <a:spLocks noGrp="1"/>
           </p:cNvSpPr>
@@ -1269,7 +1269,7 @@
       </p:sp>
       <p:sp>
         <p:nvSpPr>
-          <p:cNvPr id="122" name="PlaceHolder 2"/>
+          <p:cNvPr id="124" name="PlaceHolder 2"/>
           <p:cNvSpPr>
             <a:spLocks noGrp="1"/>
           </p:cNvSpPr>
@@ -1324,7 +1324,7 @@
       </p:sp>
       <p:sp>
         <p:nvSpPr>
-          <p:cNvPr id="123" name="PlaceHolder 3"/>
+          <p:cNvPr id="125" name="PlaceHolder 3"/>
           <p:cNvSpPr>
             <a:spLocks noGrp="1"/>
           </p:cNvSpPr>
@@ -1376,14 +1376,14 @@
                 <a:tab algn="l" pos="0"/>
               </a:tabLst>
             </a:pPr>
-            <a:fld id="{85D83534-B517-47BB-9DAF-CF5E55A21B01}" type="slidenum">
+            <a:fld id="{7CF42D5E-C373-440C-A4D1-8B3B7B447622}" type="slidenum">
               <a:rPr b="0" lang="en-US" sz="1200" spc="-1" strike="noStrike">
                 <a:solidFill>
                   <a:srgbClr val="000000"/>
                 </a:solidFill>
                 <a:latin typeface="Times New Roman"/>
               </a:rPr>
-              <a:t>10</a:t>
+              <a:t>&lt;number&gt;</a:t>
             </a:fld>
             <a:endParaRPr b="0" lang="en-US" sz="1200" spc="-1" strike="noStrike">
               <a:solidFill>
@@ -1418,7 +1418,7 @@
       </p:grpSpPr>
       <p:sp>
         <p:nvSpPr>
-          <p:cNvPr id="124" name="PlaceHolder 1"/>
+          <p:cNvPr id="126" name="PlaceHolder 1"/>
           <p:cNvSpPr>
             <a:spLocks noGrp="1"/>
           </p:cNvSpPr>
@@ -1441,7 +1441,7 @@
       </p:sp>
       <p:sp>
         <p:nvSpPr>
-          <p:cNvPr id="125" name="PlaceHolder 2"/>
+          <p:cNvPr id="127" name="PlaceHolder 2"/>
           <p:cNvSpPr>
             <a:spLocks noGrp="1"/>
           </p:cNvSpPr>
@@ -1496,7 +1496,7 @@
       </p:sp>
       <p:sp>
         <p:nvSpPr>
-          <p:cNvPr id="126" name="PlaceHolder 3"/>
+          <p:cNvPr id="128" name="PlaceHolder 3"/>
           <p:cNvSpPr>
             <a:spLocks noGrp="1"/>
           </p:cNvSpPr>
@@ -1548,14 +1548,14 @@
                 <a:tab algn="l" pos="0"/>
               </a:tabLst>
             </a:pPr>
-            <a:fld id="{81723A4F-400B-436C-95C9-958946DBE473}" type="slidenum">
+            <a:fld id="{0ADF2B49-2CA1-4A02-8CCF-DFB868F1AF8E}" type="slidenum">
               <a:rPr b="0" lang="en-US" sz="1200" spc="-1" strike="noStrike">
                 <a:solidFill>
                   <a:srgbClr val="000000"/>
                 </a:solidFill>
                 <a:latin typeface="Times New Roman"/>
               </a:rPr>
-              <a:t>10</a:t>
+              <a:t>&lt;number&gt;</a:t>
             </a:fld>
             <a:endParaRPr b="0" lang="en-US" sz="1200" spc="-1" strike="noStrike">
               <a:solidFill>
@@ -1590,7 +1590,7 @@
       </p:grpSpPr>
       <p:sp>
         <p:nvSpPr>
-          <p:cNvPr id="127" name="PlaceHolder 1"/>
+          <p:cNvPr id="129" name="PlaceHolder 1"/>
           <p:cNvSpPr>
             <a:spLocks noGrp="1"/>
           </p:cNvSpPr>
@@ -1613,7 +1613,7 @@
       </p:sp>
       <p:sp>
         <p:nvSpPr>
-          <p:cNvPr id="128" name="PlaceHolder 2"/>
+          <p:cNvPr id="130" name="PlaceHolder 2"/>
           <p:cNvSpPr>
             <a:spLocks noGrp="1"/>
           </p:cNvSpPr>
@@ -1668,7 +1668,7 @@
       </p:sp>
       <p:sp>
         <p:nvSpPr>
-          <p:cNvPr id="129" name="PlaceHolder 3"/>
+          <p:cNvPr id="131" name="PlaceHolder 3"/>
           <p:cNvSpPr>
             <a:spLocks noGrp="1"/>
           </p:cNvSpPr>
@@ -1720,7 +1720,7 @@
                 <a:tab algn="l" pos="0"/>
               </a:tabLst>
             </a:pPr>
-            <a:fld id="{E1FBA53C-3401-48B8-8D01-7AD3DF855C04}" type="slidenum">
+            <a:fld id="{BCA86F56-1E15-4012-8063-FA588C5B5F24}" type="slidenum">
               <a:rPr b="0" lang="en-US" sz="1200" spc="-1" strike="noStrike">
                 <a:solidFill>
                   <a:srgbClr val="000000"/>
@@ -1762,7 +1762,7 @@
       </p:grpSpPr>
       <p:sp>
         <p:nvSpPr>
-          <p:cNvPr id="130" name="PlaceHolder 1"/>
+          <p:cNvPr id="132" name="PlaceHolder 1"/>
           <p:cNvSpPr>
             <a:spLocks noGrp="1"/>
           </p:cNvSpPr>
@@ -1785,7 +1785,7 @@
       </p:sp>
       <p:sp>
         <p:nvSpPr>
-          <p:cNvPr id="131" name="PlaceHolder 2"/>
+          <p:cNvPr id="133" name="PlaceHolder 2"/>
           <p:cNvSpPr>
             <a:spLocks noGrp="1"/>
           </p:cNvSpPr>
@@ -1840,7 +1840,7 @@
       </p:sp>
       <p:sp>
         <p:nvSpPr>
-          <p:cNvPr id="132" name="PlaceHolder 3"/>
+          <p:cNvPr id="134" name="PlaceHolder 3"/>
           <p:cNvSpPr>
             <a:spLocks noGrp="1"/>
           </p:cNvSpPr>
@@ -1892,7 +1892,7 @@
                 <a:tab algn="l" pos="0"/>
               </a:tabLst>
             </a:pPr>
-            <a:fld id="{680BC11F-6B86-422E-8D48-0E819796F649}" type="slidenum">
+            <a:fld id="{AA8E2E55-582C-4A9B-9E35-DAF05C59B84B}" type="slidenum">
               <a:rPr b="0" lang="en-US" sz="1200" spc="-1" strike="noStrike">
                 <a:solidFill>
                   <a:srgbClr val="000000"/>
@@ -2046,7 +2046,7 @@
         <p:txBody>
           <a:bodyPr/>
           <a:p>
-            <a:fld id="{10E999CA-206B-47E4-A31C-9CDE78946E44}" type="slidenum">
+            <a:fld id="{60049664-7324-4D05-B4DD-A09E3CFE99D9}" type="slidenum">
               <a:t>&lt;#&gt;</a:t>
             </a:fld>
           </a:p>
@@ -2129,7 +2129,7 @@
         <p:txBody>
           <a:bodyPr/>
           <a:p>
-            <a:fld id="{B70F110F-4D60-43D5-8642-17EB1550BBF4}" type="slidenum">
+            <a:fld id="{30AED402-E7B2-47B4-B491-135BF9A52187}" type="slidenum">
               <a:t>&lt;#&gt;</a:t>
             </a:fld>
           </a:p>
@@ -2212,7 +2212,7 @@
         <p:txBody>
           <a:bodyPr/>
           <a:p>
-            <a:fld id="{D9B78E15-967D-46E2-BA73-771748358E67}" type="slidenum">
+            <a:fld id="{A7E54C11-493B-4BE5-9BE8-7681C4439D1E}" type="slidenum">
               <a:t>&lt;#&gt;</a:t>
             </a:fld>
           </a:p>
@@ -2295,7 +2295,7 @@
         <p:txBody>
           <a:bodyPr/>
           <a:p>
-            <a:fld id="{08CE682D-71E2-4ABC-8ADD-8994E7A888CE}" type="slidenum">
+            <a:fld id="{8774915A-E406-41C0-B544-E7F4BF68B96C}" type="slidenum">
               <a:t>&lt;#&gt;</a:t>
             </a:fld>
           </a:p>
@@ -2378,7 +2378,7 @@
         <p:txBody>
           <a:bodyPr/>
           <a:p>
-            <a:fld id="{6E027402-9821-4BA1-A02D-5806630CB395}" type="slidenum">
+            <a:fld id="{873C6283-3BEA-4F1A-868E-0C8C43072946}" type="slidenum">
               <a:t>&lt;#&gt;</a:t>
             </a:fld>
           </a:p>
@@ -2544,7 +2544,7 @@
         <p:txBody>
           <a:bodyPr/>
           <a:p>
-            <a:fld id="{1E71F6FC-45E5-4CB3-B685-C1D533F1DC42}" type="slidenum">
+            <a:fld id="{5E930410-567B-4511-92C5-383029EAEF46}" type="slidenum">
               <a:t>&lt;#&gt;</a:t>
             </a:fld>
           </a:p>
@@ -2627,7 +2627,7 @@
         <p:txBody>
           <a:bodyPr/>
           <a:p>
-            <a:fld id="{7DA89B3B-9660-40B8-9DC5-AF20AF1DF9F9}" type="slidenum">
+            <a:fld id="{D6FD7235-544F-4360-904E-0A45FF0BBED0}" type="slidenum">
               <a:t>&lt;#&gt;</a:t>
             </a:fld>
           </a:p>
@@ -2836,7 +2836,7 @@
         <p:txBody>
           <a:bodyPr/>
           <a:p>
-            <a:fld id="{8C411D97-37CF-4CC4-9117-1FE59BA9DCD3}" type="slidenum">
+            <a:fld id="{377FFDD5-68A1-4728-9EA9-D32D521B3C8C}" type="slidenum">
               <a:t>&lt;#&gt;</a:t>
             </a:fld>
           </a:p>
@@ -2919,7 +2919,7 @@
         <p:txBody>
           <a:bodyPr/>
           <a:p>
-            <a:fld id="{435D2CFC-E20D-45FB-A2A5-E29FA78788E3}" type="slidenum">
+            <a:fld id="{ABBAB018-EC1D-445F-8D57-604AA5CF7032}" type="slidenum">
               <a:t>&lt;#&gt;</a:t>
             </a:fld>
           </a:p>
@@ -3042,7 +3042,7 @@
         <p:txBody>
           <a:bodyPr/>
           <a:p>
-            <a:fld id="{B0280A16-0FB8-4D58-A37D-949AA7F97305}" type="slidenum">
+            <a:fld id="{173ECEA2-74CB-4B3C-B57B-6E2771509632}" type="slidenum">
               <a:t>&lt;#&gt;</a:t>
             </a:fld>
           </a:p>
@@ -3125,7 +3125,7 @@
         <p:txBody>
           <a:bodyPr/>
           <a:p>
-            <a:fld id="{73E4E5BD-3708-4EEA-AB7E-FBFB0DCA596A}" type="slidenum">
+            <a:fld id="{A40D0E68-7488-4A60-B6DE-08814602A1D0}" type="slidenum">
               <a:t>&lt;#&gt;</a:t>
             </a:fld>
           </a:p>
@@ -3358,7 +3358,7 @@
                 <a:tab algn="l" pos="0"/>
               </a:tabLst>
             </a:pPr>
-            <a:fld id="{3FF15C4B-DF35-4660-B07B-57C88165F3E7}" type="slidenum">
+            <a:fld id="{7DF7C1C5-A062-4775-948F-4DF97A38293C}" type="slidenum">
               <a:rPr b="0" lang="en-US" sz="1200" spc="-1" strike="noStrike">
                 <a:solidFill>
                   <a:schemeClr val="dk1">
@@ -3367,7 +3367,7 @@
                 </a:solidFill>
                 <a:latin typeface="Aptos"/>
               </a:rPr>
-              <a:t>6</a:t>
+              <a:t>7</a:t>
             </a:fld>
             <a:endParaRPr b="0" lang="en-US" sz="1200" spc="-1" strike="noStrike">
               <a:solidFill>
@@ -3484,16 +3484,7 @@
                 </a:solidFill>
                 <a:latin typeface="Arial"/>
               </a:rPr>
-              <a:t>Click to edit the outline text </a:t>
-            </a:r>
-            <a:r>
-              <a:rPr b="0" lang="en-US" sz="3200" spc="-1" strike="noStrike">
-                <a:solidFill>
-                  <a:srgbClr val="000000"/>
-                </a:solidFill>
-                <a:latin typeface="Arial"/>
-              </a:rPr>
-              <a:t>format</a:t>
+              <a:t>Click to edit the outline text format</a:t>
             </a:r>
             <a:endParaRPr b="0" lang="en-US" sz="3200" spc="-1" strike="noStrike">
               <a:solidFill>
@@ -3661,16 +3652,7 @@
                 </a:solidFill>
                 <a:latin typeface="Arial"/>
               </a:rPr>
-              <a:t>Seventh Outline </a:t>
-            </a:r>
-            <a:r>
-              <a:rPr b="0" lang="en-US" sz="2000" spc="-1" strike="noStrike">
-                <a:solidFill>
-                  <a:srgbClr val="000000"/>
-                </a:solidFill>
-                <a:latin typeface="Arial"/>
-              </a:rPr>
-              <a:t>Level</a:t>
+              <a:t>Seventh Outline Level</a:t>
             </a:r>
             <a:endParaRPr b="0" lang="en-US" sz="2000" spc="-1" strike="noStrike">
               <a:solidFill>
@@ -3842,7 +3824,7 @@
                 <a:tab algn="l" pos="0"/>
               </a:tabLst>
             </a:pPr>
-            <a:fld id="{EDE4F171-CF65-4415-946D-DDA918E1D81C}" type="slidenum">
+            <a:fld id="{4BE19A04-F53C-4BE3-A720-2074A3E8D53B}" type="slidenum">
               <a:rPr b="0" lang="en-US" sz="1200" spc="-1" strike="noStrike">
                 <a:solidFill>
                   <a:schemeClr val="dk1">
@@ -4083,7 +4065,7 @@
                 <a:tab algn="l" pos="0"/>
               </a:tabLst>
             </a:pPr>
-            <a:fld id="{99035B64-1F69-41A6-ADB7-A68C807F211C}" type="slidenum">
+            <a:fld id="{AFD0DBBB-778A-4ED0-9EE3-8AC158C231A8}" type="slidenum">
               <a:rPr b="0" lang="en-US" sz="1200" spc="-1" strike="noStrike">
                 <a:solidFill>
                   <a:schemeClr val="dk1">
@@ -4324,7 +4306,7 @@
                 <a:tab algn="l" pos="0"/>
               </a:tabLst>
             </a:pPr>
-            <a:fld id="{A02A3B1A-2E76-4297-9C70-7979D3970E65}" type="slidenum">
+            <a:fld id="{3162C502-755C-4A33-A075-4AFA72039BEF}" type="slidenum">
               <a:rPr b="0" lang="en-US" sz="1200" spc="-1" strike="noStrike">
                 <a:solidFill>
                   <a:schemeClr val="dk1">
@@ -4565,7 +4547,7 @@
                 <a:tab algn="l" pos="0"/>
               </a:tabLst>
             </a:pPr>
-            <a:fld id="{C9837534-D993-418C-B998-2643E28E7BB7}" type="slidenum">
+            <a:fld id="{05DF509A-5BC7-487E-A0EB-34A37A3F526F}" type="slidenum">
               <a:rPr b="0" lang="en-US" sz="1200" spc="-1" strike="noStrike">
                 <a:solidFill>
                   <a:schemeClr val="dk1">
@@ -5080,7 +5062,7 @@
                 <a:tab algn="l" pos="0"/>
               </a:tabLst>
             </a:pPr>
-            <a:fld id="{CF9BFF80-48F1-453D-8395-3B949A98AECC}" type="slidenum">
+            <a:fld id="{A1B6697C-0BEC-4F00-AFBA-932CB171D6A5}" type="slidenum">
               <a:rPr b="0" lang="en-US" sz="1200" spc="-1" strike="noStrike">
                 <a:solidFill>
                   <a:schemeClr val="dk1">
@@ -5321,7 +5303,7 @@
                 <a:tab algn="l" pos="0"/>
               </a:tabLst>
             </a:pPr>
-            <a:fld id="{91FDE19E-2F0A-48EB-A670-DFDC8EB84093}" type="slidenum">
+            <a:fld id="{8F4A93A1-E25A-48F1-A691-7DF5D624A2F2}" type="slidenum">
               <a:rPr b="0" lang="en-US" sz="1200" spc="-1" strike="noStrike">
                 <a:solidFill>
                   <a:schemeClr val="dk1">
@@ -6061,7 +6043,7 @@
                 <a:tab algn="l" pos="0"/>
               </a:tabLst>
             </a:pPr>
-            <a:fld id="{A51E50AB-04FD-4F0E-9A55-4CDA6F0AD649}" type="slidenum">
+            <a:fld id="{7ED1BCF5-591C-4DAD-BAA6-9E8BDAA80D0F}" type="slidenum">
               <a:rPr b="0" lang="en-US" sz="1200" spc="-1" strike="noStrike">
                 <a:solidFill>
                   <a:schemeClr val="dk1">
@@ -6302,7 +6284,7 @@
                 <a:tab algn="l" pos="0"/>
               </a:tabLst>
             </a:pPr>
-            <a:fld id="{BC00BAE2-D931-488F-B695-6FBD2852F53D}" type="slidenum">
+            <a:fld id="{82659FB9-DB7E-4F36-AB9F-04DCB8868878}" type="slidenum">
               <a:rPr b="0" lang="en-US" sz="1200" spc="-1" strike="noStrike">
                 <a:solidFill>
                   <a:schemeClr val="dk1">
@@ -6592,7 +6574,7 @@
                 <a:tab algn="l" pos="0"/>
               </a:tabLst>
             </a:pPr>
-            <a:fld id="{AAB9BA93-3482-4CBE-9535-F8A9AD512CD5}" type="slidenum">
+            <a:fld id="{9D95A6DF-4CDF-4922-81BC-402583E9CA92}" type="slidenum">
               <a:rPr b="0" lang="en-US" sz="1200" spc="-1" strike="noStrike">
                 <a:solidFill>
                   <a:schemeClr val="dk1">
@@ -6833,7 +6815,7 @@
                 <a:tab algn="l" pos="0"/>
               </a:tabLst>
             </a:pPr>
-            <a:fld id="{530881B0-2890-4F76-B6AE-D2AF47C43F87}" type="slidenum">
+            <a:fld id="{20935230-3E8D-40C8-B931-C22BB5EAF6D7}" type="slidenum">
               <a:rPr b="0" lang="en-US" sz="1200" spc="-1" strike="noStrike">
                 <a:solidFill>
                   <a:schemeClr val="dk1">
@@ -7466,7 +7448,7 @@
       </p:grpSpPr>
       <p:sp>
         <p:nvSpPr>
-          <p:cNvPr id="104" name="Rectangle 22">
+          <p:cNvPr id="106" name="Rectangle 22">
             <a:extLst>
               <a:ext uri="{C183D7F6-B498-43B3-948B-1728B52AA6E4}">
                 <adec:decorative xmlns:adec="http://schemas.microsoft.com/office/drawing/2017/decorative" val="1"/>
@@ -7526,7 +7508,7 @@
       </p:sp>
       <p:sp>
         <p:nvSpPr>
-          <p:cNvPr id="105" name="Freeform 13">
+          <p:cNvPr id="107" name="Freeform 13">
             <a:extLst>
               <a:ext uri="{C183D7F6-B498-43B3-948B-1728B52AA6E4}">
                 <adec:decorative xmlns:adec="http://schemas.microsoft.com/office/drawing/2017/decorative" val="1"/>
@@ -7613,7 +7595,7 @@
       </p:sp>
       <p:sp>
         <p:nvSpPr>
-          <p:cNvPr id="106" name="Freeform 11">
+          <p:cNvPr id="108" name="Freeform 11">
             <a:extLst>
               <a:ext uri="{C183D7F6-B498-43B3-948B-1728B52AA6E4}">
                 <adec:decorative xmlns:adec="http://schemas.microsoft.com/office/drawing/2017/decorative" val="1"/>
@@ -7700,7 +7682,7 @@
       </p:sp>
       <p:sp>
         <p:nvSpPr>
-          <p:cNvPr id="107" name="PlaceHolder 1"/>
+          <p:cNvPr id="109" name="PlaceHolder 1"/>
           <p:cNvSpPr>
             <a:spLocks noGrp="1"/>
           </p:cNvSpPr>
@@ -7755,7 +7737,7 @@
       </p:sp>
       <p:sp>
         <p:nvSpPr>
-          <p:cNvPr id="108" name="PlaceHolder 2"/>
+          <p:cNvPr id="110" name="PlaceHolder 2"/>
           <p:cNvSpPr>
             <a:spLocks noGrp="1"/>
           </p:cNvSpPr>
@@ -10611,7 +10593,121 @@
                 </a:solidFill>
                 <a:latin typeface="-apple-system"/>
               </a:rPr>
-              <a:t>There shall</a:t>
+              <a:t>There shall be coin pickups </a:t>
+            </a:r>
+            <a:endParaRPr b="0" lang="en-US" sz="2000" spc="-1" strike="noStrike">
+              <a:solidFill>
+                <a:srgbClr val="ffffff"/>
+              </a:solidFill>
+              <a:latin typeface="Arial"/>
+            </a:endParaRPr>
+          </a:p>
+          <a:p>
+            <a:pPr marL="228600" indent="-228600" defTabSz="914400">
+              <a:lnSpc>
+                <a:spcPct val="90000"/>
+              </a:lnSpc>
+              <a:spcBef>
+                <a:spcPts val="1001"/>
+              </a:spcBef>
+              <a:buClr>
+                <a:srgbClr val="ffffff"/>
+              </a:buClr>
+              <a:buFont typeface="Arial"/>
+              <a:buChar char="•"/>
+            </a:pPr>
+            <a:r>
+              <a:rPr b="0" lang="en-US" sz="2000" spc="-1" strike="noStrike">
+                <a:solidFill>
+                  <a:schemeClr val="dk1"/>
+                </a:solidFill>
+                <a:latin typeface="-apple-system"/>
+              </a:rPr>
+              <a:t>Design:</a:t>
+            </a:r>
+            <a:endParaRPr b="0" lang="en-US" sz="2000" spc="-1" strike="noStrike">
+              <a:solidFill>
+                <a:srgbClr val="ffffff"/>
+              </a:solidFill>
+              <a:latin typeface="Arial"/>
+            </a:endParaRPr>
+          </a:p>
+          <a:p>
+            <a:pPr marL="228600" indent="-228600" defTabSz="914400">
+              <a:lnSpc>
+                <a:spcPct val="90000"/>
+              </a:lnSpc>
+              <a:spcBef>
+                <a:spcPts val="1001"/>
+              </a:spcBef>
+              <a:buClr>
+                <a:srgbClr val="ffffff"/>
+              </a:buClr>
+              <a:buFont typeface="Arial"/>
+              <a:buChar char="•"/>
+            </a:pPr>
+            <a:r>
+              <a:rPr b="0" lang="en-US" sz="2000" spc="-1" strike="noStrike">
+                <a:solidFill>
+                  <a:schemeClr val="dk1"/>
+                </a:solidFill>
+                <a:latin typeface="-apple-system"/>
+              </a:rPr>
+              <a:t>Conclusion: There are two types </a:t>
+            </a:r>
+            <a:r>
+              <a:rPr b="0" lang="en-US" sz="2000" spc="-1" strike="noStrike">
+                <a:solidFill>
+                  <a:schemeClr val="dk1"/>
+                </a:solidFill>
+                <a:latin typeface="-apple-system"/>
+              </a:rPr>
+              <a:t>of health pickup: apple that </a:t>
+            </a:r>
+            <a:r>
+              <a:rPr b="0" lang="en-US" sz="2000" spc="-1" strike="noStrike">
+                <a:solidFill>
+                  <a:schemeClr val="dk1"/>
+                </a:solidFill>
+                <a:latin typeface="-apple-system"/>
+              </a:rPr>
+              <a:t>restores 1 health, and cherry </a:t>
+            </a:r>
+            <a:r>
+              <a:rPr b="0" lang="en-US" sz="2000" spc="-1" strike="noStrike">
+                <a:solidFill>
+                  <a:schemeClr val="dk1"/>
+                </a:solidFill>
+                <a:latin typeface="-apple-system"/>
+              </a:rPr>
+              <a:t>that restores all health. Coins </a:t>
+            </a:r>
+            <a:r>
+              <a:rPr b="0" lang="en-US" sz="2000" spc="-1" strike="noStrike">
+                <a:solidFill>
+                  <a:schemeClr val="dk1"/>
+                </a:solidFill>
+                <a:latin typeface="-apple-system"/>
+              </a:rPr>
+              <a:t>come in 5 different </a:t>
+            </a:r>
+            <a:r>
+              <a:rPr b="0" lang="en-US" sz="2000" spc="-1" strike="noStrike">
+                <a:solidFill>
+                  <a:schemeClr val="dk1"/>
+                </a:solidFill>
+                <a:latin typeface="-apple-system"/>
+              </a:rPr>
+              <a:t>denominations and the total </a:t>
+            </a:r>
+            <a:r>
+              <a:rPr b="0" lang="en-US" sz="2000" spc="-1" strike="noStrike">
+                <a:solidFill>
+                  <a:schemeClr val="dk1"/>
+                </a:solidFill>
+                <a:latin typeface="-apple-system"/>
+              </a:rPr>
+              <a:t>value is tracked in the HUD.  </a:t>
             </a:r>
             <a:endParaRPr b="0" lang="en-US" sz="2000" spc="-1" strike="noStrike">
               <a:solidFill>
@@ -10979,8 +11075,8 @@
         </p:nvSpPr>
         <p:spPr>
           <a:xfrm>
-            <a:off x="838080" y="2010960"/>
-            <a:ext cx="4419720" cy="4165560"/>
+            <a:off x="685800" y="1143000"/>
+            <a:ext cx="4419720" cy="5257800"/>
           </a:xfrm>
           <a:prstGeom prst="rect">
             <a:avLst/>
@@ -10992,7 +11088,7 @@
         </p:spPr>
         <p:txBody>
           <a:bodyPr lIns="91440" rIns="91440" tIns="45720" bIns="45720" anchor="t">
-            <a:normAutofit/>
+            <a:normAutofit fontScale="75000" lnSpcReduction="10000"/>
           </a:bodyPr>
           <a:p>
             <a:pPr marL="228600" indent="0" defTabSz="914400">
@@ -11004,6 +11100,105 @@
               </a:spcBef>
               <a:buNone/>
             </a:pPr>
+            <a:endParaRPr b="0" lang="en-US" sz="2000" spc="-1" strike="noStrike">
+              <a:solidFill>
+                <a:srgbClr val="ffffff"/>
+              </a:solidFill>
+              <a:latin typeface="Arial"/>
+            </a:endParaRPr>
+          </a:p>
+          <a:p>
+            <a:pPr marL="228600" indent="-228600" defTabSz="914400">
+              <a:lnSpc>
+                <a:spcPct val="90000"/>
+              </a:lnSpc>
+              <a:spcBef>
+                <a:spcPts val="1191"/>
+              </a:spcBef>
+              <a:spcAft>
+                <a:spcPts val="992"/>
+              </a:spcAft>
+              <a:buClr>
+                <a:srgbClr val="ffffff"/>
+              </a:buClr>
+              <a:buFont typeface="Arial"/>
+              <a:buChar char="•"/>
+            </a:pPr>
+            <a:r>
+              <a:rPr b="0" lang="en-US" sz="2000" spc="-1" strike="noStrike">
+                <a:solidFill>
+                  <a:schemeClr val="dk1"/>
+                </a:solidFill>
+                <a:latin typeface="-apple-system"/>
+              </a:rPr>
+              <a:t>User Story: As a player, I want to interact with characters through dialogue boxes and understand how to play the game through those interactions. </a:t>
+            </a:r>
+            <a:endParaRPr b="0" lang="en-US" sz="2000" spc="-1" strike="noStrike">
+              <a:solidFill>
+                <a:srgbClr val="ffffff"/>
+              </a:solidFill>
+              <a:latin typeface="Arial"/>
+            </a:endParaRPr>
+          </a:p>
+          <a:p>
+            <a:pPr marL="228600" indent="-228600" defTabSz="914400">
+              <a:lnSpc>
+                <a:spcPct val="90000"/>
+              </a:lnSpc>
+              <a:spcBef>
+                <a:spcPts val="1191"/>
+              </a:spcBef>
+              <a:spcAft>
+                <a:spcPts val="992"/>
+              </a:spcAft>
+              <a:buClr>
+                <a:srgbClr val="ffffff"/>
+              </a:buClr>
+              <a:buFont typeface="Arial"/>
+              <a:buChar char="•"/>
+            </a:pPr>
+            <a:r>
+              <a:rPr b="0" lang="en-US" sz="2000" spc="-1" strike="noStrike">
+                <a:solidFill>
+                  <a:schemeClr val="dk1"/>
+                </a:solidFill>
+                <a:latin typeface="-apple-system"/>
+              </a:rPr>
+              <a:t>Requirement: The characters shall have a dialogue mechanic. </a:t>
+            </a:r>
+            <a:endParaRPr b="0" lang="en-US" sz="2000" spc="-1" strike="noStrike">
+              <a:solidFill>
+                <a:srgbClr val="ffffff"/>
+              </a:solidFill>
+              <a:latin typeface="Arial"/>
+            </a:endParaRPr>
+          </a:p>
+          <a:p>
+            <a:pPr marL="228600" indent="-228600" defTabSz="914400">
+              <a:lnSpc>
+                <a:spcPct val="90000"/>
+              </a:lnSpc>
+              <a:spcBef>
+                <a:spcPts val="1191"/>
+              </a:spcBef>
+              <a:spcAft>
+                <a:spcPts val="992"/>
+              </a:spcAft>
+              <a:buClr>
+                <a:srgbClr val="ffffff"/>
+              </a:buClr>
+              <a:buFont typeface="Arial"/>
+              <a:buChar char="•"/>
+            </a:pPr>
+            <a:r>
+              <a:rPr b="0" lang="en-US" sz="2000" spc="-1" strike="noStrike">
+                <a:solidFill>
+                  <a:schemeClr val="dk1"/>
+                </a:solidFill>
+                <a:latin typeface="-apple-system"/>
+              </a:rPr>
+              <a:t>Design: When the player approaches an npc they may talk too, a chat bubble will appear above the npc's head indicating the player is able to interact with this npc. Npc's have a detection zone around them that triggers the chat bubble icon's visibility. When a player character enters the zone the visibility is set to true, when the player exits the zone, the visibility is set to false. While within the zone, if the player presses enter, the dialog for that npc will be triggered.</a:t>
+            </a:r>
             <a:endParaRPr b="0" lang="en-US" sz="2000" spc="-1" strike="noStrike">
               <a:solidFill>
                 <a:srgbClr val="ffffff"/>
@@ -11032,7 +11227,7 @@
                 </a:solidFill>
                 <a:latin typeface="-apple-system"/>
               </a:rPr>
-              <a:t>intro at least one user store</a:t>
+              <a:t>Conclusion: Dialog is implemented through the Dialogic library. The player can select options when talking to an NPC that lead to differing results</a:t>
             </a:r>
             <a:endParaRPr b="0" lang="en-US" sz="2000" spc="-1" strike="noStrike">
               <a:solidFill>
@@ -11041,128 +11236,65 @@
               <a:latin typeface="Arial"/>
             </a:endParaRPr>
           </a:p>
-          <a:p>
-            <a:pPr marL="228600" indent="-228600" defTabSz="914400">
-              <a:lnSpc>
-                <a:spcPct val="90000"/>
-              </a:lnSpc>
-              <a:spcBef>
-                <a:spcPts val="1001"/>
-              </a:spcBef>
-              <a:buClr>
-                <a:srgbClr val="ffffff"/>
-              </a:buClr>
-              <a:buFont typeface="Arial"/>
-              <a:buChar char="•"/>
-            </a:pPr>
-            <a:r>
-              <a:rPr b="0" lang="en-US" sz="2000" spc="-1" strike="noStrike">
-                <a:solidFill>
-                  <a:schemeClr val="dk1"/>
-                </a:solidFill>
-                <a:latin typeface="-apple-system"/>
-              </a:rPr>
-              <a:t>one requirement</a:t>
-            </a:r>
-            <a:endParaRPr b="0" lang="en-US" sz="2000" spc="-1" strike="noStrike">
-              <a:solidFill>
-                <a:srgbClr val="ffffff"/>
-              </a:solidFill>
-              <a:latin typeface="Arial"/>
-            </a:endParaRPr>
-          </a:p>
-          <a:p>
-            <a:pPr marL="228600" indent="-228600" defTabSz="914400">
-              <a:lnSpc>
-                <a:spcPct val="90000"/>
-              </a:lnSpc>
-              <a:spcBef>
-                <a:spcPts val="1001"/>
-              </a:spcBef>
-              <a:buClr>
-                <a:srgbClr val="ffffff"/>
-              </a:buClr>
-              <a:buFont typeface="Arial"/>
-              <a:buChar char="•"/>
-            </a:pPr>
-            <a:r>
-              <a:rPr b="0" lang="en-US" sz="2000" spc="-1" strike="noStrike">
-                <a:solidFill>
-                  <a:schemeClr val="dk1"/>
-                </a:solidFill>
-                <a:latin typeface="-apple-system"/>
-              </a:rPr>
-              <a:t>one design</a:t>
-            </a:r>
-            <a:endParaRPr b="0" lang="en-US" sz="2000" spc="-1" strike="noStrike">
-              <a:solidFill>
-                <a:srgbClr val="ffffff"/>
-              </a:solidFill>
-              <a:latin typeface="Arial"/>
-            </a:endParaRPr>
-          </a:p>
-          <a:p>
-            <a:pPr marL="228600" indent="-228600" defTabSz="914400">
-              <a:lnSpc>
-                <a:spcPct val="90000"/>
-              </a:lnSpc>
-              <a:spcBef>
-                <a:spcPts val="1001"/>
-              </a:spcBef>
-              <a:buClr>
-                <a:srgbClr val="ffffff"/>
-              </a:buClr>
-              <a:buFont typeface="Arial"/>
-              <a:buChar char="•"/>
-            </a:pPr>
-            <a:r>
-              <a:rPr b="0" lang="en-US" sz="2000" spc="-1" strike="noStrike">
-                <a:solidFill>
-                  <a:schemeClr val="dk1"/>
-                </a:solidFill>
-                <a:latin typeface="-apple-system"/>
-              </a:rPr>
-              <a:t>implementation gif or figure</a:t>
-            </a:r>
-            <a:endParaRPr b="0" lang="en-US" sz="2000" spc="-1" strike="noStrike">
-              <a:solidFill>
-                <a:srgbClr val="ffffff"/>
-              </a:solidFill>
-              <a:latin typeface="Arial"/>
-            </a:endParaRPr>
-          </a:p>
-          <a:p>
-            <a:pPr marL="228600" indent="-228600" defTabSz="914400">
-              <a:lnSpc>
-                <a:spcPct val="90000"/>
-              </a:lnSpc>
-              <a:spcBef>
-                <a:spcPts val="1001"/>
-              </a:spcBef>
-              <a:buClr>
-                <a:srgbClr val="ffffff"/>
-              </a:buClr>
-              <a:buFont typeface="Arial"/>
-              <a:buChar char="•"/>
-            </a:pPr>
-            <a:r>
-              <a:rPr b="0" lang="en-US" sz="2000" spc="-1" strike="noStrike">
-                <a:solidFill>
-                  <a:schemeClr val="dk1"/>
-                </a:solidFill>
-                <a:latin typeface="-apple-system"/>
-              </a:rPr>
-              <a:t>brief conclusion</a:t>
-            </a:r>
-            <a:endParaRPr b="0" lang="en-US" sz="2000" spc="-1" strike="noStrike">
-              <a:solidFill>
-                <a:srgbClr val="ffffff"/>
-              </a:solidFill>
-              <a:latin typeface="Arial"/>
-            </a:endParaRPr>
-          </a:p>
-        </p:txBody>
-      </p:sp>
+        </p:txBody>
+      </p:sp>
+      <p:pic>
+        <p:nvPicPr>
+          <p:cNvPr id="94" name="" descr="">
+            <a:hlinkClick r:id="" action="ppaction://media"/>
+          </p:cNvPr>
+          <p:cNvPicPr/>
+          <p:nvPr>
+            <a:videoFile r:link="rId1"/>
+            <p:extLst>
+              <p:ext uri="{DAA4B4D4-6D71-4841-9C94-3DE7FCFB9230}">
+                <p14:media r:link="rId2"/>
+              </p:ext>
+            </p:extLst>
+          </p:nvPr>
+        </p:nvPicPr>
+        <p:blipFill>
+          <a:blip r:embed="rId3"/>
+          <a:stretch>
+            <a:fillRect/>
+          </a:stretch>
+        </p:blipFill>
+        <p:spPr>
+          <a:xfrm>
+            <a:off x="5715000" y="228600"/>
+            <a:ext cx="5943240" cy="3342960"/>
+          </a:xfrm>
+          <a:prstGeom prst="rect">
+            <a:avLst/>
+          </a:prstGeom>
+          <a:ln w="0">
+            <a:noFill/>
+          </a:ln>
+        </p:spPr>
+      </p:pic>
+      <p:pic>
+        <p:nvPicPr>
+          <p:cNvPr id="95" name="" descr=""/>
+          <p:cNvPicPr/>
+          <p:nvPr/>
+        </p:nvPicPr>
+        <p:blipFill>
+          <a:blip r:embed="rId4"/>
+          <a:stretch/>
+        </p:blipFill>
+        <p:spPr>
+          <a:xfrm>
+            <a:off x="6629400" y="3657600"/>
+            <a:ext cx="4218480" cy="2812320"/>
+          </a:xfrm>
+          <a:prstGeom prst="rect">
+            <a:avLst/>
+          </a:prstGeom>
+          <a:ln w="0">
+            <a:noFill/>
+          </a:ln>
+        </p:spPr>
+      </p:pic>
     </p:spTree>
   </p:cSld>
   <mc:AlternateContent>
@@ -11202,7 +11334,7 @@
       </p:grpSpPr>
       <p:sp>
         <p:nvSpPr>
-          <p:cNvPr id="94" name="Rectangle 2">
+          <p:cNvPr id="96" name="Rectangle 2">
             <a:extLst>
               <a:ext uri="{C183D7F6-B498-43B3-948B-1728B52AA6E4}">
                 <adec:decorative xmlns:adec="http://schemas.microsoft.com/office/drawing/2017/decorative" val="1"/>
@@ -11257,7 +11389,7 @@
       </p:sp>
       <p:sp>
         <p:nvSpPr>
-          <p:cNvPr id="95" name="Freeform 3">
+          <p:cNvPr id="97" name="Freeform 3">
             <a:extLst>
               <a:ext uri="{C183D7F6-B498-43B3-948B-1728B52AA6E4}">
                 <adec:decorative xmlns:adec="http://schemas.microsoft.com/office/drawing/2017/decorative" val="1"/>
@@ -11339,7 +11471,7 @@
       </p:sp>
       <p:sp>
         <p:nvSpPr>
-          <p:cNvPr id="96" name="Freeform 4">
+          <p:cNvPr id="98" name="Freeform 4">
             <a:extLst>
               <a:ext uri="{C183D7F6-B498-43B3-948B-1728B52AA6E4}">
                 <adec:decorative xmlns:adec="http://schemas.microsoft.com/office/drawing/2017/decorative" val="1"/>
@@ -11421,7 +11553,7 @@
       </p:sp>
       <p:sp>
         <p:nvSpPr>
-          <p:cNvPr id="97" name="PlaceHolder 1"/>
+          <p:cNvPr id="99" name="PlaceHolder 1"/>
           <p:cNvSpPr>
             <a:spLocks noGrp="1"/>
           </p:cNvSpPr>
@@ -11476,7 +11608,7 @@
       </p:sp>
       <p:sp>
         <p:nvSpPr>
-          <p:cNvPr id="98" name="PlaceHolder 2"/>
+          <p:cNvPr id="100" name="PlaceHolder 2"/>
           <p:cNvSpPr>
             <a:spLocks noGrp="1"/>
           </p:cNvSpPr>
@@ -11709,7 +11841,7 @@
       </p:grpSpPr>
       <p:sp>
         <p:nvSpPr>
-          <p:cNvPr id="99" name="Rectangle 22">
+          <p:cNvPr id="101" name="Rectangle 22">
             <a:extLst>
               <a:ext uri="{C183D7F6-B498-43B3-948B-1728B52AA6E4}">
                 <adec:decorative xmlns:adec="http://schemas.microsoft.com/office/drawing/2017/decorative" val="1"/>
@@ -11769,7 +11901,7 @@
       </p:sp>
       <p:sp>
         <p:nvSpPr>
-          <p:cNvPr id="100" name="Freeform 13">
+          <p:cNvPr id="102" name="Freeform 13">
             <a:extLst>
               <a:ext uri="{C183D7F6-B498-43B3-948B-1728B52AA6E4}">
                 <adec:decorative xmlns:adec="http://schemas.microsoft.com/office/drawing/2017/decorative" val="1"/>
@@ -11856,7 +11988,7 @@
       </p:sp>
       <p:sp>
         <p:nvSpPr>
-          <p:cNvPr id="101" name="Freeform 11">
+          <p:cNvPr id="103" name="Freeform 11">
             <a:extLst>
               <a:ext uri="{C183D7F6-B498-43B3-948B-1728B52AA6E4}">
                 <adec:decorative xmlns:adec="http://schemas.microsoft.com/office/drawing/2017/decorative" val="1"/>
@@ -11943,7 +12075,7 @@
       </p:sp>
       <p:sp>
         <p:nvSpPr>
-          <p:cNvPr id="102" name="PlaceHolder 1"/>
+          <p:cNvPr id="104" name="PlaceHolder 1"/>
           <p:cNvSpPr>
             <a:spLocks noGrp="1"/>
           </p:cNvSpPr>
@@ -11998,7 +12130,7 @@
       </p:sp>
       <p:sp>
         <p:nvSpPr>
-          <p:cNvPr id="103" name="PlaceHolder 2"/>
+          <p:cNvPr id="105" name="PlaceHolder 2"/>
           <p:cNvSpPr>
             <a:spLocks noGrp="1"/>
           </p:cNvSpPr>

--- a/presentation materials/PresentationPowerpoint.pptx
+++ b/presentation materials/PresentationPowerpoint.pptx
@@ -358,7 +358,7 @@
             <a:pPr indent="0" algn="r">
               <a:buNone/>
             </a:pPr>
-            <a:fld id="{EAF3072E-B119-438F-A73C-1367F049F475}" type="slidenum">
+            <a:fld id="{C33AAFDE-8BE8-456D-B181-1FD14C222365}" type="slidenum">
               <a:rPr b="0" lang="en-US" sz="1400" spc="-1" strike="noStrike">
                 <a:solidFill>
                   <a:srgbClr val="000000"/>
@@ -412,7 +412,7 @@
         <p:spPr>
           <a:xfrm>
             <a:off x="685800" y="1143000"/>
-            <a:ext cx="5485680" cy="3085560"/>
+            <a:ext cx="5485320" cy="3085200"/>
           </a:xfrm>
           <a:prstGeom prst="rect">
             <a:avLst/>
@@ -435,7 +435,7 @@
         <p:spPr>
           <a:xfrm>
             <a:off x="685800" y="4400640"/>
-            <a:ext cx="5485680" cy="3599640"/>
+            <a:ext cx="5485320" cy="3599280"/>
           </a:xfrm>
           <a:prstGeom prst="rect">
             <a:avLst/>
@@ -490,7 +490,7 @@
         <p:spPr>
           <a:xfrm>
             <a:off x="3884760" y="8685360"/>
-            <a:ext cx="2971080" cy="457920"/>
+            <a:ext cx="2970720" cy="457560"/>
           </a:xfrm>
           <a:prstGeom prst="rect">
             <a:avLst/>
@@ -531,7 +531,7 @@
                 <a:tab algn="l" pos="0"/>
               </a:tabLst>
             </a:pPr>
-            <a:fld id="{8A6BC161-565D-4464-82E9-31BEA0A3465E}" type="slidenum">
+            <a:fld id="{02712E60-A7B0-4F16-B7CF-935AF05B783C}" type="slidenum">
               <a:rPr b="0" lang="en-US" sz="1200" spc="-1" strike="noStrike">
                 <a:solidFill>
                   <a:srgbClr val="000000"/>
@@ -584,7 +584,7 @@
         <p:spPr>
           <a:xfrm>
             <a:off x="685800" y="1143000"/>
-            <a:ext cx="5485680" cy="3085560"/>
+            <a:ext cx="5485320" cy="3085200"/>
           </a:xfrm>
           <a:prstGeom prst="rect">
             <a:avLst/>
@@ -607,7 +607,7 @@
         <p:spPr>
           <a:xfrm>
             <a:off x="685800" y="4400640"/>
-            <a:ext cx="5485680" cy="3599640"/>
+            <a:ext cx="5485320" cy="3599280"/>
           </a:xfrm>
           <a:prstGeom prst="rect">
             <a:avLst/>
@@ -647,7 +647,7 @@
         <p:spPr>
           <a:xfrm>
             <a:off x="3884760" y="8685360"/>
-            <a:ext cx="2971080" cy="457920"/>
+            <a:ext cx="2970720" cy="457560"/>
           </a:xfrm>
           <a:prstGeom prst="rect">
             <a:avLst/>
@@ -688,7 +688,7 @@
                 <a:tab algn="l" pos="0"/>
               </a:tabLst>
             </a:pPr>
-            <a:fld id="{3BC0660B-E385-413D-AFDD-D9691323E19A}" type="slidenum">
+            <a:fld id="{301CE4F9-360F-40AC-B008-CDF61984B32F}" type="slidenum">
               <a:rPr b="0" lang="en-US" sz="1200" spc="-1" strike="noStrike">
                 <a:solidFill>
                   <a:srgbClr val="000000"/>
@@ -741,7 +741,7 @@
         <p:spPr>
           <a:xfrm>
             <a:off x="685800" y="1143000"/>
-            <a:ext cx="5485680" cy="3085560"/>
+            <a:ext cx="5485320" cy="3085200"/>
           </a:xfrm>
           <a:prstGeom prst="rect">
             <a:avLst/>
@@ -764,7 +764,7 @@
         <p:spPr>
           <a:xfrm>
             <a:off x="685800" y="4400640"/>
-            <a:ext cx="5485680" cy="3599640"/>
+            <a:ext cx="5485320" cy="3599280"/>
           </a:xfrm>
           <a:prstGeom prst="rect">
             <a:avLst/>
@@ -819,7 +819,7 @@
         <p:spPr>
           <a:xfrm>
             <a:off x="3884760" y="8685360"/>
-            <a:ext cx="2971080" cy="457920"/>
+            <a:ext cx="2970720" cy="457560"/>
           </a:xfrm>
           <a:prstGeom prst="rect">
             <a:avLst/>
@@ -860,7 +860,7 @@
                 <a:tab algn="l" pos="0"/>
               </a:tabLst>
             </a:pPr>
-            <a:fld id="{5AD2A47F-D947-4D39-B5E6-CD4744C7C905}" type="slidenum">
+            <a:fld id="{AF0E1D49-054D-43E3-A845-842810BDC40F}" type="slidenum">
               <a:rPr b="0" lang="en-US" sz="1200" spc="-1" strike="noStrike">
                 <a:solidFill>
                   <a:srgbClr val="000000"/>
@@ -913,7 +913,7 @@
         <p:spPr>
           <a:xfrm>
             <a:off x="685800" y="1143000"/>
-            <a:ext cx="5485680" cy="3085560"/>
+            <a:ext cx="5485320" cy="3085200"/>
           </a:xfrm>
           <a:prstGeom prst="rect">
             <a:avLst/>
@@ -936,7 +936,7 @@
         <p:spPr>
           <a:xfrm>
             <a:off x="685800" y="4400640"/>
-            <a:ext cx="5485680" cy="3599640"/>
+            <a:ext cx="5485320" cy="3599280"/>
           </a:xfrm>
           <a:prstGeom prst="rect">
             <a:avLst/>
@@ -991,7 +991,7 @@
         <p:spPr>
           <a:xfrm>
             <a:off x="3884760" y="8685360"/>
-            <a:ext cx="2971080" cy="457920"/>
+            <a:ext cx="2970720" cy="457560"/>
           </a:xfrm>
           <a:prstGeom prst="rect">
             <a:avLst/>
@@ -1032,7 +1032,7 @@
                 <a:tab algn="l" pos="0"/>
               </a:tabLst>
             </a:pPr>
-            <a:fld id="{8A1B33B1-916C-431A-99C5-CEBC2030ECD8}" type="slidenum">
+            <a:fld id="{4B778B89-EEBE-44FC-BE70-06A367B61FA7}" type="slidenum">
               <a:rPr b="0" lang="en-US" sz="1200" spc="-1" strike="noStrike">
                 <a:solidFill>
                   <a:srgbClr val="000000"/>
@@ -1085,7 +1085,7 @@
         <p:spPr>
           <a:xfrm>
             <a:off x="685800" y="1143000"/>
-            <a:ext cx="5485680" cy="3085560"/>
+            <a:ext cx="5485320" cy="3085200"/>
           </a:xfrm>
           <a:prstGeom prst="rect">
             <a:avLst/>
@@ -1108,7 +1108,7 @@
         <p:spPr>
           <a:xfrm>
             <a:off x="685800" y="4400640"/>
-            <a:ext cx="5485680" cy="3599640"/>
+            <a:ext cx="5485320" cy="3599280"/>
           </a:xfrm>
           <a:prstGeom prst="rect">
             <a:avLst/>
@@ -1163,7 +1163,7 @@
         <p:spPr>
           <a:xfrm>
             <a:off x="3884760" y="8685360"/>
-            <a:ext cx="2971080" cy="457920"/>
+            <a:ext cx="2970720" cy="457560"/>
           </a:xfrm>
           <a:prstGeom prst="rect">
             <a:avLst/>
@@ -1204,7 +1204,7 @@
                 <a:tab algn="l" pos="0"/>
               </a:tabLst>
             </a:pPr>
-            <a:fld id="{AFC1CB0F-E697-4F3A-AFE3-21648E5C7F87}" type="slidenum">
+            <a:fld id="{C4BFF842-F49A-4AFD-AC56-A42F7B6A48EF}" type="slidenum">
               <a:rPr b="0" lang="en-US" sz="1200" spc="-1" strike="noStrike">
                 <a:solidFill>
                   <a:srgbClr val="000000"/>
@@ -1257,7 +1257,7 @@
         <p:spPr>
           <a:xfrm>
             <a:off x="685800" y="1143000"/>
-            <a:ext cx="5485680" cy="3085560"/>
+            <a:ext cx="5485320" cy="3085200"/>
           </a:xfrm>
           <a:prstGeom prst="rect">
             <a:avLst/>
@@ -1280,7 +1280,7 @@
         <p:spPr>
           <a:xfrm>
             <a:off x="685800" y="4400640"/>
-            <a:ext cx="5485680" cy="3599640"/>
+            <a:ext cx="5485320" cy="3599280"/>
           </a:xfrm>
           <a:prstGeom prst="rect">
             <a:avLst/>
@@ -1335,7 +1335,7 @@
         <p:spPr>
           <a:xfrm>
             <a:off x="3884760" y="8685360"/>
-            <a:ext cx="2971080" cy="457920"/>
+            <a:ext cx="2970720" cy="457560"/>
           </a:xfrm>
           <a:prstGeom prst="rect">
             <a:avLst/>
@@ -1376,14 +1376,14 @@
                 <a:tab algn="l" pos="0"/>
               </a:tabLst>
             </a:pPr>
-            <a:fld id="{7CF42D5E-C373-440C-A4D1-8B3B7B447622}" type="slidenum">
+            <a:fld id="{6354B93B-71F4-4DD9-934D-575AD584C654}" type="slidenum">
               <a:rPr b="0" lang="en-US" sz="1200" spc="-1" strike="noStrike">
                 <a:solidFill>
                   <a:srgbClr val="000000"/>
                 </a:solidFill>
                 <a:latin typeface="Times New Roman"/>
               </a:rPr>
-              <a:t>&lt;number&gt;</a:t>
+              <a:t>10</a:t>
             </a:fld>
             <a:endParaRPr b="0" lang="en-US" sz="1200" spc="-1" strike="noStrike">
               <a:solidFill>
@@ -1429,7 +1429,7 @@
         <p:spPr>
           <a:xfrm>
             <a:off x="685800" y="1143000"/>
-            <a:ext cx="5485680" cy="3085560"/>
+            <a:ext cx="5485320" cy="3085200"/>
           </a:xfrm>
           <a:prstGeom prst="rect">
             <a:avLst/>
@@ -1452,7 +1452,7 @@
         <p:spPr>
           <a:xfrm>
             <a:off x="685800" y="4400640"/>
-            <a:ext cx="5485680" cy="3599640"/>
+            <a:ext cx="5485320" cy="3599280"/>
           </a:xfrm>
           <a:prstGeom prst="rect">
             <a:avLst/>
@@ -1507,7 +1507,7 @@
         <p:spPr>
           <a:xfrm>
             <a:off x="3884760" y="8685360"/>
-            <a:ext cx="2971080" cy="457920"/>
+            <a:ext cx="2970720" cy="457560"/>
           </a:xfrm>
           <a:prstGeom prst="rect">
             <a:avLst/>
@@ -1548,14 +1548,14 @@
                 <a:tab algn="l" pos="0"/>
               </a:tabLst>
             </a:pPr>
-            <a:fld id="{0ADF2B49-2CA1-4A02-8CCF-DFB868F1AF8E}" type="slidenum">
+            <a:fld id="{37BAA892-3016-4941-B6CA-1699CD754EE6}" type="slidenum">
               <a:rPr b="0" lang="en-US" sz="1200" spc="-1" strike="noStrike">
                 <a:solidFill>
                   <a:srgbClr val="000000"/>
                 </a:solidFill>
                 <a:latin typeface="Times New Roman"/>
               </a:rPr>
-              <a:t>&lt;number&gt;</a:t>
+              <a:t>10</a:t>
             </a:fld>
             <a:endParaRPr b="0" lang="en-US" sz="1200" spc="-1" strike="noStrike">
               <a:solidFill>
@@ -1601,7 +1601,7 @@
         <p:spPr>
           <a:xfrm>
             <a:off x="685800" y="1143000"/>
-            <a:ext cx="5485680" cy="3085560"/>
+            <a:ext cx="5485320" cy="3085200"/>
           </a:xfrm>
           <a:prstGeom prst="rect">
             <a:avLst/>
@@ -1624,7 +1624,7 @@
         <p:spPr>
           <a:xfrm>
             <a:off x="685800" y="4400640"/>
-            <a:ext cx="5485680" cy="3599640"/>
+            <a:ext cx="5485320" cy="3599280"/>
           </a:xfrm>
           <a:prstGeom prst="rect">
             <a:avLst/>
@@ -1679,7 +1679,7 @@
         <p:spPr>
           <a:xfrm>
             <a:off x="3884760" y="8685360"/>
-            <a:ext cx="2971080" cy="457920"/>
+            <a:ext cx="2970720" cy="457560"/>
           </a:xfrm>
           <a:prstGeom prst="rect">
             <a:avLst/>
@@ -1720,7 +1720,7 @@
                 <a:tab algn="l" pos="0"/>
               </a:tabLst>
             </a:pPr>
-            <a:fld id="{BCA86F56-1E15-4012-8063-FA588C5B5F24}" type="slidenum">
+            <a:fld id="{7D75B9A0-2DA5-4EBE-B1C4-60F68E999B6D}" type="slidenum">
               <a:rPr b="0" lang="en-US" sz="1200" spc="-1" strike="noStrike">
                 <a:solidFill>
                   <a:srgbClr val="000000"/>
@@ -1773,7 +1773,7 @@
         <p:spPr>
           <a:xfrm>
             <a:off x="685800" y="1143000"/>
-            <a:ext cx="5485680" cy="3085560"/>
+            <a:ext cx="5485320" cy="3085200"/>
           </a:xfrm>
           <a:prstGeom prst="rect">
             <a:avLst/>
@@ -1796,7 +1796,7 @@
         <p:spPr>
           <a:xfrm>
             <a:off x="685800" y="4400640"/>
-            <a:ext cx="5485680" cy="3599640"/>
+            <a:ext cx="5485320" cy="3599280"/>
           </a:xfrm>
           <a:prstGeom prst="rect">
             <a:avLst/>
@@ -1851,7 +1851,7 @@
         <p:spPr>
           <a:xfrm>
             <a:off x="3884760" y="8685360"/>
-            <a:ext cx="2971080" cy="457920"/>
+            <a:ext cx="2970720" cy="457560"/>
           </a:xfrm>
           <a:prstGeom prst="rect">
             <a:avLst/>
@@ -1892,7 +1892,7 @@
                 <a:tab algn="l" pos="0"/>
               </a:tabLst>
             </a:pPr>
-            <a:fld id="{AA8E2E55-582C-4A9B-9E35-DAF05C59B84B}" type="slidenum">
+            <a:fld id="{44A8A900-3985-4580-AA9D-AE4870EEFDDF}" type="slidenum">
               <a:rPr b="0" lang="en-US" sz="1200" spc="-1" strike="noStrike">
                 <a:solidFill>
                   <a:srgbClr val="000000"/>
@@ -1945,7 +1945,7 @@
         <p:spPr>
           <a:xfrm>
             <a:off x="838080" y="365040"/>
-            <a:ext cx="10514880" cy="1324800"/>
+            <a:ext cx="10514520" cy="1324440"/>
           </a:xfrm>
           <a:prstGeom prst="rect">
             <a:avLst/>
@@ -1985,7 +1985,7 @@
         <p:spPr>
           <a:xfrm>
             <a:off x="838080" y="1825560"/>
-            <a:ext cx="10514880" cy="4350600"/>
+            <a:ext cx="10514520" cy="4350240"/>
           </a:xfrm>
           <a:prstGeom prst="rect">
             <a:avLst/>
@@ -2046,7 +2046,7 @@
         <p:txBody>
           <a:bodyPr/>
           <a:p>
-            <a:fld id="{60049664-7324-4D05-B4DD-A09E3CFE99D9}" type="slidenum">
+            <a:fld id="{9F72D443-6A7C-4A7C-8F00-548D8B573369}" type="slidenum">
               <a:t>&lt;#&gt;</a:t>
             </a:fld>
           </a:p>
@@ -2129,7 +2129,7 @@
         <p:txBody>
           <a:bodyPr/>
           <a:p>
-            <a:fld id="{30AED402-E7B2-47B4-B491-135BF9A52187}" type="slidenum">
+            <a:fld id="{9A0A55EC-45FB-4C3A-945C-58A0C3BC828E}" type="slidenum">
               <a:t>&lt;#&gt;</a:t>
             </a:fld>
           </a:p>
@@ -2212,7 +2212,7 @@
         <p:txBody>
           <a:bodyPr/>
           <a:p>
-            <a:fld id="{A7E54C11-493B-4BE5-9BE8-7681C4439D1E}" type="slidenum">
+            <a:fld id="{7E501133-342C-4530-9550-9FE412CA6C15}" type="slidenum">
               <a:t>&lt;#&gt;</a:t>
             </a:fld>
           </a:p>
@@ -2295,7 +2295,7 @@
         <p:txBody>
           <a:bodyPr/>
           <a:p>
-            <a:fld id="{8774915A-E406-41C0-B544-E7F4BF68B96C}" type="slidenum">
+            <a:fld id="{217B594A-3707-42F9-8801-7CA4F0E86C1C}" type="slidenum">
               <a:t>&lt;#&gt;</a:t>
             </a:fld>
           </a:p>
@@ -2378,7 +2378,7 @@
         <p:txBody>
           <a:bodyPr/>
           <a:p>
-            <a:fld id="{873C6283-3BEA-4F1A-868E-0C8C43072946}" type="slidenum">
+            <a:fld id="{FF93B56F-725D-4F9E-9A54-98403E510E06}" type="slidenum">
               <a:t>&lt;#&gt;</a:t>
             </a:fld>
           </a:p>
@@ -2440,7 +2440,7 @@
         <p:spPr>
           <a:xfrm>
             <a:off x="838080" y="365040"/>
-            <a:ext cx="10514880" cy="1324800"/>
+            <a:ext cx="10514520" cy="1324440"/>
           </a:xfrm>
           <a:prstGeom prst="rect">
             <a:avLst/>
@@ -2480,7 +2480,7 @@
         <p:spPr>
           <a:xfrm>
             <a:off x="838080" y="1825560"/>
-            <a:ext cx="10514880" cy="4350600"/>
+            <a:ext cx="10514520" cy="4350240"/>
           </a:xfrm>
           <a:prstGeom prst="rect">
             <a:avLst/>
@@ -2544,7 +2544,7 @@
         <p:txBody>
           <a:bodyPr/>
           <a:p>
-            <a:fld id="{5E930410-567B-4511-92C5-383029EAEF46}" type="slidenum">
+            <a:fld id="{0110C037-892E-4855-9C6D-572EF4A30C47}" type="slidenum">
               <a:t>&lt;#&gt;</a:t>
             </a:fld>
           </a:p>
@@ -2627,7 +2627,7 @@
         <p:txBody>
           <a:bodyPr/>
           <a:p>
-            <a:fld id="{D6FD7235-544F-4360-904E-0A45FF0BBED0}" type="slidenum">
+            <a:fld id="{8147756C-FDA9-49C5-B0A0-1E943E7C8EB0}" type="slidenum">
               <a:t>&lt;#&gt;</a:t>
             </a:fld>
           </a:p>
@@ -2689,7 +2689,7 @@
         <p:spPr>
           <a:xfrm>
             <a:off x="838080" y="365040"/>
-            <a:ext cx="10514880" cy="1324800"/>
+            <a:ext cx="10514520" cy="1324440"/>
           </a:xfrm>
           <a:prstGeom prst="rect">
             <a:avLst/>
@@ -2729,7 +2729,7 @@
         <p:spPr>
           <a:xfrm>
             <a:off x="838080" y="1825560"/>
-            <a:ext cx="5131080" cy="4350600"/>
+            <a:ext cx="5131080" cy="4350240"/>
           </a:xfrm>
           <a:prstGeom prst="rect">
             <a:avLst/>
@@ -2772,7 +2772,7 @@
         <p:spPr>
           <a:xfrm>
             <a:off x="6226200" y="1825560"/>
-            <a:ext cx="5131080" cy="4350600"/>
+            <a:ext cx="5131080" cy="4350240"/>
           </a:xfrm>
           <a:prstGeom prst="rect">
             <a:avLst/>
@@ -2836,7 +2836,7 @@
         <p:txBody>
           <a:bodyPr/>
           <a:p>
-            <a:fld id="{377FFDD5-68A1-4728-9EA9-D32D521B3C8C}" type="slidenum">
+            <a:fld id="{0DEC1201-B528-4D59-9646-B5E10256560B}" type="slidenum">
               <a:t>&lt;#&gt;</a:t>
             </a:fld>
           </a:p>
@@ -2919,7 +2919,7 @@
         <p:txBody>
           <a:bodyPr/>
           <a:p>
-            <a:fld id="{ABBAB018-EC1D-445F-8D57-604AA5CF7032}" type="slidenum">
+            <a:fld id="{35F704C2-6B1D-461E-9D9B-1786C7F92FDE}" type="slidenum">
               <a:t>&lt;#&gt;</a:t>
             </a:fld>
           </a:p>
@@ -2981,7 +2981,7 @@
         <p:spPr>
           <a:xfrm>
             <a:off x="838080" y="365040"/>
-            <a:ext cx="10514880" cy="1324800"/>
+            <a:ext cx="10514520" cy="1324440"/>
           </a:xfrm>
           <a:prstGeom prst="rect">
             <a:avLst/>
@@ -3042,7 +3042,7 @@
         <p:txBody>
           <a:bodyPr/>
           <a:p>
-            <a:fld id="{173ECEA2-74CB-4B3C-B57B-6E2771509632}" type="slidenum">
+            <a:fld id="{AA37DF27-4D82-4BAA-90F3-90EDED316570}" type="slidenum">
               <a:t>&lt;#&gt;</a:t>
             </a:fld>
           </a:p>
@@ -3125,7 +3125,7 @@
         <p:txBody>
           <a:bodyPr/>
           <a:p>
-            <a:fld id="{A40D0E68-7488-4A60-B6DE-08814602A1D0}" type="slidenum">
+            <a:fld id="{31D4F016-3884-43B5-92E6-0F91DF24205E}" type="slidenum">
               <a:t>&lt;#&gt;</a:t>
             </a:fld>
           </a:p>
@@ -3194,7 +3194,7 @@
         <p:spPr>
           <a:xfrm>
             <a:off x="838080" y="365040"/>
-            <a:ext cx="10514880" cy="1324800"/>
+            <a:ext cx="10514520" cy="1324440"/>
           </a:xfrm>
           <a:prstGeom prst="rect">
             <a:avLst/>
@@ -3243,7 +3243,7 @@
         <p:spPr>
           <a:xfrm>
             <a:off x="4038480" y="6356520"/>
-            <a:ext cx="4114080" cy="364320"/>
+            <a:ext cx="4113720" cy="363960"/>
           </a:xfrm>
           <a:prstGeom prst="rect">
             <a:avLst/>
@@ -3315,7 +3315,7 @@
         <p:spPr>
           <a:xfrm>
             <a:off x="8610480" y="6356520"/>
-            <a:ext cx="2742480" cy="364320"/>
+            <a:ext cx="2742120" cy="363960"/>
           </a:xfrm>
           <a:prstGeom prst="rect">
             <a:avLst/>
@@ -3358,7 +3358,7 @@
                 <a:tab algn="l" pos="0"/>
               </a:tabLst>
             </a:pPr>
-            <a:fld id="{7DF7C1C5-A062-4775-948F-4DF97A38293C}" type="slidenum">
+            <a:fld id="{C3BC63B1-ACE6-4E09-88C3-0B660678E71D}" type="slidenum">
               <a:rPr b="0" lang="en-US" sz="1200" spc="-1" strike="noStrike">
                 <a:solidFill>
                   <a:schemeClr val="dk1">
@@ -3391,7 +3391,7 @@
         <p:spPr>
           <a:xfrm>
             <a:off x="838080" y="6356520"/>
-            <a:ext cx="2742480" cy="364320"/>
+            <a:ext cx="2742120" cy="363960"/>
           </a:xfrm>
           <a:prstGeom prst="rect">
             <a:avLst/>
@@ -3709,7 +3709,7 @@
         <p:spPr>
           <a:xfrm>
             <a:off x="4038480" y="6356520"/>
-            <a:ext cx="4114080" cy="364320"/>
+            <a:ext cx="4113720" cy="363960"/>
           </a:xfrm>
           <a:prstGeom prst="rect">
             <a:avLst/>
@@ -3781,7 +3781,7 @@
         <p:spPr>
           <a:xfrm>
             <a:off x="8610480" y="6356520"/>
-            <a:ext cx="2742480" cy="364320"/>
+            <a:ext cx="2742120" cy="363960"/>
           </a:xfrm>
           <a:prstGeom prst="rect">
             <a:avLst/>
@@ -3824,7 +3824,7 @@
                 <a:tab algn="l" pos="0"/>
               </a:tabLst>
             </a:pPr>
-            <a:fld id="{4BE19A04-F53C-4BE3-A720-2074A3E8D53B}" type="slidenum">
+            <a:fld id="{27CA4316-72CA-4357-8E5D-EAB650352713}" type="slidenum">
               <a:rPr b="0" lang="en-US" sz="1200" spc="-1" strike="noStrike">
                 <a:solidFill>
                   <a:schemeClr val="dk1">
@@ -3857,7 +3857,7 @@
         <p:spPr>
           <a:xfrm>
             <a:off x="838080" y="6356520"/>
-            <a:ext cx="2742480" cy="364320"/>
+            <a:ext cx="2742120" cy="363960"/>
           </a:xfrm>
           <a:prstGeom prst="rect">
             <a:avLst/>
@@ -3950,7 +3950,7 @@
         <p:spPr>
           <a:xfrm>
             <a:off x="4038480" y="6356520"/>
-            <a:ext cx="4114080" cy="364320"/>
+            <a:ext cx="4113720" cy="363960"/>
           </a:xfrm>
           <a:prstGeom prst="rect">
             <a:avLst/>
@@ -4022,7 +4022,7 @@
         <p:spPr>
           <a:xfrm>
             <a:off x="8610480" y="6356520"/>
-            <a:ext cx="2742480" cy="364320"/>
+            <a:ext cx="2742120" cy="363960"/>
           </a:xfrm>
           <a:prstGeom prst="rect">
             <a:avLst/>
@@ -4065,7 +4065,7 @@
                 <a:tab algn="l" pos="0"/>
               </a:tabLst>
             </a:pPr>
-            <a:fld id="{AFD0DBBB-778A-4ED0-9EE3-8AC158C231A8}" type="slidenum">
+            <a:fld id="{6D08E9D1-B03D-4EAD-967A-96D92C673A41}" type="slidenum">
               <a:rPr b="0" lang="en-US" sz="1200" spc="-1" strike="noStrike">
                 <a:solidFill>
                   <a:schemeClr val="dk1">
@@ -4098,7 +4098,7 @@
         <p:spPr>
           <a:xfrm>
             <a:off x="838080" y="6356520"/>
-            <a:ext cx="2742480" cy="364320"/>
+            <a:ext cx="2742120" cy="363960"/>
           </a:xfrm>
           <a:prstGeom prst="rect">
             <a:avLst/>
@@ -4191,7 +4191,7 @@
         <p:spPr>
           <a:xfrm>
             <a:off x="4038480" y="6356520"/>
-            <a:ext cx="4114080" cy="364320"/>
+            <a:ext cx="4113720" cy="363960"/>
           </a:xfrm>
           <a:prstGeom prst="rect">
             <a:avLst/>
@@ -4263,7 +4263,7 @@
         <p:spPr>
           <a:xfrm>
             <a:off x="8610480" y="6356520"/>
-            <a:ext cx="2742480" cy="364320"/>
+            <a:ext cx="2742120" cy="363960"/>
           </a:xfrm>
           <a:prstGeom prst="rect">
             <a:avLst/>
@@ -4306,7 +4306,7 @@
                 <a:tab algn="l" pos="0"/>
               </a:tabLst>
             </a:pPr>
-            <a:fld id="{3162C502-755C-4A33-A075-4AFA72039BEF}" type="slidenum">
+            <a:fld id="{E2ED0188-51EB-4DEF-8637-A4401D4E6ACB}" type="slidenum">
               <a:rPr b="0" lang="en-US" sz="1200" spc="-1" strike="noStrike">
                 <a:solidFill>
                   <a:schemeClr val="dk1">
@@ -4339,7 +4339,7 @@
         <p:spPr>
           <a:xfrm>
             <a:off x="838080" y="6356520"/>
-            <a:ext cx="2742480" cy="364320"/>
+            <a:ext cx="2742120" cy="363960"/>
           </a:xfrm>
           <a:prstGeom prst="rect">
             <a:avLst/>
@@ -4432,7 +4432,7 @@
         <p:spPr>
           <a:xfrm>
             <a:off x="4038480" y="6356520"/>
-            <a:ext cx="4114080" cy="364320"/>
+            <a:ext cx="4113720" cy="363960"/>
           </a:xfrm>
           <a:prstGeom prst="rect">
             <a:avLst/>
@@ -4504,7 +4504,7 @@
         <p:spPr>
           <a:xfrm>
             <a:off x="8610480" y="6356520"/>
-            <a:ext cx="2742480" cy="364320"/>
+            <a:ext cx="2742120" cy="363960"/>
           </a:xfrm>
           <a:prstGeom prst="rect">
             <a:avLst/>
@@ -4547,7 +4547,7 @@
                 <a:tab algn="l" pos="0"/>
               </a:tabLst>
             </a:pPr>
-            <a:fld id="{05DF509A-5BC7-487E-A0EB-34A37A3F526F}" type="slidenum">
+            <a:fld id="{C1D33613-4BDF-4C5A-A7F7-B85DE006EFFB}" type="slidenum">
               <a:rPr b="0" lang="en-US" sz="1200" spc="-1" strike="noStrike">
                 <a:solidFill>
                   <a:schemeClr val="dk1">
@@ -4580,7 +4580,7 @@
         <p:spPr>
           <a:xfrm>
             <a:off x="838080" y="6356520"/>
-            <a:ext cx="2742480" cy="364320"/>
+            <a:ext cx="2742120" cy="363960"/>
           </a:xfrm>
           <a:prstGeom prst="rect">
             <a:avLst/>
@@ -4673,7 +4673,7 @@
         <p:spPr>
           <a:xfrm>
             <a:off x="838080" y="365040"/>
-            <a:ext cx="10514880" cy="1324800"/>
+            <a:ext cx="10514520" cy="1324440"/>
           </a:xfrm>
           <a:prstGeom prst="rect">
             <a:avLst/>
@@ -4722,7 +4722,7 @@
         <p:spPr>
           <a:xfrm>
             <a:off x="838080" y="1825560"/>
-            <a:ext cx="10514880" cy="4350600"/>
+            <a:ext cx="10514520" cy="4350240"/>
           </a:xfrm>
           <a:prstGeom prst="rect">
             <a:avLst/>
@@ -4947,7 +4947,7 @@
         <p:spPr>
           <a:xfrm>
             <a:off x="4038480" y="6356520"/>
-            <a:ext cx="4114080" cy="364320"/>
+            <a:ext cx="4113720" cy="363960"/>
           </a:xfrm>
           <a:prstGeom prst="rect">
             <a:avLst/>
@@ -5019,7 +5019,7 @@
         <p:spPr>
           <a:xfrm>
             <a:off x="8610480" y="6356520"/>
-            <a:ext cx="2742480" cy="364320"/>
+            <a:ext cx="2742120" cy="363960"/>
           </a:xfrm>
           <a:prstGeom prst="rect">
             <a:avLst/>
@@ -5062,7 +5062,7 @@
                 <a:tab algn="l" pos="0"/>
               </a:tabLst>
             </a:pPr>
-            <a:fld id="{A1B6697C-0BEC-4F00-AFBA-932CB171D6A5}" type="slidenum">
+            <a:fld id="{2792E95A-D8AB-48F4-ABF3-1F1AFCED32B7}" type="slidenum">
               <a:rPr b="0" lang="en-US" sz="1200" spc="-1" strike="noStrike">
                 <a:solidFill>
                   <a:schemeClr val="dk1">
@@ -5095,7 +5095,7 @@
         <p:spPr>
           <a:xfrm>
             <a:off x="838080" y="6356520"/>
-            <a:ext cx="2742480" cy="364320"/>
+            <a:ext cx="2742120" cy="363960"/>
           </a:xfrm>
           <a:prstGeom prst="rect">
             <a:avLst/>
@@ -5188,7 +5188,7 @@
         <p:spPr>
           <a:xfrm>
             <a:off x="4038480" y="6356520"/>
-            <a:ext cx="4114080" cy="364320"/>
+            <a:ext cx="4113720" cy="363960"/>
           </a:xfrm>
           <a:prstGeom prst="rect">
             <a:avLst/>
@@ -5260,7 +5260,7 @@
         <p:spPr>
           <a:xfrm>
             <a:off x="8610480" y="6356520"/>
-            <a:ext cx="2742480" cy="364320"/>
+            <a:ext cx="2742120" cy="363960"/>
           </a:xfrm>
           <a:prstGeom prst="rect">
             <a:avLst/>
@@ -5303,7 +5303,7 @@
                 <a:tab algn="l" pos="0"/>
               </a:tabLst>
             </a:pPr>
-            <a:fld id="{8F4A93A1-E25A-48F1-A691-7DF5D624A2F2}" type="slidenum">
+            <a:fld id="{AC2A8F2F-B8F8-45C7-9625-02660F00B79C}" type="slidenum">
               <a:rPr b="0" lang="en-US" sz="1200" spc="-1" strike="noStrike">
                 <a:solidFill>
                   <a:schemeClr val="dk1">
@@ -5336,7 +5336,7 @@
         <p:spPr>
           <a:xfrm>
             <a:off x="838080" y="6356520"/>
-            <a:ext cx="2742480" cy="364320"/>
+            <a:ext cx="2742120" cy="363960"/>
           </a:xfrm>
           <a:prstGeom prst="rect">
             <a:avLst/>
@@ -5429,7 +5429,7 @@
         <p:spPr>
           <a:xfrm>
             <a:off x="838080" y="365040"/>
-            <a:ext cx="10514880" cy="1324800"/>
+            <a:ext cx="10514520" cy="1324440"/>
           </a:xfrm>
           <a:prstGeom prst="rect">
             <a:avLst/>
@@ -5478,7 +5478,7 @@
         <p:spPr>
           <a:xfrm>
             <a:off x="838080" y="1825560"/>
-            <a:ext cx="5130720" cy="4350600"/>
+            <a:ext cx="5130720" cy="4350240"/>
           </a:xfrm>
           <a:prstGeom prst="rect">
             <a:avLst/>
@@ -5703,7 +5703,7 @@
         <p:spPr>
           <a:xfrm>
             <a:off x="6226200" y="1825560"/>
-            <a:ext cx="5130720" cy="4350600"/>
+            <a:ext cx="5130720" cy="4350240"/>
           </a:xfrm>
           <a:prstGeom prst="rect">
             <a:avLst/>
@@ -5928,7 +5928,7 @@
         <p:spPr>
           <a:xfrm>
             <a:off x="4038480" y="6356520"/>
-            <a:ext cx="4114080" cy="364320"/>
+            <a:ext cx="4113720" cy="363960"/>
           </a:xfrm>
           <a:prstGeom prst="rect">
             <a:avLst/>
@@ -6000,7 +6000,7 @@
         <p:spPr>
           <a:xfrm>
             <a:off x="8610480" y="6356520"/>
-            <a:ext cx="2742480" cy="364320"/>
+            <a:ext cx="2742120" cy="363960"/>
           </a:xfrm>
           <a:prstGeom prst="rect">
             <a:avLst/>
@@ -6043,7 +6043,7 @@
                 <a:tab algn="l" pos="0"/>
               </a:tabLst>
             </a:pPr>
-            <a:fld id="{7ED1BCF5-591C-4DAD-BAA6-9E8BDAA80D0F}" type="slidenum">
+            <a:fld id="{10A4AB47-254A-4221-9B59-00B3177B23C3}" type="slidenum">
               <a:rPr b="0" lang="en-US" sz="1200" spc="-1" strike="noStrike">
                 <a:solidFill>
                   <a:schemeClr val="dk1">
@@ -6076,7 +6076,7 @@
         <p:spPr>
           <a:xfrm>
             <a:off x="838080" y="6356520"/>
-            <a:ext cx="2742480" cy="364320"/>
+            <a:ext cx="2742120" cy="363960"/>
           </a:xfrm>
           <a:prstGeom prst="rect">
             <a:avLst/>
@@ -6169,7 +6169,7 @@
         <p:spPr>
           <a:xfrm>
             <a:off x="4038480" y="6356520"/>
-            <a:ext cx="4114080" cy="364320"/>
+            <a:ext cx="4113720" cy="363960"/>
           </a:xfrm>
           <a:prstGeom prst="rect">
             <a:avLst/>
@@ -6241,7 +6241,7 @@
         <p:spPr>
           <a:xfrm>
             <a:off x="8610480" y="6356520"/>
-            <a:ext cx="2742480" cy="364320"/>
+            <a:ext cx="2742120" cy="363960"/>
           </a:xfrm>
           <a:prstGeom prst="rect">
             <a:avLst/>
@@ -6284,7 +6284,7 @@
                 <a:tab algn="l" pos="0"/>
               </a:tabLst>
             </a:pPr>
-            <a:fld id="{82659FB9-DB7E-4F36-AB9F-04DCB8868878}" type="slidenum">
+            <a:fld id="{493E060B-63A4-4D94-9A98-D197AFF32CE7}" type="slidenum">
               <a:rPr b="0" lang="en-US" sz="1200" spc="-1" strike="noStrike">
                 <a:solidFill>
                   <a:schemeClr val="dk1">
@@ -6317,7 +6317,7 @@
         <p:spPr>
           <a:xfrm>
             <a:off x="838080" y="6356520"/>
-            <a:ext cx="2742480" cy="364320"/>
+            <a:ext cx="2742120" cy="363960"/>
           </a:xfrm>
           <a:prstGeom prst="rect">
             <a:avLst/>
@@ -6410,7 +6410,7 @@
         <p:spPr>
           <a:xfrm>
             <a:off x="838080" y="365040"/>
-            <a:ext cx="10514880" cy="1324800"/>
+            <a:ext cx="10514520" cy="1324440"/>
           </a:xfrm>
           <a:prstGeom prst="rect">
             <a:avLst/>
@@ -6459,7 +6459,7 @@
         <p:spPr>
           <a:xfrm>
             <a:off x="4038480" y="6356520"/>
-            <a:ext cx="4114080" cy="364320"/>
+            <a:ext cx="4113720" cy="363960"/>
           </a:xfrm>
           <a:prstGeom prst="rect">
             <a:avLst/>
@@ -6531,7 +6531,7 @@
         <p:spPr>
           <a:xfrm>
             <a:off x="8610480" y="6356520"/>
-            <a:ext cx="2742480" cy="364320"/>
+            <a:ext cx="2742120" cy="363960"/>
           </a:xfrm>
           <a:prstGeom prst="rect">
             <a:avLst/>
@@ -6574,7 +6574,7 @@
                 <a:tab algn="l" pos="0"/>
               </a:tabLst>
             </a:pPr>
-            <a:fld id="{9D95A6DF-4CDF-4922-81BC-402583E9CA92}" type="slidenum">
+            <a:fld id="{096DE5A7-E28C-4C00-A19B-20C651A18698}" type="slidenum">
               <a:rPr b="0" lang="en-US" sz="1200" spc="-1" strike="noStrike">
                 <a:solidFill>
                   <a:schemeClr val="dk1">
@@ -6607,7 +6607,7 @@
         <p:spPr>
           <a:xfrm>
             <a:off x="838080" y="6356520"/>
-            <a:ext cx="2742480" cy="364320"/>
+            <a:ext cx="2742120" cy="363960"/>
           </a:xfrm>
           <a:prstGeom prst="rect">
             <a:avLst/>
@@ -6700,7 +6700,7 @@
         <p:spPr>
           <a:xfrm>
             <a:off x="4038480" y="6356520"/>
-            <a:ext cx="4114080" cy="364320"/>
+            <a:ext cx="4113720" cy="363960"/>
           </a:xfrm>
           <a:prstGeom prst="rect">
             <a:avLst/>
@@ -6772,7 +6772,7 @@
         <p:spPr>
           <a:xfrm>
             <a:off x="8610480" y="6356520"/>
-            <a:ext cx="2742480" cy="364320"/>
+            <a:ext cx="2742120" cy="363960"/>
           </a:xfrm>
           <a:prstGeom prst="rect">
             <a:avLst/>
@@ -6815,7 +6815,7 @@
                 <a:tab algn="l" pos="0"/>
               </a:tabLst>
             </a:pPr>
-            <a:fld id="{20935230-3E8D-40C8-B931-C22BB5EAF6D7}" type="slidenum">
+            <a:fld id="{565BB02B-DC69-4065-9D49-D59ED36D3EAB}" type="slidenum">
               <a:rPr b="0" lang="en-US" sz="1200" spc="-1" strike="noStrike">
                 <a:solidFill>
                   <a:schemeClr val="dk1">
@@ -6848,7 +6848,7 @@
         <p:spPr>
           <a:xfrm>
             <a:off x="838080" y="6356520"/>
-            <a:ext cx="2742480" cy="364320"/>
+            <a:ext cx="2742120" cy="363960"/>
           </a:xfrm>
           <a:prstGeom prst="rect">
             <a:avLst/>
@@ -6943,7 +6943,7 @@
         <p:spPr>
           <a:xfrm>
             <a:off x="0" y="0"/>
-            <a:ext cx="12191400" cy="6857280"/>
+            <a:ext cx="12191040" cy="6856920"/>
           </a:xfrm>
           <a:prstGeom prst="rect">
             <a:avLst/>
@@ -6999,7 +6999,7 @@
         <p:spPr>
           <a:xfrm>
             <a:off x="0" y="0"/>
-            <a:ext cx="12191400" cy="6857280"/>
+            <a:ext cx="12191040" cy="6856920"/>
           </a:xfrm>
           <a:prstGeom prst="rect">
             <a:avLst/>
@@ -7023,8 +7023,8 @@
         </p:nvSpPr>
         <p:spPr>
           <a:xfrm rot="16200000">
-            <a:off x="3799440" y="-1523160"/>
-            <a:ext cx="4591440" cy="12191400"/>
+            <a:off x="3799080" y="-1522440"/>
+            <a:ext cx="4591080" cy="12191040"/>
           </a:xfrm>
           <a:prstGeom prst="rect">
             <a:avLst/>
@@ -7104,7 +7104,7 @@
         <p:spPr>
           <a:xfrm>
             <a:off x="404640" y="3092040"/>
-            <a:ext cx="9077760" cy="2386800"/>
+            <a:ext cx="9077400" cy="2386440"/>
           </a:xfrm>
           <a:prstGeom prst="rect">
             <a:avLst/>
@@ -7173,7 +7173,7 @@
         <p:spPr>
           <a:xfrm>
             <a:off x="0" y="5574960"/>
-            <a:ext cx="9785160" cy="685080"/>
+            <a:ext cx="9784800" cy="684720"/>
           </a:xfrm>
           <a:prstGeom prst="roundRect">
             <a:avLst>
@@ -7233,7 +7233,7 @@
         <p:spPr>
           <a:xfrm>
             <a:off x="404640" y="5625000"/>
-            <a:ext cx="9077760" cy="592200"/>
+            <a:ext cx="9077400" cy="591840"/>
           </a:xfrm>
           <a:prstGeom prst="rect">
             <a:avLst/>
@@ -7461,7 +7461,7 @@
         <p:spPr>
           <a:xfrm>
             <a:off x="0" y="-3240"/>
-            <a:ext cx="12191400" cy="6860520"/>
+            <a:ext cx="12191040" cy="6860160"/>
           </a:xfrm>
           <a:prstGeom prst="rect">
             <a:avLst/>
@@ -7521,15 +7521,15 @@
         <p:spPr>
           <a:xfrm>
             <a:off x="0" y="0"/>
-            <a:ext cx="11786040" cy="6857280"/>
+            <a:ext cx="11785680" cy="6856920"/>
           </a:xfrm>
           <a:custGeom>
             <a:avLst/>
             <a:gdLst>
-              <a:gd name="textAreaLeft" fmla="*/ 0 w 11786040"/>
-              <a:gd name="textAreaRight" fmla="*/ 11786760 w 11786040"/>
-              <a:gd name="textAreaTop" fmla="*/ 0 h 6857280"/>
-              <a:gd name="textAreaBottom" fmla="*/ 6858000 h 6857280"/>
+              <a:gd name="textAreaLeft" fmla="*/ 0 w 11785680"/>
+              <a:gd name="textAreaRight" fmla="*/ 11786760 w 11785680"/>
+              <a:gd name="textAreaTop" fmla="*/ 0 h 6856920"/>
+              <a:gd name="textAreaBottom" fmla="*/ 6858000 h 6856920"/>
             </a:gdLst>
             <a:ahLst/>
             <a:rect l="textAreaLeft" t="textAreaTop" r="textAreaRight" b="textAreaBottom"/>
@@ -7608,15 +7608,15 @@
         <p:spPr>
           <a:xfrm>
             <a:off x="0" y="0"/>
-            <a:ext cx="3580560" cy="6857280"/>
+            <a:ext cx="3580200" cy="6856920"/>
           </a:xfrm>
           <a:custGeom>
             <a:avLst/>
             <a:gdLst>
-              <a:gd name="textAreaLeft" fmla="*/ 0 w 3580560"/>
-              <a:gd name="textAreaRight" fmla="*/ 3581280 w 3580560"/>
-              <a:gd name="textAreaTop" fmla="*/ 0 h 6857280"/>
-              <a:gd name="textAreaBottom" fmla="*/ 6858000 h 6857280"/>
+              <a:gd name="textAreaLeft" fmla="*/ 0 w 3580200"/>
+              <a:gd name="textAreaRight" fmla="*/ 3581280 w 3580200"/>
+              <a:gd name="textAreaTop" fmla="*/ 0 h 6856920"/>
+              <a:gd name="textAreaBottom" fmla="*/ 6858000 h 6856920"/>
             </a:gdLst>
             <a:ahLst/>
             <a:rect l="textAreaLeft" t="textAreaTop" r="textAreaRight" b="textAreaBottom"/>
@@ -7693,7 +7693,7 @@
         <p:spPr>
           <a:xfrm>
             <a:off x="838080" y="365040"/>
-            <a:ext cx="10514880" cy="1324800"/>
+            <a:ext cx="10514520" cy="1324440"/>
           </a:xfrm>
           <a:prstGeom prst="rect">
             <a:avLst/>
@@ -7748,7 +7748,7 @@
         <p:spPr>
           <a:xfrm>
             <a:off x="838080" y="2010960"/>
-            <a:ext cx="10514880" cy="4165560"/>
+            <a:ext cx="10514520" cy="4165200"/>
           </a:xfrm>
           <a:prstGeom prst="rect">
             <a:avLst/>
@@ -7830,7 +7830,7 @@
         <p:spPr>
           <a:xfrm>
             <a:off x="0" y="-3240"/>
-            <a:ext cx="12191400" cy="6860520"/>
+            <a:ext cx="12191040" cy="6860160"/>
           </a:xfrm>
           <a:prstGeom prst="rect">
             <a:avLst/>
@@ -7890,15 +7890,15 @@
         <p:spPr>
           <a:xfrm>
             <a:off x="0" y="0"/>
-            <a:ext cx="11786040" cy="6857280"/>
+            <a:ext cx="11785680" cy="6856920"/>
           </a:xfrm>
           <a:custGeom>
             <a:avLst/>
             <a:gdLst>
-              <a:gd name="textAreaLeft" fmla="*/ 0 w 11786040"/>
-              <a:gd name="textAreaRight" fmla="*/ 11786760 w 11786040"/>
-              <a:gd name="textAreaTop" fmla="*/ 0 h 6857280"/>
-              <a:gd name="textAreaBottom" fmla="*/ 6858000 h 6857280"/>
+              <a:gd name="textAreaLeft" fmla="*/ 0 w 11785680"/>
+              <a:gd name="textAreaRight" fmla="*/ 11786760 w 11785680"/>
+              <a:gd name="textAreaTop" fmla="*/ 0 h 6856920"/>
+              <a:gd name="textAreaBottom" fmla="*/ 6858000 h 6856920"/>
             </a:gdLst>
             <a:ahLst/>
             <a:rect l="textAreaLeft" t="textAreaTop" r="textAreaRight" b="textAreaBottom"/>
@@ -7977,15 +7977,15 @@
         <p:spPr>
           <a:xfrm>
             <a:off x="0" y="0"/>
-            <a:ext cx="3580560" cy="6857280"/>
+            <a:ext cx="3580200" cy="6856920"/>
           </a:xfrm>
           <a:custGeom>
             <a:avLst/>
             <a:gdLst>
-              <a:gd name="textAreaLeft" fmla="*/ 0 w 3580560"/>
-              <a:gd name="textAreaRight" fmla="*/ 3581280 w 3580560"/>
-              <a:gd name="textAreaTop" fmla="*/ 0 h 6857280"/>
-              <a:gd name="textAreaBottom" fmla="*/ 6858000 h 6857280"/>
+              <a:gd name="textAreaLeft" fmla="*/ 0 w 3580200"/>
+              <a:gd name="textAreaRight" fmla="*/ 3581280 w 3580200"/>
+              <a:gd name="textAreaTop" fmla="*/ 0 h 6856920"/>
+              <a:gd name="textAreaBottom" fmla="*/ 6858000 h 6856920"/>
             </a:gdLst>
             <a:ahLst/>
             <a:rect l="textAreaLeft" t="textAreaTop" r="textAreaRight" b="textAreaBottom"/>
@@ -8062,7 +8062,7 @@
         <p:spPr>
           <a:xfrm>
             <a:off x="838080" y="365040"/>
-            <a:ext cx="10514880" cy="1324800"/>
+            <a:ext cx="10514520" cy="1324440"/>
           </a:xfrm>
           <a:prstGeom prst="rect">
             <a:avLst/>
@@ -8117,7 +8117,7 @@
         <p:spPr>
           <a:xfrm>
             <a:off x="838080" y="2010960"/>
-            <a:ext cx="10514880" cy="4165560"/>
+            <a:ext cx="10514520" cy="4165200"/>
           </a:xfrm>
           <a:prstGeom prst="rect">
             <a:avLst/>
@@ -8545,7 +8545,7 @@
         <p:spPr>
           <a:xfrm>
             <a:off x="0" y="-3240"/>
-            <a:ext cx="12191400" cy="6860520"/>
+            <a:ext cx="12191040" cy="6860160"/>
           </a:xfrm>
           <a:prstGeom prst="rect">
             <a:avLst/>
@@ -8605,15 +8605,15 @@
         <p:spPr>
           <a:xfrm>
             <a:off x="0" y="0"/>
-            <a:ext cx="11786040" cy="6857280"/>
+            <a:ext cx="11785680" cy="6856920"/>
           </a:xfrm>
           <a:custGeom>
             <a:avLst/>
             <a:gdLst>
-              <a:gd name="textAreaLeft" fmla="*/ 0 w 11786040"/>
-              <a:gd name="textAreaRight" fmla="*/ 11786760 w 11786040"/>
-              <a:gd name="textAreaTop" fmla="*/ 0 h 6857280"/>
-              <a:gd name="textAreaBottom" fmla="*/ 6858000 h 6857280"/>
+              <a:gd name="textAreaLeft" fmla="*/ 0 w 11785680"/>
+              <a:gd name="textAreaRight" fmla="*/ 11786760 w 11785680"/>
+              <a:gd name="textAreaTop" fmla="*/ 0 h 6856920"/>
+              <a:gd name="textAreaBottom" fmla="*/ 6858000 h 6856920"/>
             </a:gdLst>
             <a:ahLst/>
             <a:rect l="textAreaLeft" t="textAreaTop" r="textAreaRight" b="textAreaBottom"/>
@@ -8692,15 +8692,15 @@
         <p:spPr>
           <a:xfrm>
             <a:off x="0" y="0"/>
-            <a:ext cx="3580560" cy="6857280"/>
+            <a:ext cx="3580200" cy="6856920"/>
           </a:xfrm>
           <a:custGeom>
             <a:avLst/>
             <a:gdLst>
-              <a:gd name="textAreaLeft" fmla="*/ 0 w 3580560"/>
-              <a:gd name="textAreaRight" fmla="*/ 3581280 w 3580560"/>
-              <a:gd name="textAreaTop" fmla="*/ 0 h 6857280"/>
-              <a:gd name="textAreaBottom" fmla="*/ 6858000 h 6857280"/>
+              <a:gd name="textAreaLeft" fmla="*/ 0 w 3580200"/>
+              <a:gd name="textAreaRight" fmla="*/ 3581280 w 3580200"/>
+              <a:gd name="textAreaTop" fmla="*/ 0 h 6856920"/>
+              <a:gd name="textAreaBottom" fmla="*/ 6858000 h 6856920"/>
             </a:gdLst>
             <a:ahLst/>
             <a:rect l="textAreaLeft" t="textAreaTop" r="textAreaRight" b="textAreaBottom"/>
@@ -8777,7 +8777,7 @@
         <p:spPr>
           <a:xfrm>
             <a:off x="838080" y="365040"/>
-            <a:ext cx="10514880" cy="1324800"/>
+            <a:ext cx="10514520" cy="1324440"/>
           </a:xfrm>
           <a:prstGeom prst="rect">
             <a:avLst/>
@@ -8832,7 +8832,7 @@
         <p:spPr>
           <a:xfrm>
             <a:off x="838080" y="2010960"/>
-            <a:ext cx="10514880" cy="4165560"/>
+            <a:ext cx="10514520" cy="4165200"/>
           </a:xfrm>
           <a:prstGeom prst="rect">
             <a:avLst/>
@@ -9070,7 +9070,7 @@
         <p:spPr>
           <a:xfrm>
             <a:off x="0" y="-3240"/>
-            <a:ext cx="12191400" cy="6860520"/>
+            <a:ext cx="12191040" cy="6860160"/>
           </a:xfrm>
           <a:prstGeom prst="rect">
             <a:avLst/>
@@ -9130,15 +9130,15 @@
         <p:spPr>
           <a:xfrm>
             <a:off x="0" y="0"/>
-            <a:ext cx="11786040" cy="6857280"/>
+            <a:ext cx="11785680" cy="6856920"/>
           </a:xfrm>
           <a:custGeom>
             <a:avLst/>
             <a:gdLst>
-              <a:gd name="textAreaLeft" fmla="*/ 0 w 11786040"/>
-              <a:gd name="textAreaRight" fmla="*/ 11786760 w 11786040"/>
-              <a:gd name="textAreaTop" fmla="*/ 0 h 6857280"/>
-              <a:gd name="textAreaBottom" fmla="*/ 6858000 h 6857280"/>
+              <a:gd name="textAreaLeft" fmla="*/ 0 w 11785680"/>
+              <a:gd name="textAreaRight" fmla="*/ 11786760 w 11785680"/>
+              <a:gd name="textAreaTop" fmla="*/ 0 h 6856920"/>
+              <a:gd name="textAreaBottom" fmla="*/ 6858000 h 6856920"/>
             </a:gdLst>
             <a:ahLst/>
             <a:rect l="textAreaLeft" t="textAreaTop" r="textAreaRight" b="textAreaBottom"/>
@@ -9217,15 +9217,15 @@
         <p:spPr>
           <a:xfrm>
             <a:off x="0" y="0"/>
-            <a:ext cx="3580560" cy="6857280"/>
+            <a:ext cx="3580200" cy="6856920"/>
           </a:xfrm>
           <a:custGeom>
             <a:avLst/>
             <a:gdLst>
-              <a:gd name="textAreaLeft" fmla="*/ 0 w 3580560"/>
-              <a:gd name="textAreaRight" fmla="*/ 3581280 w 3580560"/>
-              <a:gd name="textAreaTop" fmla="*/ 0 h 6857280"/>
-              <a:gd name="textAreaBottom" fmla="*/ 6858000 h 6857280"/>
+              <a:gd name="textAreaLeft" fmla="*/ 0 w 3580200"/>
+              <a:gd name="textAreaRight" fmla="*/ 3581280 w 3580200"/>
+              <a:gd name="textAreaTop" fmla="*/ 0 h 6856920"/>
+              <a:gd name="textAreaBottom" fmla="*/ 6858000 h 6856920"/>
             </a:gdLst>
             <a:ahLst/>
             <a:rect l="textAreaLeft" t="textAreaTop" r="textAreaRight" b="textAreaBottom"/>
@@ -9302,7 +9302,7 @@
         <p:spPr>
           <a:xfrm>
             <a:off x="838080" y="365040"/>
-            <a:ext cx="10514880" cy="1324800"/>
+            <a:ext cx="10514520" cy="1324440"/>
           </a:xfrm>
           <a:prstGeom prst="rect">
             <a:avLst/>
@@ -9357,7 +9357,7 @@
         <p:spPr>
           <a:xfrm>
             <a:off x="838080" y="2010960"/>
-            <a:ext cx="10514880" cy="4165560"/>
+            <a:ext cx="10514520" cy="4165200"/>
           </a:xfrm>
           <a:prstGeom prst="rect">
             <a:avLst/>
@@ -9485,7 +9485,7 @@
         <p:spPr>
           <a:xfrm>
             <a:off x="0" y="-3240"/>
-            <a:ext cx="12191400" cy="6860520"/>
+            <a:ext cx="12191040" cy="6860160"/>
           </a:xfrm>
           <a:prstGeom prst="rect">
             <a:avLst/>
@@ -9516,6 +9516,11 @@
             <a:noAutofit/>
           </a:bodyPr>
           <a:p>
+            <a:pPr>
+              <a:lnSpc>
+                <a:spcPct val="100000"/>
+              </a:lnSpc>
+            </a:pPr>
             <a:endParaRPr b="0" lang="en-US" sz="1800" spc="-1" strike="noStrike">
               <a:solidFill>
                 <a:schemeClr val="lt1"/>
@@ -9540,15 +9545,15 @@
         <p:spPr>
           <a:xfrm>
             <a:off x="0" y="0"/>
-            <a:ext cx="11786040" cy="6857280"/>
+            <a:ext cx="11785680" cy="6856920"/>
           </a:xfrm>
           <a:custGeom>
             <a:avLst/>
             <a:gdLst>
-              <a:gd name="textAreaLeft" fmla="*/ 0 w 11786040"/>
-              <a:gd name="textAreaRight" fmla="*/ 11786760 w 11786040"/>
-              <a:gd name="textAreaTop" fmla="*/ 0 h 6857280"/>
-              <a:gd name="textAreaBottom" fmla="*/ 6858000 h 6857280"/>
+              <a:gd name="textAreaLeft" fmla="*/ 0 w 11785680"/>
+              <a:gd name="textAreaRight" fmla="*/ 11786760 w 11785680"/>
+              <a:gd name="textAreaTop" fmla="*/ 0 h 6856920"/>
+              <a:gd name="textAreaBottom" fmla="*/ 6858000 h 6856920"/>
             </a:gdLst>
             <a:ahLst/>
             <a:rect l="textAreaLeft" t="textAreaTop" r="textAreaRight" b="textAreaBottom"/>
@@ -9598,6 +9603,11 @@
             <a:noAutofit/>
           </a:bodyPr>
           <a:p>
+            <a:pPr>
+              <a:lnSpc>
+                <a:spcPct val="100000"/>
+              </a:lnSpc>
+            </a:pPr>
             <a:endParaRPr b="0" lang="en-US" sz="1800" spc="-1" strike="noStrike">
               <a:solidFill>
                 <a:schemeClr val="lt1"/>
@@ -9622,15 +9632,15 @@
         <p:spPr>
           <a:xfrm>
             <a:off x="0" y="0"/>
-            <a:ext cx="3580560" cy="6857280"/>
+            <a:ext cx="3580200" cy="6856920"/>
           </a:xfrm>
           <a:custGeom>
             <a:avLst/>
             <a:gdLst>
-              <a:gd name="textAreaLeft" fmla="*/ 0 w 3580560"/>
-              <a:gd name="textAreaRight" fmla="*/ 3581280 w 3580560"/>
-              <a:gd name="textAreaTop" fmla="*/ 0 h 6857280"/>
-              <a:gd name="textAreaBottom" fmla="*/ 6858000 h 6857280"/>
+              <a:gd name="textAreaLeft" fmla="*/ 0 w 3580200"/>
+              <a:gd name="textAreaRight" fmla="*/ 3581280 w 3580200"/>
+              <a:gd name="textAreaTop" fmla="*/ 0 h 6856920"/>
+              <a:gd name="textAreaBottom" fmla="*/ 6858000 h 6856920"/>
             </a:gdLst>
             <a:ahLst/>
             <a:rect l="textAreaLeft" t="textAreaTop" r="textAreaRight" b="textAreaBottom"/>
@@ -9680,6 +9690,11 @@
             <a:noAutofit/>
           </a:bodyPr>
           <a:p>
+            <a:pPr>
+              <a:lnSpc>
+                <a:spcPct val="100000"/>
+              </a:lnSpc>
+            </a:pPr>
             <a:endParaRPr b="0" lang="en-US" sz="1800" spc="-1" strike="noStrike">
               <a:solidFill>
                 <a:schemeClr val="lt1"/>
@@ -9702,7 +9717,7 @@
         <p:spPr>
           <a:xfrm>
             <a:off x="838080" y="365040"/>
-            <a:ext cx="10514880" cy="1324800"/>
+            <a:ext cx="10514520" cy="1324440"/>
           </a:xfrm>
           <a:prstGeom prst="rect">
             <a:avLst/>
@@ -9757,7 +9772,7 @@
         <p:spPr>
           <a:xfrm>
             <a:off x="381600" y="914400"/>
-            <a:ext cx="5105160" cy="5486400"/>
+            <a:ext cx="5104800" cy="5486040"/>
           </a:xfrm>
           <a:prstGeom prst="rect">
             <a:avLst/>
@@ -9783,6 +9798,9 @@
                 <a:spcPts val="992"/>
               </a:spcAft>
               <a:buNone/>
+              <a:tabLst>
+                <a:tab algn="l" pos="0"/>
+              </a:tabLst>
             </a:pPr>
             <a:endParaRPr b="0" lang="en-US" sz="2000" spc="-1" strike="noStrike">
               <a:solidFill>
@@ -9807,6 +9825,9 @@
               </a:buClr>
               <a:buFont typeface="Arial"/>
               <a:buChar char="•"/>
+              <a:tabLst>
+                <a:tab algn="l" pos="0"/>
+              </a:tabLst>
             </a:pPr>
             <a:r>
               <a:rPr b="0" lang="en-US" sz="2000" spc="-1" strike="noStrike">
@@ -9840,6 +9861,9 @@
               </a:buClr>
               <a:buFont typeface="Arial"/>
               <a:buChar char="•"/>
+              <a:tabLst>
+                <a:tab algn="l" pos="0"/>
+              </a:tabLst>
             </a:pPr>
             <a:r>
               <a:rPr b="0" lang="en-US" sz="2000" spc="-1" strike="noStrike">
@@ -9873,6 +9897,9 @@
               </a:buClr>
               <a:buFont typeface="Arial"/>
               <a:buChar char="•"/>
+              <a:tabLst>
+                <a:tab algn="l" pos="0"/>
+              </a:tabLst>
             </a:pPr>
             <a:r>
               <a:rPr b="0" lang="en-US" sz="2000" spc="-1" strike="noStrike">
@@ -9904,6 +9931,9 @@
               <a:buSzPct val="75000"/>
               <a:buFont typeface="Symbol" charset="2"/>
               <a:buChar char=""/>
+              <a:tabLst>
+                <a:tab algn="l" pos="0"/>
+              </a:tabLst>
             </a:pPr>
             <a:r>
               <a:rPr b="0" lang="en-US" sz="2000" spc="-1" strike="noStrike">
@@ -9935,6 +9965,9 @@
               <a:buSzPct val="75000"/>
               <a:buFont typeface="Symbol" charset="2"/>
               <a:buChar char=""/>
+              <a:tabLst>
+                <a:tab algn="l" pos="0"/>
+              </a:tabLst>
             </a:pPr>
             <a:r>
               <a:rPr b="0" lang="en-US" sz="2000" spc="-1" strike="noStrike">
@@ -9965,6 +9998,9 @@
               </a:buClr>
               <a:buFont typeface="Arial"/>
               <a:buChar char="•"/>
+              <a:tabLst>
+                <a:tab algn="l" pos="0"/>
+              </a:tabLst>
             </a:pPr>
             <a:r>
               <a:rPr b="0" lang="en-US" sz="2000" spc="-1" strike="noStrike">
@@ -9997,7 +10033,7 @@
         <p:spPr>
           <a:xfrm>
             <a:off x="6058440" y="3712320"/>
-            <a:ext cx="5142960" cy="2746800"/>
+            <a:ext cx="5142600" cy="2746440"/>
           </a:xfrm>
           <a:prstGeom prst="rect">
             <a:avLst/>
@@ -10009,7 +10045,7 @@
       </p:pic>
       <p:pic>
         <p:nvPicPr>
-          <p:cNvPr id="82" name="" descr="Combat Clip">
+          <p:cNvPr id="82" name="" descr="">
             <a:hlinkClick r:id="" action="ppaction://media"/>
           </p:cNvPr>
           <p:cNvPicPr/>
@@ -10030,8 +10066,8 @@
         </p:blipFill>
         <p:spPr>
           <a:xfrm>
-            <a:off x="5715000" y="365040"/>
-            <a:ext cx="5715000" cy="3214440"/>
+            <a:off x="5715000" y="228600"/>
+            <a:ext cx="5943240" cy="3342960"/>
           </a:xfrm>
           <a:prstGeom prst="rect">
             <a:avLst/>
@@ -10093,7 +10129,7 @@
         <p:spPr>
           <a:xfrm>
             <a:off x="0" y="-3240"/>
-            <a:ext cx="12191400" cy="6860520"/>
+            <a:ext cx="12191040" cy="6860160"/>
           </a:xfrm>
           <a:prstGeom prst="rect">
             <a:avLst/>
@@ -10153,15 +10189,15 @@
         <p:spPr>
           <a:xfrm>
             <a:off x="0" y="0"/>
-            <a:ext cx="11786040" cy="6857280"/>
+            <a:ext cx="11785680" cy="6856920"/>
           </a:xfrm>
           <a:custGeom>
             <a:avLst/>
             <a:gdLst>
-              <a:gd name="textAreaLeft" fmla="*/ 0 w 11786040"/>
-              <a:gd name="textAreaRight" fmla="*/ 11786760 w 11786040"/>
-              <a:gd name="textAreaTop" fmla="*/ 0 h 6857280"/>
-              <a:gd name="textAreaBottom" fmla="*/ 6858000 h 6857280"/>
+              <a:gd name="textAreaLeft" fmla="*/ 0 w 11785680"/>
+              <a:gd name="textAreaRight" fmla="*/ 11786760 w 11785680"/>
+              <a:gd name="textAreaTop" fmla="*/ 0 h 6856920"/>
+              <a:gd name="textAreaBottom" fmla="*/ 6858000 h 6856920"/>
             </a:gdLst>
             <a:ahLst/>
             <a:rect l="textAreaLeft" t="textAreaTop" r="textAreaRight" b="textAreaBottom"/>
@@ -10240,15 +10276,15 @@
         <p:spPr>
           <a:xfrm>
             <a:off x="0" y="0"/>
-            <a:ext cx="3580560" cy="6857280"/>
+            <a:ext cx="3580200" cy="6856920"/>
           </a:xfrm>
           <a:custGeom>
             <a:avLst/>
             <a:gdLst>
-              <a:gd name="textAreaLeft" fmla="*/ 0 w 3580560"/>
-              <a:gd name="textAreaRight" fmla="*/ 3581280 w 3580560"/>
-              <a:gd name="textAreaTop" fmla="*/ 0 h 6857280"/>
-              <a:gd name="textAreaBottom" fmla="*/ 6858000 h 6857280"/>
+              <a:gd name="textAreaLeft" fmla="*/ 0 w 3580200"/>
+              <a:gd name="textAreaRight" fmla="*/ 3581280 w 3580200"/>
+              <a:gd name="textAreaTop" fmla="*/ 0 h 6856920"/>
+              <a:gd name="textAreaBottom" fmla="*/ 6858000 h 6856920"/>
             </a:gdLst>
             <a:ahLst/>
             <a:rect l="textAreaLeft" t="textAreaTop" r="textAreaRight" b="textAreaBottom"/>
@@ -10325,7 +10361,7 @@
         <p:spPr>
           <a:xfrm>
             <a:off x="838080" y="365040"/>
-            <a:ext cx="10514880" cy="1324800"/>
+            <a:ext cx="10514520" cy="1324440"/>
           </a:xfrm>
           <a:prstGeom prst="rect">
             <a:avLst/>
@@ -10380,7 +10416,7 @@
         <p:spPr>
           <a:xfrm>
             <a:off x="508680" y="1143000"/>
-            <a:ext cx="5334120" cy="5257800"/>
+            <a:ext cx="5333760" cy="5257440"/>
           </a:xfrm>
           <a:prstGeom prst="rect">
             <a:avLst/>
@@ -10403,6 +10439,9 @@
                 <a:spcPts val="1001"/>
               </a:spcBef>
               <a:buNone/>
+              <a:tabLst>
+                <a:tab algn="l" pos="0"/>
+              </a:tabLst>
             </a:pPr>
             <a:endParaRPr b="0" lang="en-US" sz="2000" spc="-1" strike="noStrike">
               <a:solidFill>
@@ -10427,6 +10466,9 @@
               </a:buClr>
               <a:buFont typeface="Arial"/>
               <a:buChar char="•"/>
+              <a:tabLst>
+                <a:tab algn="l" pos="0"/>
+              </a:tabLst>
             </a:pPr>
             <a:r>
               <a:rPr b="0" lang="en-US" sz="2000" spc="-1" strike="noStrike">
@@ -10435,34 +10477,7 @@
                 </a:solidFill>
                 <a:latin typeface="-apple-system"/>
               </a:rPr>
-              <a:t>User Story: As a player developer, </a:t>
-            </a:r>
-            <a:r>
-              <a:rPr b="0" lang="en-US" sz="2000" spc="-1" strike="noStrike">
-                <a:solidFill>
-                  <a:schemeClr val="dk1"/>
-                </a:solidFill>
-                <a:latin typeface="-apple-system"/>
-              </a:rPr>
-              <a:t>I want elements in the </a:t>
-            </a:r>
-            <a:r>
-              <a:rPr b="0" lang="en-US" sz="2000" spc="-1" strike="noStrike">
-                <a:solidFill>
-                  <a:schemeClr val="dk1"/>
-                </a:solidFill>
-                <a:latin typeface="-apple-system"/>
-              </a:rPr>
-              <a:t>environment for the player to </a:t>
-            </a:r>
-            <a:r>
-              <a:rPr b="0" lang="en-US" sz="2000" spc="-1" strike="noStrike">
-                <a:solidFill>
-                  <a:schemeClr val="dk1"/>
-                </a:solidFill>
-                <a:latin typeface="-apple-system"/>
-              </a:rPr>
-              <a:t>interact with.</a:t>
+              <a:t>User Story: As a player developer, I want elements in the environment for the player to interact with.</a:t>
             </a:r>
             <a:endParaRPr b="0" lang="en-US" sz="2000" spc="-1" strike="noStrike">
               <a:solidFill>
@@ -10487,6 +10502,9 @@
               </a:buClr>
               <a:buFont typeface="Arial"/>
               <a:buChar char="•"/>
+              <a:tabLst>
+                <a:tab algn="l" pos="0"/>
+              </a:tabLst>
             </a:pPr>
             <a:r>
               <a:rPr b="0" lang="en-US" sz="2000" spc="-1" strike="noStrike">
@@ -10495,25 +10513,7 @@
                 </a:solidFill>
                 <a:latin typeface="-apple-system"/>
               </a:rPr>
-              <a:t>Requirement: There shall be </a:t>
-            </a:r>
-            <a:r>
-              <a:rPr b="0" lang="en-US" sz="2000" spc="-1" strike="noStrike">
-                <a:solidFill>
-                  <a:schemeClr val="dk1"/>
-                </a:solidFill>
-                <a:latin typeface="-apple-system"/>
-              </a:rPr>
-              <a:t>items in the environment for the </a:t>
-            </a:r>
-            <a:r>
-              <a:rPr b="0" lang="en-US" sz="2000" spc="-1" strike="noStrike">
-                <a:solidFill>
-                  <a:schemeClr val="dk1"/>
-                </a:solidFill>
-                <a:latin typeface="-apple-system"/>
-              </a:rPr>
-              <a:t>player to pickup</a:t>
+              <a:t>Requirement: There shall be items in the environment for the player to pickup</a:t>
             </a:r>
             <a:endParaRPr b="0" lang="en-US" sz="2000" spc="-1" strike="noStrike">
               <a:solidFill>
@@ -10536,6 +10536,9 @@
               <a:buSzPct val="75000"/>
               <a:buFont typeface="Symbol" charset="2"/>
               <a:buChar char=""/>
+              <a:tabLst>
+                <a:tab algn="l" pos="0"/>
+              </a:tabLst>
             </a:pPr>
             <a:r>
               <a:rPr b="0" lang="en-US" sz="2000" spc="-1" strike="noStrike">
@@ -10544,25 +10547,7 @@
                 </a:solidFill>
                 <a:latin typeface="-apple-system"/>
               </a:rPr>
-              <a:t>There shall be health </a:t>
-            </a:r>
-            <a:r>
-              <a:rPr b="0" lang="en-US" sz="2000" spc="-1" strike="noStrike">
-                <a:solidFill>
-                  <a:schemeClr val="dk1"/>
-                </a:solidFill>
-                <a:latin typeface="-apple-system"/>
-              </a:rPr>
-              <a:t>pickups that will heal the </a:t>
-            </a:r>
-            <a:r>
-              <a:rPr b="0" lang="en-US" sz="2000" spc="-1" strike="noStrike">
-                <a:solidFill>
-                  <a:schemeClr val="dk1"/>
-                </a:solidFill>
-                <a:latin typeface="-apple-system"/>
-              </a:rPr>
-              <a:t>players health</a:t>
+              <a:t>There shall be health pickups that will heal the players health</a:t>
             </a:r>
             <a:endParaRPr b="0" lang="en-US" sz="2000" spc="-1" strike="noStrike">
               <a:solidFill>
@@ -10585,6 +10570,9 @@
               <a:buSzPct val="75000"/>
               <a:buFont typeface="Symbol" charset="2"/>
               <a:buChar char=""/>
+              <a:tabLst>
+                <a:tab algn="l" pos="0"/>
+              </a:tabLst>
             </a:pPr>
             <a:r>
               <a:rPr b="0" lang="en-US" sz="2000" spc="-1" strike="noStrike">
@@ -10615,6 +10603,9 @@
               </a:buClr>
               <a:buFont typeface="Arial"/>
               <a:buChar char="•"/>
+              <a:tabLst>
+                <a:tab algn="l" pos="0"/>
+              </a:tabLst>
             </a:pPr>
             <a:r>
               <a:rPr b="0" lang="en-US" sz="2000" spc="-1" strike="noStrike">
@@ -10645,6 +10636,9 @@
               </a:buClr>
               <a:buFont typeface="Arial"/>
               <a:buChar char="•"/>
+              <a:tabLst>
+                <a:tab algn="l" pos="0"/>
+              </a:tabLst>
             </a:pPr>
             <a:r>
               <a:rPr b="0" lang="en-US" sz="2000" spc="-1" strike="noStrike">
@@ -10653,61 +10647,7 @@
                 </a:solidFill>
                 <a:latin typeface="-apple-system"/>
               </a:rPr>
-              <a:t>Conclusion: There are two types </a:t>
-            </a:r>
-            <a:r>
-              <a:rPr b="0" lang="en-US" sz="2000" spc="-1" strike="noStrike">
-                <a:solidFill>
-                  <a:schemeClr val="dk1"/>
-                </a:solidFill>
-                <a:latin typeface="-apple-system"/>
-              </a:rPr>
-              <a:t>of health pickup: apple that </a:t>
-            </a:r>
-            <a:r>
-              <a:rPr b="0" lang="en-US" sz="2000" spc="-1" strike="noStrike">
-                <a:solidFill>
-                  <a:schemeClr val="dk1"/>
-                </a:solidFill>
-                <a:latin typeface="-apple-system"/>
-              </a:rPr>
-              <a:t>restores 1 health, and cherry </a:t>
-            </a:r>
-            <a:r>
-              <a:rPr b="0" lang="en-US" sz="2000" spc="-1" strike="noStrike">
-                <a:solidFill>
-                  <a:schemeClr val="dk1"/>
-                </a:solidFill>
-                <a:latin typeface="-apple-system"/>
-              </a:rPr>
-              <a:t>that restores all health. Coins </a:t>
-            </a:r>
-            <a:r>
-              <a:rPr b="0" lang="en-US" sz="2000" spc="-1" strike="noStrike">
-                <a:solidFill>
-                  <a:schemeClr val="dk1"/>
-                </a:solidFill>
-                <a:latin typeface="-apple-system"/>
-              </a:rPr>
-              <a:t>come in 5 different </a:t>
-            </a:r>
-            <a:r>
-              <a:rPr b="0" lang="en-US" sz="2000" spc="-1" strike="noStrike">
-                <a:solidFill>
-                  <a:schemeClr val="dk1"/>
-                </a:solidFill>
-                <a:latin typeface="-apple-system"/>
-              </a:rPr>
-              <a:t>denominations and the total </a:t>
-            </a:r>
-            <a:r>
-              <a:rPr b="0" lang="en-US" sz="2000" spc="-1" strike="noStrike">
-                <a:solidFill>
-                  <a:schemeClr val="dk1"/>
-                </a:solidFill>
-                <a:latin typeface="-apple-system"/>
-              </a:rPr>
-              <a:t>value is tracked in the HUD.  </a:t>
+              <a:t>Conclusion: There are two types of health pickup: apple that restores 1 health, and cherry that restores all health. Coins come in 5 different denominations and the total value is tracked in the HUD.  </a:t>
             </a:r>
             <a:endParaRPr b="0" lang="en-US" sz="2000" spc="-1" strike="noStrike">
               <a:solidFill>
@@ -10742,7 +10682,7 @@
         <p:spPr>
           <a:xfrm>
             <a:off x="5842800" y="365040"/>
-            <a:ext cx="5943240" cy="3342960"/>
+            <a:ext cx="5942880" cy="3342600"/>
           </a:xfrm>
           <a:prstGeom prst="rect">
             <a:avLst/>
@@ -10804,7 +10744,7 @@
         <p:spPr>
           <a:xfrm>
             <a:off x="0" y="-3240"/>
-            <a:ext cx="12191400" cy="6860520"/>
+            <a:ext cx="12191040" cy="6860160"/>
           </a:xfrm>
           <a:prstGeom prst="rect">
             <a:avLst/>
@@ -10835,6 +10775,11 @@
             <a:noAutofit/>
           </a:bodyPr>
           <a:p>
+            <a:pPr>
+              <a:lnSpc>
+                <a:spcPct val="100000"/>
+              </a:lnSpc>
+            </a:pPr>
             <a:endParaRPr b="0" lang="en-US" sz="1800" spc="-1" strike="noStrike">
               <a:solidFill>
                 <a:schemeClr val="lt1"/>
@@ -10859,15 +10804,15 @@
         <p:spPr>
           <a:xfrm>
             <a:off x="0" y="0"/>
-            <a:ext cx="11786040" cy="6857280"/>
+            <a:ext cx="11785680" cy="6856920"/>
           </a:xfrm>
           <a:custGeom>
             <a:avLst/>
             <a:gdLst>
-              <a:gd name="textAreaLeft" fmla="*/ 0 w 11786040"/>
-              <a:gd name="textAreaRight" fmla="*/ 11786760 w 11786040"/>
-              <a:gd name="textAreaTop" fmla="*/ 0 h 6857280"/>
-              <a:gd name="textAreaBottom" fmla="*/ 6858000 h 6857280"/>
+              <a:gd name="textAreaLeft" fmla="*/ 0 w 11785680"/>
+              <a:gd name="textAreaRight" fmla="*/ 11786760 w 11785680"/>
+              <a:gd name="textAreaTop" fmla="*/ 0 h 6856920"/>
+              <a:gd name="textAreaBottom" fmla="*/ 6858000 h 6856920"/>
             </a:gdLst>
             <a:ahLst/>
             <a:rect l="textAreaLeft" t="textAreaTop" r="textAreaRight" b="textAreaBottom"/>
@@ -10917,6 +10862,11 @@
             <a:noAutofit/>
           </a:bodyPr>
           <a:p>
+            <a:pPr>
+              <a:lnSpc>
+                <a:spcPct val="100000"/>
+              </a:lnSpc>
+            </a:pPr>
             <a:endParaRPr b="0" lang="en-US" sz="1800" spc="-1" strike="noStrike">
               <a:solidFill>
                 <a:schemeClr val="lt1"/>
@@ -10941,15 +10891,15 @@
         <p:spPr>
           <a:xfrm>
             <a:off x="0" y="0"/>
-            <a:ext cx="3580560" cy="6857280"/>
+            <a:ext cx="3580200" cy="6856920"/>
           </a:xfrm>
           <a:custGeom>
             <a:avLst/>
             <a:gdLst>
-              <a:gd name="textAreaLeft" fmla="*/ 0 w 3580560"/>
-              <a:gd name="textAreaRight" fmla="*/ 3581280 w 3580560"/>
-              <a:gd name="textAreaTop" fmla="*/ 0 h 6857280"/>
-              <a:gd name="textAreaBottom" fmla="*/ 6858000 h 6857280"/>
+              <a:gd name="textAreaLeft" fmla="*/ 0 w 3580200"/>
+              <a:gd name="textAreaRight" fmla="*/ 3581280 w 3580200"/>
+              <a:gd name="textAreaTop" fmla="*/ 0 h 6856920"/>
+              <a:gd name="textAreaBottom" fmla="*/ 6858000 h 6856920"/>
             </a:gdLst>
             <a:ahLst/>
             <a:rect l="textAreaLeft" t="textAreaTop" r="textAreaRight" b="textAreaBottom"/>
@@ -10999,6 +10949,11 @@
             <a:noAutofit/>
           </a:bodyPr>
           <a:p>
+            <a:pPr>
+              <a:lnSpc>
+                <a:spcPct val="100000"/>
+              </a:lnSpc>
+            </a:pPr>
             <a:endParaRPr b="0" lang="en-US" sz="1800" spc="-1" strike="noStrike">
               <a:solidFill>
                 <a:schemeClr val="lt1"/>
@@ -11021,7 +10976,7 @@
         <p:spPr>
           <a:xfrm>
             <a:off x="838080" y="365040"/>
-            <a:ext cx="10514880" cy="1324800"/>
+            <a:ext cx="10514520" cy="1324440"/>
           </a:xfrm>
           <a:prstGeom prst="rect">
             <a:avLst/>
@@ -11076,7 +11031,7 @@
         <p:spPr>
           <a:xfrm>
             <a:off x="685800" y="1143000"/>
-            <a:ext cx="4419720" cy="5257800"/>
+            <a:ext cx="4419360" cy="5257440"/>
           </a:xfrm>
           <a:prstGeom prst="rect">
             <a:avLst/>
@@ -11099,6 +11054,9 @@
                 <a:spcPts val="1001"/>
               </a:spcBef>
               <a:buNone/>
+              <a:tabLst>
+                <a:tab algn="l" pos="0"/>
+              </a:tabLst>
             </a:pPr>
             <a:endParaRPr b="0" lang="en-US" sz="2000" spc="-1" strike="noStrike">
               <a:solidFill>
@@ -11123,6 +11081,9 @@
               </a:buClr>
               <a:buFont typeface="Arial"/>
               <a:buChar char="•"/>
+              <a:tabLst>
+                <a:tab algn="l" pos="0"/>
+              </a:tabLst>
             </a:pPr>
             <a:r>
               <a:rPr b="0" lang="en-US" sz="2000" spc="-1" strike="noStrike">
@@ -11156,6 +11117,9 @@
               </a:buClr>
               <a:buFont typeface="Arial"/>
               <a:buChar char="•"/>
+              <a:tabLst>
+                <a:tab algn="l" pos="0"/>
+              </a:tabLst>
             </a:pPr>
             <a:r>
               <a:rPr b="0" lang="en-US" sz="2000" spc="-1" strike="noStrike">
@@ -11189,6 +11153,9 @@
               </a:buClr>
               <a:buFont typeface="Arial"/>
               <a:buChar char="•"/>
+              <a:tabLst>
+                <a:tab algn="l" pos="0"/>
+              </a:tabLst>
             </a:pPr>
             <a:r>
               <a:rPr b="0" lang="en-US" sz="2000" spc="-1" strike="noStrike">
@@ -11219,6 +11186,9 @@
               </a:buClr>
               <a:buFont typeface="Arial"/>
               <a:buChar char="•"/>
+              <a:tabLst>
+                <a:tab algn="l" pos="0"/>
+              </a:tabLst>
             </a:pPr>
             <a:r>
               <a:rPr b="0" lang="en-US" sz="2000" spc="-1" strike="noStrike">
@@ -11262,7 +11232,7 @@
         <p:spPr>
           <a:xfrm>
             <a:off x="5715000" y="228600"/>
-            <a:ext cx="5943240" cy="3342960"/>
+            <a:ext cx="5942880" cy="3342600"/>
           </a:xfrm>
           <a:prstGeom prst="rect">
             <a:avLst/>
@@ -11285,7 +11255,7 @@
         <p:spPr>
           <a:xfrm>
             <a:off x="6629400" y="3657600"/>
-            <a:ext cx="4218480" cy="2812320"/>
+            <a:ext cx="4218120" cy="2811960"/>
           </a:xfrm>
           <a:prstGeom prst="rect">
             <a:avLst/>
@@ -11347,7 +11317,7 @@
         <p:spPr>
           <a:xfrm>
             <a:off x="0" y="-3240"/>
-            <a:ext cx="12191400" cy="6860520"/>
+            <a:ext cx="12191040" cy="6860160"/>
           </a:xfrm>
           <a:prstGeom prst="rect">
             <a:avLst/>
@@ -11378,6 +11348,11 @@
             <a:noAutofit/>
           </a:bodyPr>
           <a:p>
+            <a:pPr>
+              <a:lnSpc>
+                <a:spcPct val="100000"/>
+              </a:lnSpc>
+            </a:pPr>
             <a:endParaRPr b="0" lang="en-US" sz="1800" spc="-1" strike="noStrike">
               <a:solidFill>
                 <a:schemeClr val="lt1"/>
@@ -11402,15 +11377,15 @@
         <p:spPr>
           <a:xfrm>
             <a:off x="0" y="0"/>
-            <a:ext cx="11786040" cy="6857280"/>
+            <a:ext cx="11785680" cy="6856920"/>
           </a:xfrm>
           <a:custGeom>
             <a:avLst/>
             <a:gdLst>
-              <a:gd name="textAreaLeft" fmla="*/ 0 w 11786040"/>
-              <a:gd name="textAreaRight" fmla="*/ 11786760 w 11786040"/>
-              <a:gd name="textAreaTop" fmla="*/ 0 h 6857280"/>
-              <a:gd name="textAreaBottom" fmla="*/ 6858000 h 6857280"/>
+              <a:gd name="textAreaLeft" fmla="*/ 0 w 11785680"/>
+              <a:gd name="textAreaRight" fmla="*/ 11786760 w 11785680"/>
+              <a:gd name="textAreaTop" fmla="*/ 0 h 6856920"/>
+              <a:gd name="textAreaBottom" fmla="*/ 6858000 h 6856920"/>
             </a:gdLst>
             <a:ahLst/>
             <a:rect l="textAreaLeft" t="textAreaTop" r="textAreaRight" b="textAreaBottom"/>
@@ -11460,6 +11435,11 @@
             <a:noAutofit/>
           </a:bodyPr>
           <a:p>
+            <a:pPr>
+              <a:lnSpc>
+                <a:spcPct val="100000"/>
+              </a:lnSpc>
+            </a:pPr>
             <a:endParaRPr b="0" lang="en-US" sz="1800" spc="-1" strike="noStrike">
               <a:solidFill>
                 <a:schemeClr val="lt1"/>
@@ -11484,15 +11464,15 @@
         <p:spPr>
           <a:xfrm>
             <a:off x="0" y="0"/>
-            <a:ext cx="3580560" cy="6857280"/>
+            <a:ext cx="3580200" cy="6856920"/>
           </a:xfrm>
           <a:custGeom>
             <a:avLst/>
             <a:gdLst>
-              <a:gd name="textAreaLeft" fmla="*/ 0 w 3580560"/>
-              <a:gd name="textAreaRight" fmla="*/ 3581280 w 3580560"/>
-              <a:gd name="textAreaTop" fmla="*/ 0 h 6857280"/>
-              <a:gd name="textAreaBottom" fmla="*/ 6858000 h 6857280"/>
+              <a:gd name="textAreaLeft" fmla="*/ 0 w 3580200"/>
+              <a:gd name="textAreaRight" fmla="*/ 3581280 w 3580200"/>
+              <a:gd name="textAreaTop" fmla="*/ 0 h 6856920"/>
+              <a:gd name="textAreaBottom" fmla="*/ 6858000 h 6856920"/>
             </a:gdLst>
             <a:ahLst/>
             <a:rect l="textAreaLeft" t="textAreaTop" r="textAreaRight" b="textAreaBottom"/>
@@ -11542,6 +11522,11 @@
             <a:noAutofit/>
           </a:bodyPr>
           <a:p>
+            <a:pPr>
+              <a:lnSpc>
+                <a:spcPct val="100000"/>
+              </a:lnSpc>
+            </a:pPr>
             <a:endParaRPr b="0" lang="en-US" sz="1800" spc="-1" strike="noStrike">
               <a:solidFill>
                 <a:schemeClr val="lt1"/>
@@ -11564,7 +11549,7 @@
         <p:spPr>
           <a:xfrm>
             <a:off x="838080" y="365040"/>
-            <a:ext cx="10514880" cy="1324800"/>
+            <a:ext cx="10514520" cy="1324440"/>
           </a:xfrm>
           <a:prstGeom prst="rect">
             <a:avLst/>
@@ -11619,7 +11604,7 @@
         <p:spPr>
           <a:xfrm>
             <a:off x="838080" y="1778040"/>
-            <a:ext cx="6477120" cy="4165560"/>
+            <a:ext cx="6476760" cy="4165200"/>
           </a:xfrm>
           <a:prstGeom prst="rect">
             <a:avLst/>
@@ -11642,6 +11627,9 @@
                 <a:spcPts val="1001"/>
               </a:spcBef>
               <a:buNone/>
+              <a:tabLst>
+                <a:tab algn="l" pos="0"/>
+              </a:tabLst>
             </a:pPr>
             <a:endParaRPr b="0" lang="en-US" sz="2000" spc="-1" strike="noStrike">
               <a:solidFill>
@@ -11663,6 +11651,9 @@
               </a:buClr>
               <a:buFont typeface="Arial"/>
               <a:buChar char="•"/>
+              <a:tabLst>
+                <a:tab algn="l" pos="0"/>
+              </a:tabLst>
             </a:pPr>
             <a:r>
               <a:rPr b="0" lang="en-US" sz="2000" spc="-1" strike="noStrike">
@@ -11693,6 +11684,9 @@
               </a:buClr>
               <a:buFont typeface="Arial"/>
               <a:buChar char="•"/>
+              <a:tabLst>
+                <a:tab algn="l" pos="0"/>
+              </a:tabLst>
             </a:pPr>
             <a:r>
               <a:rPr b="0" lang="en-US" sz="2000" spc="-1" strike="noStrike">
@@ -11723,6 +11717,9 @@
               </a:buClr>
               <a:buFont typeface="Arial"/>
               <a:buChar char="•"/>
+              <a:tabLst>
+                <a:tab algn="l" pos="0"/>
+              </a:tabLst>
             </a:pPr>
             <a:r>
               <a:rPr b="0" lang="en-US" sz="2000" spc="-1" strike="noStrike">
@@ -11753,6 +11750,9 @@
               </a:buClr>
               <a:buFont typeface="Arial"/>
               <a:buChar char="•"/>
+              <a:tabLst>
+                <a:tab algn="l" pos="0"/>
+              </a:tabLst>
             </a:pPr>
             <a:r>
               <a:rPr b="0" lang="en-US" sz="2000" spc="-1" strike="noStrike">
@@ -11783,6 +11783,9 @@
               </a:buClr>
               <a:buFont typeface="Arial"/>
               <a:buChar char="•"/>
+              <a:tabLst>
+                <a:tab algn="l" pos="0"/>
+              </a:tabLst>
             </a:pPr>
             <a:r>
               <a:rPr b="0" lang="en-US" sz="2000" spc="-1" strike="noStrike">
@@ -11854,7 +11857,7 @@
         <p:spPr>
           <a:xfrm>
             <a:off x="0" y="-3240"/>
-            <a:ext cx="12191400" cy="6860520"/>
+            <a:ext cx="12191040" cy="6860160"/>
           </a:xfrm>
           <a:prstGeom prst="rect">
             <a:avLst/>
@@ -11914,15 +11917,15 @@
         <p:spPr>
           <a:xfrm>
             <a:off x="0" y="0"/>
-            <a:ext cx="11786040" cy="6857280"/>
+            <a:ext cx="11785680" cy="6856920"/>
           </a:xfrm>
           <a:custGeom>
             <a:avLst/>
             <a:gdLst>
-              <a:gd name="textAreaLeft" fmla="*/ 0 w 11786040"/>
-              <a:gd name="textAreaRight" fmla="*/ 11786760 w 11786040"/>
-              <a:gd name="textAreaTop" fmla="*/ 0 h 6857280"/>
-              <a:gd name="textAreaBottom" fmla="*/ 6858000 h 6857280"/>
+              <a:gd name="textAreaLeft" fmla="*/ 0 w 11785680"/>
+              <a:gd name="textAreaRight" fmla="*/ 11786760 w 11785680"/>
+              <a:gd name="textAreaTop" fmla="*/ 0 h 6856920"/>
+              <a:gd name="textAreaBottom" fmla="*/ 6858000 h 6856920"/>
             </a:gdLst>
             <a:ahLst/>
             <a:rect l="textAreaLeft" t="textAreaTop" r="textAreaRight" b="textAreaBottom"/>
@@ -12001,15 +12004,15 @@
         <p:spPr>
           <a:xfrm>
             <a:off x="0" y="0"/>
-            <a:ext cx="3580560" cy="6857280"/>
+            <a:ext cx="3580200" cy="6856920"/>
           </a:xfrm>
           <a:custGeom>
             <a:avLst/>
             <a:gdLst>
-              <a:gd name="textAreaLeft" fmla="*/ 0 w 3580560"/>
-              <a:gd name="textAreaRight" fmla="*/ 3581280 w 3580560"/>
-              <a:gd name="textAreaTop" fmla="*/ 0 h 6857280"/>
-              <a:gd name="textAreaBottom" fmla="*/ 6858000 h 6857280"/>
+              <a:gd name="textAreaLeft" fmla="*/ 0 w 3580200"/>
+              <a:gd name="textAreaRight" fmla="*/ 3581280 w 3580200"/>
+              <a:gd name="textAreaTop" fmla="*/ 0 h 6856920"/>
+              <a:gd name="textAreaBottom" fmla="*/ 6858000 h 6856920"/>
             </a:gdLst>
             <a:ahLst/>
             <a:rect l="textAreaLeft" t="textAreaTop" r="textAreaRight" b="textAreaBottom"/>
@@ -12086,7 +12089,7 @@
         <p:spPr>
           <a:xfrm>
             <a:off x="838080" y="365040"/>
-            <a:ext cx="10514880" cy="1324800"/>
+            <a:ext cx="10514520" cy="1324440"/>
           </a:xfrm>
           <a:prstGeom prst="rect">
             <a:avLst/>
@@ -12141,7 +12144,7 @@
         <p:spPr>
           <a:xfrm>
             <a:off x="838080" y="2010960"/>
-            <a:ext cx="10514880" cy="4165560"/>
+            <a:ext cx="10514520" cy="4165200"/>
           </a:xfrm>
           <a:prstGeom prst="rect">
             <a:avLst/>

--- a/presentation materials/PresentationPowerpoint.pptx
+++ b/presentation materials/PresentationPowerpoint.pptx
@@ -358,7 +358,7 @@
             <a:pPr indent="0" algn="r">
               <a:buNone/>
             </a:pPr>
-            <a:fld id="{C33AAFDE-8BE8-456D-B181-1FD14C222365}" type="slidenum">
+            <a:fld id="{C3BEB062-4465-4D95-847A-B65CC793E0F1}" type="slidenum">
               <a:rPr b="0" lang="en-US" sz="1400" spc="-1" strike="noStrike">
                 <a:solidFill>
                   <a:srgbClr val="000000"/>
@@ -401,7 +401,7 @@
       </p:grpSpPr>
       <p:sp>
         <p:nvSpPr>
-          <p:cNvPr id="135" name="PlaceHolder 1"/>
+          <p:cNvPr id="137" name="PlaceHolder 1"/>
           <p:cNvSpPr>
             <a:spLocks noGrp="1"/>
           </p:cNvSpPr>
@@ -412,7 +412,7 @@
         <p:spPr>
           <a:xfrm>
             <a:off x="685800" y="1143000"/>
-            <a:ext cx="5485320" cy="3085200"/>
+            <a:ext cx="5484960" cy="3084840"/>
           </a:xfrm>
           <a:prstGeom prst="rect">
             <a:avLst/>
@@ -424,7 +424,7 @@
       </p:sp>
       <p:sp>
         <p:nvSpPr>
-          <p:cNvPr id="136" name="PlaceHolder 2"/>
+          <p:cNvPr id="138" name="PlaceHolder 2"/>
           <p:cNvSpPr>
             <a:spLocks noGrp="1"/>
           </p:cNvSpPr>
@@ -435,7 +435,7 @@
         <p:spPr>
           <a:xfrm>
             <a:off x="685800" y="4400640"/>
-            <a:ext cx="5485320" cy="3599280"/>
+            <a:ext cx="5484960" cy="3598920"/>
           </a:xfrm>
           <a:prstGeom prst="rect">
             <a:avLst/>
@@ -479,7 +479,7 @@
       </p:sp>
       <p:sp>
         <p:nvSpPr>
-          <p:cNvPr id="137" name="PlaceHolder 3"/>
+          <p:cNvPr id="139" name="PlaceHolder 3"/>
           <p:cNvSpPr>
             <a:spLocks noGrp="1"/>
           </p:cNvSpPr>
@@ -490,7 +490,7 @@
         <p:spPr>
           <a:xfrm>
             <a:off x="3884760" y="8685360"/>
-            <a:ext cx="2970720" cy="457560"/>
+            <a:ext cx="2970360" cy="457200"/>
           </a:xfrm>
           <a:prstGeom prst="rect">
             <a:avLst/>
@@ -531,7 +531,7 @@
                 <a:tab algn="l" pos="0"/>
               </a:tabLst>
             </a:pPr>
-            <a:fld id="{02712E60-A7B0-4F16-B7CF-935AF05B783C}" type="slidenum">
+            <a:fld id="{CC279E3E-B479-43BF-83CF-C4A6D79558F2}" type="slidenum">
               <a:rPr b="0" lang="en-US" sz="1200" spc="-1" strike="noStrike">
                 <a:solidFill>
                   <a:srgbClr val="000000"/>
@@ -573,7 +573,7 @@
       </p:grpSpPr>
       <p:sp>
         <p:nvSpPr>
-          <p:cNvPr id="111" name="PlaceHolder 1"/>
+          <p:cNvPr id="113" name="PlaceHolder 1"/>
           <p:cNvSpPr>
             <a:spLocks noGrp="1"/>
           </p:cNvSpPr>
@@ -584,7 +584,7 @@
         <p:spPr>
           <a:xfrm>
             <a:off x="685800" y="1143000"/>
-            <a:ext cx="5485320" cy="3085200"/>
+            <a:ext cx="5484960" cy="3084840"/>
           </a:xfrm>
           <a:prstGeom prst="rect">
             <a:avLst/>
@@ -596,7 +596,7 @@
       </p:sp>
       <p:sp>
         <p:nvSpPr>
-          <p:cNvPr id="112" name="PlaceHolder 2"/>
+          <p:cNvPr id="114" name="PlaceHolder 2"/>
           <p:cNvSpPr>
             <a:spLocks noGrp="1"/>
           </p:cNvSpPr>
@@ -607,7 +607,7 @@
         <p:spPr>
           <a:xfrm>
             <a:off x="685800" y="4400640"/>
-            <a:ext cx="5485320" cy="3599280"/>
+            <a:ext cx="5484960" cy="3598920"/>
           </a:xfrm>
           <a:prstGeom prst="rect">
             <a:avLst/>
@@ -636,7 +636,7 @@
       </p:sp>
       <p:sp>
         <p:nvSpPr>
-          <p:cNvPr id="113" name="PlaceHolder 3"/>
+          <p:cNvPr id="115" name="PlaceHolder 3"/>
           <p:cNvSpPr>
             <a:spLocks noGrp="1"/>
           </p:cNvSpPr>
@@ -647,7 +647,7 @@
         <p:spPr>
           <a:xfrm>
             <a:off x="3884760" y="8685360"/>
-            <a:ext cx="2970720" cy="457560"/>
+            <a:ext cx="2970360" cy="457200"/>
           </a:xfrm>
           <a:prstGeom prst="rect">
             <a:avLst/>
@@ -688,7 +688,7 @@
                 <a:tab algn="l" pos="0"/>
               </a:tabLst>
             </a:pPr>
-            <a:fld id="{301CE4F9-360F-40AC-B008-CDF61984B32F}" type="slidenum">
+            <a:fld id="{A2F72249-677F-4C1A-AF08-91A1324E7193}" type="slidenum">
               <a:rPr b="0" lang="en-US" sz="1200" spc="-1" strike="noStrike">
                 <a:solidFill>
                   <a:srgbClr val="000000"/>
@@ -730,7 +730,7 @@
       </p:grpSpPr>
       <p:sp>
         <p:nvSpPr>
-          <p:cNvPr id="114" name="PlaceHolder 1"/>
+          <p:cNvPr id="116" name="PlaceHolder 1"/>
           <p:cNvSpPr>
             <a:spLocks noGrp="1"/>
           </p:cNvSpPr>
@@ -741,7 +741,7 @@
         <p:spPr>
           <a:xfrm>
             <a:off x="685800" y="1143000"/>
-            <a:ext cx="5485320" cy="3085200"/>
+            <a:ext cx="5484960" cy="3084840"/>
           </a:xfrm>
           <a:prstGeom prst="rect">
             <a:avLst/>
@@ -753,7 +753,7 @@
       </p:sp>
       <p:sp>
         <p:nvSpPr>
-          <p:cNvPr id="115" name="PlaceHolder 2"/>
+          <p:cNvPr id="117" name="PlaceHolder 2"/>
           <p:cNvSpPr>
             <a:spLocks noGrp="1"/>
           </p:cNvSpPr>
@@ -764,7 +764,7 @@
         <p:spPr>
           <a:xfrm>
             <a:off x="685800" y="4400640"/>
-            <a:ext cx="5485320" cy="3599280"/>
+            <a:ext cx="5484960" cy="3598920"/>
           </a:xfrm>
           <a:prstGeom prst="rect">
             <a:avLst/>
@@ -808,7 +808,7 @@
       </p:sp>
       <p:sp>
         <p:nvSpPr>
-          <p:cNvPr id="116" name="PlaceHolder 3"/>
+          <p:cNvPr id="118" name="PlaceHolder 3"/>
           <p:cNvSpPr>
             <a:spLocks noGrp="1"/>
           </p:cNvSpPr>
@@ -819,7 +819,7 @@
         <p:spPr>
           <a:xfrm>
             <a:off x="3884760" y="8685360"/>
-            <a:ext cx="2970720" cy="457560"/>
+            <a:ext cx="2970360" cy="457200"/>
           </a:xfrm>
           <a:prstGeom prst="rect">
             <a:avLst/>
@@ -860,7 +860,7 @@
                 <a:tab algn="l" pos="0"/>
               </a:tabLst>
             </a:pPr>
-            <a:fld id="{AF0E1D49-054D-43E3-A845-842810BDC40F}" type="slidenum">
+            <a:fld id="{BF1F1D28-AC5C-412A-A852-BADA2E2277A8}" type="slidenum">
               <a:rPr b="0" lang="en-US" sz="1200" spc="-1" strike="noStrike">
                 <a:solidFill>
                   <a:srgbClr val="000000"/>
@@ -902,7 +902,7 @@
       </p:grpSpPr>
       <p:sp>
         <p:nvSpPr>
-          <p:cNvPr id="117" name="PlaceHolder 1"/>
+          <p:cNvPr id="119" name="PlaceHolder 1"/>
           <p:cNvSpPr>
             <a:spLocks noGrp="1"/>
           </p:cNvSpPr>
@@ -913,7 +913,7 @@
         <p:spPr>
           <a:xfrm>
             <a:off x="685800" y="1143000"/>
-            <a:ext cx="5485320" cy="3085200"/>
+            <a:ext cx="5484960" cy="3084840"/>
           </a:xfrm>
           <a:prstGeom prst="rect">
             <a:avLst/>
@@ -925,7 +925,7 @@
       </p:sp>
       <p:sp>
         <p:nvSpPr>
-          <p:cNvPr id="118" name="PlaceHolder 2"/>
+          <p:cNvPr id="120" name="PlaceHolder 2"/>
           <p:cNvSpPr>
             <a:spLocks noGrp="1"/>
           </p:cNvSpPr>
@@ -936,7 +936,7 @@
         <p:spPr>
           <a:xfrm>
             <a:off x="685800" y="4400640"/>
-            <a:ext cx="5485320" cy="3599280"/>
+            <a:ext cx="5484960" cy="3598920"/>
           </a:xfrm>
           <a:prstGeom prst="rect">
             <a:avLst/>
@@ -980,7 +980,7 @@
       </p:sp>
       <p:sp>
         <p:nvSpPr>
-          <p:cNvPr id="119" name="PlaceHolder 3"/>
+          <p:cNvPr id="121" name="PlaceHolder 3"/>
           <p:cNvSpPr>
             <a:spLocks noGrp="1"/>
           </p:cNvSpPr>
@@ -991,7 +991,7 @@
         <p:spPr>
           <a:xfrm>
             <a:off x="3884760" y="8685360"/>
-            <a:ext cx="2970720" cy="457560"/>
+            <a:ext cx="2970360" cy="457200"/>
           </a:xfrm>
           <a:prstGeom prst="rect">
             <a:avLst/>
@@ -1032,7 +1032,7 @@
                 <a:tab algn="l" pos="0"/>
               </a:tabLst>
             </a:pPr>
-            <a:fld id="{4B778B89-EEBE-44FC-BE70-06A367B61FA7}" type="slidenum">
+            <a:fld id="{8D781B25-69CC-4990-82B6-46518A69EF3F}" type="slidenum">
               <a:rPr b="0" lang="en-US" sz="1200" spc="-1" strike="noStrike">
                 <a:solidFill>
                   <a:srgbClr val="000000"/>
@@ -1074,7 +1074,7 @@
       </p:grpSpPr>
       <p:sp>
         <p:nvSpPr>
-          <p:cNvPr id="120" name="PlaceHolder 1"/>
+          <p:cNvPr id="122" name="PlaceHolder 1"/>
           <p:cNvSpPr>
             <a:spLocks noGrp="1"/>
           </p:cNvSpPr>
@@ -1085,7 +1085,7 @@
         <p:spPr>
           <a:xfrm>
             <a:off x="685800" y="1143000"/>
-            <a:ext cx="5485320" cy="3085200"/>
+            <a:ext cx="5484960" cy="3084840"/>
           </a:xfrm>
           <a:prstGeom prst="rect">
             <a:avLst/>
@@ -1097,7 +1097,7 @@
       </p:sp>
       <p:sp>
         <p:nvSpPr>
-          <p:cNvPr id="121" name="PlaceHolder 2"/>
+          <p:cNvPr id="123" name="PlaceHolder 2"/>
           <p:cNvSpPr>
             <a:spLocks noGrp="1"/>
           </p:cNvSpPr>
@@ -1108,7 +1108,7 @@
         <p:spPr>
           <a:xfrm>
             <a:off x="685800" y="4400640"/>
-            <a:ext cx="5485320" cy="3599280"/>
+            <a:ext cx="5484960" cy="3598920"/>
           </a:xfrm>
           <a:prstGeom prst="rect">
             <a:avLst/>
@@ -1152,7 +1152,7 @@
       </p:sp>
       <p:sp>
         <p:nvSpPr>
-          <p:cNvPr id="122" name="PlaceHolder 3"/>
+          <p:cNvPr id="124" name="PlaceHolder 3"/>
           <p:cNvSpPr>
             <a:spLocks noGrp="1"/>
           </p:cNvSpPr>
@@ -1163,7 +1163,7 @@
         <p:spPr>
           <a:xfrm>
             <a:off x="3884760" y="8685360"/>
-            <a:ext cx="2970720" cy="457560"/>
+            <a:ext cx="2970360" cy="457200"/>
           </a:xfrm>
           <a:prstGeom prst="rect">
             <a:avLst/>
@@ -1204,7 +1204,7 @@
                 <a:tab algn="l" pos="0"/>
               </a:tabLst>
             </a:pPr>
-            <a:fld id="{C4BFF842-F49A-4AFD-AC56-A42F7B6A48EF}" type="slidenum">
+            <a:fld id="{D096B5ED-4B10-4F12-85D7-1F49DF9DD4D3}" type="slidenum">
               <a:rPr b="0" lang="en-US" sz="1200" spc="-1" strike="noStrike">
                 <a:solidFill>
                   <a:srgbClr val="000000"/>
@@ -1246,7 +1246,7 @@
       </p:grpSpPr>
       <p:sp>
         <p:nvSpPr>
-          <p:cNvPr id="123" name="PlaceHolder 1"/>
+          <p:cNvPr id="125" name="PlaceHolder 1"/>
           <p:cNvSpPr>
             <a:spLocks noGrp="1"/>
           </p:cNvSpPr>
@@ -1257,7 +1257,7 @@
         <p:spPr>
           <a:xfrm>
             <a:off x="685800" y="1143000"/>
-            <a:ext cx="5485320" cy="3085200"/>
+            <a:ext cx="5484960" cy="3084840"/>
           </a:xfrm>
           <a:prstGeom prst="rect">
             <a:avLst/>
@@ -1269,7 +1269,7 @@
       </p:sp>
       <p:sp>
         <p:nvSpPr>
-          <p:cNvPr id="124" name="PlaceHolder 2"/>
+          <p:cNvPr id="126" name="PlaceHolder 2"/>
           <p:cNvSpPr>
             <a:spLocks noGrp="1"/>
           </p:cNvSpPr>
@@ -1280,7 +1280,7 @@
         <p:spPr>
           <a:xfrm>
             <a:off x="685800" y="4400640"/>
-            <a:ext cx="5485320" cy="3599280"/>
+            <a:ext cx="5484960" cy="3598920"/>
           </a:xfrm>
           <a:prstGeom prst="rect">
             <a:avLst/>
@@ -1324,7 +1324,7 @@
       </p:sp>
       <p:sp>
         <p:nvSpPr>
-          <p:cNvPr id="125" name="PlaceHolder 3"/>
+          <p:cNvPr id="127" name="PlaceHolder 3"/>
           <p:cNvSpPr>
             <a:spLocks noGrp="1"/>
           </p:cNvSpPr>
@@ -1335,7 +1335,7 @@
         <p:spPr>
           <a:xfrm>
             <a:off x="3884760" y="8685360"/>
-            <a:ext cx="2970720" cy="457560"/>
+            <a:ext cx="2970360" cy="457200"/>
           </a:xfrm>
           <a:prstGeom prst="rect">
             <a:avLst/>
@@ -1376,7 +1376,7 @@
                 <a:tab algn="l" pos="0"/>
               </a:tabLst>
             </a:pPr>
-            <a:fld id="{6354B93B-71F4-4DD9-934D-575AD584C654}" type="slidenum">
+            <a:fld id="{27F8EC3D-57B5-45EE-ACFC-A4F21F11C239}" type="slidenum">
               <a:rPr b="0" lang="en-US" sz="1200" spc="-1" strike="noStrike">
                 <a:solidFill>
                   <a:srgbClr val="000000"/>
@@ -1418,7 +1418,7 @@
       </p:grpSpPr>
       <p:sp>
         <p:nvSpPr>
-          <p:cNvPr id="126" name="PlaceHolder 1"/>
+          <p:cNvPr id="128" name="PlaceHolder 1"/>
           <p:cNvSpPr>
             <a:spLocks noGrp="1"/>
           </p:cNvSpPr>
@@ -1429,7 +1429,7 @@
         <p:spPr>
           <a:xfrm>
             <a:off x="685800" y="1143000"/>
-            <a:ext cx="5485320" cy="3085200"/>
+            <a:ext cx="5484960" cy="3084840"/>
           </a:xfrm>
           <a:prstGeom prst="rect">
             <a:avLst/>
@@ -1441,7 +1441,7 @@
       </p:sp>
       <p:sp>
         <p:nvSpPr>
-          <p:cNvPr id="127" name="PlaceHolder 2"/>
+          <p:cNvPr id="129" name="PlaceHolder 2"/>
           <p:cNvSpPr>
             <a:spLocks noGrp="1"/>
           </p:cNvSpPr>
@@ -1452,7 +1452,7 @@
         <p:spPr>
           <a:xfrm>
             <a:off x="685800" y="4400640"/>
-            <a:ext cx="5485320" cy="3599280"/>
+            <a:ext cx="5484960" cy="3598920"/>
           </a:xfrm>
           <a:prstGeom prst="rect">
             <a:avLst/>
@@ -1496,7 +1496,7 @@
       </p:sp>
       <p:sp>
         <p:nvSpPr>
-          <p:cNvPr id="128" name="PlaceHolder 3"/>
+          <p:cNvPr id="130" name="PlaceHolder 3"/>
           <p:cNvSpPr>
             <a:spLocks noGrp="1"/>
           </p:cNvSpPr>
@@ -1507,7 +1507,7 @@
         <p:spPr>
           <a:xfrm>
             <a:off x="3884760" y="8685360"/>
-            <a:ext cx="2970720" cy="457560"/>
+            <a:ext cx="2970360" cy="457200"/>
           </a:xfrm>
           <a:prstGeom prst="rect">
             <a:avLst/>
@@ -1548,7 +1548,7 @@
                 <a:tab algn="l" pos="0"/>
               </a:tabLst>
             </a:pPr>
-            <a:fld id="{37BAA892-3016-4941-B6CA-1699CD754EE6}" type="slidenum">
+            <a:fld id="{9C20E923-4AF8-4D7B-BC3C-8D55423BC870}" type="slidenum">
               <a:rPr b="0" lang="en-US" sz="1200" spc="-1" strike="noStrike">
                 <a:solidFill>
                   <a:srgbClr val="000000"/>
@@ -1590,7 +1590,7 @@
       </p:grpSpPr>
       <p:sp>
         <p:nvSpPr>
-          <p:cNvPr id="129" name="PlaceHolder 1"/>
+          <p:cNvPr id="131" name="PlaceHolder 1"/>
           <p:cNvSpPr>
             <a:spLocks noGrp="1"/>
           </p:cNvSpPr>
@@ -1601,7 +1601,7 @@
         <p:spPr>
           <a:xfrm>
             <a:off x="685800" y="1143000"/>
-            <a:ext cx="5485320" cy="3085200"/>
+            <a:ext cx="5484960" cy="3084840"/>
           </a:xfrm>
           <a:prstGeom prst="rect">
             <a:avLst/>
@@ -1613,7 +1613,7 @@
       </p:sp>
       <p:sp>
         <p:nvSpPr>
-          <p:cNvPr id="130" name="PlaceHolder 2"/>
+          <p:cNvPr id="132" name="PlaceHolder 2"/>
           <p:cNvSpPr>
             <a:spLocks noGrp="1"/>
           </p:cNvSpPr>
@@ -1624,7 +1624,7 @@
         <p:spPr>
           <a:xfrm>
             <a:off x="685800" y="4400640"/>
-            <a:ext cx="5485320" cy="3599280"/>
+            <a:ext cx="5484960" cy="3598920"/>
           </a:xfrm>
           <a:prstGeom prst="rect">
             <a:avLst/>
@@ -1668,7 +1668,7 @@
       </p:sp>
       <p:sp>
         <p:nvSpPr>
-          <p:cNvPr id="131" name="PlaceHolder 3"/>
+          <p:cNvPr id="133" name="PlaceHolder 3"/>
           <p:cNvSpPr>
             <a:spLocks noGrp="1"/>
           </p:cNvSpPr>
@@ -1679,7 +1679,7 @@
         <p:spPr>
           <a:xfrm>
             <a:off x="3884760" y="8685360"/>
-            <a:ext cx="2970720" cy="457560"/>
+            <a:ext cx="2970360" cy="457200"/>
           </a:xfrm>
           <a:prstGeom prst="rect">
             <a:avLst/>
@@ -1720,7 +1720,7 @@
                 <a:tab algn="l" pos="0"/>
               </a:tabLst>
             </a:pPr>
-            <a:fld id="{7D75B9A0-2DA5-4EBE-B1C4-60F68E999B6D}" type="slidenum">
+            <a:fld id="{534E2EA3-D286-4A9D-9AB9-C0EA44C30E56}" type="slidenum">
               <a:rPr b="0" lang="en-US" sz="1200" spc="-1" strike="noStrike">
                 <a:solidFill>
                   <a:srgbClr val="000000"/>
@@ -1762,7 +1762,7 @@
       </p:grpSpPr>
       <p:sp>
         <p:nvSpPr>
-          <p:cNvPr id="132" name="PlaceHolder 1"/>
+          <p:cNvPr id="134" name="PlaceHolder 1"/>
           <p:cNvSpPr>
             <a:spLocks noGrp="1"/>
           </p:cNvSpPr>
@@ -1773,7 +1773,7 @@
         <p:spPr>
           <a:xfrm>
             <a:off x="685800" y="1143000"/>
-            <a:ext cx="5485320" cy="3085200"/>
+            <a:ext cx="5484960" cy="3084840"/>
           </a:xfrm>
           <a:prstGeom prst="rect">
             <a:avLst/>
@@ -1785,7 +1785,7 @@
       </p:sp>
       <p:sp>
         <p:nvSpPr>
-          <p:cNvPr id="133" name="PlaceHolder 2"/>
+          <p:cNvPr id="135" name="PlaceHolder 2"/>
           <p:cNvSpPr>
             <a:spLocks noGrp="1"/>
           </p:cNvSpPr>
@@ -1796,7 +1796,7 @@
         <p:spPr>
           <a:xfrm>
             <a:off x="685800" y="4400640"/>
-            <a:ext cx="5485320" cy="3599280"/>
+            <a:ext cx="5484960" cy="3598920"/>
           </a:xfrm>
           <a:prstGeom prst="rect">
             <a:avLst/>
@@ -1840,7 +1840,7 @@
       </p:sp>
       <p:sp>
         <p:nvSpPr>
-          <p:cNvPr id="134" name="PlaceHolder 3"/>
+          <p:cNvPr id="136" name="PlaceHolder 3"/>
           <p:cNvSpPr>
             <a:spLocks noGrp="1"/>
           </p:cNvSpPr>
@@ -1851,7 +1851,7 @@
         <p:spPr>
           <a:xfrm>
             <a:off x="3884760" y="8685360"/>
-            <a:ext cx="2970720" cy="457560"/>
+            <a:ext cx="2970360" cy="457200"/>
           </a:xfrm>
           <a:prstGeom prst="rect">
             <a:avLst/>
@@ -1892,7 +1892,7 @@
                 <a:tab algn="l" pos="0"/>
               </a:tabLst>
             </a:pPr>
-            <a:fld id="{44A8A900-3985-4580-AA9D-AE4870EEFDDF}" type="slidenum">
+            <a:fld id="{6B75746C-DC6D-46B8-AA4C-053D677F04F0}" type="slidenum">
               <a:rPr b="0" lang="en-US" sz="1200" spc="-1" strike="noStrike">
                 <a:solidFill>
                   <a:srgbClr val="000000"/>
@@ -1945,7 +1945,7 @@
         <p:spPr>
           <a:xfrm>
             <a:off x="838080" y="365040"/>
-            <a:ext cx="10514520" cy="1324440"/>
+            <a:ext cx="10514160" cy="1324080"/>
           </a:xfrm>
           <a:prstGeom prst="rect">
             <a:avLst/>
@@ -1985,7 +1985,7 @@
         <p:spPr>
           <a:xfrm>
             <a:off x="838080" y="1825560"/>
-            <a:ext cx="10514520" cy="4350240"/>
+            <a:ext cx="10514160" cy="4349880"/>
           </a:xfrm>
           <a:prstGeom prst="rect">
             <a:avLst/>
@@ -2046,7 +2046,7 @@
         <p:txBody>
           <a:bodyPr/>
           <a:p>
-            <a:fld id="{9F72D443-6A7C-4A7C-8F00-548D8B573369}" type="slidenum">
+            <a:fld id="{E173C757-48E2-44AB-94E3-200118D20729}" type="slidenum">
               <a:t>&lt;#&gt;</a:t>
             </a:fld>
           </a:p>
@@ -2129,7 +2129,7 @@
         <p:txBody>
           <a:bodyPr/>
           <a:p>
-            <a:fld id="{9A0A55EC-45FB-4C3A-945C-58A0C3BC828E}" type="slidenum">
+            <a:fld id="{2EDD80F9-FC65-4403-B682-DF19138866B1}" type="slidenum">
               <a:t>&lt;#&gt;</a:t>
             </a:fld>
           </a:p>
@@ -2212,7 +2212,7 @@
         <p:txBody>
           <a:bodyPr/>
           <a:p>
-            <a:fld id="{7E501133-342C-4530-9550-9FE412CA6C15}" type="slidenum">
+            <a:fld id="{086236D5-12C9-480F-AFB6-2597A2EA6A1C}" type="slidenum">
               <a:t>&lt;#&gt;</a:t>
             </a:fld>
           </a:p>
@@ -2295,7 +2295,7 @@
         <p:txBody>
           <a:bodyPr/>
           <a:p>
-            <a:fld id="{217B594A-3707-42F9-8801-7CA4F0E86C1C}" type="slidenum">
+            <a:fld id="{F588F1AC-65D7-4B1D-84CF-B99EE8C9F74D}" type="slidenum">
               <a:t>&lt;#&gt;</a:t>
             </a:fld>
           </a:p>
@@ -2378,7 +2378,7 @@
         <p:txBody>
           <a:bodyPr/>
           <a:p>
-            <a:fld id="{FF93B56F-725D-4F9E-9A54-98403E510E06}" type="slidenum">
+            <a:fld id="{17CC69E6-2A7C-4E15-A8D1-BB92A6E9BA35}" type="slidenum">
               <a:t>&lt;#&gt;</a:t>
             </a:fld>
           </a:p>
@@ -2440,7 +2440,7 @@
         <p:spPr>
           <a:xfrm>
             <a:off x="838080" y="365040"/>
-            <a:ext cx="10514520" cy="1324440"/>
+            <a:ext cx="10514160" cy="1324080"/>
           </a:xfrm>
           <a:prstGeom prst="rect">
             <a:avLst/>
@@ -2480,7 +2480,7 @@
         <p:spPr>
           <a:xfrm>
             <a:off x="838080" y="1825560"/>
-            <a:ext cx="10514520" cy="4350240"/>
+            <a:ext cx="10514160" cy="4349880"/>
           </a:xfrm>
           <a:prstGeom prst="rect">
             <a:avLst/>
@@ -2544,7 +2544,7 @@
         <p:txBody>
           <a:bodyPr/>
           <a:p>
-            <a:fld id="{0110C037-892E-4855-9C6D-572EF4A30C47}" type="slidenum">
+            <a:fld id="{95D89377-77A4-4964-B8E6-4B4A2F9889BE}" type="slidenum">
               <a:t>&lt;#&gt;</a:t>
             </a:fld>
           </a:p>
@@ -2627,7 +2627,7 @@
         <p:txBody>
           <a:bodyPr/>
           <a:p>
-            <a:fld id="{8147756C-FDA9-49C5-B0A0-1E943E7C8EB0}" type="slidenum">
+            <a:fld id="{86644D71-B6C4-471C-B0C6-9E0D24CA1D9B}" type="slidenum">
               <a:t>&lt;#&gt;</a:t>
             </a:fld>
           </a:p>
@@ -2689,7 +2689,7 @@
         <p:spPr>
           <a:xfrm>
             <a:off x="838080" y="365040"/>
-            <a:ext cx="10514520" cy="1324440"/>
+            <a:ext cx="10514160" cy="1324080"/>
           </a:xfrm>
           <a:prstGeom prst="rect">
             <a:avLst/>
@@ -2729,7 +2729,7 @@
         <p:spPr>
           <a:xfrm>
             <a:off x="838080" y="1825560"/>
-            <a:ext cx="5131080" cy="4350240"/>
+            <a:ext cx="5130720" cy="4349880"/>
           </a:xfrm>
           <a:prstGeom prst="rect">
             <a:avLst/>
@@ -2771,8 +2771,8 @@
         </p:nvSpPr>
         <p:spPr>
           <a:xfrm>
-            <a:off x="6226200" y="1825560"/>
-            <a:ext cx="5131080" cy="4350240"/>
+            <a:off x="6225840" y="1825560"/>
+            <a:ext cx="5130720" cy="4349880"/>
           </a:xfrm>
           <a:prstGeom prst="rect">
             <a:avLst/>
@@ -2836,7 +2836,7 @@
         <p:txBody>
           <a:bodyPr/>
           <a:p>
-            <a:fld id="{0DEC1201-B528-4D59-9646-B5E10256560B}" type="slidenum">
+            <a:fld id="{B66B1231-1C9D-463F-BB50-327C2AC4E865}" type="slidenum">
               <a:t>&lt;#&gt;</a:t>
             </a:fld>
           </a:p>
@@ -2919,7 +2919,7 @@
         <p:txBody>
           <a:bodyPr/>
           <a:p>
-            <a:fld id="{35F704C2-6B1D-461E-9D9B-1786C7F92FDE}" type="slidenum">
+            <a:fld id="{D116DB3A-80EB-44F7-A18E-73EA16645F75}" type="slidenum">
               <a:t>&lt;#&gt;</a:t>
             </a:fld>
           </a:p>
@@ -2981,7 +2981,7 @@
         <p:spPr>
           <a:xfrm>
             <a:off x="838080" y="365040"/>
-            <a:ext cx="10514520" cy="1324440"/>
+            <a:ext cx="10514160" cy="1324080"/>
           </a:xfrm>
           <a:prstGeom prst="rect">
             <a:avLst/>
@@ -3042,7 +3042,7 @@
         <p:txBody>
           <a:bodyPr/>
           <a:p>
-            <a:fld id="{AA37DF27-4D82-4BAA-90F3-90EDED316570}" type="slidenum">
+            <a:fld id="{AC3CDFA6-1AEB-45B9-AA97-E405EB9C7B93}" type="slidenum">
               <a:t>&lt;#&gt;</a:t>
             </a:fld>
           </a:p>
@@ -3125,7 +3125,7 @@
         <p:txBody>
           <a:bodyPr/>
           <a:p>
-            <a:fld id="{31D4F016-3884-43B5-92E6-0F91DF24205E}" type="slidenum">
+            <a:fld id="{2C2A898B-BE15-439F-9340-7A7114DFF831}" type="slidenum">
               <a:t>&lt;#&gt;</a:t>
             </a:fld>
           </a:p>
@@ -3194,7 +3194,7 @@
         <p:spPr>
           <a:xfrm>
             <a:off x="838080" y="365040"/>
-            <a:ext cx="10514520" cy="1324440"/>
+            <a:ext cx="10514160" cy="1324080"/>
           </a:xfrm>
           <a:prstGeom prst="rect">
             <a:avLst/>
@@ -3243,7 +3243,7 @@
         <p:spPr>
           <a:xfrm>
             <a:off x="4038480" y="6356520"/>
-            <a:ext cx="4113720" cy="363960"/>
+            <a:ext cx="4113360" cy="363600"/>
           </a:xfrm>
           <a:prstGeom prst="rect">
             <a:avLst/>
@@ -3291,7 +3291,7 @@
                 </a:solidFill>
                 <a:latin typeface="Times New Roman"/>
               </a:rPr>
-              <a:t> </a:t>
+              <a:t>&lt;footer&gt;</a:t>
             </a:r>
             <a:endParaRPr b="0" lang="en-US" sz="1400" spc="-1" strike="noStrike">
               <a:solidFill>
@@ -3315,7 +3315,7 @@
         <p:spPr>
           <a:xfrm>
             <a:off x="8610480" y="6356520"/>
-            <a:ext cx="2742120" cy="363960"/>
+            <a:ext cx="2741760" cy="363600"/>
           </a:xfrm>
           <a:prstGeom prst="rect">
             <a:avLst/>
@@ -3358,7 +3358,7 @@
                 <a:tab algn="l" pos="0"/>
               </a:tabLst>
             </a:pPr>
-            <a:fld id="{C3BC63B1-ACE6-4E09-88C3-0B660678E71D}" type="slidenum">
+            <a:fld id="{8369EC3C-C079-4360-AC8F-7FB3D04D4993}" type="slidenum">
               <a:rPr b="0" lang="en-US" sz="1200" spc="-1" strike="noStrike">
                 <a:solidFill>
                   <a:schemeClr val="dk1">
@@ -3367,7 +3367,7 @@
                 </a:solidFill>
                 <a:latin typeface="Aptos"/>
               </a:rPr>
-              <a:t>7</a:t>
+              <a:t>&lt;number&gt;</a:t>
             </a:fld>
             <a:endParaRPr b="0" lang="en-US" sz="1200" spc="-1" strike="noStrike">
               <a:solidFill>
@@ -3391,7 +3391,7 @@
         <p:spPr>
           <a:xfrm>
             <a:off x="838080" y="6356520"/>
-            <a:ext cx="2742120" cy="363960"/>
+            <a:ext cx="2741760" cy="363600"/>
           </a:xfrm>
           <a:prstGeom prst="rect">
             <a:avLst/>
@@ -3427,7 +3427,7 @@
                 </a:solidFill>
                 <a:latin typeface="Times New Roman"/>
               </a:rPr>
-              <a:t> </a:t>
+              <a:t>&lt;date/time&gt;</a:t>
             </a:r>
             <a:endParaRPr b="0" lang="en-US" sz="1400" spc="-1" strike="noStrike">
               <a:solidFill>
@@ -3709,7 +3709,7 @@
         <p:spPr>
           <a:xfrm>
             <a:off x="4038480" y="6356520"/>
-            <a:ext cx="4113720" cy="363960"/>
+            <a:ext cx="4113360" cy="363600"/>
           </a:xfrm>
           <a:prstGeom prst="rect">
             <a:avLst/>
@@ -3781,7 +3781,7 @@
         <p:spPr>
           <a:xfrm>
             <a:off x="8610480" y="6356520"/>
-            <a:ext cx="2742120" cy="363960"/>
+            <a:ext cx="2741760" cy="363600"/>
           </a:xfrm>
           <a:prstGeom prst="rect">
             <a:avLst/>
@@ -3824,7 +3824,7 @@
                 <a:tab algn="l" pos="0"/>
               </a:tabLst>
             </a:pPr>
-            <a:fld id="{27CA4316-72CA-4357-8E5D-EAB650352713}" type="slidenum">
+            <a:fld id="{91A8D373-948D-4BC1-80F7-5F5C84637A50}" type="slidenum">
               <a:rPr b="0" lang="en-US" sz="1200" spc="-1" strike="noStrike">
                 <a:solidFill>
                   <a:schemeClr val="dk1">
@@ -3857,7 +3857,7 @@
         <p:spPr>
           <a:xfrm>
             <a:off x="838080" y="6356520"/>
-            <a:ext cx="2742120" cy="363960"/>
+            <a:ext cx="2741760" cy="363600"/>
           </a:xfrm>
           <a:prstGeom prst="rect">
             <a:avLst/>
@@ -3950,7 +3950,7 @@
         <p:spPr>
           <a:xfrm>
             <a:off x="4038480" y="6356520"/>
-            <a:ext cx="4113720" cy="363960"/>
+            <a:ext cx="4113360" cy="363600"/>
           </a:xfrm>
           <a:prstGeom prst="rect">
             <a:avLst/>
@@ -4022,7 +4022,7 @@
         <p:spPr>
           <a:xfrm>
             <a:off x="8610480" y="6356520"/>
-            <a:ext cx="2742120" cy="363960"/>
+            <a:ext cx="2741760" cy="363600"/>
           </a:xfrm>
           <a:prstGeom prst="rect">
             <a:avLst/>
@@ -4065,7 +4065,7 @@
                 <a:tab algn="l" pos="0"/>
               </a:tabLst>
             </a:pPr>
-            <a:fld id="{6D08E9D1-B03D-4EAD-967A-96D92C673A41}" type="slidenum">
+            <a:fld id="{289B2A8F-20A0-4C44-A084-B197C3D56670}" type="slidenum">
               <a:rPr b="0" lang="en-US" sz="1200" spc="-1" strike="noStrike">
                 <a:solidFill>
                   <a:schemeClr val="dk1">
@@ -4098,7 +4098,7 @@
         <p:spPr>
           <a:xfrm>
             <a:off x="838080" y="6356520"/>
-            <a:ext cx="2742120" cy="363960"/>
+            <a:ext cx="2741760" cy="363600"/>
           </a:xfrm>
           <a:prstGeom prst="rect">
             <a:avLst/>
@@ -4191,7 +4191,7 @@
         <p:spPr>
           <a:xfrm>
             <a:off x="4038480" y="6356520"/>
-            <a:ext cx="4113720" cy="363960"/>
+            <a:ext cx="4113360" cy="363600"/>
           </a:xfrm>
           <a:prstGeom prst="rect">
             <a:avLst/>
@@ -4263,7 +4263,7 @@
         <p:spPr>
           <a:xfrm>
             <a:off x="8610480" y="6356520"/>
-            <a:ext cx="2742120" cy="363960"/>
+            <a:ext cx="2741760" cy="363600"/>
           </a:xfrm>
           <a:prstGeom prst="rect">
             <a:avLst/>
@@ -4306,7 +4306,7 @@
                 <a:tab algn="l" pos="0"/>
               </a:tabLst>
             </a:pPr>
-            <a:fld id="{E2ED0188-51EB-4DEF-8637-A4401D4E6ACB}" type="slidenum">
+            <a:fld id="{21970563-64B0-4598-86E0-8DC6A9767086}" type="slidenum">
               <a:rPr b="0" lang="en-US" sz="1200" spc="-1" strike="noStrike">
                 <a:solidFill>
                   <a:schemeClr val="dk1">
@@ -4339,7 +4339,7 @@
         <p:spPr>
           <a:xfrm>
             <a:off x="838080" y="6356520"/>
-            <a:ext cx="2742120" cy="363960"/>
+            <a:ext cx="2741760" cy="363600"/>
           </a:xfrm>
           <a:prstGeom prst="rect">
             <a:avLst/>
@@ -4432,7 +4432,7 @@
         <p:spPr>
           <a:xfrm>
             <a:off x="4038480" y="6356520"/>
-            <a:ext cx="4113720" cy="363960"/>
+            <a:ext cx="4113360" cy="363600"/>
           </a:xfrm>
           <a:prstGeom prst="rect">
             <a:avLst/>
@@ -4504,7 +4504,7 @@
         <p:spPr>
           <a:xfrm>
             <a:off x="8610480" y="6356520"/>
-            <a:ext cx="2742120" cy="363960"/>
+            <a:ext cx="2741760" cy="363600"/>
           </a:xfrm>
           <a:prstGeom prst="rect">
             <a:avLst/>
@@ -4547,7 +4547,7 @@
                 <a:tab algn="l" pos="0"/>
               </a:tabLst>
             </a:pPr>
-            <a:fld id="{C1D33613-4BDF-4C5A-A7F7-B85DE006EFFB}" type="slidenum">
+            <a:fld id="{6C92B583-0A48-432B-9920-4A9FD328FC17}" type="slidenum">
               <a:rPr b="0" lang="en-US" sz="1200" spc="-1" strike="noStrike">
                 <a:solidFill>
                   <a:schemeClr val="dk1">
@@ -4580,7 +4580,7 @@
         <p:spPr>
           <a:xfrm>
             <a:off x="838080" y="6356520"/>
-            <a:ext cx="2742120" cy="363960"/>
+            <a:ext cx="2741760" cy="363600"/>
           </a:xfrm>
           <a:prstGeom prst="rect">
             <a:avLst/>
@@ -4673,7 +4673,7 @@
         <p:spPr>
           <a:xfrm>
             <a:off x="838080" y="365040"/>
-            <a:ext cx="10514520" cy="1324440"/>
+            <a:ext cx="10514160" cy="1324080"/>
           </a:xfrm>
           <a:prstGeom prst="rect">
             <a:avLst/>
@@ -4722,7 +4722,7 @@
         <p:spPr>
           <a:xfrm>
             <a:off x="838080" y="1825560"/>
-            <a:ext cx="10514520" cy="4350240"/>
+            <a:ext cx="10514160" cy="4349880"/>
           </a:xfrm>
           <a:prstGeom prst="rect">
             <a:avLst/>
@@ -4947,7 +4947,7 @@
         <p:spPr>
           <a:xfrm>
             <a:off x="4038480" y="6356520"/>
-            <a:ext cx="4113720" cy="363960"/>
+            <a:ext cx="4113360" cy="363600"/>
           </a:xfrm>
           <a:prstGeom prst="rect">
             <a:avLst/>
@@ -5019,7 +5019,7 @@
         <p:spPr>
           <a:xfrm>
             <a:off x="8610480" y="6356520"/>
-            <a:ext cx="2742120" cy="363960"/>
+            <a:ext cx="2741760" cy="363600"/>
           </a:xfrm>
           <a:prstGeom prst="rect">
             <a:avLst/>
@@ -5062,7 +5062,7 @@
                 <a:tab algn="l" pos="0"/>
               </a:tabLst>
             </a:pPr>
-            <a:fld id="{2792E95A-D8AB-48F4-ABF3-1F1AFCED32B7}" type="slidenum">
+            <a:fld id="{4C362E81-99C2-4BB6-BA25-92741B749076}" type="slidenum">
               <a:rPr b="0" lang="en-US" sz="1200" spc="-1" strike="noStrike">
                 <a:solidFill>
                   <a:schemeClr val="dk1">
@@ -5095,7 +5095,7 @@
         <p:spPr>
           <a:xfrm>
             <a:off x="838080" y="6356520"/>
-            <a:ext cx="2742120" cy="363960"/>
+            <a:ext cx="2741760" cy="363600"/>
           </a:xfrm>
           <a:prstGeom prst="rect">
             <a:avLst/>
@@ -5188,7 +5188,7 @@
         <p:spPr>
           <a:xfrm>
             <a:off x="4038480" y="6356520"/>
-            <a:ext cx="4113720" cy="363960"/>
+            <a:ext cx="4113360" cy="363600"/>
           </a:xfrm>
           <a:prstGeom prst="rect">
             <a:avLst/>
@@ -5260,7 +5260,7 @@
         <p:spPr>
           <a:xfrm>
             <a:off x="8610480" y="6356520"/>
-            <a:ext cx="2742120" cy="363960"/>
+            <a:ext cx="2741760" cy="363600"/>
           </a:xfrm>
           <a:prstGeom prst="rect">
             <a:avLst/>
@@ -5303,7 +5303,7 @@
                 <a:tab algn="l" pos="0"/>
               </a:tabLst>
             </a:pPr>
-            <a:fld id="{AC2A8F2F-B8F8-45C7-9625-02660F00B79C}" type="slidenum">
+            <a:fld id="{B67952BD-45F5-47F1-A299-B0814F660B24}" type="slidenum">
               <a:rPr b="0" lang="en-US" sz="1200" spc="-1" strike="noStrike">
                 <a:solidFill>
                   <a:schemeClr val="dk1">
@@ -5336,7 +5336,7 @@
         <p:spPr>
           <a:xfrm>
             <a:off x="838080" y="6356520"/>
-            <a:ext cx="2742120" cy="363960"/>
+            <a:ext cx="2741760" cy="363600"/>
           </a:xfrm>
           <a:prstGeom prst="rect">
             <a:avLst/>
@@ -5429,7 +5429,7 @@
         <p:spPr>
           <a:xfrm>
             <a:off x="838080" y="365040"/>
-            <a:ext cx="10514520" cy="1324440"/>
+            <a:ext cx="10514160" cy="1324080"/>
           </a:xfrm>
           <a:prstGeom prst="rect">
             <a:avLst/>
@@ -5478,7 +5478,7 @@
         <p:spPr>
           <a:xfrm>
             <a:off x="838080" y="1825560"/>
-            <a:ext cx="5130720" cy="4350240"/>
+            <a:ext cx="5130720" cy="4349880"/>
           </a:xfrm>
           <a:prstGeom prst="rect">
             <a:avLst/>
@@ -5703,7 +5703,7 @@
         <p:spPr>
           <a:xfrm>
             <a:off x="6226200" y="1825560"/>
-            <a:ext cx="5130720" cy="4350240"/>
+            <a:ext cx="5130720" cy="4349880"/>
           </a:xfrm>
           <a:prstGeom prst="rect">
             <a:avLst/>
@@ -5928,7 +5928,7 @@
         <p:spPr>
           <a:xfrm>
             <a:off x="4038480" y="6356520"/>
-            <a:ext cx="4113720" cy="363960"/>
+            <a:ext cx="4113360" cy="363600"/>
           </a:xfrm>
           <a:prstGeom prst="rect">
             <a:avLst/>
@@ -6000,7 +6000,7 @@
         <p:spPr>
           <a:xfrm>
             <a:off x="8610480" y="6356520"/>
-            <a:ext cx="2742120" cy="363960"/>
+            <a:ext cx="2741760" cy="363600"/>
           </a:xfrm>
           <a:prstGeom prst="rect">
             <a:avLst/>
@@ -6043,7 +6043,7 @@
                 <a:tab algn="l" pos="0"/>
               </a:tabLst>
             </a:pPr>
-            <a:fld id="{10A4AB47-254A-4221-9B59-00B3177B23C3}" type="slidenum">
+            <a:fld id="{FD8B1D21-FA4E-4EA6-8CA0-0CAC3EAD5EA9}" type="slidenum">
               <a:rPr b="0" lang="en-US" sz="1200" spc="-1" strike="noStrike">
                 <a:solidFill>
                   <a:schemeClr val="dk1">
@@ -6076,7 +6076,7 @@
         <p:spPr>
           <a:xfrm>
             <a:off x="838080" y="6356520"/>
-            <a:ext cx="2742120" cy="363960"/>
+            <a:ext cx="2741760" cy="363600"/>
           </a:xfrm>
           <a:prstGeom prst="rect">
             <a:avLst/>
@@ -6169,7 +6169,7 @@
         <p:spPr>
           <a:xfrm>
             <a:off x="4038480" y="6356520"/>
-            <a:ext cx="4113720" cy="363960"/>
+            <a:ext cx="4113360" cy="363600"/>
           </a:xfrm>
           <a:prstGeom prst="rect">
             <a:avLst/>
@@ -6241,7 +6241,7 @@
         <p:spPr>
           <a:xfrm>
             <a:off x="8610480" y="6356520"/>
-            <a:ext cx="2742120" cy="363960"/>
+            <a:ext cx="2741760" cy="363600"/>
           </a:xfrm>
           <a:prstGeom prst="rect">
             <a:avLst/>
@@ -6284,7 +6284,7 @@
                 <a:tab algn="l" pos="0"/>
               </a:tabLst>
             </a:pPr>
-            <a:fld id="{493E060B-63A4-4D94-9A98-D197AFF32CE7}" type="slidenum">
+            <a:fld id="{1989D171-80AB-4D06-92D6-833E55B43FDE}" type="slidenum">
               <a:rPr b="0" lang="en-US" sz="1200" spc="-1" strike="noStrike">
                 <a:solidFill>
                   <a:schemeClr val="dk1">
@@ -6317,7 +6317,7 @@
         <p:spPr>
           <a:xfrm>
             <a:off x="838080" y="6356520"/>
-            <a:ext cx="2742120" cy="363960"/>
+            <a:ext cx="2741760" cy="363600"/>
           </a:xfrm>
           <a:prstGeom prst="rect">
             <a:avLst/>
@@ -6410,7 +6410,7 @@
         <p:spPr>
           <a:xfrm>
             <a:off x="838080" y="365040"/>
-            <a:ext cx="10514520" cy="1324440"/>
+            <a:ext cx="10514160" cy="1324080"/>
           </a:xfrm>
           <a:prstGeom prst="rect">
             <a:avLst/>
@@ -6459,7 +6459,7 @@
         <p:spPr>
           <a:xfrm>
             <a:off x="4038480" y="6356520"/>
-            <a:ext cx="4113720" cy="363960"/>
+            <a:ext cx="4113360" cy="363600"/>
           </a:xfrm>
           <a:prstGeom prst="rect">
             <a:avLst/>
@@ -6531,7 +6531,7 @@
         <p:spPr>
           <a:xfrm>
             <a:off x="8610480" y="6356520"/>
-            <a:ext cx="2742120" cy="363960"/>
+            <a:ext cx="2741760" cy="363600"/>
           </a:xfrm>
           <a:prstGeom prst="rect">
             <a:avLst/>
@@ -6574,7 +6574,7 @@
                 <a:tab algn="l" pos="0"/>
               </a:tabLst>
             </a:pPr>
-            <a:fld id="{096DE5A7-E28C-4C00-A19B-20C651A18698}" type="slidenum">
+            <a:fld id="{F73F5F7A-DFFE-4064-98EC-16853FB90B36}" type="slidenum">
               <a:rPr b="0" lang="en-US" sz="1200" spc="-1" strike="noStrike">
                 <a:solidFill>
                   <a:schemeClr val="dk1">
@@ -6607,7 +6607,7 @@
         <p:spPr>
           <a:xfrm>
             <a:off x="838080" y="6356520"/>
-            <a:ext cx="2742120" cy="363960"/>
+            <a:ext cx="2741760" cy="363600"/>
           </a:xfrm>
           <a:prstGeom prst="rect">
             <a:avLst/>
@@ -6700,7 +6700,7 @@
         <p:spPr>
           <a:xfrm>
             <a:off x="4038480" y="6356520"/>
-            <a:ext cx="4113720" cy="363960"/>
+            <a:ext cx="4113360" cy="363600"/>
           </a:xfrm>
           <a:prstGeom prst="rect">
             <a:avLst/>
@@ -6772,7 +6772,7 @@
         <p:spPr>
           <a:xfrm>
             <a:off x="8610480" y="6356520"/>
-            <a:ext cx="2742120" cy="363960"/>
+            <a:ext cx="2741760" cy="363600"/>
           </a:xfrm>
           <a:prstGeom prst="rect">
             <a:avLst/>
@@ -6815,7 +6815,7 @@
                 <a:tab algn="l" pos="0"/>
               </a:tabLst>
             </a:pPr>
-            <a:fld id="{565BB02B-DC69-4065-9D49-D59ED36D3EAB}" type="slidenum">
+            <a:fld id="{FD8A927E-A13A-4671-B70D-D148D59865AA}" type="slidenum">
               <a:rPr b="0" lang="en-US" sz="1200" spc="-1" strike="noStrike">
                 <a:solidFill>
                   <a:schemeClr val="dk1">
@@ -6848,7 +6848,7 @@
         <p:spPr>
           <a:xfrm>
             <a:off x="838080" y="6356520"/>
-            <a:ext cx="2742120" cy="363960"/>
+            <a:ext cx="2741760" cy="363600"/>
           </a:xfrm>
           <a:prstGeom prst="rect">
             <a:avLst/>
@@ -6943,7 +6943,7 @@
         <p:spPr>
           <a:xfrm>
             <a:off x="0" y="0"/>
-            <a:ext cx="12191040" cy="6856920"/>
+            <a:ext cx="12190680" cy="6856560"/>
           </a:xfrm>
           <a:prstGeom prst="rect">
             <a:avLst/>
@@ -6999,7 +6999,7 @@
         <p:spPr>
           <a:xfrm>
             <a:off x="0" y="0"/>
-            <a:ext cx="12191040" cy="6856920"/>
+            <a:ext cx="12190680" cy="6856560"/>
           </a:xfrm>
           <a:prstGeom prst="rect">
             <a:avLst/>
@@ -7023,8 +7023,8 @@
         </p:nvSpPr>
         <p:spPr>
           <a:xfrm rot="16200000">
-            <a:off x="3799080" y="-1522440"/>
-            <a:ext cx="4591080" cy="12191040"/>
+            <a:off x="3798720" y="-1521720"/>
+            <a:ext cx="4590720" cy="12190680"/>
           </a:xfrm>
           <a:prstGeom prst="rect">
             <a:avLst/>
@@ -7104,7 +7104,7 @@
         <p:spPr>
           <a:xfrm>
             <a:off x="404640" y="3092040"/>
-            <a:ext cx="9077400" cy="2386440"/>
+            <a:ext cx="9077040" cy="2386080"/>
           </a:xfrm>
           <a:prstGeom prst="rect">
             <a:avLst/>
@@ -7173,7 +7173,7 @@
         <p:spPr>
           <a:xfrm>
             <a:off x="0" y="5574960"/>
-            <a:ext cx="9784800" cy="684720"/>
+            <a:ext cx="9784440" cy="684360"/>
           </a:xfrm>
           <a:prstGeom prst="roundRect">
             <a:avLst>
@@ -7233,7 +7233,7 @@
         <p:spPr>
           <a:xfrm>
             <a:off x="404640" y="5625000"/>
-            <a:ext cx="9077400" cy="591840"/>
+            <a:ext cx="9077040" cy="591480"/>
           </a:xfrm>
           <a:prstGeom prst="rect">
             <a:avLst/>
@@ -7448,7 +7448,7 @@
       </p:grpSpPr>
       <p:sp>
         <p:nvSpPr>
-          <p:cNvPr id="106" name="Rectangle 22">
+          <p:cNvPr id="108" name="Rectangle 22">
             <a:extLst>
               <a:ext uri="{C183D7F6-B498-43B3-948B-1728B52AA6E4}">
                 <adec:decorative xmlns:adec="http://schemas.microsoft.com/office/drawing/2017/decorative" val="1"/>
@@ -7461,7 +7461,7 @@
         <p:spPr>
           <a:xfrm>
             <a:off x="0" y="-3240"/>
-            <a:ext cx="12191040" cy="6860160"/>
+            <a:ext cx="12190680" cy="6859800"/>
           </a:xfrm>
           <a:prstGeom prst="rect">
             <a:avLst/>
@@ -7508,7 +7508,7 @@
       </p:sp>
       <p:sp>
         <p:nvSpPr>
-          <p:cNvPr id="107" name="Freeform 13">
+          <p:cNvPr id="109" name="Freeform 13">
             <a:extLst>
               <a:ext uri="{C183D7F6-B498-43B3-948B-1728B52AA6E4}">
                 <adec:decorative xmlns:adec="http://schemas.microsoft.com/office/drawing/2017/decorative" val="1"/>
@@ -7521,15 +7521,15 @@
         <p:spPr>
           <a:xfrm>
             <a:off x="0" y="0"/>
-            <a:ext cx="11785680" cy="6856920"/>
+            <a:ext cx="11785320" cy="6856560"/>
           </a:xfrm>
           <a:custGeom>
             <a:avLst/>
             <a:gdLst>
-              <a:gd name="textAreaLeft" fmla="*/ 0 w 11785680"/>
-              <a:gd name="textAreaRight" fmla="*/ 11786760 w 11785680"/>
-              <a:gd name="textAreaTop" fmla="*/ 0 h 6856920"/>
-              <a:gd name="textAreaBottom" fmla="*/ 6858000 h 6856920"/>
+              <a:gd name="textAreaLeft" fmla="*/ 0 w 11785320"/>
+              <a:gd name="textAreaRight" fmla="*/ 11786760 w 11785320"/>
+              <a:gd name="textAreaTop" fmla="*/ 0 h 6856560"/>
+              <a:gd name="textAreaBottom" fmla="*/ 6858000 h 6856560"/>
             </a:gdLst>
             <a:ahLst/>
             <a:rect l="textAreaLeft" t="textAreaTop" r="textAreaRight" b="textAreaBottom"/>
@@ -7595,7 +7595,7 @@
       </p:sp>
       <p:sp>
         <p:nvSpPr>
-          <p:cNvPr id="108" name="Freeform 11">
+          <p:cNvPr id="110" name="Freeform 11">
             <a:extLst>
               <a:ext uri="{C183D7F6-B498-43B3-948B-1728B52AA6E4}">
                 <adec:decorative xmlns:adec="http://schemas.microsoft.com/office/drawing/2017/decorative" val="1"/>
@@ -7608,15 +7608,15 @@
         <p:spPr>
           <a:xfrm>
             <a:off x="0" y="0"/>
-            <a:ext cx="3580200" cy="6856920"/>
+            <a:ext cx="3579840" cy="6856560"/>
           </a:xfrm>
           <a:custGeom>
             <a:avLst/>
             <a:gdLst>
-              <a:gd name="textAreaLeft" fmla="*/ 0 w 3580200"/>
-              <a:gd name="textAreaRight" fmla="*/ 3581280 w 3580200"/>
-              <a:gd name="textAreaTop" fmla="*/ 0 h 6856920"/>
-              <a:gd name="textAreaBottom" fmla="*/ 6858000 h 6856920"/>
+              <a:gd name="textAreaLeft" fmla="*/ 0 w 3579840"/>
+              <a:gd name="textAreaRight" fmla="*/ 3581280 w 3579840"/>
+              <a:gd name="textAreaTop" fmla="*/ 0 h 6856560"/>
+              <a:gd name="textAreaBottom" fmla="*/ 6858000 h 6856560"/>
             </a:gdLst>
             <a:ahLst/>
             <a:rect l="textAreaLeft" t="textAreaTop" r="textAreaRight" b="textAreaBottom"/>
@@ -7682,7 +7682,7 @@
       </p:sp>
       <p:sp>
         <p:nvSpPr>
-          <p:cNvPr id="109" name="PlaceHolder 1"/>
+          <p:cNvPr id="111" name="PlaceHolder 1"/>
           <p:cNvSpPr>
             <a:spLocks noGrp="1"/>
           </p:cNvSpPr>
@@ -7693,7 +7693,7 @@
         <p:spPr>
           <a:xfrm>
             <a:off x="838080" y="365040"/>
-            <a:ext cx="10514520" cy="1324440"/>
+            <a:ext cx="10514160" cy="1324080"/>
           </a:xfrm>
           <a:prstGeom prst="rect">
             <a:avLst/>
@@ -7737,7 +7737,7 @@
       </p:sp>
       <p:sp>
         <p:nvSpPr>
-          <p:cNvPr id="110" name="PlaceHolder 2"/>
+          <p:cNvPr id="112" name="PlaceHolder 2"/>
           <p:cNvSpPr>
             <a:spLocks noGrp="1"/>
           </p:cNvSpPr>
@@ -7748,7 +7748,7 @@
         <p:spPr>
           <a:xfrm>
             <a:off x="838080" y="2010960"/>
-            <a:ext cx="10514520" cy="4165200"/>
+            <a:ext cx="10514160" cy="4164840"/>
           </a:xfrm>
           <a:prstGeom prst="rect">
             <a:avLst/>
@@ -7830,7 +7830,7 @@
         <p:spPr>
           <a:xfrm>
             <a:off x="0" y="-3240"/>
-            <a:ext cx="12191040" cy="6860160"/>
+            <a:ext cx="12190680" cy="6859800"/>
           </a:xfrm>
           <a:prstGeom prst="rect">
             <a:avLst/>
@@ -7890,15 +7890,15 @@
         <p:spPr>
           <a:xfrm>
             <a:off x="0" y="0"/>
-            <a:ext cx="11785680" cy="6856920"/>
+            <a:ext cx="11785320" cy="6856560"/>
           </a:xfrm>
           <a:custGeom>
             <a:avLst/>
             <a:gdLst>
-              <a:gd name="textAreaLeft" fmla="*/ 0 w 11785680"/>
-              <a:gd name="textAreaRight" fmla="*/ 11786760 w 11785680"/>
-              <a:gd name="textAreaTop" fmla="*/ 0 h 6856920"/>
-              <a:gd name="textAreaBottom" fmla="*/ 6858000 h 6856920"/>
+              <a:gd name="textAreaLeft" fmla="*/ 0 w 11785320"/>
+              <a:gd name="textAreaRight" fmla="*/ 11786760 w 11785320"/>
+              <a:gd name="textAreaTop" fmla="*/ 0 h 6856560"/>
+              <a:gd name="textAreaBottom" fmla="*/ 6858000 h 6856560"/>
             </a:gdLst>
             <a:ahLst/>
             <a:rect l="textAreaLeft" t="textAreaTop" r="textAreaRight" b="textAreaBottom"/>
@@ -7977,15 +7977,15 @@
         <p:spPr>
           <a:xfrm>
             <a:off x="0" y="0"/>
-            <a:ext cx="3580200" cy="6856920"/>
+            <a:ext cx="3579840" cy="6856560"/>
           </a:xfrm>
           <a:custGeom>
             <a:avLst/>
             <a:gdLst>
-              <a:gd name="textAreaLeft" fmla="*/ 0 w 3580200"/>
-              <a:gd name="textAreaRight" fmla="*/ 3581280 w 3580200"/>
-              <a:gd name="textAreaTop" fmla="*/ 0 h 6856920"/>
-              <a:gd name="textAreaBottom" fmla="*/ 6858000 h 6856920"/>
+              <a:gd name="textAreaLeft" fmla="*/ 0 w 3579840"/>
+              <a:gd name="textAreaRight" fmla="*/ 3581280 w 3579840"/>
+              <a:gd name="textAreaTop" fmla="*/ 0 h 6856560"/>
+              <a:gd name="textAreaBottom" fmla="*/ 6858000 h 6856560"/>
             </a:gdLst>
             <a:ahLst/>
             <a:rect l="textAreaLeft" t="textAreaTop" r="textAreaRight" b="textAreaBottom"/>
@@ -8062,7 +8062,7 @@
         <p:spPr>
           <a:xfrm>
             <a:off x="838080" y="365040"/>
-            <a:ext cx="10514520" cy="1324440"/>
+            <a:ext cx="10514160" cy="1324080"/>
           </a:xfrm>
           <a:prstGeom prst="rect">
             <a:avLst/>
@@ -8117,7 +8117,7 @@
         <p:spPr>
           <a:xfrm>
             <a:off x="838080" y="2010960"/>
-            <a:ext cx="10514520" cy="4165200"/>
+            <a:ext cx="10514160" cy="4164840"/>
           </a:xfrm>
           <a:prstGeom prst="rect">
             <a:avLst/>
@@ -8545,7 +8545,7 @@
         <p:spPr>
           <a:xfrm>
             <a:off x="0" y="-3240"/>
-            <a:ext cx="12191040" cy="6860160"/>
+            <a:ext cx="12190680" cy="6859800"/>
           </a:xfrm>
           <a:prstGeom prst="rect">
             <a:avLst/>
@@ -8605,15 +8605,15 @@
         <p:spPr>
           <a:xfrm>
             <a:off x="0" y="0"/>
-            <a:ext cx="11785680" cy="6856920"/>
+            <a:ext cx="11785320" cy="6856560"/>
           </a:xfrm>
           <a:custGeom>
             <a:avLst/>
             <a:gdLst>
-              <a:gd name="textAreaLeft" fmla="*/ 0 w 11785680"/>
-              <a:gd name="textAreaRight" fmla="*/ 11786760 w 11785680"/>
-              <a:gd name="textAreaTop" fmla="*/ 0 h 6856920"/>
-              <a:gd name="textAreaBottom" fmla="*/ 6858000 h 6856920"/>
+              <a:gd name="textAreaLeft" fmla="*/ 0 w 11785320"/>
+              <a:gd name="textAreaRight" fmla="*/ 11786760 w 11785320"/>
+              <a:gd name="textAreaTop" fmla="*/ 0 h 6856560"/>
+              <a:gd name="textAreaBottom" fmla="*/ 6858000 h 6856560"/>
             </a:gdLst>
             <a:ahLst/>
             <a:rect l="textAreaLeft" t="textAreaTop" r="textAreaRight" b="textAreaBottom"/>
@@ -8692,15 +8692,15 @@
         <p:spPr>
           <a:xfrm>
             <a:off x="0" y="0"/>
-            <a:ext cx="3580200" cy="6856920"/>
+            <a:ext cx="3579840" cy="6856560"/>
           </a:xfrm>
           <a:custGeom>
             <a:avLst/>
             <a:gdLst>
-              <a:gd name="textAreaLeft" fmla="*/ 0 w 3580200"/>
-              <a:gd name="textAreaRight" fmla="*/ 3581280 w 3580200"/>
-              <a:gd name="textAreaTop" fmla="*/ 0 h 6856920"/>
-              <a:gd name="textAreaBottom" fmla="*/ 6858000 h 6856920"/>
+              <a:gd name="textAreaLeft" fmla="*/ 0 w 3579840"/>
+              <a:gd name="textAreaRight" fmla="*/ 3581280 w 3579840"/>
+              <a:gd name="textAreaTop" fmla="*/ 0 h 6856560"/>
+              <a:gd name="textAreaBottom" fmla="*/ 6858000 h 6856560"/>
             </a:gdLst>
             <a:ahLst/>
             <a:rect l="textAreaLeft" t="textAreaTop" r="textAreaRight" b="textAreaBottom"/>
@@ -8777,7 +8777,7 @@
         <p:spPr>
           <a:xfrm>
             <a:off x="838080" y="365040"/>
-            <a:ext cx="10514520" cy="1324440"/>
+            <a:ext cx="10514160" cy="1324080"/>
           </a:xfrm>
           <a:prstGeom prst="rect">
             <a:avLst/>
@@ -8832,7 +8832,7 @@
         <p:spPr>
           <a:xfrm>
             <a:off x="838080" y="2010960"/>
-            <a:ext cx="10514520" cy="4165200"/>
+            <a:ext cx="10514160" cy="4164840"/>
           </a:xfrm>
           <a:prstGeom prst="rect">
             <a:avLst/>
@@ -9070,7 +9070,7 @@
         <p:spPr>
           <a:xfrm>
             <a:off x="0" y="-3240"/>
-            <a:ext cx="12191040" cy="6860160"/>
+            <a:ext cx="12190680" cy="6859800"/>
           </a:xfrm>
           <a:prstGeom prst="rect">
             <a:avLst/>
@@ -9130,15 +9130,15 @@
         <p:spPr>
           <a:xfrm>
             <a:off x="0" y="0"/>
-            <a:ext cx="11785680" cy="6856920"/>
+            <a:ext cx="11785320" cy="6856560"/>
           </a:xfrm>
           <a:custGeom>
             <a:avLst/>
             <a:gdLst>
-              <a:gd name="textAreaLeft" fmla="*/ 0 w 11785680"/>
-              <a:gd name="textAreaRight" fmla="*/ 11786760 w 11785680"/>
-              <a:gd name="textAreaTop" fmla="*/ 0 h 6856920"/>
-              <a:gd name="textAreaBottom" fmla="*/ 6858000 h 6856920"/>
+              <a:gd name="textAreaLeft" fmla="*/ 0 w 11785320"/>
+              <a:gd name="textAreaRight" fmla="*/ 11786760 w 11785320"/>
+              <a:gd name="textAreaTop" fmla="*/ 0 h 6856560"/>
+              <a:gd name="textAreaBottom" fmla="*/ 6858000 h 6856560"/>
             </a:gdLst>
             <a:ahLst/>
             <a:rect l="textAreaLeft" t="textAreaTop" r="textAreaRight" b="textAreaBottom"/>
@@ -9217,15 +9217,15 @@
         <p:spPr>
           <a:xfrm>
             <a:off x="0" y="0"/>
-            <a:ext cx="3580200" cy="6856920"/>
+            <a:ext cx="3579840" cy="6856560"/>
           </a:xfrm>
           <a:custGeom>
             <a:avLst/>
             <a:gdLst>
-              <a:gd name="textAreaLeft" fmla="*/ 0 w 3580200"/>
-              <a:gd name="textAreaRight" fmla="*/ 3581280 w 3580200"/>
-              <a:gd name="textAreaTop" fmla="*/ 0 h 6856920"/>
-              <a:gd name="textAreaBottom" fmla="*/ 6858000 h 6856920"/>
+              <a:gd name="textAreaLeft" fmla="*/ 0 w 3579840"/>
+              <a:gd name="textAreaRight" fmla="*/ 3581280 w 3579840"/>
+              <a:gd name="textAreaTop" fmla="*/ 0 h 6856560"/>
+              <a:gd name="textAreaBottom" fmla="*/ 6858000 h 6856560"/>
             </a:gdLst>
             <a:ahLst/>
             <a:rect l="textAreaLeft" t="textAreaTop" r="textAreaRight" b="textAreaBottom"/>
@@ -9302,7 +9302,7 @@
         <p:spPr>
           <a:xfrm>
             <a:off x="838080" y="365040"/>
-            <a:ext cx="10514520" cy="1324440"/>
+            <a:ext cx="10514160" cy="1324080"/>
           </a:xfrm>
           <a:prstGeom prst="rect">
             <a:avLst/>
@@ -9357,7 +9357,7 @@
         <p:spPr>
           <a:xfrm>
             <a:off x="838080" y="2010960"/>
-            <a:ext cx="10514520" cy="4165200"/>
+            <a:ext cx="10514160" cy="4164840"/>
           </a:xfrm>
           <a:prstGeom prst="rect">
             <a:avLst/>
@@ -9485,7 +9485,7 @@
         <p:spPr>
           <a:xfrm>
             <a:off x="0" y="-3240"/>
-            <a:ext cx="12191040" cy="6860160"/>
+            <a:ext cx="12190680" cy="6859800"/>
           </a:xfrm>
           <a:prstGeom prst="rect">
             <a:avLst/>
@@ -9545,15 +9545,15 @@
         <p:spPr>
           <a:xfrm>
             <a:off x="0" y="0"/>
-            <a:ext cx="11785680" cy="6856920"/>
+            <a:ext cx="11785320" cy="6856560"/>
           </a:xfrm>
           <a:custGeom>
             <a:avLst/>
             <a:gdLst>
-              <a:gd name="textAreaLeft" fmla="*/ 0 w 11785680"/>
-              <a:gd name="textAreaRight" fmla="*/ 11786760 w 11785680"/>
-              <a:gd name="textAreaTop" fmla="*/ 0 h 6856920"/>
-              <a:gd name="textAreaBottom" fmla="*/ 6858000 h 6856920"/>
+              <a:gd name="textAreaLeft" fmla="*/ 0 w 11785320"/>
+              <a:gd name="textAreaRight" fmla="*/ 11786760 w 11785320"/>
+              <a:gd name="textAreaTop" fmla="*/ 0 h 6856560"/>
+              <a:gd name="textAreaBottom" fmla="*/ 6858000 h 6856560"/>
             </a:gdLst>
             <a:ahLst/>
             <a:rect l="textAreaLeft" t="textAreaTop" r="textAreaRight" b="textAreaBottom"/>
@@ -9632,15 +9632,15 @@
         <p:spPr>
           <a:xfrm>
             <a:off x="0" y="0"/>
-            <a:ext cx="3580200" cy="6856920"/>
+            <a:ext cx="3579840" cy="6856560"/>
           </a:xfrm>
           <a:custGeom>
             <a:avLst/>
             <a:gdLst>
-              <a:gd name="textAreaLeft" fmla="*/ 0 w 3580200"/>
-              <a:gd name="textAreaRight" fmla="*/ 3581280 w 3580200"/>
-              <a:gd name="textAreaTop" fmla="*/ 0 h 6856920"/>
-              <a:gd name="textAreaBottom" fmla="*/ 6858000 h 6856920"/>
+              <a:gd name="textAreaLeft" fmla="*/ 0 w 3579840"/>
+              <a:gd name="textAreaRight" fmla="*/ 3581280 w 3579840"/>
+              <a:gd name="textAreaTop" fmla="*/ 0 h 6856560"/>
+              <a:gd name="textAreaBottom" fmla="*/ 6858000 h 6856560"/>
             </a:gdLst>
             <a:ahLst/>
             <a:rect l="textAreaLeft" t="textAreaTop" r="textAreaRight" b="textAreaBottom"/>
@@ -9717,7 +9717,7 @@
         <p:spPr>
           <a:xfrm>
             <a:off x="838080" y="365040"/>
-            <a:ext cx="10514520" cy="1324440"/>
+            <a:ext cx="10514160" cy="1324080"/>
           </a:xfrm>
           <a:prstGeom prst="rect">
             <a:avLst/>
@@ -9772,7 +9772,7 @@
         <p:spPr>
           <a:xfrm>
             <a:off x="381600" y="914400"/>
-            <a:ext cx="5104800" cy="5486040"/>
+            <a:ext cx="5104440" cy="5485680"/>
           </a:xfrm>
           <a:prstGeom prst="rect">
             <a:avLst/>
@@ -10033,7 +10033,7 @@
         <p:spPr>
           <a:xfrm>
             <a:off x="6058440" y="3712320"/>
-            <a:ext cx="5142600" cy="2746440"/>
+            <a:ext cx="5142240" cy="2746080"/>
           </a:xfrm>
           <a:prstGeom prst="rect">
             <a:avLst/>
@@ -10067,7 +10067,7 @@
         <p:spPr>
           <a:xfrm>
             <a:off x="5715000" y="228600"/>
-            <a:ext cx="5943240" cy="3342960"/>
+            <a:ext cx="5942880" cy="3342600"/>
           </a:xfrm>
           <a:prstGeom prst="rect">
             <a:avLst/>
@@ -10129,7 +10129,7 @@
         <p:spPr>
           <a:xfrm>
             <a:off x="0" y="-3240"/>
-            <a:ext cx="12191040" cy="6860160"/>
+            <a:ext cx="12190680" cy="6859800"/>
           </a:xfrm>
           <a:prstGeom prst="rect">
             <a:avLst/>
@@ -10189,15 +10189,15 @@
         <p:spPr>
           <a:xfrm>
             <a:off x="0" y="0"/>
-            <a:ext cx="11785680" cy="6856920"/>
+            <a:ext cx="11785320" cy="6856560"/>
           </a:xfrm>
           <a:custGeom>
             <a:avLst/>
             <a:gdLst>
-              <a:gd name="textAreaLeft" fmla="*/ 0 w 11785680"/>
-              <a:gd name="textAreaRight" fmla="*/ 11786760 w 11785680"/>
-              <a:gd name="textAreaTop" fmla="*/ 0 h 6856920"/>
-              <a:gd name="textAreaBottom" fmla="*/ 6858000 h 6856920"/>
+              <a:gd name="textAreaLeft" fmla="*/ 0 w 11785320"/>
+              <a:gd name="textAreaRight" fmla="*/ 11786760 w 11785320"/>
+              <a:gd name="textAreaTop" fmla="*/ 0 h 6856560"/>
+              <a:gd name="textAreaBottom" fmla="*/ 6858000 h 6856560"/>
             </a:gdLst>
             <a:ahLst/>
             <a:rect l="textAreaLeft" t="textAreaTop" r="textAreaRight" b="textAreaBottom"/>
@@ -10276,15 +10276,15 @@
         <p:spPr>
           <a:xfrm>
             <a:off x="0" y="0"/>
-            <a:ext cx="3580200" cy="6856920"/>
+            <a:ext cx="3579840" cy="6856560"/>
           </a:xfrm>
           <a:custGeom>
             <a:avLst/>
             <a:gdLst>
-              <a:gd name="textAreaLeft" fmla="*/ 0 w 3580200"/>
-              <a:gd name="textAreaRight" fmla="*/ 3581280 w 3580200"/>
-              <a:gd name="textAreaTop" fmla="*/ 0 h 6856920"/>
-              <a:gd name="textAreaBottom" fmla="*/ 6858000 h 6856920"/>
+              <a:gd name="textAreaLeft" fmla="*/ 0 w 3579840"/>
+              <a:gd name="textAreaRight" fmla="*/ 3581280 w 3579840"/>
+              <a:gd name="textAreaTop" fmla="*/ 0 h 6856560"/>
+              <a:gd name="textAreaBottom" fmla="*/ 6858000 h 6856560"/>
             </a:gdLst>
             <a:ahLst/>
             <a:rect l="textAreaLeft" t="textAreaTop" r="textAreaRight" b="textAreaBottom"/>
@@ -10361,7 +10361,7 @@
         <p:spPr>
           <a:xfrm>
             <a:off x="838080" y="365040"/>
-            <a:ext cx="10514520" cy="1324440"/>
+            <a:ext cx="10514160" cy="1324080"/>
           </a:xfrm>
           <a:prstGeom prst="rect">
             <a:avLst/>
@@ -10416,7 +10416,7 @@
         <p:spPr>
           <a:xfrm>
             <a:off x="508680" y="1143000"/>
-            <a:ext cx="5333760" cy="5257440"/>
+            <a:ext cx="5333400" cy="5257080"/>
           </a:xfrm>
           <a:prstGeom prst="rect">
             <a:avLst/>
@@ -10682,7 +10682,7 @@
         <p:spPr>
           <a:xfrm>
             <a:off x="5842800" y="365040"/>
-            <a:ext cx="5942880" cy="3342600"/>
+            <a:ext cx="5942520" cy="3342240"/>
           </a:xfrm>
           <a:prstGeom prst="rect">
             <a:avLst/>
@@ -10744,7 +10744,7 @@
         <p:spPr>
           <a:xfrm>
             <a:off x="0" y="-3240"/>
-            <a:ext cx="12191040" cy="6860160"/>
+            <a:ext cx="12190680" cy="6859800"/>
           </a:xfrm>
           <a:prstGeom prst="rect">
             <a:avLst/>
@@ -10804,15 +10804,15 @@
         <p:spPr>
           <a:xfrm>
             <a:off x="0" y="0"/>
-            <a:ext cx="11785680" cy="6856920"/>
+            <a:ext cx="11785320" cy="6856560"/>
           </a:xfrm>
           <a:custGeom>
             <a:avLst/>
             <a:gdLst>
-              <a:gd name="textAreaLeft" fmla="*/ 0 w 11785680"/>
-              <a:gd name="textAreaRight" fmla="*/ 11786760 w 11785680"/>
-              <a:gd name="textAreaTop" fmla="*/ 0 h 6856920"/>
-              <a:gd name="textAreaBottom" fmla="*/ 6858000 h 6856920"/>
+              <a:gd name="textAreaLeft" fmla="*/ 0 w 11785320"/>
+              <a:gd name="textAreaRight" fmla="*/ 11786760 w 11785320"/>
+              <a:gd name="textAreaTop" fmla="*/ 0 h 6856560"/>
+              <a:gd name="textAreaBottom" fmla="*/ 6858000 h 6856560"/>
             </a:gdLst>
             <a:ahLst/>
             <a:rect l="textAreaLeft" t="textAreaTop" r="textAreaRight" b="textAreaBottom"/>
@@ -10891,15 +10891,15 @@
         <p:spPr>
           <a:xfrm>
             <a:off x="0" y="0"/>
-            <a:ext cx="3580200" cy="6856920"/>
+            <a:ext cx="3579840" cy="6856560"/>
           </a:xfrm>
           <a:custGeom>
             <a:avLst/>
             <a:gdLst>
-              <a:gd name="textAreaLeft" fmla="*/ 0 w 3580200"/>
-              <a:gd name="textAreaRight" fmla="*/ 3581280 w 3580200"/>
-              <a:gd name="textAreaTop" fmla="*/ 0 h 6856920"/>
-              <a:gd name="textAreaBottom" fmla="*/ 6858000 h 6856920"/>
+              <a:gd name="textAreaLeft" fmla="*/ 0 w 3579840"/>
+              <a:gd name="textAreaRight" fmla="*/ 3581280 w 3579840"/>
+              <a:gd name="textAreaTop" fmla="*/ 0 h 6856560"/>
+              <a:gd name="textAreaBottom" fmla="*/ 6858000 h 6856560"/>
             </a:gdLst>
             <a:ahLst/>
             <a:rect l="textAreaLeft" t="textAreaTop" r="textAreaRight" b="textAreaBottom"/>
@@ -10976,7 +10976,7 @@
         <p:spPr>
           <a:xfrm>
             <a:off x="838080" y="365040"/>
-            <a:ext cx="10514520" cy="1324440"/>
+            <a:ext cx="10514160" cy="1324080"/>
           </a:xfrm>
           <a:prstGeom prst="rect">
             <a:avLst/>
@@ -11031,7 +11031,7 @@
         <p:spPr>
           <a:xfrm>
             <a:off x="685800" y="1143000"/>
-            <a:ext cx="4419360" cy="5257440"/>
+            <a:ext cx="4419000" cy="5257080"/>
           </a:xfrm>
           <a:prstGeom prst="rect">
             <a:avLst/>
@@ -11232,7 +11232,7 @@
         <p:spPr>
           <a:xfrm>
             <a:off x="5715000" y="228600"/>
-            <a:ext cx="5942880" cy="3342600"/>
+            <a:ext cx="5942520" cy="3342240"/>
           </a:xfrm>
           <a:prstGeom prst="rect">
             <a:avLst/>
@@ -11255,7 +11255,7 @@
         <p:spPr>
           <a:xfrm>
             <a:off x="6629400" y="3657600"/>
-            <a:ext cx="4218120" cy="2811960"/>
+            <a:ext cx="4217760" cy="2811600"/>
           </a:xfrm>
           <a:prstGeom prst="rect">
             <a:avLst/>
@@ -11317,7 +11317,7 @@
         <p:spPr>
           <a:xfrm>
             <a:off x="0" y="-3240"/>
-            <a:ext cx="12191040" cy="6860160"/>
+            <a:ext cx="12190680" cy="6859800"/>
           </a:xfrm>
           <a:prstGeom prst="rect">
             <a:avLst/>
@@ -11377,15 +11377,15 @@
         <p:spPr>
           <a:xfrm>
             <a:off x="0" y="0"/>
-            <a:ext cx="11785680" cy="6856920"/>
+            <a:ext cx="11785320" cy="6856560"/>
           </a:xfrm>
           <a:custGeom>
             <a:avLst/>
             <a:gdLst>
-              <a:gd name="textAreaLeft" fmla="*/ 0 w 11785680"/>
-              <a:gd name="textAreaRight" fmla="*/ 11786760 w 11785680"/>
-              <a:gd name="textAreaTop" fmla="*/ 0 h 6856920"/>
-              <a:gd name="textAreaBottom" fmla="*/ 6858000 h 6856920"/>
+              <a:gd name="textAreaLeft" fmla="*/ 0 w 11785320"/>
+              <a:gd name="textAreaRight" fmla="*/ 11786760 w 11785320"/>
+              <a:gd name="textAreaTop" fmla="*/ 0 h 6856560"/>
+              <a:gd name="textAreaBottom" fmla="*/ 6858000 h 6856560"/>
             </a:gdLst>
             <a:ahLst/>
             <a:rect l="textAreaLeft" t="textAreaTop" r="textAreaRight" b="textAreaBottom"/>
@@ -11464,15 +11464,15 @@
         <p:spPr>
           <a:xfrm>
             <a:off x="0" y="0"/>
-            <a:ext cx="3580200" cy="6856920"/>
+            <a:ext cx="3579840" cy="6856560"/>
           </a:xfrm>
           <a:custGeom>
             <a:avLst/>
             <a:gdLst>
-              <a:gd name="textAreaLeft" fmla="*/ 0 w 3580200"/>
-              <a:gd name="textAreaRight" fmla="*/ 3581280 w 3580200"/>
-              <a:gd name="textAreaTop" fmla="*/ 0 h 6856920"/>
-              <a:gd name="textAreaBottom" fmla="*/ 6858000 h 6856920"/>
+              <a:gd name="textAreaLeft" fmla="*/ 0 w 3579840"/>
+              <a:gd name="textAreaRight" fmla="*/ 3581280 w 3579840"/>
+              <a:gd name="textAreaTop" fmla="*/ 0 h 6856560"/>
+              <a:gd name="textAreaBottom" fmla="*/ 6858000 h 6856560"/>
             </a:gdLst>
             <a:ahLst/>
             <a:rect l="textAreaLeft" t="textAreaTop" r="textAreaRight" b="textAreaBottom"/>
@@ -11548,8 +11548,8 @@
         </p:nvSpPr>
         <p:spPr>
           <a:xfrm>
-            <a:off x="838080" y="365040"/>
-            <a:ext cx="10514520" cy="1324440"/>
+            <a:off x="457200" y="47520"/>
+            <a:ext cx="10514160" cy="1324080"/>
           </a:xfrm>
           <a:prstGeom prst="rect">
             <a:avLst/>
@@ -11603,8 +11603,8 @@
         </p:nvSpPr>
         <p:spPr>
           <a:xfrm>
-            <a:off x="838080" y="1778040"/>
-            <a:ext cx="6476760" cy="4165200"/>
+            <a:off x="228600" y="685800"/>
+            <a:ext cx="7315200" cy="5943600"/>
           </a:xfrm>
           <a:prstGeom prst="rect">
             <a:avLst/>
@@ -11616,7 +11616,7 @@
         </p:spPr>
         <p:txBody>
           <a:bodyPr lIns="91440" rIns="91440" tIns="45720" bIns="45720" anchor="t">
-            <a:normAutofit/>
+            <a:normAutofit fontScale="89999"/>
           </a:bodyPr>
           <a:p>
             <a:pPr marL="228600" indent="0" defTabSz="914400">
@@ -11662,7 +11662,34 @@
                 </a:solidFill>
                 <a:latin typeface="-apple-system"/>
               </a:rPr>
-              <a:t>intro at least one user store</a:t>
+              <a:t>User Story: - As a player, I want to navigate an </a:t>
+            </a:r>
+            <a:r>
+              <a:rPr b="0" lang="en-US" sz="2000" spc="-1" strike="noStrike">
+                <a:solidFill>
+                  <a:schemeClr val="dk1"/>
+                </a:solidFill>
+                <a:latin typeface="-apple-system"/>
+              </a:rPr>
+              <a:t>environment that's easy to explore with collision </a:t>
+            </a:r>
+            <a:r>
+              <a:rPr b="0" lang="en-US" sz="2000" spc="-1" strike="noStrike">
+                <a:solidFill>
+                  <a:schemeClr val="dk1"/>
+                </a:solidFill>
+                <a:latin typeface="-apple-system"/>
+              </a:rPr>
+              <a:t>that supports my movement and keeps me within </a:t>
+            </a:r>
+            <a:r>
+              <a:rPr b="0" lang="en-US" sz="2000" spc="-1" strike="noStrike">
+                <a:solidFill>
+                  <a:schemeClr val="dk1"/>
+                </a:solidFill>
+                <a:latin typeface="-apple-system"/>
+              </a:rPr>
+              <a:t>bounds.</a:t>
             </a:r>
             <a:endParaRPr b="0" lang="en-US" sz="2000" spc="-1" strike="noStrike">
               <a:solidFill>
@@ -11695,7 +11722,16 @@
                 </a:solidFill>
                 <a:latin typeface="-apple-system"/>
               </a:rPr>
-              <a:t>one requirement</a:t>
+              <a:t>Requirement: The play area shall have </a:t>
+            </a:r>
+            <a:r>
+              <a:rPr b="0" lang="en-US" sz="2000" spc="-1" strike="noStrike">
+                <a:solidFill>
+                  <a:schemeClr val="dk1"/>
+                </a:solidFill>
+                <a:latin typeface="-apple-system"/>
+              </a:rPr>
+              <a:t>boundaries.</a:t>
             </a:r>
             <a:endParaRPr b="0" lang="en-US" sz="2000" spc="-1" strike="noStrike">
               <a:solidFill>
@@ -11728,7 +11764,133 @@
                 </a:solidFill>
                 <a:latin typeface="-apple-system"/>
               </a:rPr>
-              <a:t>one design</a:t>
+              <a:t>Design: The player has a fixed camera that keeps </a:t>
+            </a:r>
+            <a:r>
+              <a:rPr b="0" lang="en-US" sz="2000" spc="-1" strike="noStrike">
+                <a:solidFill>
+                  <a:schemeClr val="dk1"/>
+                </a:solidFill>
+                <a:latin typeface="-apple-system"/>
+              </a:rPr>
+              <a:t>the player body at the center of the screen at all </a:t>
+            </a:r>
+            <a:r>
+              <a:rPr b="0" lang="en-US" sz="2000" spc="-1" strike="noStrike">
+                <a:solidFill>
+                  <a:schemeClr val="dk1"/>
+                </a:solidFill>
+                <a:latin typeface="-apple-system"/>
+              </a:rPr>
+              <a:t>times. In order to not break immersion, it's </a:t>
+            </a:r>
+            <a:r>
+              <a:rPr b="0" lang="en-US" sz="2000" spc="-1" strike="noStrike">
+                <a:solidFill>
+                  <a:schemeClr val="dk1"/>
+                </a:solidFill>
+                <a:latin typeface="-apple-system"/>
+              </a:rPr>
+              <a:t>important that the player does not see any blank </a:t>
+            </a:r>
+            <a:r>
+              <a:rPr b="0" lang="en-US" sz="2000" spc="-1" strike="noStrike">
+                <a:solidFill>
+                  <a:schemeClr val="dk1"/>
+                </a:solidFill>
+                <a:latin typeface="-apple-system"/>
+              </a:rPr>
+              <a:t>space in the levels where there is no map. To </a:t>
+            </a:r>
+            <a:r>
+              <a:rPr b="0" lang="en-US" sz="2000" spc="-1" strike="noStrike">
+                <a:solidFill>
+                  <a:schemeClr val="dk1"/>
+                </a:solidFill>
+                <a:latin typeface="-apple-system"/>
+              </a:rPr>
+              <a:t>achieve this, there must be a playable area that </a:t>
+            </a:r>
+            <a:r>
+              <a:rPr b="0" lang="en-US" sz="2000" spc="-1" strike="noStrike">
+                <a:solidFill>
+                  <a:schemeClr val="dk1"/>
+                </a:solidFill>
+                <a:latin typeface="-apple-system"/>
+              </a:rPr>
+              <a:t>the player can freely navigate which is enclosed. </a:t>
+            </a:r>
+            <a:r>
+              <a:rPr b="0" lang="en-US" sz="2000" spc="-1" strike="noStrike">
+                <a:solidFill>
+                  <a:schemeClr val="dk1"/>
+                </a:solidFill>
+                <a:latin typeface="-apple-system"/>
+              </a:rPr>
+              <a:t>There will be another area that the player cannot </a:t>
+            </a:r>
+            <a:r>
+              <a:rPr b="0" lang="en-US" sz="2000" spc="-1" strike="noStrike">
+                <a:solidFill>
+                  <a:schemeClr val="dk1"/>
+                </a:solidFill>
+                <a:latin typeface="-apple-system"/>
+              </a:rPr>
+              <a:t>access which functions as a decorative space to </a:t>
+            </a:r>
+            <a:r>
+              <a:rPr b="0" lang="en-US" sz="2000" spc="-1" strike="noStrike">
+                <a:solidFill>
+                  <a:schemeClr val="dk1"/>
+                </a:solidFill>
+                <a:latin typeface="-apple-system"/>
+              </a:rPr>
+              <a:t>hide the edges of the level where the content </a:t>
+            </a:r>
+            <a:r>
+              <a:rPr b="0" lang="en-US" sz="2000" spc="-1" strike="noStrike">
+                <a:solidFill>
+                  <a:schemeClr val="dk1"/>
+                </a:solidFill>
+                <a:latin typeface="-apple-system"/>
+              </a:rPr>
+              <a:t>ends. The inaccessible area must be a minimum </a:t>
+            </a:r>
+            <a:r>
+              <a:rPr b="0" lang="en-US" sz="2000" spc="-1" strike="noStrike">
+                <a:solidFill>
+                  <a:schemeClr val="dk1"/>
+                </a:solidFill>
+                <a:latin typeface="-apple-system"/>
+              </a:rPr>
+              <a:t>of half the height or width of the player camera to </a:t>
+            </a:r>
+            <a:r>
+              <a:rPr b="0" lang="en-US" sz="2000" spc="-1" strike="noStrike">
+                <a:solidFill>
+                  <a:schemeClr val="dk1"/>
+                </a:solidFill>
+                <a:latin typeface="-apple-system"/>
+              </a:rPr>
+              <a:t>accurately hide the blank space. Achieving this will </a:t>
+            </a:r>
+            <a:r>
+              <a:rPr b="0" lang="en-US" sz="2000" spc="-1" strike="noStrike">
+                <a:solidFill>
+                  <a:schemeClr val="dk1"/>
+                </a:solidFill>
+                <a:latin typeface="-apple-system"/>
+              </a:rPr>
+              <a:t>create immersion and a cohesive game </a:t>
+            </a:r>
+            <a:r>
+              <a:rPr b="0" lang="en-US" sz="2000" spc="-1" strike="noStrike">
+                <a:solidFill>
+                  <a:schemeClr val="dk1"/>
+                </a:solidFill>
+                <a:latin typeface="-apple-system"/>
+              </a:rPr>
+              <a:t>environment.</a:t>
             </a:r>
             <a:endParaRPr b="0" lang="en-US" sz="2000" spc="-1" strike="noStrike">
               <a:solidFill>
@@ -11761,7 +11923,7 @@
                 </a:solidFill>
                 <a:latin typeface="-apple-system"/>
               </a:rPr>
-              <a:t>implementation gif or figure</a:t>
+              <a:t>Conclusion: </a:t>
             </a:r>
             <a:endParaRPr b="0" lang="en-US" sz="2000" spc="-1" strike="noStrike">
               <a:solidFill>
@@ -11770,41 +11932,54 @@
               <a:latin typeface="Arial"/>
             </a:endParaRPr>
           </a:p>
-          <a:p>
-            <a:pPr marL="228600" indent="-228600" defTabSz="914400">
-              <a:lnSpc>
-                <a:spcPct val="90000"/>
-              </a:lnSpc>
-              <a:spcBef>
-                <a:spcPts val="1001"/>
-              </a:spcBef>
-              <a:buClr>
-                <a:srgbClr val="ffffff"/>
-              </a:buClr>
-              <a:buFont typeface="Arial"/>
-              <a:buChar char="•"/>
-              <a:tabLst>
-                <a:tab algn="l" pos="0"/>
-              </a:tabLst>
-            </a:pPr>
-            <a:r>
-              <a:rPr b="0" lang="en-US" sz="2000" spc="-1" strike="noStrike">
-                <a:solidFill>
-                  <a:schemeClr val="dk1"/>
-                </a:solidFill>
-                <a:latin typeface="-apple-system"/>
-              </a:rPr>
-              <a:t>brief conclusion</a:t>
-            </a:r>
-            <a:endParaRPr b="0" lang="en-US" sz="2000" spc="-1" strike="noStrike">
-              <a:solidFill>
-                <a:srgbClr val="ffffff"/>
-              </a:solidFill>
-              <a:latin typeface="Arial"/>
-            </a:endParaRPr>
-          </a:p>
-        </p:txBody>
-      </p:sp>
+        </p:txBody>
+      </p:sp>
+      <p:pic>
+        <p:nvPicPr>
+          <p:cNvPr id="101" name="" descr=""/>
+          <p:cNvPicPr/>
+          <p:nvPr/>
+        </p:nvPicPr>
+        <p:blipFill>
+          <a:blip r:embed="rId1"/>
+          <a:stretch/>
+        </p:blipFill>
+        <p:spPr>
+          <a:xfrm>
+            <a:off x="7772400" y="228600"/>
+            <a:ext cx="4230720" cy="4788000"/>
+          </a:xfrm>
+          <a:prstGeom prst="rect">
+            <a:avLst/>
+          </a:prstGeom>
+          <a:ln w="0">
+            <a:noFill/>
+          </a:ln>
+        </p:spPr>
+      </p:pic>
+      <p:pic>
+        <p:nvPicPr>
+          <p:cNvPr id="102" name="" descr=""/>
+          <p:cNvPicPr/>
+          <p:nvPr/>
+        </p:nvPicPr>
+        <p:blipFill>
+          <a:blip r:embed="rId2"/>
+          <a:stretch/>
+        </p:blipFill>
+        <p:spPr>
+          <a:xfrm>
+            <a:off x="8721000" y="5016600"/>
+            <a:ext cx="2251800" cy="1600200"/>
+          </a:xfrm>
+          <a:prstGeom prst="rect">
+            <a:avLst/>
+          </a:prstGeom>
+          <a:ln w="0">
+            <a:noFill/>
+          </a:ln>
+        </p:spPr>
+      </p:pic>
     </p:spTree>
   </p:cSld>
   <mc:AlternateContent>
@@ -11844,7 +12019,7 @@
       </p:grpSpPr>
       <p:sp>
         <p:nvSpPr>
-          <p:cNvPr id="101" name="Rectangle 22">
+          <p:cNvPr id="103" name="Rectangle 22">
             <a:extLst>
               <a:ext uri="{C183D7F6-B498-43B3-948B-1728B52AA6E4}">
                 <adec:decorative xmlns:adec="http://schemas.microsoft.com/office/drawing/2017/decorative" val="1"/>
@@ -11857,7 +12032,7 @@
         <p:spPr>
           <a:xfrm>
             <a:off x="0" y="-3240"/>
-            <a:ext cx="12191040" cy="6860160"/>
+            <a:ext cx="12190680" cy="6859800"/>
           </a:xfrm>
           <a:prstGeom prst="rect">
             <a:avLst/>
@@ -11904,7 +12079,7 @@
       </p:sp>
       <p:sp>
         <p:nvSpPr>
-          <p:cNvPr id="102" name="Freeform 13">
+          <p:cNvPr id="104" name="Freeform 13">
             <a:extLst>
               <a:ext uri="{C183D7F6-B498-43B3-948B-1728B52AA6E4}">
                 <adec:decorative xmlns:adec="http://schemas.microsoft.com/office/drawing/2017/decorative" val="1"/>
@@ -11917,15 +12092,15 @@
         <p:spPr>
           <a:xfrm>
             <a:off x="0" y="0"/>
-            <a:ext cx="11785680" cy="6856920"/>
+            <a:ext cx="11785320" cy="6856560"/>
           </a:xfrm>
           <a:custGeom>
             <a:avLst/>
             <a:gdLst>
-              <a:gd name="textAreaLeft" fmla="*/ 0 w 11785680"/>
-              <a:gd name="textAreaRight" fmla="*/ 11786760 w 11785680"/>
-              <a:gd name="textAreaTop" fmla="*/ 0 h 6856920"/>
-              <a:gd name="textAreaBottom" fmla="*/ 6858000 h 6856920"/>
+              <a:gd name="textAreaLeft" fmla="*/ 0 w 11785320"/>
+              <a:gd name="textAreaRight" fmla="*/ 11786760 w 11785320"/>
+              <a:gd name="textAreaTop" fmla="*/ 0 h 6856560"/>
+              <a:gd name="textAreaBottom" fmla="*/ 6858000 h 6856560"/>
             </a:gdLst>
             <a:ahLst/>
             <a:rect l="textAreaLeft" t="textAreaTop" r="textAreaRight" b="textAreaBottom"/>
@@ -11991,7 +12166,7 @@
       </p:sp>
       <p:sp>
         <p:nvSpPr>
-          <p:cNvPr id="103" name="Freeform 11">
+          <p:cNvPr id="105" name="Freeform 11">
             <a:extLst>
               <a:ext uri="{C183D7F6-B498-43B3-948B-1728B52AA6E4}">
                 <adec:decorative xmlns:adec="http://schemas.microsoft.com/office/drawing/2017/decorative" val="1"/>
@@ -12004,15 +12179,15 @@
         <p:spPr>
           <a:xfrm>
             <a:off x="0" y="0"/>
-            <a:ext cx="3580200" cy="6856920"/>
+            <a:ext cx="3579840" cy="6856560"/>
           </a:xfrm>
           <a:custGeom>
             <a:avLst/>
             <a:gdLst>
-              <a:gd name="textAreaLeft" fmla="*/ 0 w 3580200"/>
-              <a:gd name="textAreaRight" fmla="*/ 3581280 w 3580200"/>
-              <a:gd name="textAreaTop" fmla="*/ 0 h 6856920"/>
-              <a:gd name="textAreaBottom" fmla="*/ 6858000 h 6856920"/>
+              <a:gd name="textAreaLeft" fmla="*/ 0 w 3579840"/>
+              <a:gd name="textAreaRight" fmla="*/ 3581280 w 3579840"/>
+              <a:gd name="textAreaTop" fmla="*/ 0 h 6856560"/>
+              <a:gd name="textAreaBottom" fmla="*/ 6858000 h 6856560"/>
             </a:gdLst>
             <a:ahLst/>
             <a:rect l="textAreaLeft" t="textAreaTop" r="textAreaRight" b="textAreaBottom"/>
@@ -12078,7 +12253,7 @@
       </p:sp>
       <p:sp>
         <p:nvSpPr>
-          <p:cNvPr id="104" name="PlaceHolder 1"/>
+          <p:cNvPr id="106" name="PlaceHolder 1"/>
           <p:cNvSpPr>
             <a:spLocks noGrp="1"/>
           </p:cNvSpPr>
@@ -12089,7 +12264,7 @@
         <p:spPr>
           <a:xfrm>
             <a:off x="838080" y="365040"/>
-            <a:ext cx="10514520" cy="1324440"/>
+            <a:ext cx="10514160" cy="1324080"/>
           </a:xfrm>
           <a:prstGeom prst="rect">
             <a:avLst/>
@@ -12133,7 +12308,7 @@
       </p:sp>
       <p:sp>
         <p:nvSpPr>
-          <p:cNvPr id="105" name="PlaceHolder 2"/>
+          <p:cNvPr id="107" name="PlaceHolder 2"/>
           <p:cNvSpPr>
             <a:spLocks noGrp="1"/>
           </p:cNvSpPr>
@@ -12144,7 +12319,7 @@
         <p:spPr>
           <a:xfrm>
             <a:off x="838080" y="2010960"/>
-            <a:ext cx="10514520" cy="4165200"/>
+            <a:ext cx="10514160" cy="4164840"/>
           </a:xfrm>
           <a:prstGeom prst="rect">
             <a:avLst/>
